--- a/how-big-is-my-graph.pptx
+++ b/how-big-is-my-graph.pptx
@@ -5,13 +5,14 @@
     <p:sldMasterId id="2147483648" r:id="rId1"/>
   </p:sldMasterIdLst>
   <p:notesMasterIdLst>
-    <p:notesMasterId r:id="rId6"/>
+    <p:notesMasterId r:id="rId7"/>
   </p:notesMasterIdLst>
   <p:sldIdLst>
     <p:sldId id="256" r:id="rId2"/>
-    <p:sldId id="258" r:id="rId3"/>
-    <p:sldId id="257" r:id="rId4"/>
-    <p:sldId id="259" r:id="rId5"/>
+    <p:sldId id="260" r:id="rId3"/>
+    <p:sldId id="258" r:id="rId4"/>
+    <p:sldId id="257" r:id="rId5"/>
+    <p:sldId id="259" r:id="rId6"/>
   </p:sldIdLst>
   <p:sldSz cx="13970000" cy="10795000"/>
   <p:notesSz cx="6858000" cy="9144000"/>
@@ -91,7 +92,18 @@
   </p:defaultTextStyle>
   <p:extLst>
     <p:ext uri="{EFAFB233-063F-42B5-8137-9DF3F51BA10A}">
-      <p15:sldGuideLst xmlns:p15="http://schemas.microsoft.com/office/powerpoint/2012/main" xmlns=""/>
+      <p15:sldGuideLst xmlns:p15="http://schemas.microsoft.com/office/powerpoint/2012/main" xmlns="">
+        <p15:guide id="1" orient="horz" pos="3400">
+          <p15:clr>
+            <a:srgbClr val="A4A3A4"/>
+          </p15:clr>
+        </p15:guide>
+        <p15:guide id="2" pos="4400">
+          <p15:clr>
+            <a:srgbClr val="A4A3A4"/>
+          </p15:clr>
+        </p15:guide>
+      </p15:sldGuideLst>
     </p:ext>
   </p:extLst>
 </p:presentation>
@@ -1950,7 +1962,7 @@
               <a:defRPr sz="1800"/>
             </a:pPr>
             <a:r>
-              <a:rPr lang="en-US" sz="1200" dirty="0" smtClean="0">
+              <a:rPr lang="en-US" sz="1200" dirty="0">
                 <a:latin typeface="Source Sans Pro Semibold"/>
                 <a:ea typeface="Source Sans Pro Semibold"/>
                 <a:cs typeface="Source Sans Pro Semibold"/>
@@ -1959,7 +1971,7 @@
               <a:t/>
             </a:r>
             <a:br>
-              <a:rPr lang="en-US" sz="1200" dirty="0" smtClean="0">
+              <a:rPr lang="en-US" sz="1200" dirty="0">
                 <a:latin typeface="Source Sans Pro Semibold"/>
                 <a:ea typeface="Source Sans Pro Semibold"/>
                 <a:cs typeface="Source Sans Pro Semibold"/>
@@ -1967,7 +1979,7 @@
               </a:rPr>
             </a:br>
             <a:r>
-              <a:rPr lang="en-US" sz="1200" b="1" dirty="0" err="1" smtClean="0">
+              <a:rPr lang="en-US" sz="1200" b="1" dirty="0" err="1">
                 <a:latin typeface="Source Sans Pro Semibold"/>
                 <a:ea typeface="Source Sans Pro Semibold"/>
                 <a:cs typeface="Source Sans Pro Semibold"/>
@@ -1976,16 +1988,16 @@
               <a:t>dev.size</a:t>
             </a:r>
             <a:r>
-              <a:rPr lang="en-US" sz="1200" b="1" dirty="0" smtClean="0">
+              <a:rPr lang="en-US" sz="1200" b="1" dirty="0">
                 <a:latin typeface="Source Sans Pro Semibold"/>
                 <a:ea typeface="Source Sans Pro Semibold"/>
                 <a:cs typeface="Source Sans Pro Semibold"/>
                 <a:sym typeface="Source Sans Pro Semibold"/>
               </a:rPr>
-              <a:t>()</a:t>
+              <a:t>(units)</a:t>
             </a:r>
             <a:br>
-              <a:rPr lang="en-US" sz="1200" b="1" dirty="0" smtClean="0">
+              <a:rPr lang="en-US" sz="1200" b="1" dirty="0">
                 <a:latin typeface="Source Sans Pro Semibold"/>
                 <a:ea typeface="Source Sans Pro Semibold"/>
                 <a:cs typeface="Source Sans Pro Semibold"/>
@@ -1993,7 +2005,7 @@
               </a:rPr>
             </a:br>
             <a:r>
-              <a:rPr lang="en-US" sz="1200" b="1" dirty="0" smtClean="0">
+              <a:rPr lang="en-US" sz="1200" b="1" dirty="0">
                 <a:latin typeface="Source Sans Pro Semibold"/>
                 <a:ea typeface="Source Sans Pro Semibold"/>
                 <a:cs typeface="Source Sans Pro Semibold"/>
@@ -2001,7 +2013,7 @@
               </a:rPr>
               <a:t>par(“fin”)</a:t>
             </a:r>
-            <a:endParaRPr lang="en-US" sz="1200" dirty="0" smtClean="0">
+            <a:endParaRPr lang="en-US" sz="1200" dirty="0">
               <a:latin typeface="Source Sans Pro Semibold"/>
               <a:ea typeface="Source Sans Pro Semibold"/>
               <a:cs typeface="Source Sans Pro Semibold"/>
@@ -2022,22 +2034,13 @@
               <a:defRPr sz="1800"/>
             </a:pPr>
             <a:r>
-              <a:rPr lang="en-US" sz="1200" dirty="0" smtClean="0">
+              <a:rPr lang="en-US" sz="1200" dirty="0">
                 <a:latin typeface="Source Sans Pro Semibold"/>
                 <a:ea typeface="Source Sans Pro Semibold"/>
                 <a:cs typeface="Source Sans Pro Semibold"/>
                 <a:sym typeface="Source Sans Pro Semibold"/>
               </a:rPr>
-              <a:t>Sometimes you will need to query the size of the graphics </a:t>
-            </a:r>
-            <a:r>
-              <a:rPr lang="en-US" sz="1200" dirty="0" smtClean="0">
-                <a:latin typeface="Source Sans Pro Semibold"/>
-                <a:ea typeface="Source Sans Pro Semibold"/>
-                <a:cs typeface="Source Sans Pro Semibold"/>
-                <a:sym typeface="Source Sans Pro Semibold"/>
-              </a:rPr>
-              <a:t>device within the R program itself. You might do this because you can’t remember the default values, because you may have changed the size of the graphics window on your screen, or because you need the size of the device in order to calculate other important aspects of the size of your graph.</a:t>
+              <a:t>Sometimes you will need to query the size of the graphics device within the R program itself. You might do this because you can’t remember the default values, because you may have changed the size of the graphics window on your screen, or because you need the size of the device in order to calculate other important aspects of the size of your graph.</a:t>
             </a:r>
           </a:p>
           <a:p>
@@ -2054,7 +2057,7 @@
               <a:defRPr sz="1800"/>
             </a:pPr>
             <a:r>
-              <a:rPr lang="en-US" sz="1200" dirty="0" smtClean="0">
+              <a:rPr lang="en-US" sz="1200" dirty="0">
                 <a:latin typeface="Source Sans Pro Semibold"/>
                 <a:ea typeface="Source Sans Pro Semibold"/>
                 <a:cs typeface="Source Sans Pro Semibold"/>
@@ -2114,16 +2117,7 @@
                 <a:cs typeface="Source Sans Pro Semibold"/>
                 <a:sym typeface="Source Sans Pro Semibold"/>
               </a:rPr>
-              <a:t> will not be updated if you resize your graphics window</a:t>
-            </a:r>
-            <a:r>
-              <a:rPr lang="en-US" sz="1200" dirty="0" smtClean="0">
-                <a:latin typeface="Source Sans Pro Semibold"/>
-                <a:ea typeface="Source Sans Pro Semibold"/>
-                <a:cs typeface="Source Sans Pro Semibold"/>
-                <a:sym typeface="Source Sans Pro Semibold"/>
-              </a:rPr>
-              <a:t>.</a:t>
+              <a:t> will not be updated if you resize your graphics window.</a:t>
             </a:r>
           </a:p>
           <a:p>
@@ -2140,7 +2134,7 @@
               <a:defRPr sz="1800"/>
             </a:pPr>
             <a:r>
-              <a:rPr lang="en-US" sz="1200" dirty="0" smtClean="0">
+              <a:rPr lang="en-US" sz="1200" dirty="0">
                 <a:latin typeface="Source Sans Pro Semibold"/>
                 <a:ea typeface="Source Sans Pro Semibold"/>
                 <a:cs typeface="Source Sans Pro Semibold"/>
@@ -2218,16 +2212,7 @@
                 <a:cs typeface="Source Sans Pro Semibold"/>
                 <a:sym typeface="Source Sans Pro Semibold"/>
               </a:rPr>
-              <a:t> to get the size in different units</a:t>
-            </a:r>
-            <a:r>
-              <a:rPr lang="en-US" sz="1200" dirty="0" smtClean="0">
-                <a:latin typeface="Source Sans Pro Semibold"/>
-                <a:ea typeface="Source Sans Pro Semibold"/>
-                <a:cs typeface="Source Sans Pro Semibold"/>
-                <a:sym typeface="Source Sans Pro Semibold"/>
-              </a:rPr>
-              <a:t>. The command</a:t>
+              <a:t> to get the size in different units. The command</a:t>
             </a:r>
             <a:endParaRPr lang="en-US" sz="1200" dirty="0">
               <a:latin typeface="Source Sans Pro Light"/>
@@ -2755,7 +2740,7 @@
               <a:t>•  package  version  •  Updated: </a:t>
             </a:r>
             <a:r>
-              <a:rPr lang="en-US" sz="900" dirty="0" smtClean="0">
+              <a:rPr lang="en-US" sz="900" dirty="0">
                 <a:latin typeface="Source Sans Pro Light"/>
                 <a:ea typeface="Source Sans Pro Light"/>
                 <a:cs typeface="Source Sans Pro Light"/>
@@ -2919,45 +2904,6 @@
               <a:cs typeface="Source Sans Pro"/>
               <a:sym typeface="Source Sans Pro"/>
             </a:endParaRPr>
-          </a:p>
-        </p:txBody>
-      </p:sp>
-      <p:sp>
-        <p:nvSpPr>
-          <p:cNvPr id="47" name="Shape 47"/>
-          <p:cNvSpPr/>
-          <p:nvPr/>
-        </p:nvSpPr>
-        <p:spPr>
-          <a:xfrm>
-            <a:off x="7046645" y="726416"/>
-            <a:ext cx="6579483" cy="8139270"/>
-          </a:xfrm>
-          <a:prstGeom prst="roundRect">
-            <a:avLst>
-              <a:gd name="adj" fmla="val 593"/>
-            </a:avLst>
-          </a:prstGeom>
-          <a:solidFill>
-            <a:srgbClr val="FFFFFF"/>
-          </a:solidFill>
-          <a:ln w="12700">
-            <a:miter lim="400000"/>
-          </a:ln>
-        </p:spPr>
-        <p:txBody>
-          <a:bodyPr lIns="0" tIns="0" rIns="0" bIns="0" anchor="ctr"/>
-          <a:lstStyle/>
-          <a:p>
-            <a:pPr lvl="0" algn="l">
-              <a:defRPr sz="1000">
-                <a:latin typeface="Menlo"/>
-                <a:ea typeface="Menlo"/>
-                <a:cs typeface="Menlo"/>
-                <a:sym typeface="Menlo"/>
-              </a:defRPr>
-            </a:pPr>
-            <a:endParaRPr/>
           </a:p>
         </p:txBody>
       </p:sp>
@@ -3042,7 +2988,7 @@
               <a:defRPr sz="1800"/>
             </a:pPr>
             <a:r>
-              <a:rPr lang="en-US" sz="1200" dirty="0" smtClean="0">
+              <a:rPr lang="en-US" sz="1200" dirty="0">
                 <a:latin typeface="Source Sans Pro Light"/>
                 <a:ea typeface="Source Sans Pro Light"/>
                 <a:cs typeface="Source Sans Pro Light"/>
@@ -3051,7 +2997,7 @@
               <a:t/>
             </a:r>
             <a:br>
-              <a:rPr lang="en-US" sz="1200" dirty="0" smtClean="0">
+              <a:rPr lang="en-US" sz="1200" dirty="0">
                 <a:latin typeface="Source Sans Pro Light"/>
                 <a:ea typeface="Source Sans Pro Light"/>
                 <a:cs typeface="Source Sans Pro Light"/>
@@ -3059,7 +3005,7 @@
               </a:rPr>
             </a:br>
             <a:r>
-              <a:rPr lang="en-US" sz="1200" b="1" dirty="0" smtClean="0">
+              <a:rPr lang="en-US" sz="1200" b="1" dirty="0">
                 <a:latin typeface="Source Sans Pro Light"/>
                 <a:ea typeface="Source Sans Pro Light"/>
                 <a:cs typeface="Source Sans Pro Light"/>
@@ -3068,7 +3014,7 @@
               <a:t>par(“</a:t>
             </a:r>
             <a:r>
-              <a:rPr lang="en-US" sz="1200" b="1" dirty="0" err="1" smtClean="0">
+              <a:rPr lang="en-US" sz="1200" b="1" dirty="0" err="1">
                 <a:latin typeface="Source Sans Pro Light"/>
                 <a:ea typeface="Source Sans Pro Light"/>
                 <a:cs typeface="Source Sans Pro Light"/>
@@ -3077,7 +3023,7 @@
               <a:t>mai</a:t>
             </a:r>
             <a:r>
-              <a:rPr lang="en-US" sz="1200" b="1" dirty="0" smtClean="0">
+              <a:rPr lang="en-US" sz="1200" b="1" dirty="0">
                 <a:latin typeface="Source Sans Pro Light"/>
                 <a:ea typeface="Source Sans Pro Light"/>
                 <a:cs typeface="Source Sans Pro Light"/>
@@ -3086,7 +3032,7 @@
               <a:t>”)</a:t>
             </a:r>
             <a:br>
-              <a:rPr lang="en-US" sz="1200" b="1" dirty="0" smtClean="0">
+              <a:rPr lang="en-US" sz="1200" b="1" dirty="0">
                 <a:latin typeface="Source Sans Pro Light"/>
                 <a:ea typeface="Source Sans Pro Light"/>
                 <a:cs typeface="Source Sans Pro Light"/>
@@ -3094,7 +3040,7 @@
               </a:rPr>
             </a:br>
             <a:r>
-              <a:rPr lang="en-US" sz="1200" b="1" dirty="0" smtClean="0">
+              <a:rPr lang="en-US" sz="1200" b="1" dirty="0">
                 <a:latin typeface="Source Sans Pro Light"/>
                 <a:ea typeface="Source Sans Pro Light"/>
                 <a:cs typeface="Source Sans Pro Light"/>
@@ -3123,33 +3069,15 @@
               <a:defRPr sz="1800"/>
             </a:pPr>
             <a:r>
-              <a:rPr lang="en-US" sz="1200" dirty="0" smtClean="0">
-                <a:latin typeface="Source Sans Pro Light"/>
-                <a:ea typeface="Source Sans Pro Light"/>
-                <a:cs typeface="Source Sans Pro Light"/>
-                <a:sym typeface="Source Sans Pro Light"/>
-              </a:rPr>
-              <a:t>Margins </a:t>
-            </a:r>
-            <a:r>
               <a:rPr lang="en-US" sz="1200" dirty="0">
                 <a:latin typeface="Source Sans Pro Light"/>
                 <a:ea typeface="Source Sans Pro Light"/>
                 <a:cs typeface="Source Sans Pro Light"/>
                 <a:sym typeface="Source Sans Pro Light"/>
               </a:rPr>
-              <a:t>provide you space for your axes, axis, labels, and titles</a:t>
-            </a:r>
-            <a:r>
-              <a:rPr lang="en-US" sz="1200" dirty="0" smtClean="0">
-                <a:latin typeface="Source Sans Pro Light"/>
-                <a:ea typeface="Source Sans Pro Light"/>
-                <a:cs typeface="Source Sans Pro Light"/>
-                <a:sym typeface="Source Sans Pro Light"/>
-              </a:rPr>
-              <a:t>.</a:t>
-            </a:r>
-            <a:endParaRPr lang="en-US" sz="1200" dirty="0" smtClean="0">
+              <a:t>Margins provide you space for your axes, axis, labels, and titles.</a:t>
+            </a:r>
+            <a:endParaRPr lang="en-US" sz="1200" dirty="0">
               <a:latin typeface="Source Sans Pro Semibold"/>
               <a:ea typeface="Source Sans Pro Semibold"/>
               <a:cs typeface="Source Sans Pro Semibold"/>
@@ -3170,7 +3098,7 @@
               <a:defRPr sz="1800"/>
             </a:pPr>
             <a:r>
-              <a:rPr lang="en-US" sz="1200" dirty="0" smtClean="0">
+              <a:rPr lang="en-US" sz="1200" dirty="0">
                 <a:latin typeface="Source Sans Pro Light"/>
                 <a:ea typeface="Source Sans Pro Light"/>
                 <a:cs typeface="Source Sans Pro Light"/>
@@ -3289,16 +3217,7 @@
                 <a:cs typeface="Source Sans Pro Light"/>
                 <a:sym typeface="Source Sans Pro Light"/>
               </a:rPr>
-              <a:t> </a:t>
-            </a:r>
-            <a:r>
-              <a:rPr lang="en-US" sz="1200" dirty="0" smtClean="0">
-                <a:latin typeface="Source Sans Pro Light"/>
-                <a:ea typeface="Source Sans Pro Light"/>
-                <a:cs typeface="Source Sans Pro Light"/>
-                <a:sym typeface="Source Sans Pro Light"/>
-              </a:rPr>
-              <a:t>parameters.</a:t>
+              <a:t> parameters.</a:t>
             </a:r>
           </a:p>
           <a:p>
@@ -3315,22 +3234,13 @@
               <a:defRPr sz="1800"/>
             </a:pPr>
             <a:r>
-              <a:rPr lang="en-US" sz="1200" dirty="0" smtClean="0">
-                <a:latin typeface="Source Sans Pro Light"/>
-                <a:ea typeface="Source Sans Pro Light"/>
-                <a:cs typeface="Source Sans Pro Light"/>
-                <a:sym typeface="Source Sans Pro Light"/>
-              </a:rPr>
-              <a:t>If </a:t>
-            </a:r>
-            <a:r>
               <a:rPr lang="en-US" sz="1200" dirty="0">
                 <a:latin typeface="Source Sans Pro Light"/>
                 <a:ea typeface="Source Sans Pro Light"/>
                 <a:cs typeface="Source Sans Pro Light"/>
                 <a:sym typeface="Source Sans Pro Light"/>
               </a:rPr>
-              <a:t>your graph has no axes or titles, you can remove the margins (and maximize the plotting region) with</a:t>
+              <a:t>If your graph has no axes or titles, you can remove the margins (and maximize the plotting region) with</a:t>
             </a:r>
           </a:p>
           <a:p>
@@ -3347,7 +3257,7 @@
               <a:defRPr sz="1800"/>
             </a:pPr>
             <a:r>
-              <a:rPr lang="en-US" sz="1200" b="1" dirty="0" smtClean="0">
+              <a:rPr lang="en-US" sz="1200" b="1" dirty="0">
                 <a:latin typeface="Source Sans Pro Light"/>
                 <a:ea typeface="Source Sans Pro Light"/>
                 <a:cs typeface="Source Sans Pro Light"/>
@@ -3539,39 +3449,30 @@
               <a:defRPr sz="1800"/>
             </a:pPr>
             <a:r>
-              <a:rPr lang="en-US" sz="1200" dirty="0" smtClean="0">
-                <a:latin typeface="Source Sans Pro Semibold"/>
-                <a:ea typeface="Source Sans Pro Semibold"/>
-                <a:cs typeface="Source Sans Pro Semibold"/>
-                <a:sym typeface="Source Sans Pro Semibold"/>
-              </a:rPr>
-              <a:t/>
-            </a:r>
-            <a:br>
-              <a:rPr lang="en-US" sz="1200" dirty="0" smtClean="0">
-                <a:latin typeface="Source Sans Pro Semibold"/>
-                <a:ea typeface="Source Sans Pro Semibold"/>
-                <a:cs typeface="Source Sans Pro Semibold"/>
-                <a:sym typeface="Source Sans Pro Semibold"/>
-              </a:rPr>
-            </a:br>
-            <a:r>
-              <a:rPr lang="en-US" sz="1200" dirty="0" smtClean="0">
-                <a:latin typeface="Source Sans Pro Semibold"/>
-                <a:ea typeface="Source Sans Pro Semibold"/>
-                <a:cs typeface="Source Sans Pro Semibold"/>
-                <a:sym typeface="Source Sans Pro Semibold"/>
-              </a:rPr>
-              <a:t>You </a:t>
-            </a:r>
-            <a:r>
               <a:rPr lang="en-US" sz="1200" dirty="0">
                 <a:latin typeface="Source Sans Pro Semibold"/>
                 <a:ea typeface="Source Sans Pro Semibold"/>
                 <a:cs typeface="Source Sans Pro Semibold"/>
                 <a:sym typeface="Source Sans Pro Semibold"/>
               </a:rPr>
-              <a:t>can measure the size of your graph in inches (</a:t>
+              <a:t/>
+            </a:r>
+            <a:br>
+              <a:rPr lang="en-US" sz="1200" dirty="0">
+                <a:latin typeface="Source Sans Pro Semibold"/>
+                <a:ea typeface="Source Sans Pro Semibold"/>
+                <a:cs typeface="Source Sans Pro Semibold"/>
+                <a:sym typeface="Source Sans Pro Semibold"/>
+              </a:rPr>
+            </a:br>
+            <a:r>
+              <a:rPr lang="en-US" sz="1200" dirty="0">
+                <a:latin typeface="Source Sans Pro Semibold"/>
+                <a:ea typeface="Source Sans Pro Semibold"/>
+                <a:cs typeface="Source Sans Pro Semibold"/>
+                <a:sym typeface="Source Sans Pro Semibold"/>
+              </a:rPr>
+              <a:t>You can measure the size of your graph in inches (</a:t>
             </a:r>
             <a:r>
               <a:rPr lang="en-US" sz="1200" b="1" dirty="0">
@@ -3643,23 +3544,8 @@
                 <a:cs typeface="Source Sans Pro Semibold"/>
                 <a:sym typeface="Source Sans Pro Semibold"/>
               </a:rPr>
-              <a:t> For graphs on your screen and graphs in bmp, tiff, gif, or jpeg formats, measurements in inches or centimeters should not be taken </a:t>
-            </a:r>
-            <a:r>
-              <a:rPr lang="en-US" sz="1200" dirty="0" smtClean="0">
-                <a:latin typeface="Source Sans Pro Semibold"/>
-                <a:ea typeface="Source Sans Pro Semibold"/>
-                <a:cs typeface="Source Sans Pro Semibold"/>
-                <a:sym typeface="Source Sans Pro Semibold"/>
-              </a:rPr>
-              <a:t>literally.</a:t>
-            </a:r>
-            <a:endParaRPr lang="en-US" sz="1200" dirty="0">
-              <a:latin typeface="Source Sans Pro Semibold"/>
-              <a:ea typeface="Source Sans Pro Semibold"/>
-              <a:cs typeface="Source Sans Pro Semibold"/>
-              <a:sym typeface="Source Sans Pro Semibold"/>
-            </a:endParaRPr>
+              <a:t> For graphs on your screen and graphs in bmp, tiff, gif, or jpeg formats, measurements in inches or centimeters should not be taken literally.</a:t>
+            </a:r>
           </a:p>
           <a:p>
             <a:pPr lvl="0" algn="l">
@@ -3675,22 +3561,13 @@
               <a:defRPr sz="1800"/>
             </a:pPr>
             <a:r>
-              <a:rPr lang="en-US" sz="1200" dirty="0" smtClean="0">
-                <a:latin typeface="Source Sans Pro Semibold"/>
-                <a:ea typeface="Source Sans Pro Semibold"/>
-                <a:cs typeface="Source Sans Pro Semibold"/>
-                <a:sym typeface="Source Sans Pro Semibold"/>
-              </a:rPr>
-              <a:t>All </a:t>
-            </a:r>
-            <a:r>
               <a:rPr lang="en-US" sz="1200" dirty="0">
                 <a:latin typeface="Source Sans Pro Semibold"/>
                 <a:ea typeface="Source Sans Pro Semibold"/>
                 <a:cs typeface="Source Sans Pro Semibold"/>
                 <a:sym typeface="Source Sans Pro Semibold"/>
               </a:rPr>
-              <a:t>functions that open a device for graphics will have </a:t>
+              <a:t>All functions that open a device for graphics will have </a:t>
             </a:r>
             <a:r>
               <a:rPr lang="en-US" sz="1200" b="1" dirty="0">
@@ -3726,34 +3603,7 @@
                 <a:cs typeface="Source Sans Pro Semibold"/>
                 <a:sym typeface="Source Sans Pro Semibold"/>
               </a:rPr>
-              <a:t> </a:t>
-            </a:r>
-            <a:r>
-              <a:rPr lang="en-US" sz="1200" dirty="0" smtClean="0">
-                <a:latin typeface="Source Sans Pro Semibold"/>
-                <a:ea typeface="Source Sans Pro Semibold"/>
-                <a:cs typeface="Source Sans Pro Semibold"/>
-                <a:sym typeface="Source Sans Pro Semibold"/>
-              </a:rPr>
-              <a:t>arguments to control the size of the graph and a </a:t>
-            </a:r>
-            <a:r>
-              <a:rPr lang="en-US" sz="1200" b="1" dirty="0" err="1" smtClean="0">
-                <a:latin typeface="Source Sans Pro Semibold"/>
-                <a:ea typeface="Source Sans Pro Semibold"/>
-                <a:cs typeface="Source Sans Pro Semibold"/>
-                <a:sym typeface="Source Sans Pro Semibold"/>
-              </a:rPr>
-              <a:t>pointsize</a:t>
-            </a:r>
-            <a:r>
-              <a:rPr lang="en-US" sz="1200" dirty="0" smtClean="0">
-                <a:latin typeface="Source Sans Pro Semibold"/>
-                <a:ea typeface="Source Sans Pro Semibold"/>
-                <a:cs typeface="Source Sans Pro Semibold"/>
-                <a:sym typeface="Source Sans Pro Semibold"/>
-              </a:rPr>
-              <a:t> argument to control the relative font size. In </a:t>
+              <a:t> arguments to control the size of the graph and a </a:t>
             </a:r>
             <a:r>
               <a:rPr lang="en-US" sz="1200" b="1" dirty="0" err="1">
@@ -3762,7 +3612,7 @@
                 <a:cs typeface="Source Sans Pro Semibold"/>
                 <a:sym typeface="Source Sans Pro Semibold"/>
               </a:rPr>
-              <a:t>knitr</a:t>
+              <a:t>pointsize</a:t>
             </a:r>
             <a:r>
               <a:rPr lang="en-US" sz="1200" dirty="0">
@@ -3771,7 +3621,7 @@
                 <a:cs typeface="Source Sans Pro Semibold"/>
                 <a:sym typeface="Source Sans Pro Semibold"/>
               </a:rPr>
-              <a:t>, you control the size of the graph with the chunk options, </a:t>
+              <a:t> argument to control the relative font size. In </a:t>
             </a:r>
             <a:r>
               <a:rPr lang="en-US" sz="1200" b="1" dirty="0" err="1">
@@ -3780,7 +3630,7 @@
                 <a:cs typeface="Source Sans Pro Semibold"/>
                 <a:sym typeface="Source Sans Pro Semibold"/>
               </a:rPr>
-              <a:t>fig.width</a:t>
+              <a:t>knitr</a:t>
             </a:r>
             <a:r>
               <a:rPr lang="en-US" sz="1200" dirty="0">
@@ -3789,7 +3639,7 @@
                 <a:cs typeface="Source Sans Pro Semibold"/>
                 <a:sym typeface="Source Sans Pro Semibold"/>
               </a:rPr>
-              <a:t> and </a:t>
+              <a:t>, you control the size of the graph with the chunk options, </a:t>
             </a:r>
             <a:r>
               <a:rPr lang="en-US" sz="1200" b="1" dirty="0" err="1">
@@ -3798,10 +3648,28 @@
                 <a:cs typeface="Source Sans Pro Semibold"/>
                 <a:sym typeface="Source Sans Pro Semibold"/>
               </a:rPr>
+              <a:t>fig.width</a:t>
+            </a:r>
+            <a:r>
+              <a:rPr lang="en-US" sz="1200" dirty="0">
+                <a:latin typeface="Source Sans Pro Semibold"/>
+                <a:ea typeface="Source Sans Pro Semibold"/>
+                <a:cs typeface="Source Sans Pro Semibold"/>
+                <a:sym typeface="Source Sans Pro Semibold"/>
+              </a:rPr>
+              <a:t> and </a:t>
+            </a:r>
+            <a:r>
+              <a:rPr lang="en-US" sz="1200" b="1" dirty="0" err="1">
+                <a:latin typeface="Source Sans Pro Semibold"/>
+                <a:ea typeface="Source Sans Pro Semibold"/>
+                <a:cs typeface="Source Sans Pro Semibold"/>
+                <a:sym typeface="Source Sans Pro Semibold"/>
+              </a:rPr>
               <a:t>fig.height</a:t>
             </a:r>
             <a:r>
-              <a:rPr lang="en-US" sz="1200" dirty="0" smtClean="0">
+              <a:rPr lang="en-US" sz="1200" dirty="0">
                 <a:latin typeface="Source Sans Pro Semibold"/>
                 <a:ea typeface="Source Sans Pro Semibold"/>
                 <a:cs typeface="Source Sans Pro Semibold"/>
@@ -3832,9 +3700,1475 @@
           </a:p>
         </p:txBody>
       </p:sp>
+      <p:sp>
+        <p:nvSpPr>
+          <p:cNvPr id="25" name="Shape 35"/>
+          <p:cNvSpPr/>
+          <p:nvPr/>
+        </p:nvSpPr>
+        <p:spPr>
+          <a:xfrm>
+            <a:off x="7252028" y="620563"/>
+            <a:ext cx="3135956" cy="3376309"/>
+          </a:xfrm>
+          <a:prstGeom prst="rect">
+            <a:avLst/>
+          </a:prstGeom>
+          <a:ln w="12700">
+            <a:miter lim="400000"/>
+          </a:ln>
+          <a:extLst>
+            <a:ext uri="{C572A759-6A51-4108-AA02-DFA0A04FC94B}">
+              <ma14:wrappingTextBoxFlag xmlns:ma14="http://schemas.microsoft.com/office/mac/drawingml/2011/main" xmlns="" val="1"/>
+            </a:ext>
+          </a:extLst>
+        </p:spPr>
+        <p:txBody>
+          <a:bodyPr lIns="0" tIns="0" rIns="0" bIns="0">
+            <a:spAutoFit/>
+          </a:bodyPr>
+          <a:lstStyle/>
+          <a:p>
+            <a:pPr lvl="0" algn="l">
+              <a:lnSpc>
+                <a:spcPct val="90000"/>
+              </a:lnSpc>
+              <a:spcBef>
+                <a:spcPts val="1000"/>
+              </a:spcBef>
+              <a:buClr>
+                <a:srgbClr val="F39019"/>
+              </a:buClr>
+              <a:defRPr sz="1800"/>
+            </a:pPr>
+            <a:r>
+              <a:rPr lang="en-US" sz="1200" dirty="0">
+                <a:latin typeface="Source Sans Pro Light"/>
+                <a:ea typeface="Source Sans Pro Light"/>
+                <a:cs typeface="Source Sans Pro Light"/>
+                <a:sym typeface="Source Sans Pro Light"/>
+              </a:rPr>
+              <a:t/>
+            </a:r>
+            <a:br>
+              <a:rPr lang="en-US" sz="1200" dirty="0">
+                <a:latin typeface="Source Sans Pro Light"/>
+                <a:ea typeface="Source Sans Pro Light"/>
+                <a:cs typeface="Source Sans Pro Light"/>
+                <a:sym typeface="Source Sans Pro Light"/>
+              </a:rPr>
+            </a:br>
+            <a:r>
+              <a:rPr lang="en-US" sz="1200" b="1" dirty="0">
+                <a:latin typeface="Source Sans Pro Light"/>
+                <a:ea typeface="Source Sans Pro Light"/>
+                <a:cs typeface="Source Sans Pro Light"/>
+                <a:sym typeface="Source Sans Pro Light"/>
+              </a:rPr>
+              <a:t>par(“</a:t>
+            </a:r>
+            <a:r>
+              <a:rPr lang="en-US" sz="1200" b="1" dirty="0" err="1">
+                <a:latin typeface="Source Sans Pro Light"/>
+                <a:ea typeface="Source Sans Pro Light"/>
+                <a:cs typeface="Source Sans Pro Light"/>
+                <a:sym typeface="Source Sans Pro Light"/>
+              </a:rPr>
+              <a:t>cin</a:t>
+            </a:r>
+            <a:r>
+              <a:rPr lang="en-US" sz="1200" b="1" dirty="0">
+                <a:latin typeface="Source Sans Pro Light"/>
+                <a:ea typeface="Source Sans Pro Light"/>
+                <a:cs typeface="Source Sans Pro Light"/>
+                <a:sym typeface="Source Sans Pro Light"/>
+              </a:rPr>
+              <a:t>”)</a:t>
+            </a:r>
+            <a:br>
+              <a:rPr lang="en-US" sz="1200" b="1" dirty="0">
+                <a:latin typeface="Source Sans Pro Light"/>
+                <a:ea typeface="Source Sans Pro Light"/>
+                <a:cs typeface="Source Sans Pro Light"/>
+                <a:sym typeface="Source Sans Pro Light"/>
+              </a:rPr>
+            </a:br>
+            <a:r>
+              <a:rPr lang="en-US" sz="1200" b="1" dirty="0">
+                <a:latin typeface="Source Sans Pro Light"/>
+                <a:ea typeface="Source Sans Pro Light"/>
+                <a:cs typeface="Source Sans Pro Light"/>
+                <a:sym typeface="Source Sans Pro Light"/>
+              </a:rPr>
+              <a:t>par(“</a:t>
+            </a:r>
+            <a:r>
+              <a:rPr lang="en-US" sz="1200" b="1" dirty="0" err="1">
+                <a:latin typeface="Source Sans Pro Light"/>
+                <a:ea typeface="Source Sans Pro Light"/>
+                <a:cs typeface="Source Sans Pro Light"/>
+                <a:sym typeface="Source Sans Pro Light"/>
+              </a:rPr>
+              <a:t>cra</a:t>
+            </a:r>
+            <a:r>
+              <a:rPr lang="en-US" sz="1200" b="1" dirty="0">
+                <a:latin typeface="Source Sans Pro Light"/>
+                <a:ea typeface="Source Sans Pro Light"/>
+                <a:cs typeface="Source Sans Pro Light"/>
+                <a:sym typeface="Source Sans Pro Light"/>
+              </a:rPr>
+              <a:t>”)</a:t>
+            </a:r>
+            <a:br>
+              <a:rPr lang="en-US" sz="1200" b="1" dirty="0">
+                <a:latin typeface="Source Sans Pro Light"/>
+                <a:ea typeface="Source Sans Pro Light"/>
+                <a:cs typeface="Source Sans Pro Light"/>
+                <a:sym typeface="Source Sans Pro Light"/>
+              </a:rPr>
+            </a:br>
+            <a:r>
+              <a:rPr lang="en-US" sz="1200" b="1" dirty="0">
+                <a:latin typeface="Source Sans Pro Light"/>
+                <a:ea typeface="Source Sans Pro Light"/>
+                <a:cs typeface="Source Sans Pro Light"/>
+                <a:sym typeface="Source Sans Pro Light"/>
+              </a:rPr>
+              <a:t>par(“</a:t>
+            </a:r>
+            <a:r>
+              <a:rPr lang="en-US" sz="1200" b="1" dirty="0" err="1">
+                <a:latin typeface="Source Sans Pro Light"/>
+                <a:ea typeface="Source Sans Pro Light"/>
+                <a:cs typeface="Source Sans Pro Light"/>
+                <a:sym typeface="Source Sans Pro Light"/>
+              </a:rPr>
+              <a:t>csi</a:t>
+            </a:r>
+            <a:r>
+              <a:rPr lang="en-US" sz="1200" b="1" dirty="0">
+                <a:latin typeface="Source Sans Pro Light"/>
+                <a:ea typeface="Source Sans Pro Light"/>
+                <a:cs typeface="Source Sans Pro Light"/>
+                <a:sym typeface="Source Sans Pro Light"/>
+              </a:rPr>
+              <a:t>”)</a:t>
+            </a:r>
+            <a:br>
+              <a:rPr lang="en-US" sz="1200" b="1" dirty="0">
+                <a:latin typeface="Source Sans Pro Light"/>
+                <a:ea typeface="Source Sans Pro Light"/>
+                <a:cs typeface="Source Sans Pro Light"/>
+                <a:sym typeface="Source Sans Pro Light"/>
+              </a:rPr>
+            </a:br>
+            <a:r>
+              <a:rPr lang="en-US" sz="1200" b="1" dirty="0">
+                <a:latin typeface="Source Sans Pro Light"/>
+                <a:ea typeface="Source Sans Pro Light"/>
+                <a:cs typeface="Source Sans Pro Light"/>
+                <a:sym typeface="Source Sans Pro Light"/>
+              </a:rPr>
+              <a:t>par(“</a:t>
+            </a:r>
+            <a:r>
+              <a:rPr lang="en-US" sz="1200" b="1" dirty="0" err="1">
+                <a:latin typeface="Source Sans Pro Light"/>
+                <a:ea typeface="Source Sans Pro Light"/>
+                <a:cs typeface="Source Sans Pro Light"/>
+                <a:sym typeface="Source Sans Pro Light"/>
+              </a:rPr>
+              <a:t>cxy</a:t>
+            </a:r>
+            <a:r>
+              <a:rPr lang="en-US" sz="1200" b="1" dirty="0">
+                <a:latin typeface="Source Sans Pro Light"/>
+                <a:ea typeface="Source Sans Pro Light"/>
+                <a:cs typeface="Source Sans Pro Light"/>
+                <a:sym typeface="Source Sans Pro Light"/>
+              </a:rPr>
+              <a:t>”)</a:t>
+            </a:r>
+            <a:br>
+              <a:rPr lang="en-US" sz="1200" b="1" dirty="0">
+                <a:latin typeface="Source Sans Pro Light"/>
+                <a:ea typeface="Source Sans Pro Light"/>
+                <a:cs typeface="Source Sans Pro Light"/>
+                <a:sym typeface="Source Sans Pro Light"/>
+              </a:rPr>
+            </a:br>
+            <a:r>
+              <a:rPr lang="en-US" sz="1200" b="1" dirty="0" err="1">
+                <a:latin typeface="Source Sans Pro Light"/>
+                <a:ea typeface="Source Sans Pro Light"/>
+                <a:cs typeface="Source Sans Pro Light"/>
+                <a:sym typeface="Source Sans Pro Light"/>
+              </a:rPr>
+              <a:t>strwidth</a:t>
+            </a:r>
+            <a:r>
+              <a:rPr lang="en-US" sz="1200" b="1" dirty="0">
+                <a:latin typeface="Source Sans Pro Light"/>
+                <a:ea typeface="Source Sans Pro Light"/>
+                <a:cs typeface="Source Sans Pro Light"/>
+                <a:sym typeface="Source Sans Pro Light"/>
+              </a:rPr>
+              <a:t>(s, units, </a:t>
+            </a:r>
+            <a:r>
+              <a:rPr lang="en-US" sz="1200" b="1" dirty="0" err="1">
+                <a:latin typeface="Source Sans Pro Light"/>
+                <a:ea typeface="Source Sans Pro Light"/>
+                <a:cs typeface="Source Sans Pro Light"/>
+                <a:sym typeface="Source Sans Pro Light"/>
+              </a:rPr>
+              <a:t>cex</a:t>
+            </a:r>
+            <a:r>
+              <a:rPr lang="en-US" sz="1200" b="1" dirty="0">
+                <a:latin typeface="Source Sans Pro Light"/>
+                <a:ea typeface="Source Sans Pro Light"/>
+                <a:cs typeface="Source Sans Pro Light"/>
+                <a:sym typeface="Source Sans Pro Light"/>
+              </a:rPr>
+              <a:t>, font, </a:t>
+            </a:r>
+            <a:r>
+              <a:rPr lang="en-US" sz="1200" b="1" dirty="0" err="1">
+                <a:latin typeface="Source Sans Pro Light"/>
+                <a:ea typeface="Source Sans Pro Light"/>
+                <a:cs typeface="Source Sans Pro Light"/>
+                <a:sym typeface="Source Sans Pro Light"/>
+              </a:rPr>
+              <a:t>vfont</a:t>
+            </a:r>
+            <a:r>
+              <a:rPr lang="en-US" sz="1200" b="1" dirty="0">
+                <a:latin typeface="Source Sans Pro Light"/>
+                <a:ea typeface="Source Sans Pro Light"/>
+                <a:cs typeface="Source Sans Pro Light"/>
+                <a:sym typeface="Source Sans Pro Light"/>
+              </a:rPr>
+              <a:t>)</a:t>
+            </a:r>
+            <a:br>
+              <a:rPr lang="en-US" sz="1200" b="1" dirty="0">
+                <a:latin typeface="Source Sans Pro Light"/>
+                <a:ea typeface="Source Sans Pro Light"/>
+                <a:cs typeface="Source Sans Pro Light"/>
+                <a:sym typeface="Source Sans Pro Light"/>
+              </a:rPr>
+            </a:br>
+            <a:r>
+              <a:rPr lang="en-US" sz="1200" b="1" dirty="0" err="1">
+                <a:latin typeface="Source Sans Pro Light"/>
+                <a:ea typeface="Source Sans Pro Light"/>
+                <a:cs typeface="Source Sans Pro Light"/>
+                <a:sym typeface="Source Sans Pro Light"/>
+              </a:rPr>
+              <a:t>strheight</a:t>
+            </a:r>
+            <a:r>
+              <a:rPr lang="en-US" sz="1200" b="1" dirty="0">
+                <a:latin typeface="Source Sans Pro Light"/>
+                <a:ea typeface="Source Sans Pro Light"/>
+                <a:cs typeface="Source Sans Pro Light"/>
+                <a:sym typeface="Source Sans Pro Light"/>
+              </a:rPr>
+              <a:t>(s, units, </a:t>
+            </a:r>
+            <a:r>
+              <a:rPr lang="en-US" sz="1200" b="1" dirty="0" err="1">
+                <a:latin typeface="Source Sans Pro Light"/>
+                <a:ea typeface="Source Sans Pro Light"/>
+                <a:cs typeface="Source Sans Pro Light"/>
+                <a:sym typeface="Source Sans Pro Light"/>
+              </a:rPr>
+              <a:t>cex</a:t>
+            </a:r>
+            <a:r>
+              <a:rPr lang="en-US" sz="1200" b="1" dirty="0">
+                <a:latin typeface="Source Sans Pro Light"/>
+                <a:ea typeface="Source Sans Pro Light"/>
+                <a:cs typeface="Source Sans Pro Light"/>
+                <a:sym typeface="Source Sans Pro Light"/>
+              </a:rPr>
+              <a:t>, font, </a:t>
+            </a:r>
+            <a:r>
+              <a:rPr lang="en-US" sz="1200" b="1" dirty="0" err="1">
+                <a:latin typeface="Source Sans Pro Light"/>
+                <a:ea typeface="Source Sans Pro Light"/>
+                <a:cs typeface="Source Sans Pro Light"/>
+                <a:sym typeface="Source Sans Pro Light"/>
+              </a:rPr>
+              <a:t>vfont</a:t>
+            </a:r>
+            <a:r>
+              <a:rPr lang="en-US" sz="1200" b="1" dirty="0">
+                <a:latin typeface="Source Sans Pro Light"/>
+                <a:ea typeface="Source Sans Pro Light"/>
+                <a:cs typeface="Source Sans Pro Light"/>
+                <a:sym typeface="Source Sans Pro Light"/>
+              </a:rPr>
+              <a:t>)</a:t>
+            </a:r>
+          </a:p>
+          <a:p>
+            <a:pPr lvl="0" algn="l">
+              <a:lnSpc>
+                <a:spcPct val="90000"/>
+              </a:lnSpc>
+              <a:spcBef>
+                <a:spcPts val="1000"/>
+              </a:spcBef>
+              <a:buClr>
+                <a:srgbClr val="F39019"/>
+              </a:buClr>
+              <a:defRPr sz="1800"/>
+            </a:pPr>
+            <a:r>
+              <a:rPr lang="en-US" sz="1200" dirty="0">
+                <a:latin typeface="Source Sans Pro Light"/>
+                <a:ea typeface="Source Sans Pro Light"/>
+                <a:cs typeface="Source Sans Pro Light"/>
+                <a:sym typeface="Source Sans Pro Light"/>
+              </a:rPr>
+              <a:t>The </a:t>
+            </a:r>
+            <a:r>
+              <a:rPr lang="en-US" sz="1200" b="1" dirty="0" err="1">
+                <a:latin typeface="Source Sans Pro Light"/>
+                <a:ea typeface="Source Sans Pro Light"/>
+                <a:cs typeface="Source Sans Pro Light"/>
+                <a:sym typeface="Source Sans Pro Light"/>
+              </a:rPr>
+              <a:t>cin</a:t>
+            </a:r>
+            <a:r>
+              <a:rPr lang="en-US" sz="1200" dirty="0">
+                <a:latin typeface="Source Sans Pro Light"/>
+                <a:ea typeface="Source Sans Pro Light"/>
+                <a:cs typeface="Source Sans Pro Light"/>
+                <a:sym typeface="Source Sans Pro Light"/>
+              </a:rPr>
+              <a:t>, </a:t>
+            </a:r>
+            <a:r>
+              <a:rPr lang="en-US" sz="1200" b="1" dirty="0" err="1">
+                <a:latin typeface="Source Sans Pro Light"/>
+                <a:ea typeface="Source Sans Pro Light"/>
+                <a:cs typeface="Source Sans Pro Light"/>
+                <a:sym typeface="Source Sans Pro Light"/>
+              </a:rPr>
+              <a:t>cra</a:t>
+            </a:r>
+            <a:r>
+              <a:rPr lang="en-US" sz="1200" dirty="0">
+                <a:latin typeface="Source Sans Pro Light"/>
+                <a:ea typeface="Source Sans Pro Light"/>
+                <a:cs typeface="Source Sans Pro Light"/>
+                <a:sym typeface="Source Sans Pro Light"/>
+              </a:rPr>
+              <a:t>, and </a:t>
+            </a:r>
+            <a:r>
+              <a:rPr lang="en-US" sz="1200" b="1" dirty="0" err="1">
+                <a:latin typeface="Source Sans Pro Light"/>
+                <a:ea typeface="Source Sans Pro Light"/>
+                <a:cs typeface="Source Sans Pro Light"/>
+                <a:sym typeface="Source Sans Pro Light"/>
+              </a:rPr>
+              <a:t>cxy</a:t>
+            </a:r>
+            <a:r>
+              <a:rPr lang="en-US" sz="1200" dirty="0">
+                <a:latin typeface="Source Sans Pro Light"/>
+                <a:ea typeface="Source Sans Pro Light"/>
+                <a:cs typeface="Source Sans Pro Light"/>
+                <a:sym typeface="Source Sans Pro Light"/>
+              </a:rPr>
+              <a:t> arguments to </a:t>
+            </a:r>
+            <a:r>
+              <a:rPr lang="en-US" sz="1200" b="1" dirty="0">
+                <a:latin typeface="Source Sans Pro Light"/>
+                <a:ea typeface="Source Sans Pro Light"/>
+                <a:cs typeface="Source Sans Pro Light"/>
+                <a:sym typeface="Source Sans Pro Light"/>
+              </a:rPr>
+              <a:t>par</a:t>
+            </a:r>
+            <a:r>
+              <a:rPr lang="en-US" sz="1200" dirty="0">
+                <a:latin typeface="Source Sans Pro Light"/>
+                <a:ea typeface="Source Sans Pro Light"/>
+                <a:cs typeface="Source Sans Pro Light"/>
+                <a:sym typeface="Source Sans Pro Light"/>
+              </a:rPr>
+              <a:t> give the approximate width and height of a single letter in inches, pixels, and user coordinates, respectively. The </a:t>
+            </a:r>
+            <a:r>
+              <a:rPr lang="en-US" sz="1200" b="1" dirty="0" err="1">
+                <a:latin typeface="Source Sans Pro Light"/>
+                <a:ea typeface="Source Sans Pro Light"/>
+                <a:cs typeface="Source Sans Pro Light"/>
+                <a:sym typeface="Source Sans Pro Light"/>
+              </a:rPr>
+              <a:t>csi</a:t>
+            </a:r>
+            <a:r>
+              <a:rPr lang="en-US" sz="1200" dirty="0">
+                <a:latin typeface="Source Sans Pro Light"/>
+                <a:ea typeface="Source Sans Pro Light"/>
+                <a:cs typeface="Source Sans Pro Light"/>
+                <a:sym typeface="Source Sans Pro Light"/>
+              </a:rPr>
+              <a:t> argument gives the height only in inches. These arguments are read only and you cannot use them to change the font size. Since letters like “I” and “M” have different widths, the values produced here are crude approximations at best.</a:t>
+            </a:r>
+          </a:p>
+          <a:p>
+            <a:pPr lvl="0" algn="l">
+              <a:lnSpc>
+                <a:spcPct val="90000"/>
+              </a:lnSpc>
+              <a:spcBef>
+                <a:spcPts val="1000"/>
+              </a:spcBef>
+              <a:buClr>
+                <a:srgbClr val="F39019"/>
+              </a:buClr>
+              <a:defRPr sz="1800"/>
+            </a:pPr>
+            <a:r>
+              <a:rPr lang="en-US" sz="1200" dirty="0">
+                <a:latin typeface="Source Sans Pro Light"/>
+                <a:ea typeface="Source Sans Pro Light"/>
+                <a:cs typeface="Source Sans Pro Light"/>
+                <a:sym typeface="Source Sans Pro Light"/>
+              </a:rPr>
+              <a:t> </a:t>
+            </a:r>
+          </a:p>
+          <a:p>
+            <a:pPr lvl="0" algn="l">
+              <a:lnSpc>
+                <a:spcPct val="90000"/>
+              </a:lnSpc>
+              <a:spcBef>
+                <a:spcPts val="1000"/>
+              </a:spcBef>
+              <a:buClr>
+                <a:srgbClr val="F39019"/>
+              </a:buClr>
+              <a:defRPr sz="1800"/>
+            </a:pPr>
+            <a:endParaRPr lang="en-US" sz="1200" dirty="0">
+              <a:latin typeface="Source Sans Pro Light"/>
+              <a:ea typeface="Source Sans Pro Light"/>
+              <a:cs typeface="Source Sans Pro Light"/>
+              <a:sym typeface="Source Sans Pro Light"/>
+            </a:endParaRPr>
+          </a:p>
+        </p:txBody>
+      </p:sp>
+      <p:sp>
+        <p:nvSpPr>
+          <p:cNvPr id="26" name="Shape 46"/>
+          <p:cNvSpPr/>
+          <p:nvPr/>
+        </p:nvSpPr>
+        <p:spPr>
+          <a:xfrm>
+            <a:off x="7114743" y="357388"/>
+            <a:ext cx="6594496" cy="244607"/>
+          </a:xfrm>
+          <a:prstGeom prst="roundRect">
+            <a:avLst>
+              <a:gd name="adj" fmla="val 25876"/>
+            </a:avLst>
+          </a:prstGeom>
+          <a:solidFill>
+            <a:srgbClr val="6B8E23"/>
+          </a:solidFill>
+          <a:ln w="12700">
+            <a:miter lim="400000"/>
+          </a:ln>
+          <a:extLst>
+            <a:ext uri="{C572A759-6A51-4108-AA02-DFA0A04FC94B}">
+              <ma14:wrappingTextBoxFlag xmlns:ma14="http://schemas.microsoft.com/office/mac/drawingml/2011/main" xmlns="" val="1"/>
+            </a:ext>
+          </a:extLst>
+        </p:spPr>
+        <p:txBody>
+          <a:bodyPr lIns="0" tIns="0" rIns="0" bIns="0"/>
+          <a:lstStyle/>
+          <a:p>
+            <a:pPr lvl="1" indent="0">
+              <a:defRPr sz="1800"/>
+            </a:pPr>
+            <a:r>
+              <a:rPr lang="en-US" sz="1400" dirty="0">
+                <a:solidFill>
+                  <a:srgbClr val="FFFFFF"/>
+                </a:solidFill>
+                <a:latin typeface="Source Sans Pro"/>
+                <a:ea typeface="Source Sans Pro"/>
+                <a:cs typeface="Source Sans Pro"/>
+                <a:sym typeface="Source Sans Pro"/>
+              </a:rPr>
+              <a:t>Character and string sizes</a:t>
+            </a:r>
+            <a:endParaRPr sz="1400" dirty="0">
+              <a:solidFill>
+                <a:srgbClr val="FFFFFF"/>
+              </a:solidFill>
+              <a:latin typeface="Source Sans Pro"/>
+              <a:ea typeface="Source Sans Pro"/>
+              <a:cs typeface="Source Sans Pro"/>
+              <a:sym typeface="Source Sans Pro"/>
+            </a:endParaRPr>
+          </a:p>
+        </p:txBody>
+      </p:sp>
+      <p:sp>
+        <p:nvSpPr>
+          <p:cNvPr id="27" name="Shape 35"/>
+          <p:cNvSpPr/>
+          <p:nvPr/>
+        </p:nvSpPr>
+        <p:spPr>
+          <a:xfrm>
+            <a:off x="10573283" y="610379"/>
+            <a:ext cx="3135956" cy="2787430"/>
+          </a:xfrm>
+          <a:prstGeom prst="rect">
+            <a:avLst/>
+          </a:prstGeom>
+          <a:ln w="12700">
+            <a:miter lim="400000"/>
+          </a:ln>
+          <a:extLst>
+            <a:ext uri="{C572A759-6A51-4108-AA02-DFA0A04FC94B}">
+              <ma14:wrappingTextBoxFlag xmlns:ma14="http://schemas.microsoft.com/office/mac/drawingml/2011/main" xmlns="" val="1"/>
+            </a:ext>
+          </a:extLst>
+        </p:spPr>
+        <p:txBody>
+          <a:bodyPr lIns="0" tIns="0" rIns="0" bIns="0">
+            <a:spAutoFit/>
+          </a:bodyPr>
+          <a:lstStyle/>
+          <a:p>
+            <a:pPr lvl="0" algn="l">
+              <a:lnSpc>
+                <a:spcPct val="90000"/>
+              </a:lnSpc>
+              <a:spcBef>
+                <a:spcPts val="1000"/>
+              </a:spcBef>
+              <a:buClr>
+                <a:srgbClr val="F39019"/>
+              </a:buClr>
+              <a:defRPr sz="1800"/>
+            </a:pPr>
+            <a:r>
+              <a:rPr lang="en-US" sz="1200" dirty="0">
+                <a:latin typeface="Source Sans Pro Light"/>
+                <a:ea typeface="Source Sans Pro Light"/>
+                <a:cs typeface="Source Sans Pro Light"/>
+                <a:sym typeface="Source Sans Pro Light"/>
+              </a:rPr>
+              <a:t/>
+            </a:r>
+            <a:br>
+              <a:rPr lang="en-US" sz="1200" dirty="0">
+                <a:latin typeface="Source Sans Pro Light"/>
+                <a:ea typeface="Source Sans Pro Light"/>
+                <a:cs typeface="Source Sans Pro Light"/>
+                <a:sym typeface="Source Sans Pro Light"/>
+              </a:rPr>
+            </a:br>
+            <a:r>
+              <a:rPr lang="en-US" sz="1200" dirty="0">
+                <a:latin typeface="Source Sans Pro Light"/>
+                <a:ea typeface="Source Sans Pro Light"/>
+                <a:cs typeface="Source Sans Pro Light"/>
+                <a:sym typeface="Source Sans Pro Light"/>
+              </a:rPr>
+              <a:t>The </a:t>
+            </a:r>
+            <a:r>
+              <a:rPr lang="en-US" sz="1200" b="1" dirty="0" err="1">
+                <a:latin typeface="Source Sans Pro Light"/>
+                <a:ea typeface="Source Sans Pro Light"/>
+                <a:cs typeface="Source Sans Pro Light"/>
+                <a:sym typeface="Source Sans Pro Light"/>
+              </a:rPr>
+              <a:t>strwidth</a:t>
+            </a:r>
+            <a:r>
+              <a:rPr lang="en-US" sz="1200" dirty="0">
+                <a:latin typeface="Source Sans Pro Light"/>
+                <a:ea typeface="Source Sans Pro Light"/>
+                <a:cs typeface="Source Sans Pro Light"/>
+                <a:sym typeface="Source Sans Pro Light"/>
+              </a:rPr>
+              <a:t> and </a:t>
+            </a:r>
+            <a:r>
+              <a:rPr lang="en-US" sz="1200" b="1" dirty="0" err="1">
+                <a:latin typeface="Source Sans Pro Light"/>
+                <a:ea typeface="Source Sans Pro Light"/>
+                <a:cs typeface="Source Sans Pro Light"/>
+                <a:sym typeface="Source Sans Pro Light"/>
+              </a:rPr>
+              <a:t>strheight</a:t>
+            </a:r>
+            <a:r>
+              <a:rPr lang="en-US" sz="1200" dirty="0">
+                <a:latin typeface="Source Sans Pro Light"/>
+                <a:ea typeface="Source Sans Pro Light"/>
+                <a:cs typeface="Source Sans Pro Light"/>
+                <a:sym typeface="Source Sans Pro Light"/>
+              </a:rPr>
+              <a:t> functions give the width and height of a string s in user coordinates (</a:t>
+            </a:r>
+            <a:r>
+              <a:rPr lang="en-US" sz="1200" b="1" dirty="0">
+                <a:latin typeface="Source Sans Pro Light"/>
+                <a:ea typeface="Source Sans Pro Light"/>
+                <a:cs typeface="Source Sans Pro Light"/>
+                <a:sym typeface="Source Sans Pro Light"/>
+              </a:rPr>
+              <a:t>units=“user”</a:t>
+            </a:r>
+            <a:r>
+              <a:rPr lang="en-US" sz="1200" dirty="0">
+                <a:latin typeface="Source Sans Pro Light"/>
+                <a:ea typeface="Source Sans Pro Light"/>
+                <a:cs typeface="Source Sans Pro Light"/>
+                <a:sym typeface="Source Sans Pro Light"/>
+              </a:rPr>
+              <a:t>), inches (</a:t>
+            </a:r>
+            <a:r>
+              <a:rPr lang="en-US" sz="1200" b="1" dirty="0">
+                <a:latin typeface="Source Sans Pro Light"/>
+                <a:ea typeface="Source Sans Pro Light"/>
+                <a:cs typeface="Source Sans Pro Light"/>
+                <a:sym typeface="Source Sans Pro Light"/>
+              </a:rPr>
+              <a:t>units=“inches”</a:t>
+            </a:r>
+            <a:r>
+              <a:rPr lang="en-US" sz="1200" dirty="0">
+                <a:latin typeface="Source Sans Pro Light"/>
+                <a:ea typeface="Source Sans Pro Light"/>
+                <a:cs typeface="Source Sans Pro Light"/>
+                <a:sym typeface="Source Sans Pro Light"/>
+              </a:rPr>
+              <a:t>) and as a percentage of the graphics window (</a:t>
+            </a:r>
+            <a:r>
+              <a:rPr lang="en-US" sz="1200" b="1" dirty="0">
+                <a:latin typeface="Source Sans Pro Light"/>
+                <a:ea typeface="Source Sans Pro Light"/>
+                <a:cs typeface="Source Sans Pro Light"/>
+                <a:sym typeface="Source Sans Pro Light"/>
+              </a:rPr>
+              <a:t>units=“figure”</a:t>
+            </a:r>
+            <a:r>
+              <a:rPr lang="en-US" sz="1200" dirty="0">
+                <a:latin typeface="Source Sans Pro Light"/>
+                <a:ea typeface="Source Sans Pro Light"/>
+                <a:cs typeface="Source Sans Pro Light"/>
+                <a:sym typeface="Source Sans Pro Light"/>
+              </a:rPr>
+              <a:t>).</a:t>
+            </a:r>
+          </a:p>
+          <a:p>
+            <a:pPr lvl="0" algn="l">
+              <a:lnSpc>
+                <a:spcPct val="90000"/>
+              </a:lnSpc>
+              <a:spcBef>
+                <a:spcPts val="1000"/>
+              </a:spcBef>
+              <a:buClr>
+                <a:srgbClr val="F39019"/>
+              </a:buClr>
+              <a:defRPr sz="1800"/>
+            </a:pPr>
+            <a:r>
+              <a:rPr lang="en-US" sz="1200" dirty="0">
+                <a:latin typeface="Source Sans Pro Light"/>
+                <a:ea typeface="Source Sans Pro Light"/>
+                <a:cs typeface="Source Sans Pro Light"/>
+                <a:sym typeface="Source Sans Pro Light"/>
+              </a:rPr>
+              <a:t>The </a:t>
+            </a:r>
+            <a:r>
+              <a:rPr lang="en-US" sz="1200" b="1" dirty="0" err="1">
+                <a:latin typeface="Source Sans Pro Light"/>
+                <a:ea typeface="Source Sans Pro Light"/>
+                <a:cs typeface="Source Sans Pro Light"/>
+                <a:sym typeface="Source Sans Pro Light"/>
+              </a:rPr>
+              <a:t>strwidth</a:t>
+            </a:r>
+            <a:r>
+              <a:rPr lang="en-US" sz="1200" dirty="0">
+                <a:latin typeface="Source Sans Pro Light"/>
+                <a:ea typeface="Source Sans Pro Light"/>
+                <a:cs typeface="Source Sans Pro Light"/>
+                <a:sym typeface="Source Sans Pro Light"/>
+              </a:rPr>
+              <a:t> function will properly account for narrow and wide letters in a string. The </a:t>
+            </a:r>
+            <a:r>
+              <a:rPr lang="en-US" sz="1200" b="1" dirty="0" err="1">
+                <a:latin typeface="Source Sans Pro Light"/>
+                <a:ea typeface="Source Sans Pro Light"/>
+                <a:cs typeface="Source Sans Pro Light"/>
+                <a:sym typeface="Source Sans Pro Light"/>
+              </a:rPr>
+              <a:t>strheight</a:t>
+            </a:r>
+            <a:r>
+              <a:rPr lang="en-US" sz="1200" dirty="0">
+                <a:latin typeface="Source Sans Pro Light"/>
+                <a:ea typeface="Source Sans Pro Light"/>
+                <a:cs typeface="Source Sans Pro Light"/>
+                <a:sym typeface="Source Sans Pro Light"/>
+              </a:rPr>
+              <a:t> function gives the same value for each letter (the height of the letter “M”) and will understate the height of string that has both descending letters (g, p, etc.) and ascending letters (b, d, etc.). For strings that have one or more linefeeds, </a:t>
+            </a:r>
+            <a:r>
+              <a:rPr lang="en-US" sz="1200" b="1" dirty="0" err="1">
+                <a:latin typeface="Source Sans Pro Light"/>
+                <a:ea typeface="Source Sans Pro Light"/>
+                <a:cs typeface="Source Sans Pro Light"/>
+                <a:sym typeface="Source Sans Pro Light"/>
+              </a:rPr>
+              <a:t>strheight</a:t>
+            </a:r>
+            <a:r>
+              <a:rPr lang="en-US" sz="1200" dirty="0">
+                <a:latin typeface="Source Sans Pro Light"/>
+                <a:ea typeface="Source Sans Pro Light"/>
+                <a:cs typeface="Source Sans Pro Light"/>
+                <a:sym typeface="Source Sans Pro Light"/>
+              </a:rPr>
+              <a:t> will calculate size incorporating the line height value (</a:t>
+            </a:r>
+            <a:r>
+              <a:rPr lang="en-US" sz="1200" b="1" dirty="0">
+                <a:latin typeface="Source Sans Pro Light"/>
+                <a:ea typeface="Source Sans Pro Light"/>
+                <a:cs typeface="Source Sans Pro Light"/>
+                <a:sym typeface="Source Sans Pro Light"/>
+              </a:rPr>
+              <a:t>par(“</a:t>
+            </a:r>
+            <a:r>
+              <a:rPr lang="en-US" sz="1200" b="1" dirty="0" err="1">
+                <a:latin typeface="Source Sans Pro Light"/>
+                <a:ea typeface="Source Sans Pro Light"/>
+                <a:cs typeface="Source Sans Pro Light"/>
+                <a:sym typeface="Source Sans Pro Light"/>
+              </a:rPr>
+              <a:t>lheight</a:t>
+            </a:r>
+            <a:r>
+              <a:rPr lang="en-US" sz="1200" b="1" dirty="0">
+                <a:latin typeface="Source Sans Pro Light"/>
+                <a:ea typeface="Source Sans Pro Light"/>
+                <a:cs typeface="Source Sans Pro Light"/>
+                <a:sym typeface="Source Sans Pro Light"/>
+              </a:rPr>
+              <a:t>”)</a:t>
+            </a:r>
+            <a:r>
+              <a:rPr lang="en-US" sz="1200" dirty="0">
+                <a:latin typeface="Source Sans Pro Light"/>
+                <a:ea typeface="Source Sans Pro Light"/>
+                <a:cs typeface="Source Sans Pro Light"/>
+                <a:sym typeface="Source Sans Pro Light"/>
+              </a:rPr>
+              <a:t>).</a:t>
+            </a:r>
+            <a:endParaRPr lang="en-US" sz="1200" dirty="0">
+              <a:latin typeface="Source Sans Pro Semibold"/>
+              <a:ea typeface="Source Sans Pro Semibold"/>
+              <a:cs typeface="Source Sans Pro Semibold"/>
+              <a:sym typeface="Source Sans Pro Semibold"/>
+            </a:endParaRPr>
+          </a:p>
+        </p:txBody>
+      </p:sp>
+      <p:sp>
+        <p:nvSpPr>
+          <p:cNvPr id="28" name="Shape 46"/>
+          <p:cNvSpPr/>
+          <p:nvPr/>
+        </p:nvSpPr>
+        <p:spPr>
+          <a:xfrm>
+            <a:off x="3680060" y="4121720"/>
+            <a:ext cx="3263901" cy="248842"/>
+          </a:xfrm>
+          <a:prstGeom prst="roundRect">
+            <a:avLst>
+              <a:gd name="adj" fmla="val 25876"/>
+            </a:avLst>
+          </a:prstGeom>
+          <a:solidFill>
+            <a:srgbClr val="6B8E23"/>
+          </a:solidFill>
+          <a:ln w="12700">
+            <a:miter lim="400000"/>
+          </a:ln>
+          <a:extLst>
+            <a:ext uri="{C572A759-6A51-4108-AA02-DFA0A04FC94B}">
+              <ma14:wrappingTextBoxFlag xmlns:ma14="http://schemas.microsoft.com/office/mac/drawingml/2011/main" xmlns="" val="1"/>
+            </a:ext>
+          </a:extLst>
+        </p:spPr>
+        <p:txBody>
+          <a:bodyPr lIns="0" tIns="0" rIns="0" bIns="0"/>
+          <a:lstStyle/>
+          <a:p>
+            <a:pPr lvl="1" indent="0">
+              <a:defRPr sz="1800"/>
+            </a:pPr>
+            <a:r>
+              <a:rPr lang="en-US" sz="1400" dirty="0">
+                <a:solidFill>
+                  <a:srgbClr val="FFFFFF"/>
+                </a:solidFill>
+                <a:latin typeface="Source Sans Pro"/>
+                <a:ea typeface="Source Sans Pro"/>
+                <a:cs typeface="Source Sans Pro"/>
+                <a:sym typeface="Source Sans Pro"/>
+              </a:rPr>
+              <a:t>Plotting region user coordinates</a:t>
+            </a:r>
+            <a:endParaRPr sz="1400" dirty="0">
+              <a:solidFill>
+                <a:srgbClr val="FFFFFF"/>
+              </a:solidFill>
+              <a:latin typeface="Source Sans Pro"/>
+              <a:ea typeface="Source Sans Pro"/>
+              <a:cs typeface="Source Sans Pro"/>
+              <a:sym typeface="Source Sans Pro"/>
+            </a:endParaRPr>
+          </a:p>
+        </p:txBody>
+      </p:sp>
+      <p:sp>
+        <p:nvSpPr>
+          <p:cNvPr id="29" name="Shape 35"/>
+          <p:cNvSpPr/>
+          <p:nvPr/>
+        </p:nvSpPr>
+        <p:spPr>
+          <a:xfrm>
+            <a:off x="3812724" y="4379047"/>
+            <a:ext cx="2958364" cy="2749471"/>
+          </a:xfrm>
+          <a:prstGeom prst="rect">
+            <a:avLst/>
+          </a:prstGeom>
+          <a:ln w="12700">
+            <a:miter lim="400000"/>
+          </a:ln>
+          <a:extLst>
+            <a:ext uri="{C572A759-6A51-4108-AA02-DFA0A04FC94B}">
+              <ma14:wrappingTextBoxFlag xmlns:ma14="http://schemas.microsoft.com/office/mac/drawingml/2011/main" xmlns="" val="1"/>
+            </a:ext>
+          </a:extLst>
+        </p:spPr>
+        <p:txBody>
+          <a:bodyPr wrap="square" lIns="0" tIns="0" rIns="0" bIns="0">
+            <a:spAutoFit/>
+          </a:bodyPr>
+          <a:lstStyle/>
+          <a:p>
+            <a:pPr lvl="0" algn="l">
+              <a:lnSpc>
+                <a:spcPct val="90000"/>
+              </a:lnSpc>
+              <a:spcBef>
+                <a:spcPts val="1000"/>
+              </a:spcBef>
+              <a:buClr>
+                <a:srgbClr val="F39019"/>
+              </a:buClr>
+              <a:defRPr sz="1800"/>
+            </a:pPr>
+            <a:r>
+              <a:rPr lang="en-US" sz="1200" dirty="0">
+                <a:latin typeface="Source Sans Pro Semibold"/>
+                <a:ea typeface="Source Sans Pro Semibold"/>
+                <a:cs typeface="Source Sans Pro Semibold"/>
+                <a:sym typeface="Source Sans Pro Semibold"/>
+              </a:rPr>
+              <a:t/>
+            </a:r>
+            <a:br>
+              <a:rPr lang="en-US" sz="1200" dirty="0">
+                <a:latin typeface="Source Sans Pro Semibold"/>
+                <a:ea typeface="Source Sans Pro Semibold"/>
+                <a:cs typeface="Source Sans Pro Semibold"/>
+                <a:sym typeface="Source Sans Pro Semibold"/>
+              </a:rPr>
+            </a:br>
+            <a:r>
+              <a:rPr lang="en-US" sz="1200" b="1" dirty="0">
+                <a:latin typeface="Source Sans Pro Semibold"/>
+                <a:ea typeface="Source Sans Pro Semibold"/>
+                <a:cs typeface="Source Sans Pro Semibold"/>
+                <a:sym typeface="Source Sans Pro Semibold"/>
+              </a:rPr>
+              <a:t>par(“</a:t>
+            </a:r>
+            <a:r>
+              <a:rPr lang="en-US" sz="1200" b="1" dirty="0" err="1">
+                <a:latin typeface="Source Sans Pro Semibold"/>
+                <a:ea typeface="Source Sans Pro Semibold"/>
+                <a:cs typeface="Source Sans Pro Semibold"/>
+                <a:sym typeface="Source Sans Pro Semibold"/>
+              </a:rPr>
+              <a:t>usr</a:t>
+            </a:r>
+            <a:r>
+              <a:rPr lang="en-US" sz="1200" b="1" dirty="0">
+                <a:latin typeface="Source Sans Pro Semibold"/>
+                <a:ea typeface="Source Sans Pro Semibold"/>
+                <a:cs typeface="Source Sans Pro Semibold"/>
+                <a:sym typeface="Source Sans Pro Semibold"/>
+              </a:rPr>
+              <a:t>”)</a:t>
+            </a:r>
+            <a:endParaRPr lang="en-US" sz="1200" dirty="0">
+              <a:latin typeface="Source Sans Pro Semibold"/>
+              <a:ea typeface="Source Sans Pro Semibold"/>
+              <a:cs typeface="Source Sans Pro Semibold"/>
+              <a:sym typeface="Source Sans Pro Semibold"/>
+            </a:endParaRPr>
+          </a:p>
+          <a:p>
+            <a:pPr lvl="0" algn="l">
+              <a:lnSpc>
+                <a:spcPct val="90000"/>
+              </a:lnSpc>
+              <a:spcBef>
+                <a:spcPts val="1000"/>
+              </a:spcBef>
+              <a:buClr>
+                <a:srgbClr val="F39019"/>
+              </a:buClr>
+              <a:defRPr sz="1800"/>
+            </a:pPr>
+            <a:r>
+              <a:rPr lang="en-US" sz="1200" dirty="0">
+                <a:latin typeface="Source Sans Pro Semibold"/>
+                <a:ea typeface="Source Sans Pro Semibold"/>
+                <a:cs typeface="Source Sans Pro Semibold"/>
+                <a:sym typeface="Source Sans Pro Semibold"/>
+              </a:rPr>
+              <a:t>User coordinates are the values you use when plotting your data. Run </a:t>
+            </a:r>
+            <a:r>
+              <a:rPr lang="en-US" sz="1200" b="1" dirty="0">
+                <a:latin typeface="Source Sans Pro Semibold"/>
+                <a:ea typeface="Source Sans Pro Semibold"/>
+                <a:cs typeface="Source Sans Pro Semibold"/>
+                <a:sym typeface="Source Sans Pro Semibold"/>
+              </a:rPr>
+              <a:t>par(“</a:t>
+            </a:r>
+            <a:r>
+              <a:rPr lang="en-US" sz="1200" b="1" dirty="0" err="1">
+                <a:latin typeface="Source Sans Pro Semibold"/>
+                <a:ea typeface="Source Sans Pro Semibold"/>
+                <a:cs typeface="Source Sans Pro Semibold"/>
+                <a:sym typeface="Source Sans Pro Semibold"/>
+              </a:rPr>
+              <a:t>usr</a:t>
+            </a:r>
+            <a:r>
+              <a:rPr lang="en-US" sz="1200" b="1" dirty="0">
+                <a:latin typeface="Source Sans Pro Semibold"/>
+                <a:ea typeface="Source Sans Pro Semibold"/>
+                <a:cs typeface="Source Sans Pro Semibold"/>
+                <a:sym typeface="Source Sans Pro Semibold"/>
+              </a:rPr>
+              <a:t>”)</a:t>
+            </a:r>
+            <a:r>
+              <a:rPr lang="en-US" sz="1200" dirty="0">
+                <a:latin typeface="Source Sans Pro Semibold"/>
+                <a:ea typeface="Source Sans Pro Semibold"/>
+                <a:cs typeface="Source Sans Pro Semibold"/>
+                <a:sym typeface="Source Sans Pro Semibold"/>
+              </a:rPr>
+              <a:t> to get a vector of length 4 with the user coordinates with the minimum X value, the maximum X value, the minimum Y value, and the maximum Y value.</a:t>
+            </a:r>
+          </a:p>
+          <a:p>
+            <a:pPr lvl="0" algn="l">
+              <a:lnSpc>
+                <a:spcPct val="90000"/>
+              </a:lnSpc>
+              <a:spcBef>
+                <a:spcPts val="1000"/>
+              </a:spcBef>
+              <a:buClr>
+                <a:srgbClr val="F39019"/>
+              </a:buClr>
+              <a:defRPr sz="1800"/>
+            </a:pPr>
+            <a:r>
+              <a:rPr lang="en-US" sz="1200" dirty="0">
+                <a:latin typeface="Source Sans Pro Semibold"/>
+                <a:ea typeface="Source Sans Pro Semibold"/>
+                <a:cs typeface="Source Sans Pro Semibold"/>
+                <a:sym typeface="Source Sans Pro Semibold"/>
+              </a:rPr>
+              <a:t>This normally is not the same as the values specified by the </a:t>
+            </a:r>
+            <a:r>
+              <a:rPr lang="en-US" sz="1200" b="1" dirty="0" err="1">
+                <a:latin typeface="Source Sans Pro Semibold"/>
+                <a:ea typeface="Source Sans Pro Semibold"/>
+                <a:cs typeface="Source Sans Pro Semibold"/>
+                <a:sym typeface="Source Sans Pro Semibold"/>
+              </a:rPr>
+              <a:t>xlim</a:t>
+            </a:r>
+            <a:r>
+              <a:rPr lang="en-US" sz="1200" dirty="0">
+                <a:latin typeface="Source Sans Pro Semibold"/>
+                <a:ea typeface="Source Sans Pro Semibold"/>
+                <a:cs typeface="Source Sans Pro Semibold"/>
+                <a:sym typeface="Source Sans Pro Semibold"/>
+              </a:rPr>
+              <a:t> and </a:t>
+            </a:r>
+            <a:r>
+              <a:rPr lang="en-US" sz="1200" b="1" dirty="0" err="1">
+                <a:latin typeface="Source Sans Pro Semibold"/>
+                <a:ea typeface="Source Sans Pro Semibold"/>
+                <a:cs typeface="Source Sans Pro Semibold"/>
+                <a:sym typeface="Source Sans Pro Semibold"/>
+              </a:rPr>
+              <a:t>ylim</a:t>
+            </a:r>
+            <a:r>
+              <a:rPr lang="en-US" sz="1200" dirty="0">
+                <a:latin typeface="Source Sans Pro Semibold"/>
+                <a:ea typeface="Source Sans Pro Semibold"/>
+                <a:cs typeface="Source Sans Pro Semibold"/>
+                <a:sym typeface="Source Sans Pro Semibold"/>
+              </a:rPr>
+              <a:t> arguments in plot. By default, R adds and extra 4% to the plotting range so that points right on the edge do not get partially clipped. You can override this using the </a:t>
+            </a:r>
+            <a:r>
+              <a:rPr lang="en-US" sz="1200" b="1" dirty="0" err="1">
+                <a:latin typeface="Source Sans Pro Semibold"/>
+                <a:ea typeface="Source Sans Pro Semibold"/>
+                <a:cs typeface="Source Sans Pro Semibold"/>
+                <a:sym typeface="Source Sans Pro Semibold"/>
+              </a:rPr>
+              <a:t>xaxs</a:t>
+            </a:r>
+            <a:r>
+              <a:rPr lang="en-US" sz="1200" b="1" dirty="0">
+                <a:latin typeface="Source Sans Pro Semibold"/>
+                <a:ea typeface="Source Sans Pro Semibold"/>
+                <a:cs typeface="Source Sans Pro Semibold"/>
+                <a:sym typeface="Source Sans Pro Semibold"/>
+              </a:rPr>
+              <a:t>=“</a:t>
+            </a:r>
+            <a:r>
+              <a:rPr lang="en-US" sz="1200" b="1" dirty="0" err="1">
+                <a:latin typeface="Source Sans Pro Semibold"/>
+                <a:ea typeface="Source Sans Pro Semibold"/>
+                <a:cs typeface="Source Sans Pro Semibold"/>
+                <a:sym typeface="Source Sans Pro Semibold"/>
+              </a:rPr>
+              <a:t>i</a:t>
+            </a:r>
+            <a:r>
+              <a:rPr lang="en-US" sz="1200" b="1" dirty="0">
+                <a:latin typeface="Source Sans Pro Semibold"/>
+                <a:ea typeface="Source Sans Pro Semibold"/>
+                <a:cs typeface="Source Sans Pro Semibold"/>
+                <a:sym typeface="Source Sans Pro Semibold"/>
+              </a:rPr>
+              <a:t>”</a:t>
+            </a:r>
+            <a:r>
+              <a:rPr lang="en-US" sz="1200" dirty="0">
+                <a:latin typeface="Source Sans Pro Semibold"/>
+                <a:ea typeface="Source Sans Pro Semibold"/>
+                <a:cs typeface="Source Sans Pro Semibold"/>
+                <a:sym typeface="Source Sans Pro Semibold"/>
+              </a:rPr>
+              <a:t> and/or the </a:t>
+            </a:r>
+            <a:r>
+              <a:rPr lang="en-US" sz="1200" b="1" dirty="0" err="1">
+                <a:latin typeface="Source Sans Pro Semibold"/>
+                <a:ea typeface="Source Sans Pro Semibold"/>
+                <a:cs typeface="Source Sans Pro Semibold"/>
+                <a:sym typeface="Source Sans Pro Semibold"/>
+              </a:rPr>
+              <a:t>yaxs</a:t>
+            </a:r>
+            <a:r>
+              <a:rPr lang="en-US" sz="1200" b="1" dirty="0">
+                <a:latin typeface="Source Sans Pro Semibold"/>
+                <a:ea typeface="Source Sans Pro Semibold"/>
+                <a:cs typeface="Source Sans Pro Semibold"/>
+                <a:sym typeface="Source Sans Pro Semibold"/>
+              </a:rPr>
+              <a:t>=“</a:t>
+            </a:r>
+            <a:r>
+              <a:rPr lang="en-US" sz="1200" b="1" dirty="0" err="1">
+                <a:latin typeface="Source Sans Pro Semibold"/>
+                <a:ea typeface="Source Sans Pro Semibold"/>
+                <a:cs typeface="Source Sans Pro Semibold"/>
+                <a:sym typeface="Source Sans Pro Semibold"/>
+              </a:rPr>
+              <a:t>i</a:t>
+            </a:r>
+            <a:r>
+              <a:rPr lang="en-US" sz="1200" b="1" dirty="0">
+                <a:latin typeface="Source Sans Pro Semibold"/>
+                <a:ea typeface="Source Sans Pro Semibold"/>
+                <a:cs typeface="Source Sans Pro Semibold"/>
+                <a:sym typeface="Source Sans Pro Semibold"/>
+              </a:rPr>
+              <a:t>”</a:t>
+            </a:r>
+            <a:r>
+              <a:rPr lang="en-US" sz="1200" dirty="0">
+                <a:latin typeface="Source Sans Pro Semibold"/>
+                <a:ea typeface="Source Sans Pro Semibold"/>
+                <a:cs typeface="Source Sans Pro Semibold"/>
+                <a:sym typeface="Source Sans Pro Semibold"/>
+              </a:rPr>
+              <a:t> arguments in </a:t>
+            </a:r>
+            <a:r>
+              <a:rPr lang="en-US" sz="1200" b="1" dirty="0">
+                <a:latin typeface="Source Sans Pro Semibold"/>
+                <a:ea typeface="Source Sans Pro Semibold"/>
+                <a:cs typeface="Source Sans Pro Semibold"/>
+                <a:sym typeface="Source Sans Pro Semibold"/>
+              </a:rPr>
+              <a:t>par</a:t>
+            </a:r>
+            <a:r>
+              <a:rPr lang="en-US" sz="1200" dirty="0">
+                <a:latin typeface="Source Sans Pro Semibold"/>
+                <a:ea typeface="Source Sans Pro Semibold"/>
+                <a:cs typeface="Source Sans Pro Semibold"/>
+                <a:sym typeface="Source Sans Pro Semibold"/>
+              </a:rPr>
+              <a:t>.</a:t>
+            </a:r>
+          </a:p>
+        </p:txBody>
+      </p:sp>
+      <p:sp>
+        <p:nvSpPr>
+          <p:cNvPr id="30" name="Shape 46"/>
+          <p:cNvSpPr/>
+          <p:nvPr/>
+        </p:nvSpPr>
+        <p:spPr>
+          <a:xfrm>
+            <a:off x="3659956" y="7398868"/>
+            <a:ext cx="3263901" cy="248842"/>
+          </a:xfrm>
+          <a:prstGeom prst="roundRect">
+            <a:avLst>
+              <a:gd name="adj" fmla="val 25876"/>
+            </a:avLst>
+          </a:prstGeom>
+          <a:solidFill>
+            <a:srgbClr val="6B8E23"/>
+          </a:solidFill>
+          <a:ln w="12700">
+            <a:miter lim="400000"/>
+          </a:ln>
+          <a:extLst>
+            <a:ext uri="{C572A759-6A51-4108-AA02-DFA0A04FC94B}">
+              <ma14:wrappingTextBoxFlag xmlns:ma14="http://schemas.microsoft.com/office/mac/drawingml/2011/main" xmlns="" val="1"/>
+            </a:ext>
+          </a:extLst>
+        </p:spPr>
+        <p:txBody>
+          <a:bodyPr lIns="0" tIns="0" rIns="0" bIns="0"/>
+          <a:lstStyle/>
+          <a:p>
+            <a:pPr lvl="1" indent="0">
+              <a:defRPr sz="1800"/>
+            </a:pPr>
+            <a:r>
+              <a:rPr lang="en-US" sz="1400" dirty="0">
+                <a:solidFill>
+                  <a:srgbClr val="FFFFFF"/>
+                </a:solidFill>
+                <a:latin typeface="Source Sans Pro"/>
+                <a:ea typeface="Source Sans Pro"/>
+                <a:cs typeface="Source Sans Pro"/>
+                <a:sym typeface="Source Sans Pro"/>
+              </a:rPr>
+              <a:t>Plotting region size</a:t>
+            </a:r>
+            <a:endParaRPr sz="1400" dirty="0">
+              <a:solidFill>
+                <a:srgbClr val="FFFFFF"/>
+              </a:solidFill>
+              <a:latin typeface="Source Sans Pro"/>
+              <a:ea typeface="Source Sans Pro"/>
+              <a:cs typeface="Source Sans Pro"/>
+              <a:sym typeface="Source Sans Pro"/>
+            </a:endParaRPr>
+          </a:p>
+        </p:txBody>
+      </p:sp>
+      <p:sp>
+        <p:nvSpPr>
+          <p:cNvPr id="31" name="Shape 35"/>
+          <p:cNvSpPr/>
+          <p:nvPr/>
+        </p:nvSpPr>
+        <p:spPr>
+          <a:xfrm>
+            <a:off x="3812724" y="7654823"/>
+            <a:ext cx="2958364" cy="1918474"/>
+          </a:xfrm>
+          <a:prstGeom prst="rect">
+            <a:avLst/>
+          </a:prstGeom>
+          <a:ln w="12700">
+            <a:miter lim="400000"/>
+          </a:ln>
+          <a:extLst>
+            <a:ext uri="{C572A759-6A51-4108-AA02-DFA0A04FC94B}">
+              <ma14:wrappingTextBoxFlag xmlns:ma14="http://schemas.microsoft.com/office/mac/drawingml/2011/main" xmlns="" val="1"/>
+            </a:ext>
+          </a:extLst>
+        </p:spPr>
+        <p:txBody>
+          <a:bodyPr wrap="square" lIns="0" tIns="0" rIns="0" bIns="0">
+            <a:spAutoFit/>
+          </a:bodyPr>
+          <a:lstStyle/>
+          <a:p>
+            <a:pPr lvl="0" algn="l">
+              <a:lnSpc>
+                <a:spcPct val="90000"/>
+              </a:lnSpc>
+              <a:spcBef>
+                <a:spcPts val="1000"/>
+              </a:spcBef>
+              <a:buClr>
+                <a:srgbClr val="F39019"/>
+              </a:buClr>
+              <a:defRPr sz="1800"/>
+            </a:pPr>
+            <a:r>
+              <a:rPr lang="en-US" sz="1200" dirty="0">
+                <a:latin typeface="Source Sans Pro Semibold"/>
+                <a:ea typeface="Source Sans Pro Semibold"/>
+                <a:cs typeface="Source Sans Pro Semibold"/>
+                <a:sym typeface="Source Sans Pro Semibold"/>
+              </a:rPr>
+              <a:t/>
+            </a:r>
+            <a:br>
+              <a:rPr lang="en-US" sz="1200" dirty="0">
+                <a:latin typeface="Source Sans Pro Semibold"/>
+                <a:ea typeface="Source Sans Pro Semibold"/>
+                <a:cs typeface="Source Sans Pro Semibold"/>
+                <a:sym typeface="Source Sans Pro Semibold"/>
+              </a:rPr>
+            </a:br>
+            <a:r>
+              <a:rPr lang="en-US" sz="1200" b="1" dirty="0">
+                <a:latin typeface="Source Sans Pro Semibold"/>
+                <a:ea typeface="Source Sans Pro Semibold"/>
+                <a:cs typeface="Source Sans Pro Semibold"/>
+                <a:sym typeface="Source Sans Pro Semibold"/>
+              </a:rPr>
+              <a:t>par(“pin”)</a:t>
+            </a:r>
+            <a:br>
+              <a:rPr lang="en-US" sz="1200" b="1" dirty="0">
+                <a:latin typeface="Source Sans Pro Semibold"/>
+                <a:ea typeface="Source Sans Pro Semibold"/>
+                <a:cs typeface="Source Sans Pro Semibold"/>
+                <a:sym typeface="Source Sans Pro Semibold"/>
+              </a:rPr>
+            </a:br>
+            <a:r>
+              <a:rPr lang="en-US" sz="1200" b="1" dirty="0">
+                <a:latin typeface="Source Sans Pro Semibold"/>
+                <a:ea typeface="Source Sans Pro Semibold"/>
+                <a:cs typeface="Source Sans Pro Semibold"/>
+                <a:sym typeface="Source Sans Pro Semibold"/>
+              </a:rPr>
+              <a:t>par(“</a:t>
+            </a:r>
+            <a:r>
+              <a:rPr lang="en-US" sz="1200" b="1" dirty="0" err="1">
+                <a:latin typeface="Source Sans Pro Semibold"/>
+                <a:ea typeface="Source Sans Pro Semibold"/>
+                <a:cs typeface="Source Sans Pro Semibold"/>
+                <a:sym typeface="Source Sans Pro Semibold"/>
+              </a:rPr>
+              <a:t>plt</a:t>
+            </a:r>
+            <a:r>
+              <a:rPr lang="en-US" sz="1200" b="1" dirty="0">
+                <a:latin typeface="Source Sans Pro Semibold"/>
+                <a:ea typeface="Source Sans Pro Semibold"/>
+                <a:cs typeface="Source Sans Pro Semibold"/>
+                <a:sym typeface="Source Sans Pro Semibold"/>
+              </a:rPr>
+              <a:t>”)</a:t>
+            </a:r>
+            <a:endParaRPr lang="en-US" sz="1200" dirty="0">
+              <a:latin typeface="Source Sans Pro Semibold"/>
+              <a:ea typeface="Source Sans Pro Semibold"/>
+              <a:cs typeface="Source Sans Pro Semibold"/>
+              <a:sym typeface="Source Sans Pro Semibold"/>
+            </a:endParaRPr>
+          </a:p>
+          <a:p>
+            <a:pPr lvl="0" algn="l">
+              <a:lnSpc>
+                <a:spcPct val="90000"/>
+              </a:lnSpc>
+              <a:spcBef>
+                <a:spcPts val="1000"/>
+              </a:spcBef>
+              <a:buClr>
+                <a:srgbClr val="F39019"/>
+              </a:buClr>
+              <a:defRPr sz="1800"/>
+            </a:pPr>
+            <a:r>
+              <a:rPr lang="en-US" sz="1200" dirty="0">
+                <a:latin typeface="Source Sans Pro Semibold"/>
+                <a:ea typeface="Source Sans Pro Semibold"/>
+                <a:cs typeface="Source Sans Pro Semibold"/>
+                <a:sym typeface="Source Sans Pro Semibold"/>
+              </a:rPr>
+              <a:t>Use </a:t>
+            </a:r>
+            <a:r>
+              <a:rPr lang="en-US" sz="1200" b="1" dirty="0">
+                <a:latin typeface="Source Sans Pro Semibold"/>
+                <a:ea typeface="Source Sans Pro Semibold"/>
+                <a:cs typeface="Source Sans Pro Semibold"/>
+                <a:sym typeface="Source Sans Pro Semibold"/>
+              </a:rPr>
+              <a:t>par(“pin”)</a:t>
+            </a:r>
+            <a:r>
+              <a:rPr lang="en-US" sz="1200" dirty="0">
+                <a:latin typeface="Source Sans Pro Semibold"/>
+                <a:ea typeface="Source Sans Pro Semibold"/>
+                <a:cs typeface="Source Sans Pro Semibold"/>
+                <a:sym typeface="Source Sans Pro Semibold"/>
+              </a:rPr>
+              <a:t> to get a vector of length 2 with the size of the plotting region in inches for the X and Y dimensions.</a:t>
+            </a:r>
+          </a:p>
+          <a:p>
+            <a:pPr lvl="0" algn="l">
+              <a:lnSpc>
+                <a:spcPct val="90000"/>
+              </a:lnSpc>
+              <a:spcBef>
+                <a:spcPts val="1000"/>
+              </a:spcBef>
+              <a:buClr>
+                <a:srgbClr val="F39019"/>
+              </a:buClr>
+              <a:defRPr sz="1800"/>
+            </a:pPr>
+            <a:r>
+              <a:rPr lang="en-US" sz="1200" dirty="0">
+                <a:latin typeface="Source Sans Pro Light"/>
+                <a:ea typeface="Source Sans Pro Light"/>
+                <a:cs typeface="Source Sans Pro Light"/>
+                <a:sym typeface="Source Sans Pro Light"/>
+              </a:rPr>
+              <a:t>Run </a:t>
+            </a:r>
+            <a:r>
+              <a:rPr lang="en-US" sz="1200" b="1" dirty="0">
+                <a:latin typeface="Source Sans Pro Light"/>
+                <a:ea typeface="Source Sans Pro Light"/>
+                <a:cs typeface="Source Sans Pro Light"/>
+                <a:sym typeface="Source Sans Pro Light"/>
+              </a:rPr>
+              <a:t>par(“</a:t>
+            </a:r>
+            <a:r>
+              <a:rPr lang="en-US" sz="1200" b="1" dirty="0" err="1">
+                <a:latin typeface="Source Sans Pro Light"/>
+                <a:ea typeface="Source Sans Pro Light"/>
+                <a:cs typeface="Source Sans Pro Light"/>
+                <a:sym typeface="Source Sans Pro Light"/>
+              </a:rPr>
+              <a:t>plt</a:t>
+            </a:r>
+            <a:r>
+              <a:rPr lang="en-US" sz="1200" b="1" dirty="0">
+                <a:latin typeface="Source Sans Pro Light"/>
+                <a:ea typeface="Source Sans Pro Light"/>
+                <a:cs typeface="Source Sans Pro Light"/>
+                <a:sym typeface="Source Sans Pro Light"/>
+              </a:rPr>
+              <a:t>”) </a:t>
+            </a:r>
+            <a:r>
+              <a:rPr lang="en-US" sz="1200" dirty="0">
+                <a:latin typeface="Source Sans Pro Light"/>
+                <a:ea typeface="Source Sans Pro Light"/>
+                <a:cs typeface="Source Sans Pro Light"/>
+                <a:sym typeface="Source Sans Pro Light"/>
+              </a:rPr>
+              <a:t>to get the space needed to get to the various edges of the plotting regions from the left/bottom of the graphics device.</a:t>
+            </a:r>
+            <a:endParaRPr lang="en-US" sz="1200" dirty="0">
+              <a:latin typeface="Source Sans Pro Semibold"/>
+              <a:ea typeface="Source Sans Pro Semibold"/>
+              <a:cs typeface="Source Sans Pro Semibold"/>
+              <a:sym typeface="Source Sans Pro Semibold"/>
+            </a:endParaRPr>
+          </a:p>
+        </p:txBody>
+      </p:sp>
       <p:pic>
         <p:nvPicPr>
-          <p:cNvPr id="4" name="Picture 3"/>
+          <p:cNvPr id="3" name="Picture 2"/>
           <p:cNvPicPr>
             <a:picLocks noChangeAspect="1"/>
           </p:cNvPicPr>
@@ -3848,7 +5182,7 @@
         </p:blipFill>
         <p:spPr>
           <a:xfrm>
-            <a:off x="7102876" y="3946774"/>
+            <a:off x="7158652" y="3882830"/>
             <a:ext cx="6401129" cy="6401129"/>
           </a:xfrm>
           <a:prstGeom prst="rect">
@@ -3856,6 +5190,1655 @@
           </a:prstGeom>
         </p:spPr>
       </p:pic>
+    </p:spTree>
+  </p:cSld>
+  <p:clrMapOvr>
+    <a:masterClrMapping/>
+  </p:clrMapOvr>
+  <p:transition spd="med"/>
+  <p:timing>
+    <p:tnLst>
+      <p:par>
+        <p:cTn id="1" dur="indefinite" restart="never" nodeType="tmRoot"/>
+      </p:par>
+    </p:tnLst>
+  </p:timing>
+</p:sld>
+</file>
+
+<file path=ppt/slides/slide2.xml><?xml version="1.0" encoding="utf-8"?>
+<p:sld xmlns:a="http://schemas.openxmlformats.org/drawingml/2006/main" xmlns:r="http://schemas.openxmlformats.org/officeDocument/2006/relationships" xmlns:p="http://schemas.openxmlformats.org/presentationml/2006/main">
+  <p:cSld>
+    <p:spTree>
+      <p:nvGrpSpPr>
+        <p:cNvPr id="1" name=""/>
+        <p:cNvGrpSpPr/>
+        <p:nvPr/>
+      </p:nvGrpSpPr>
+      <p:grpSpPr>
+        <a:xfrm>
+          <a:off x="0" y="0"/>
+          <a:ext cx="0" cy="0"/>
+          <a:chOff x="0" y="0"/>
+          <a:chExt cx="0" cy="0"/>
+        </a:xfrm>
+      </p:grpSpPr>
+      <p:sp>
+        <p:nvSpPr>
+          <p:cNvPr id="34" name="Shape 34"/>
+          <p:cNvSpPr/>
+          <p:nvPr/>
+        </p:nvSpPr>
+        <p:spPr>
+          <a:xfrm>
+            <a:off x="260259" y="2232051"/>
+            <a:ext cx="3268912" cy="7759434"/>
+          </a:xfrm>
+          <a:prstGeom prst="roundRect">
+            <a:avLst>
+              <a:gd name="adj" fmla="val 1194"/>
+            </a:avLst>
+          </a:prstGeom>
+          <a:solidFill>
+            <a:srgbClr val="B4EE3A">
+              <a:alpha val="20000"/>
+            </a:srgbClr>
+          </a:solidFill>
+          <a:ln w="12700">
+            <a:miter lim="400000"/>
+          </a:ln>
+        </p:spPr>
+        <p:txBody>
+          <a:bodyPr lIns="0" tIns="0" rIns="0" bIns="0" anchor="ctr"/>
+          <a:lstStyle/>
+          <a:p>
+            <a:pPr lvl="0" algn="l">
+              <a:defRPr sz="1000">
+                <a:latin typeface="Menlo"/>
+                <a:ea typeface="Menlo"/>
+                <a:cs typeface="Menlo"/>
+                <a:sym typeface="Menlo"/>
+              </a:defRPr>
+            </a:pPr>
+            <a:endParaRPr/>
+          </a:p>
+        </p:txBody>
+      </p:sp>
+      <p:sp>
+        <p:nvSpPr>
+          <p:cNvPr id="35" name="Shape 35"/>
+          <p:cNvSpPr/>
+          <p:nvPr/>
+        </p:nvSpPr>
+        <p:spPr>
+          <a:xfrm>
+            <a:off x="409183" y="5254563"/>
+            <a:ext cx="2958364" cy="5076045"/>
+          </a:xfrm>
+          <a:prstGeom prst="rect">
+            <a:avLst/>
+          </a:prstGeom>
+          <a:ln w="12700">
+            <a:miter lim="400000"/>
+          </a:ln>
+          <a:extLst>
+            <a:ext uri="{C572A759-6A51-4108-AA02-DFA0A04FC94B}">
+              <ma14:wrappingTextBoxFlag xmlns:ma14="http://schemas.microsoft.com/office/mac/drawingml/2011/main" xmlns="" val="1"/>
+            </a:ext>
+          </a:extLst>
+        </p:spPr>
+        <p:txBody>
+          <a:bodyPr wrap="square" lIns="0" tIns="0" rIns="0" bIns="0">
+            <a:spAutoFit/>
+          </a:bodyPr>
+          <a:lstStyle/>
+          <a:p>
+            <a:pPr lvl="0" algn="l">
+              <a:lnSpc>
+                <a:spcPct val="90000"/>
+              </a:lnSpc>
+              <a:spcBef>
+                <a:spcPts val="1000"/>
+              </a:spcBef>
+              <a:buClr>
+                <a:srgbClr val="F39019"/>
+              </a:buClr>
+              <a:defRPr sz="1800"/>
+            </a:pPr>
+            <a:r>
+              <a:rPr lang="en-US" sz="1200" dirty="0">
+                <a:latin typeface="Source Sans Pro Semibold"/>
+                <a:ea typeface="Source Sans Pro Semibold"/>
+                <a:cs typeface="Source Sans Pro Semibold"/>
+                <a:sym typeface="Source Sans Pro Semibold"/>
+              </a:rPr>
+              <a:t/>
+            </a:r>
+            <a:br>
+              <a:rPr lang="en-US" sz="1200" dirty="0">
+                <a:latin typeface="Source Sans Pro Semibold"/>
+                <a:ea typeface="Source Sans Pro Semibold"/>
+                <a:cs typeface="Source Sans Pro Semibold"/>
+                <a:sym typeface="Source Sans Pro Semibold"/>
+              </a:rPr>
+            </a:br>
+            <a:r>
+              <a:rPr lang="en-US" sz="1200" b="1" dirty="0" err="1">
+                <a:latin typeface="Source Sans Pro Semibold"/>
+                <a:ea typeface="Source Sans Pro Semibold"/>
+                <a:cs typeface="Source Sans Pro Semibold"/>
+                <a:sym typeface="Source Sans Pro Semibold"/>
+              </a:rPr>
+              <a:t>dev.size</a:t>
+            </a:r>
+            <a:r>
+              <a:rPr lang="en-US" sz="1200" b="1" dirty="0">
+                <a:latin typeface="Source Sans Pro Semibold"/>
+                <a:ea typeface="Source Sans Pro Semibold"/>
+                <a:cs typeface="Source Sans Pro Semibold"/>
+                <a:sym typeface="Source Sans Pro Semibold"/>
+              </a:rPr>
+              <a:t>()</a:t>
+            </a:r>
+            <a:br>
+              <a:rPr lang="en-US" sz="1200" b="1" dirty="0">
+                <a:latin typeface="Source Sans Pro Semibold"/>
+                <a:ea typeface="Source Sans Pro Semibold"/>
+                <a:cs typeface="Source Sans Pro Semibold"/>
+                <a:sym typeface="Source Sans Pro Semibold"/>
+              </a:rPr>
+            </a:br>
+            <a:r>
+              <a:rPr lang="en-US" sz="1200" b="1" dirty="0">
+                <a:latin typeface="Source Sans Pro Semibold"/>
+                <a:ea typeface="Source Sans Pro Semibold"/>
+                <a:cs typeface="Source Sans Pro Semibold"/>
+                <a:sym typeface="Source Sans Pro Semibold"/>
+              </a:rPr>
+              <a:t>par(“fin”)</a:t>
+            </a:r>
+            <a:endParaRPr lang="en-US" sz="1200" dirty="0">
+              <a:latin typeface="Source Sans Pro Semibold"/>
+              <a:ea typeface="Source Sans Pro Semibold"/>
+              <a:cs typeface="Source Sans Pro Semibold"/>
+              <a:sym typeface="Source Sans Pro Semibold"/>
+            </a:endParaRPr>
+          </a:p>
+          <a:p>
+            <a:pPr lvl="0" algn="l">
+              <a:lnSpc>
+                <a:spcPct val="90000"/>
+              </a:lnSpc>
+              <a:spcBef>
+                <a:spcPts val="1000"/>
+              </a:spcBef>
+              <a:buClr>
+                <a:srgbClr val="F39019"/>
+              </a:buClr>
+              <a:defRPr sz="1800"/>
+            </a:pPr>
+            <a:r>
+              <a:rPr lang="en-US" sz="1200" dirty="0">
+                <a:latin typeface="Source Sans Pro Semibold"/>
+                <a:ea typeface="Source Sans Pro Semibold"/>
+                <a:cs typeface="Source Sans Pro Semibold"/>
+                <a:sym typeface="Source Sans Pro Semibold"/>
+              </a:rPr>
+              <a:t>Sometimes you will need to query the size of the graphics device within the R program itself. You might do this because you can’t remember the default values, because you may have changed the size of the graphics window on your screen, or because you need the size of the device in order to calculate other important aspects of the size of your graph.</a:t>
+            </a:r>
+          </a:p>
+          <a:p>
+            <a:pPr lvl="0" algn="l">
+              <a:lnSpc>
+                <a:spcPct val="90000"/>
+              </a:lnSpc>
+              <a:spcBef>
+                <a:spcPts val="1000"/>
+              </a:spcBef>
+              <a:buClr>
+                <a:srgbClr val="F39019"/>
+              </a:buClr>
+              <a:defRPr sz="1800"/>
+            </a:pPr>
+            <a:r>
+              <a:rPr lang="en-US" sz="1200" dirty="0">
+                <a:latin typeface="Source Sans Pro Semibold"/>
+                <a:ea typeface="Source Sans Pro Semibold"/>
+                <a:cs typeface="Source Sans Pro Semibold"/>
+                <a:sym typeface="Source Sans Pro Semibold"/>
+              </a:rPr>
+              <a:t>Both the </a:t>
+            </a:r>
+            <a:r>
+              <a:rPr lang="en-US" sz="1200" b="1" dirty="0" err="1">
+                <a:latin typeface="Source Sans Pro Semibold"/>
+                <a:ea typeface="Source Sans Pro Semibold"/>
+                <a:cs typeface="Source Sans Pro Semibold"/>
+                <a:sym typeface="Source Sans Pro Semibold"/>
+              </a:rPr>
+              <a:t>dev.size</a:t>
+            </a:r>
+            <a:r>
+              <a:rPr lang="en-US" sz="1200" dirty="0">
+                <a:latin typeface="Source Sans Pro Semibold"/>
+                <a:ea typeface="Source Sans Pro Semibold"/>
+                <a:cs typeface="Source Sans Pro Semibold"/>
+                <a:sym typeface="Source Sans Pro Semibold"/>
+              </a:rPr>
+              <a:t> function or </a:t>
+            </a:r>
+            <a:r>
+              <a:rPr lang="en-US" sz="1200" b="1" dirty="0">
+                <a:latin typeface="Source Sans Pro Semibold"/>
+                <a:ea typeface="Source Sans Pro Semibold"/>
+                <a:cs typeface="Source Sans Pro Semibold"/>
+                <a:sym typeface="Source Sans Pro Semibold"/>
+              </a:rPr>
+              <a:t>par(“fin”)</a:t>
+            </a:r>
+            <a:r>
+              <a:rPr lang="en-US" sz="1200" dirty="0">
+                <a:latin typeface="Source Sans Pro Semibold"/>
+                <a:ea typeface="Source Sans Pro Semibold"/>
+                <a:cs typeface="Source Sans Pro Semibold"/>
+                <a:sym typeface="Source Sans Pro Semibold"/>
+              </a:rPr>
+              <a:t> will tell you the size of the graphics device in inches (including margins), but </a:t>
+            </a:r>
+            <a:r>
+              <a:rPr lang="en-US" sz="1200" b="1" dirty="0">
+                <a:latin typeface="Source Sans Pro Semibold"/>
+                <a:ea typeface="Source Sans Pro Semibold"/>
+                <a:cs typeface="Source Sans Pro Semibold"/>
+                <a:sym typeface="Source Sans Pro Semibold"/>
+              </a:rPr>
+              <a:t>par(“fin”)</a:t>
+            </a:r>
+            <a:r>
+              <a:rPr lang="en-US" sz="1200" dirty="0">
+                <a:latin typeface="Source Sans Pro Semibold"/>
+                <a:ea typeface="Source Sans Pro Semibold"/>
+                <a:cs typeface="Source Sans Pro Semibold"/>
+                <a:sym typeface="Source Sans Pro Semibold"/>
+              </a:rPr>
+              <a:t> will not be updated if you resize your graphics window.</a:t>
+            </a:r>
+          </a:p>
+          <a:p>
+            <a:pPr lvl="0" algn="l">
+              <a:lnSpc>
+                <a:spcPct val="90000"/>
+              </a:lnSpc>
+              <a:spcBef>
+                <a:spcPts val="1000"/>
+              </a:spcBef>
+              <a:buClr>
+                <a:srgbClr val="F39019"/>
+              </a:buClr>
+              <a:defRPr sz="1800"/>
+            </a:pPr>
+            <a:r>
+              <a:rPr lang="en-US" sz="1200" dirty="0">
+                <a:latin typeface="Source Sans Pro Semibold"/>
+                <a:ea typeface="Source Sans Pro Semibold"/>
+                <a:cs typeface="Source Sans Pro Semibold"/>
+                <a:sym typeface="Source Sans Pro Semibold"/>
+              </a:rPr>
+              <a:t>Type </a:t>
+            </a:r>
+            <a:r>
+              <a:rPr lang="en-US" sz="1200" b="1" dirty="0" err="1">
+                <a:latin typeface="Source Sans Pro Semibold"/>
+                <a:ea typeface="Source Sans Pro Semibold"/>
+                <a:cs typeface="Source Sans Pro Semibold"/>
+                <a:sym typeface="Source Sans Pro Semibold"/>
+              </a:rPr>
+              <a:t>dev.size</a:t>
+            </a:r>
+            <a:r>
+              <a:rPr lang="en-US" sz="1200" b="1" dirty="0">
+                <a:latin typeface="Source Sans Pro Semibold"/>
+                <a:ea typeface="Source Sans Pro Semibold"/>
+                <a:cs typeface="Source Sans Pro Semibold"/>
+                <a:sym typeface="Source Sans Pro Semibold"/>
+              </a:rPr>
+              <a:t>(units=“</a:t>
+            </a:r>
+            <a:r>
+              <a:rPr lang="en-US" sz="1200" b="1" dirty="0" err="1">
+                <a:latin typeface="Source Sans Pro Semibold"/>
+                <a:ea typeface="Source Sans Pro Semibold"/>
+                <a:cs typeface="Source Sans Pro Semibold"/>
+                <a:sym typeface="Source Sans Pro Semibold"/>
+              </a:rPr>
+              <a:t>px</a:t>
+            </a:r>
+            <a:r>
+              <a:rPr lang="en-US" sz="1200" b="1" dirty="0">
+                <a:latin typeface="Source Sans Pro Semibold"/>
+                <a:ea typeface="Source Sans Pro Semibold"/>
+                <a:cs typeface="Source Sans Pro Semibold"/>
+                <a:sym typeface="Source Sans Pro Semibold"/>
+              </a:rPr>
+              <a:t>”)</a:t>
+            </a:r>
+            <a:r>
+              <a:rPr lang="en-US" sz="1200" dirty="0">
+                <a:latin typeface="Source Sans Pro Semibold"/>
+                <a:ea typeface="Source Sans Pro Semibold"/>
+                <a:cs typeface="Source Sans Pro Semibold"/>
+                <a:sym typeface="Source Sans Pro Semibold"/>
+              </a:rPr>
+              <a:t> or </a:t>
+            </a:r>
+            <a:r>
+              <a:rPr lang="en-US" sz="1200" b="1" dirty="0" err="1">
+                <a:latin typeface="Source Sans Pro Semibold"/>
+                <a:ea typeface="Source Sans Pro Semibold"/>
+                <a:cs typeface="Source Sans Pro Semibold"/>
+                <a:sym typeface="Source Sans Pro Semibold"/>
+              </a:rPr>
+              <a:t>dev.size</a:t>
+            </a:r>
+            <a:r>
+              <a:rPr lang="en-US" sz="1200" b="1" dirty="0">
+                <a:latin typeface="Source Sans Pro Semibold"/>
+                <a:ea typeface="Source Sans Pro Semibold"/>
+                <a:cs typeface="Source Sans Pro Semibold"/>
+                <a:sym typeface="Source Sans Pro Semibold"/>
+              </a:rPr>
+              <a:t>(units=“cm”)</a:t>
+            </a:r>
+            <a:r>
+              <a:rPr lang="en-US" sz="1200" dirty="0">
+                <a:latin typeface="Source Sans Pro Semibold"/>
+                <a:ea typeface="Source Sans Pro Semibold"/>
+                <a:cs typeface="Source Sans Pro Semibold"/>
+                <a:sym typeface="Source Sans Pro Semibold"/>
+              </a:rPr>
+              <a:t> to get the size in different units. The command</a:t>
+            </a:r>
+            <a:endParaRPr lang="en-US" sz="1200" dirty="0">
+              <a:latin typeface="Source Sans Pro Light"/>
+              <a:ea typeface="Source Sans Pro Light"/>
+              <a:cs typeface="Source Sans Pro Light"/>
+              <a:sym typeface="Source Sans Pro Light"/>
+            </a:endParaRPr>
+          </a:p>
+          <a:p>
+            <a:pPr lvl="0" algn="l">
+              <a:lnSpc>
+                <a:spcPct val="90000"/>
+              </a:lnSpc>
+              <a:spcBef>
+                <a:spcPts val="300"/>
+              </a:spcBef>
+              <a:buClr>
+                <a:srgbClr val="F39019"/>
+              </a:buClr>
+              <a:defRPr sz="1800"/>
+            </a:pPr>
+            <a:endParaRPr lang="en-US" sz="1200" dirty="0">
+              <a:latin typeface="Source Sans Pro Light"/>
+              <a:ea typeface="Source Sans Pro Light"/>
+              <a:cs typeface="Source Sans Pro Light"/>
+              <a:sym typeface="Source Sans Pro Light"/>
+            </a:endParaRPr>
+          </a:p>
+          <a:p>
+            <a:pPr lvl="0" algn="l">
+              <a:lnSpc>
+                <a:spcPct val="90000"/>
+              </a:lnSpc>
+              <a:spcBef>
+                <a:spcPts val="300"/>
+              </a:spcBef>
+              <a:buClr>
+                <a:srgbClr val="F39019"/>
+              </a:buClr>
+              <a:defRPr sz="1800"/>
+            </a:pPr>
+            <a:r>
+              <a:rPr lang="en-US" sz="1200" b="1" dirty="0" err="1">
+                <a:latin typeface="Source Sans Pro Light"/>
+                <a:ea typeface="Source Sans Pro Light"/>
+                <a:cs typeface="Source Sans Pro Light"/>
+                <a:sym typeface="Source Sans Pro Light"/>
+              </a:rPr>
+              <a:t>dev.size</a:t>
+            </a:r>
+            <a:r>
+              <a:rPr lang="en-US" sz="1200" b="1" dirty="0">
+                <a:latin typeface="Source Sans Pro Light"/>
+                <a:ea typeface="Source Sans Pro Light"/>
+                <a:cs typeface="Source Sans Pro Light"/>
+                <a:sym typeface="Source Sans Pro Light"/>
+              </a:rPr>
+              <a:t>(units=“</a:t>
+            </a:r>
+            <a:r>
+              <a:rPr lang="en-US" sz="1200" b="1" dirty="0" err="1">
+                <a:latin typeface="Source Sans Pro Light"/>
+                <a:ea typeface="Source Sans Pro Light"/>
+                <a:cs typeface="Source Sans Pro Light"/>
+                <a:sym typeface="Source Sans Pro Light"/>
+              </a:rPr>
+              <a:t>px</a:t>
+            </a:r>
+            <a:r>
+              <a:rPr lang="en-US" sz="1200" b="1" dirty="0">
+                <a:latin typeface="Source Sans Pro Light"/>
+                <a:ea typeface="Source Sans Pro Light"/>
+                <a:cs typeface="Source Sans Pro Light"/>
+                <a:sym typeface="Source Sans Pro Light"/>
+              </a:rPr>
+              <a:t>”) / </a:t>
+            </a:r>
+            <a:r>
+              <a:rPr lang="en-US" sz="1200" b="1" dirty="0" err="1">
+                <a:latin typeface="Source Sans Pro Light"/>
+                <a:ea typeface="Source Sans Pro Light"/>
+                <a:cs typeface="Source Sans Pro Light"/>
+                <a:sym typeface="Source Sans Pro Light"/>
+              </a:rPr>
+              <a:t>dev.size</a:t>
+            </a:r>
+            <a:r>
+              <a:rPr lang="en-US" sz="1200" b="1" dirty="0">
+                <a:latin typeface="Source Sans Pro Light"/>
+                <a:ea typeface="Source Sans Pro Light"/>
+                <a:cs typeface="Source Sans Pro Light"/>
+                <a:sym typeface="Source Sans Pro Light"/>
+              </a:rPr>
+              <a:t>()</a:t>
+            </a:r>
+          </a:p>
+          <a:p>
+            <a:pPr lvl="0" algn="l">
+              <a:lnSpc>
+                <a:spcPct val="90000"/>
+              </a:lnSpc>
+              <a:spcBef>
+                <a:spcPts val="300"/>
+              </a:spcBef>
+              <a:buClr>
+                <a:srgbClr val="F39019"/>
+              </a:buClr>
+              <a:defRPr sz="1800"/>
+            </a:pPr>
+            <a:endParaRPr lang="en-US" sz="1200" dirty="0">
+              <a:latin typeface="Source Sans Pro Light"/>
+              <a:ea typeface="Source Sans Pro Light"/>
+              <a:cs typeface="Source Sans Pro Light"/>
+              <a:sym typeface="Source Sans Pro Light"/>
+            </a:endParaRPr>
+          </a:p>
+          <a:p>
+            <a:pPr lvl="0" algn="l">
+              <a:lnSpc>
+                <a:spcPct val="90000"/>
+              </a:lnSpc>
+              <a:spcBef>
+                <a:spcPts val="300"/>
+              </a:spcBef>
+              <a:buClr>
+                <a:srgbClr val="F39019"/>
+              </a:buClr>
+              <a:defRPr sz="1800"/>
+            </a:pPr>
+            <a:r>
+              <a:rPr lang="en-US" sz="1200" dirty="0">
+                <a:latin typeface="Source Sans Pro Light"/>
+                <a:ea typeface="Source Sans Pro Light"/>
+                <a:cs typeface="Source Sans Pro Light"/>
+                <a:sym typeface="Source Sans Pro Light"/>
+              </a:rPr>
+              <a:t>will tell you the number of pixels per inch in the horizontal and vertical directions.</a:t>
+            </a:r>
+          </a:p>
+          <a:p>
+            <a:pPr lvl="0" algn="l">
+              <a:lnSpc>
+                <a:spcPct val="90000"/>
+              </a:lnSpc>
+              <a:spcBef>
+                <a:spcPts val="1000"/>
+              </a:spcBef>
+              <a:buClr>
+                <a:srgbClr val="F39019"/>
+              </a:buClr>
+              <a:defRPr sz="1800"/>
+            </a:pPr>
+            <a:endParaRPr lang="en-US" sz="1200" dirty="0">
+              <a:latin typeface="Source Sans Pro Semibold"/>
+              <a:ea typeface="Source Sans Pro Semibold"/>
+              <a:cs typeface="Source Sans Pro Semibold"/>
+              <a:sym typeface="Source Sans Pro Semibold"/>
+            </a:endParaRPr>
+          </a:p>
+        </p:txBody>
+      </p:sp>
+      <p:sp>
+        <p:nvSpPr>
+          <p:cNvPr id="36" name="Shape 36"/>
+          <p:cNvSpPr/>
+          <p:nvPr/>
+        </p:nvSpPr>
+        <p:spPr>
+          <a:xfrm>
+            <a:off x="-3058936" y="6334843"/>
+            <a:ext cx="427683" cy="248842"/>
+          </a:xfrm>
+          <a:prstGeom prst="rect">
+            <a:avLst/>
+          </a:prstGeom>
+          <a:ln w="12700">
+            <a:miter lim="400000"/>
+          </a:ln>
+        </p:spPr>
+        <p:txBody>
+          <a:bodyPr wrap="none" lIns="54570" tIns="54570" rIns="54570" bIns="54570" anchor="ctr">
+            <a:spAutoFit/>
+          </a:bodyPr>
+          <a:lstStyle/>
+          <a:p>
+            <a:pPr lvl="0" algn="l">
+              <a:defRPr sz="1000">
+                <a:latin typeface="Menlo"/>
+                <a:ea typeface="Menlo"/>
+                <a:cs typeface="Menlo"/>
+                <a:sym typeface="Menlo"/>
+              </a:defRPr>
+            </a:pPr>
+            <a:endParaRPr/>
+          </a:p>
+        </p:txBody>
+      </p:sp>
+      <p:sp>
+        <p:nvSpPr>
+          <p:cNvPr id="38" name="Shape 38"/>
+          <p:cNvSpPr/>
+          <p:nvPr/>
+        </p:nvSpPr>
+        <p:spPr>
+          <a:xfrm>
+            <a:off x="256414" y="2070619"/>
+            <a:ext cx="3263902" cy="320381"/>
+          </a:xfrm>
+          <a:prstGeom prst="roundRect">
+            <a:avLst>
+              <a:gd name="adj" fmla="val 20098"/>
+            </a:avLst>
+          </a:prstGeom>
+          <a:solidFill>
+            <a:srgbClr val="6B8E23"/>
+          </a:solidFill>
+          <a:ln w="12700">
+            <a:miter lim="400000"/>
+          </a:ln>
+          <a:extLst>
+            <a:ext uri="{C572A759-6A51-4108-AA02-DFA0A04FC94B}">
+              <ma14:wrappingTextBoxFlag xmlns:ma14="http://schemas.microsoft.com/office/mac/drawingml/2011/main" xmlns="" val="1"/>
+            </a:ext>
+          </a:extLst>
+        </p:spPr>
+        <p:txBody>
+          <a:bodyPr lIns="0" tIns="0" rIns="0" bIns="0" anchor="ctr"/>
+          <a:lstStyle/>
+          <a:p>
+            <a:pPr lvl="1" indent="0">
+              <a:defRPr sz="1800"/>
+            </a:pPr>
+            <a:r>
+              <a:rPr sz="2000">
+                <a:solidFill>
+                  <a:srgbClr val="FFFFFF"/>
+                </a:solidFill>
+                <a:latin typeface="Source Sans Pro"/>
+                <a:ea typeface="Source Sans Pro"/>
+                <a:cs typeface="Source Sans Pro"/>
+                <a:sym typeface="Source Sans Pro"/>
+              </a:rPr>
+              <a:t>Basics</a:t>
+            </a:r>
+          </a:p>
+        </p:txBody>
+      </p:sp>
+      <p:sp>
+        <p:nvSpPr>
+          <p:cNvPr id="39" name="Shape 39"/>
+          <p:cNvSpPr/>
+          <p:nvPr/>
+        </p:nvSpPr>
+        <p:spPr>
+          <a:xfrm>
+            <a:off x="232450" y="10347903"/>
+            <a:ext cx="6261703" cy="234855"/>
+          </a:xfrm>
+          <a:prstGeom prst="rect">
+            <a:avLst/>
+          </a:prstGeom>
+          <a:ln w="12700">
+            <a:miter lim="400000"/>
+          </a:ln>
+          <a:extLst>
+            <a:ext uri="{C572A759-6A51-4108-AA02-DFA0A04FC94B}">
+              <ma14:wrappingTextBoxFlag xmlns:ma14="http://schemas.microsoft.com/office/mac/drawingml/2011/main" xmlns="" val="1"/>
+            </a:ext>
+          </a:extLst>
+        </p:spPr>
+        <p:txBody>
+          <a:bodyPr lIns="54570" tIns="54570" rIns="54570" bIns="54570" anchor="ctr">
+            <a:spAutoFit/>
+          </a:bodyPr>
+          <a:lstStyle/>
+          <a:p>
+            <a:pPr lvl="0" algn="l">
+              <a:lnSpc>
+                <a:spcPct val="90000"/>
+              </a:lnSpc>
+              <a:defRPr sz="1800"/>
+            </a:pPr>
+            <a:r>
+              <a:rPr sz="900" dirty="0" err="1">
+                <a:latin typeface="Source Sans Pro Light"/>
+                <a:ea typeface="Source Sans Pro Light"/>
+                <a:cs typeface="Source Sans Pro Light"/>
+                <a:sym typeface="Source Sans Pro Light"/>
+              </a:rPr>
+              <a:t>RStudio</a:t>
+            </a:r>
+            <a:r>
+              <a:rPr sz="900" dirty="0">
+                <a:latin typeface="Source Sans Pro Light"/>
+                <a:ea typeface="Source Sans Pro Light"/>
+                <a:cs typeface="Source Sans Pro Light"/>
+                <a:sym typeface="Source Sans Pro Light"/>
+              </a:rPr>
+              <a:t>® is a trademark of </a:t>
+            </a:r>
+            <a:r>
+              <a:rPr sz="900" dirty="0" err="1">
+                <a:latin typeface="Source Sans Pro Light"/>
+                <a:ea typeface="Source Sans Pro Light"/>
+                <a:cs typeface="Source Sans Pro Light"/>
+                <a:sym typeface="Source Sans Pro Light"/>
+              </a:rPr>
+              <a:t>RStudio</a:t>
+            </a:r>
+            <a:r>
+              <a:rPr sz="900" dirty="0">
+                <a:latin typeface="Source Sans Pro Light"/>
+                <a:ea typeface="Source Sans Pro Light"/>
+                <a:cs typeface="Source Sans Pro Light"/>
+                <a:sym typeface="Source Sans Pro Light"/>
+              </a:rPr>
+              <a:t>, Inc.  •  </a:t>
+            </a:r>
+            <a:r>
+              <a:rPr sz="900" dirty="0">
+                <a:solidFill>
+                  <a:srgbClr val="0365C0"/>
+                </a:solidFill>
+                <a:latin typeface="Source Sans Pro Light"/>
+                <a:ea typeface="Source Sans Pro Light"/>
+                <a:cs typeface="Source Sans Pro Light"/>
+                <a:sym typeface="Source Sans Pro Light"/>
+                <a:hlinkClick r:id="rId2"/>
+              </a:rPr>
+              <a:t>CC BY </a:t>
+            </a:r>
+            <a:r>
+              <a:rPr lang="en-US" sz="900" dirty="0">
+                <a:latin typeface="Source Sans Pro Light"/>
+                <a:ea typeface="Source Sans Pro Light"/>
+                <a:cs typeface="Source Sans Pro Light"/>
+                <a:sym typeface="Source Sans Pro Light"/>
+              </a:rPr>
+              <a:t> Steve Simon </a:t>
+            </a:r>
+            <a:r>
+              <a:rPr sz="900" dirty="0">
+                <a:latin typeface="Source Sans Pro Light"/>
+                <a:ea typeface="Source Sans Pro Light"/>
+                <a:cs typeface="Source Sans Pro Light"/>
+                <a:sym typeface="Source Sans Pro Light"/>
+              </a:rPr>
+              <a:t>•  </a:t>
+            </a:r>
+            <a:r>
+              <a:rPr lang="en-US" sz="900" dirty="0">
+                <a:latin typeface="Source Sans Pro Light"/>
+                <a:ea typeface="Source Sans Pro Light"/>
+                <a:cs typeface="Source Sans Pro Light"/>
+                <a:sym typeface="Source Sans Pro Light"/>
+              </a:rPr>
+              <a:t>mail@pmean.com</a:t>
+            </a:r>
+            <a:r>
+              <a:rPr sz="900" dirty="0">
+                <a:latin typeface="Source Sans Pro Light"/>
+                <a:ea typeface="Source Sans Pro Light"/>
+                <a:cs typeface="Source Sans Pro Light"/>
+                <a:sym typeface="Source Sans Pro Light"/>
+              </a:rPr>
+              <a:t>  •  844-448-1212 • </a:t>
+            </a:r>
+            <a:r>
+              <a:rPr sz="900" u="sng" dirty="0">
+                <a:latin typeface="Source Sans Pro Light"/>
+                <a:ea typeface="Source Sans Pro Light"/>
+                <a:cs typeface="Source Sans Pro Light"/>
+                <a:sym typeface="Source Sans Pro Light"/>
+                <a:hlinkClick r:id="rId3"/>
+              </a:rPr>
+              <a:t>rstudio.com</a:t>
+            </a:r>
+            <a:r>
+              <a:rPr sz="900" dirty="0">
+                <a:latin typeface="Source Sans Pro Light"/>
+                <a:ea typeface="Source Sans Pro Light"/>
+                <a:cs typeface="Source Sans Pro Light"/>
+                <a:sym typeface="Source Sans Pro Light"/>
+              </a:rPr>
+              <a:t> </a:t>
+            </a:r>
+          </a:p>
+        </p:txBody>
+      </p:sp>
+      <p:sp>
+        <p:nvSpPr>
+          <p:cNvPr id="40" name="Shape 40"/>
+          <p:cNvSpPr/>
+          <p:nvPr/>
+        </p:nvSpPr>
+        <p:spPr>
+          <a:xfrm>
+            <a:off x="8723072" y="10347903"/>
+            <a:ext cx="5041410" cy="234855"/>
+          </a:xfrm>
+          <a:prstGeom prst="rect">
+            <a:avLst/>
+          </a:prstGeom>
+          <a:ln w="12700">
+            <a:miter lim="400000"/>
+          </a:ln>
+          <a:extLst>
+            <a:ext uri="{C572A759-6A51-4108-AA02-DFA0A04FC94B}">
+              <ma14:wrappingTextBoxFlag xmlns:ma14="http://schemas.microsoft.com/office/mac/drawingml/2011/main" xmlns="" val="1"/>
+            </a:ext>
+          </a:extLst>
+        </p:spPr>
+        <p:txBody>
+          <a:bodyPr lIns="54570" tIns="54570" rIns="54570" bIns="54570" anchor="ctr">
+            <a:spAutoFit/>
+          </a:bodyPr>
+          <a:lstStyle/>
+          <a:p>
+            <a:pPr lvl="0" algn="r">
+              <a:lnSpc>
+                <a:spcPct val="90000"/>
+              </a:lnSpc>
+              <a:defRPr sz="1800"/>
+            </a:pPr>
+            <a:r>
+              <a:rPr sz="900" dirty="0">
+                <a:latin typeface="Source Sans Pro Light"/>
+                <a:ea typeface="Source Sans Pro Light"/>
+                <a:cs typeface="Source Sans Pro Light"/>
+                <a:sym typeface="Source Sans Pro Light"/>
+              </a:rPr>
+              <a:t>Learn more at </a:t>
+            </a:r>
+            <a:r>
+              <a:rPr sz="900" dirty="0">
+                <a:latin typeface="Source Sans Pro"/>
+                <a:ea typeface="Source Sans Pro"/>
+                <a:cs typeface="Source Sans Pro"/>
+                <a:sym typeface="Source Sans Pro"/>
+              </a:rPr>
+              <a:t>web page or vignette  </a:t>
+            </a:r>
+            <a:r>
+              <a:rPr sz="900" dirty="0">
+                <a:latin typeface="Source Sans Pro Light"/>
+                <a:ea typeface="Source Sans Pro Light"/>
+                <a:cs typeface="Source Sans Pro Light"/>
+                <a:sym typeface="Source Sans Pro Light"/>
+              </a:rPr>
+              <a:t>•  package  version  •  Updated: </a:t>
+            </a:r>
+            <a:r>
+              <a:rPr lang="en-US" sz="900" dirty="0">
+                <a:latin typeface="Source Sans Pro Light"/>
+                <a:ea typeface="Source Sans Pro Light"/>
+                <a:cs typeface="Source Sans Pro Light"/>
+                <a:sym typeface="Source Sans Pro Light"/>
+              </a:rPr>
+              <a:t>September 2016</a:t>
+            </a:r>
+            <a:endParaRPr sz="900" dirty="0">
+              <a:latin typeface="Source Sans Pro Light"/>
+              <a:ea typeface="Source Sans Pro Light"/>
+              <a:cs typeface="Source Sans Pro Light"/>
+              <a:sym typeface="Source Sans Pro Light"/>
+            </a:endParaRPr>
+          </a:p>
+        </p:txBody>
+      </p:sp>
+      <p:sp>
+        <p:nvSpPr>
+          <p:cNvPr id="46" name="Shape 46"/>
+          <p:cNvSpPr/>
+          <p:nvPr/>
+        </p:nvSpPr>
+        <p:spPr>
+          <a:xfrm>
+            <a:off x="3658403" y="353153"/>
+            <a:ext cx="3263901" cy="248842"/>
+          </a:xfrm>
+          <a:prstGeom prst="roundRect">
+            <a:avLst>
+              <a:gd name="adj" fmla="val 25876"/>
+            </a:avLst>
+          </a:prstGeom>
+          <a:solidFill>
+            <a:srgbClr val="6B8E23"/>
+          </a:solidFill>
+          <a:ln w="12700">
+            <a:miter lim="400000"/>
+          </a:ln>
+          <a:extLst>
+            <a:ext uri="{C572A759-6A51-4108-AA02-DFA0A04FC94B}">
+              <ma14:wrappingTextBoxFlag xmlns:ma14="http://schemas.microsoft.com/office/mac/drawingml/2011/main" xmlns="" val="1"/>
+            </a:ext>
+          </a:extLst>
+        </p:spPr>
+        <p:txBody>
+          <a:bodyPr lIns="0" tIns="0" rIns="0" bIns="0"/>
+          <a:lstStyle/>
+          <a:p>
+            <a:pPr lvl="1" indent="0">
+              <a:defRPr sz="1800"/>
+            </a:pPr>
+            <a:r>
+              <a:rPr lang="en-US" sz="1400" dirty="0">
+                <a:solidFill>
+                  <a:srgbClr val="FFFFFF"/>
+                </a:solidFill>
+                <a:latin typeface="Source Sans Pro"/>
+                <a:ea typeface="Source Sans Pro"/>
+                <a:cs typeface="Source Sans Pro"/>
+                <a:sym typeface="Source Sans Pro"/>
+              </a:rPr>
+              <a:t>To get a perfectly square graph</a:t>
+            </a:r>
+            <a:endParaRPr sz="1400" dirty="0">
+              <a:solidFill>
+                <a:srgbClr val="FFFFFF"/>
+              </a:solidFill>
+              <a:latin typeface="Source Sans Pro"/>
+              <a:ea typeface="Source Sans Pro"/>
+              <a:cs typeface="Source Sans Pro"/>
+              <a:sym typeface="Source Sans Pro"/>
+            </a:endParaRPr>
+          </a:p>
+        </p:txBody>
+      </p:sp>
+      <p:sp>
+        <p:nvSpPr>
+          <p:cNvPr id="47" name="Shape 47"/>
+          <p:cNvSpPr/>
+          <p:nvPr/>
+        </p:nvSpPr>
+        <p:spPr>
+          <a:xfrm>
+            <a:off x="7046645" y="726416"/>
+            <a:ext cx="6579483" cy="8139270"/>
+          </a:xfrm>
+          <a:prstGeom prst="roundRect">
+            <a:avLst>
+              <a:gd name="adj" fmla="val 593"/>
+            </a:avLst>
+          </a:prstGeom>
+          <a:solidFill>
+            <a:srgbClr val="FFFFFF"/>
+          </a:solidFill>
+          <a:ln w="12700">
+            <a:miter lim="400000"/>
+          </a:ln>
+        </p:spPr>
+        <p:txBody>
+          <a:bodyPr lIns="0" tIns="0" rIns="0" bIns="0" anchor="ctr"/>
+          <a:lstStyle/>
+          <a:p>
+            <a:pPr lvl="0" algn="l">
+              <a:defRPr sz="1000">
+                <a:latin typeface="Menlo"/>
+                <a:ea typeface="Menlo"/>
+                <a:cs typeface="Menlo"/>
+                <a:sym typeface="Menlo"/>
+              </a:defRPr>
+            </a:pPr>
+            <a:endParaRPr/>
+          </a:p>
+        </p:txBody>
+      </p:sp>
+      <p:sp>
+        <p:nvSpPr>
+          <p:cNvPr id="51" name="Shape 51"/>
+          <p:cNvSpPr/>
+          <p:nvPr/>
+        </p:nvSpPr>
+        <p:spPr>
+          <a:xfrm>
+            <a:off x="7093608" y="3358151"/>
+            <a:ext cx="42271" cy="464410"/>
+          </a:xfrm>
+          <a:prstGeom prst="rect">
+            <a:avLst/>
+          </a:prstGeom>
+          <a:solidFill>
+            <a:srgbClr val="FFFFFF"/>
+          </a:solidFill>
+          <a:ln w="12700">
+            <a:solidFill>
+              <a:srgbClr val="FFFFFF"/>
+            </a:solidFill>
+            <a:miter lim="400000"/>
+          </a:ln>
+        </p:spPr>
+        <p:txBody>
+          <a:bodyPr lIns="0" tIns="0" rIns="0" bIns="0" anchor="ctr"/>
+          <a:lstStyle/>
+          <a:p>
+            <a:pPr lvl="0">
+              <a:defRPr sz="2600">
+                <a:solidFill>
+                  <a:srgbClr val="FFFFFF"/>
+                </a:solidFill>
+              </a:defRPr>
+            </a:pPr>
+            <a:endParaRPr/>
+          </a:p>
+        </p:txBody>
+      </p:sp>
+      <p:sp>
+        <p:nvSpPr>
+          <p:cNvPr id="131" name="Shape 131"/>
+          <p:cNvSpPr/>
+          <p:nvPr/>
+        </p:nvSpPr>
+        <p:spPr>
+          <a:xfrm>
+            <a:off x="3768855" y="601995"/>
+            <a:ext cx="3042995" cy="2379113"/>
+          </a:xfrm>
+          <a:prstGeom prst="rect">
+            <a:avLst/>
+          </a:prstGeom>
+          <a:ln w="12700">
+            <a:miter lim="400000"/>
+          </a:ln>
+          <a:extLst>
+            <a:ext uri="{C572A759-6A51-4108-AA02-DFA0A04FC94B}">
+              <ma14:wrappingTextBoxFlag xmlns:ma14="http://schemas.microsoft.com/office/mac/drawingml/2011/main" xmlns="" val="1"/>
+            </a:ext>
+          </a:extLst>
+        </p:spPr>
+        <p:txBody>
+          <a:bodyPr wrap="square" lIns="0" tIns="0" rIns="0" bIns="0">
+            <a:spAutoFit/>
+          </a:bodyPr>
+          <a:lstStyle/>
+          <a:p>
+            <a:pPr algn="l">
+              <a:lnSpc>
+                <a:spcPct val="90000"/>
+              </a:lnSpc>
+              <a:spcBef>
+                <a:spcPts val="1000"/>
+              </a:spcBef>
+              <a:buClr>
+                <a:srgbClr val="F39019"/>
+              </a:buClr>
+              <a:defRPr sz="1800"/>
+            </a:pPr>
+            <a:r>
+              <a:rPr lang="en-US" sz="1200" dirty="0">
+                <a:latin typeface="Source Sans Pro Light"/>
+                <a:ea typeface="Source Sans Pro Light"/>
+                <a:cs typeface="Source Sans Pro Light"/>
+                <a:sym typeface="Source Sans Pro Light"/>
+              </a:rPr>
+              <a:t/>
+            </a:r>
+            <a:br>
+              <a:rPr lang="en-US" sz="1200" dirty="0">
+                <a:latin typeface="Source Sans Pro Light"/>
+                <a:ea typeface="Source Sans Pro Light"/>
+                <a:cs typeface="Source Sans Pro Light"/>
+                <a:sym typeface="Source Sans Pro Light"/>
+              </a:rPr>
+            </a:br>
+            <a:r>
+              <a:rPr lang="en-US" sz="1200" dirty="0">
+                <a:latin typeface="Source Sans Pro Light"/>
+                <a:ea typeface="Source Sans Pro Light"/>
+                <a:cs typeface="Source Sans Pro Light"/>
+                <a:sym typeface="Source Sans Pro Light"/>
+              </a:rPr>
+              <a:t>A square graph is one where the range of the user coordinates is same in both the x and y directions and the size of the plotting region is the same in the x and y directions. You can insure a square graph by </a:t>
+            </a:r>
+          </a:p>
+          <a:p>
+            <a:pPr algn="l">
+              <a:lnSpc>
+                <a:spcPct val="90000"/>
+              </a:lnSpc>
+              <a:spcBef>
+                <a:spcPts val="1000"/>
+              </a:spcBef>
+              <a:buClr>
+                <a:srgbClr val="F39019"/>
+              </a:buClr>
+              <a:defRPr sz="1800"/>
+            </a:pPr>
+            <a:r>
+              <a:rPr lang="en-US" sz="1200" dirty="0">
+                <a:latin typeface="Source Sans Pro Light"/>
+                <a:ea typeface="Source Sans Pro Light"/>
+                <a:cs typeface="Source Sans Pro Light"/>
+                <a:sym typeface="Source Sans Pro Light"/>
+              </a:rPr>
+              <a:t>1. Using the same value for </a:t>
+            </a:r>
+            <a:r>
+              <a:rPr lang="en-US" sz="1200" b="1" dirty="0">
+                <a:latin typeface="Source Sans Pro Light"/>
+                <a:ea typeface="Source Sans Pro Light"/>
+                <a:cs typeface="Source Sans Pro Light"/>
+                <a:sym typeface="Source Sans Pro Light"/>
+              </a:rPr>
+              <a:t>height</a:t>
+            </a:r>
+            <a:r>
+              <a:rPr lang="en-US" sz="1200" dirty="0">
+                <a:latin typeface="Source Sans Pro Light"/>
+                <a:ea typeface="Source Sans Pro Light"/>
+                <a:cs typeface="Source Sans Pro Light"/>
+                <a:sym typeface="Source Sans Pro Light"/>
+              </a:rPr>
+              <a:t> and </a:t>
+            </a:r>
+            <a:r>
+              <a:rPr lang="en-US" sz="1200" b="1" dirty="0">
+                <a:latin typeface="Source Sans Pro Light"/>
+                <a:ea typeface="Source Sans Pro Light"/>
+                <a:cs typeface="Source Sans Pro Light"/>
+                <a:sym typeface="Source Sans Pro Light"/>
+              </a:rPr>
+              <a:t>width</a:t>
+            </a:r>
+            <a:r>
+              <a:rPr lang="en-US" sz="1200" dirty="0">
+                <a:latin typeface="Source Sans Pro Light"/>
+                <a:ea typeface="Source Sans Pro Light"/>
+                <a:cs typeface="Source Sans Pro Light"/>
+                <a:sym typeface="Source Sans Pro Light"/>
+              </a:rPr>
+              <a:t> when you open your graphics device. You could instead call </a:t>
+            </a:r>
+            <a:r>
+              <a:rPr lang="en-US" sz="1200" b="1" dirty="0">
+                <a:latin typeface="Source Sans Pro Light"/>
+                <a:ea typeface="Source Sans Pro Light"/>
+                <a:cs typeface="Source Sans Pro Light"/>
+                <a:sym typeface="Source Sans Pro Light"/>
+              </a:rPr>
+              <a:t>par(</a:t>
+            </a:r>
+            <a:r>
+              <a:rPr lang="en-US" sz="1200" b="1" dirty="0" err="1">
+                <a:latin typeface="Source Sans Pro Light"/>
+                <a:ea typeface="Source Sans Pro Light"/>
+                <a:cs typeface="Source Sans Pro Light"/>
+                <a:sym typeface="Source Sans Pro Light"/>
+              </a:rPr>
+              <a:t>pty</a:t>
+            </a:r>
+            <a:r>
+              <a:rPr lang="en-US" sz="1200" b="1" dirty="0">
+                <a:latin typeface="Source Sans Pro Light"/>
+                <a:ea typeface="Source Sans Pro Light"/>
+                <a:cs typeface="Source Sans Pro Light"/>
+                <a:sym typeface="Source Sans Pro Light"/>
+              </a:rPr>
+              <a:t>=“s”)</a:t>
+            </a:r>
+            <a:endParaRPr lang="en-US" sz="1200" dirty="0">
+              <a:latin typeface="Source Sans Pro Light"/>
+              <a:ea typeface="Source Sans Pro Light"/>
+              <a:cs typeface="Source Sans Pro Light"/>
+              <a:sym typeface="Source Sans Pro Light"/>
+            </a:endParaRPr>
+          </a:p>
+          <a:p>
+            <a:pPr algn="l">
+              <a:lnSpc>
+                <a:spcPct val="90000"/>
+              </a:lnSpc>
+              <a:spcBef>
+                <a:spcPts val="1000"/>
+              </a:spcBef>
+              <a:buClr>
+                <a:srgbClr val="F39019"/>
+              </a:buClr>
+              <a:defRPr sz="1800"/>
+            </a:pPr>
+            <a:r>
+              <a:rPr lang="en-US" sz="1200" dirty="0">
+                <a:latin typeface="Source Sans Pro Light"/>
+                <a:ea typeface="Source Sans Pro Light"/>
+                <a:cs typeface="Source Sans Pro Light"/>
+                <a:sym typeface="Source Sans Pro Light"/>
+              </a:rPr>
+              <a:t>2. Setting the margins symmetrically, e.g., </a:t>
+            </a:r>
+            <a:r>
+              <a:rPr lang="en-US" sz="1200" b="1" dirty="0">
+                <a:latin typeface="Source Sans Pro Light"/>
+                <a:ea typeface="Source Sans Pro Light"/>
+                <a:cs typeface="Source Sans Pro Light"/>
+                <a:sym typeface="Source Sans Pro Light"/>
+              </a:rPr>
+              <a:t>par(mar=c(4.6, 4.6, 0.6, 0.6))</a:t>
+            </a:r>
+            <a:r>
+              <a:rPr lang="en-US" sz="1200" dirty="0">
+                <a:latin typeface="Source Sans Pro Light"/>
+                <a:ea typeface="Source Sans Pro Light"/>
+                <a:cs typeface="Source Sans Pro Light"/>
+                <a:sym typeface="Source Sans Pro Light"/>
+              </a:rPr>
+              <a:t>.</a:t>
+            </a:r>
+            <a:endParaRPr lang="en-US" sz="1200" dirty="0">
+              <a:latin typeface="Source Sans Pro Semibold"/>
+              <a:ea typeface="Source Sans Pro Semibold"/>
+              <a:cs typeface="Source Sans Pro Semibold"/>
+              <a:sym typeface="Source Sans Pro Semibold"/>
+            </a:endParaRPr>
+          </a:p>
+          <a:p>
+            <a:pPr lvl="0" algn="l">
+              <a:lnSpc>
+                <a:spcPct val="90000"/>
+              </a:lnSpc>
+              <a:spcBef>
+                <a:spcPts val="1000"/>
+              </a:spcBef>
+              <a:buClr>
+                <a:srgbClr val="F39019"/>
+              </a:buClr>
+              <a:defRPr sz="1800"/>
+            </a:pPr>
+            <a:r>
+              <a:rPr lang="en-US" sz="1200" dirty="0">
+                <a:latin typeface="Source Sans Pro Light"/>
+                <a:ea typeface="Source Sans Pro Light"/>
+                <a:cs typeface="Source Sans Pro Light"/>
+                <a:sym typeface="Source Sans Pro Light"/>
+              </a:rPr>
+              <a:t>3. Using identical limits for </a:t>
+            </a:r>
+            <a:r>
+              <a:rPr lang="en-US" sz="1200" b="1" dirty="0" err="1">
+                <a:latin typeface="Source Sans Pro Light"/>
+                <a:ea typeface="Source Sans Pro Light"/>
+                <a:cs typeface="Source Sans Pro Light"/>
+                <a:sym typeface="Source Sans Pro Light"/>
+              </a:rPr>
+              <a:t>xlim</a:t>
+            </a:r>
+            <a:r>
+              <a:rPr lang="en-US" sz="1200" dirty="0">
+                <a:latin typeface="Source Sans Pro Light"/>
+                <a:ea typeface="Source Sans Pro Light"/>
+                <a:cs typeface="Source Sans Pro Light"/>
+                <a:sym typeface="Source Sans Pro Light"/>
+              </a:rPr>
+              <a:t> and </a:t>
+            </a:r>
+            <a:r>
+              <a:rPr lang="en-US" sz="1200" b="1" dirty="0" err="1">
+                <a:latin typeface="Source Sans Pro Light"/>
+                <a:ea typeface="Source Sans Pro Light"/>
+                <a:cs typeface="Source Sans Pro Light"/>
+                <a:sym typeface="Source Sans Pro Light"/>
+              </a:rPr>
+              <a:t>ylim</a:t>
+            </a:r>
+            <a:r>
+              <a:rPr lang="en-US" sz="1200" dirty="0">
+                <a:latin typeface="Source Sans Pro Light"/>
+                <a:ea typeface="Source Sans Pro Light"/>
+                <a:cs typeface="Source Sans Pro Light"/>
+                <a:sym typeface="Source Sans Pro Light"/>
+              </a:rPr>
+              <a:t>. </a:t>
+            </a:r>
+            <a:endParaRPr sz="1200" dirty="0">
+              <a:latin typeface="Source Sans Pro Light"/>
+              <a:ea typeface="Source Sans Pro Light"/>
+              <a:cs typeface="Source Sans Pro Light"/>
+              <a:sym typeface="Source Sans Pro Light"/>
+            </a:endParaRPr>
+          </a:p>
+        </p:txBody>
+      </p:sp>
+      <p:sp>
+        <p:nvSpPr>
+          <p:cNvPr id="21" name="Shape 46"/>
+          <p:cNvSpPr/>
+          <p:nvPr/>
+        </p:nvSpPr>
+        <p:spPr>
+          <a:xfrm>
+            <a:off x="295276" y="5003228"/>
+            <a:ext cx="3263901" cy="248842"/>
+          </a:xfrm>
+          <a:prstGeom prst="roundRect">
+            <a:avLst>
+              <a:gd name="adj" fmla="val 25876"/>
+            </a:avLst>
+          </a:prstGeom>
+          <a:solidFill>
+            <a:srgbClr val="6B8E23"/>
+          </a:solidFill>
+          <a:ln w="12700">
+            <a:miter lim="400000"/>
+          </a:ln>
+          <a:extLst>
+            <a:ext uri="{C572A759-6A51-4108-AA02-DFA0A04FC94B}">
+              <ma14:wrappingTextBoxFlag xmlns:ma14="http://schemas.microsoft.com/office/mac/drawingml/2011/main" xmlns="" val="1"/>
+            </a:ext>
+          </a:extLst>
+        </p:spPr>
+        <p:txBody>
+          <a:bodyPr lIns="0" tIns="0" rIns="0" bIns="0"/>
+          <a:lstStyle/>
+          <a:p>
+            <a:pPr lvl="1" indent="0">
+              <a:defRPr sz="1800"/>
+            </a:pPr>
+            <a:r>
+              <a:rPr lang="en-US" sz="1400" dirty="0">
+                <a:solidFill>
+                  <a:srgbClr val="FFFFFF"/>
+                </a:solidFill>
+                <a:latin typeface="Source Sans Pro"/>
+                <a:ea typeface="Source Sans Pro"/>
+                <a:cs typeface="Source Sans Pro"/>
+                <a:sym typeface="Source Sans Pro"/>
+              </a:rPr>
+              <a:t>Device size</a:t>
+            </a:r>
+            <a:endParaRPr sz="1400" dirty="0">
+              <a:solidFill>
+                <a:srgbClr val="FFFFFF"/>
+              </a:solidFill>
+              <a:latin typeface="Source Sans Pro"/>
+              <a:ea typeface="Source Sans Pro"/>
+              <a:cs typeface="Source Sans Pro"/>
+              <a:sym typeface="Source Sans Pro"/>
+            </a:endParaRPr>
+          </a:p>
+        </p:txBody>
+      </p:sp>
+      <p:sp>
+        <p:nvSpPr>
+          <p:cNvPr id="23" name="Shape 35"/>
+          <p:cNvSpPr/>
+          <p:nvPr/>
+        </p:nvSpPr>
+        <p:spPr>
+          <a:xfrm>
+            <a:off x="359249" y="5231748"/>
+            <a:ext cx="3135956" cy="166199"/>
+          </a:xfrm>
+          <a:prstGeom prst="rect">
+            <a:avLst/>
+          </a:prstGeom>
+          <a:ln w="12700">
+            <a:miter lim="400000"/>
+          </a:ln>
+          <a:extLst>
+            <a:ext uri="{C572A759-6A51-4108-AA02-DFA0A04FC94B}">
+              <ma14:wrappingTextBoxFlag xmlns:ma14="http://schemas.microsoft.com/office/mac/drawingml/2011/main" xmlns="" val="1"/>
+            </a:ext>
+          </a:extLst>
+        </p:spPr>
+        <p:txBody>
+          <a:bodyPr lIns="0" tIns="0" rIns="0" bIns="0">
+            <a:spAutoFit/>
+          </a:bodyPr>
+          <a:lstStyle/>
+          <a:p>
+            <a:pPr lvl="0" algn="l">
+              <a:lnSpc>
+                <a:spcPct val="90000"/>
+              </a:lnSpc>
+              <a:spcBef>
+                <a:spcPts val="1000"/>
+              </a:spcBef>
+              <a:buClr>
+                <a:srgbClr val="F39019"/>
+              </a:buClr>
+              <a:defRPr sz="1800"/>
+            </a:pPr>
+            <a:endParaRPr lang="en-US" sz="1200" dirty="0">
+              <a:latin typeface="Source Sans Pro Semibold"/>
+              <a:ea typeface="Source Sans Pro Semibold"/>
+              <a:cs typeface="Source Sans Pro Semibold"/>
+              <a:sym typeface="Source Sans Pro Semibold"/>
+            </a:endParaRPr>
+          </a:p>
+        </p:txBody>
+      </p:sp>
+      <p:sp>
+        <p:nvSpPr>
+          <p:cNvPr id="24" name="Shape 35"/>
+          <p:cNvSpPr/>
+          <p:nvPr/>
+        </p:nvSpPr>
+        <p:spPr>
+          <a:xfrm>
+            <a:off x="404937" y="2400613"/>
+            <a:ext cx="2958364" cy="2749471"/>
+          </a:xfrm>
+          <a:prstGeom prst="rect">
+            <a:avLst/>
+          </a:prstGeom>
+          <a:ln w="12700">
+            <a:miter lim="400000"/>
+          </a:ln>
+          <a:extLst>
+            <a:ext uri="{C572A759-6A51-4108-AA02-DFA0A04FC94B}">
+              <ma14:wrappingTextBoxFlag xmlns:ma14="http://schemas.microsoft.com/office/mac/drawingml/2011/main" xmlns="" val="1"/>
+            </a:ext>
+          </a:extLst>
+        </p:spPr>
+        <p:txBody>
+          <a:bodyPr wrap="square" lIns="0" tIns="0" rIns="0" bIns="0">
+            <a:spAutoFit/>
+          </a:bodyPr>
+          <a:lstStyle/>
+          <a:p>
+            <a:pPr lvl="0" algn="l">
+              <a:lnSpc>
+                <a:spcPct val="90000"/>
+              </a:lnSpc>
+              <a:spcBef>
+                <a:spcPts val="1000"/>
+              </a:spcBef>
+              <a:buClr>
+                <a:srgbClr val="F39019"/>
+              </a:buClr>
+              <a:defRPr sz="1800"/>
+            </a:pPr>
+            <a:r>
+              <a:rPr lang="en-US" sz="1200" dirty="0">
+                <a:latin typeface="Source Sans Pro Semibold"/>
+                <a:ea typeface="Source Sans Pro Semibold"/>
+                <a:cs typeface="Source Sans Pro Semibold"/>
+                <a:sym typeface="Source Sans Pro Semibold"/>
+              </a:rPr>
+              <a:t/>
+            </a:r>
+            <a:br>
+              <a:rPr lang="en-US" sz="1200" dirty="0">
+                <a:latin typeface="Source Sans Pro Semibold"/>
+                <a:ea typeface="Source Sans Pro Semibold"/>
+                <a:cs typeface="Source Sans Pro Semibold"/>
+                <a:sym typeface="Source Sans Pro Semibold"/>
+              </a:rPr>
+            </a:br>
+            <a:r>
+              <a:rPr lang="en-US" sz="1200" dirty="0">
+                <a:latin typeface="Source Sans Pro Semibold"/>
+                <a:ea typeface="Source Sans Pro Semibold"/>
+                <a:cs typeface="Source Sans Pro Semibold"/>
+                <a:sym typeface="Source Sans Pro Semibold"/>
+              </a:rPr>
+              <a:t>You can measure the size of your graph in inches (</a:t>
+            </a:r>
+            <a:r>
+              <a:rPr lang="en-US" sz="1200" b="1" dirty="0">
+                <a:latin typeface="Source Sans Pro Semibold"/>
+                <a:ea typeface="Source Sans Pro Semibold"/>
+                <a:cs typeface="Source Sans Pro Semibold"/>
+                <a:sym typeface="Source Sans Pro Semibold"/>
+              </a:rPr>
+              <a:t>in</a:t>
+            </a:r>
+            <a:r>
+              <a:rPr lang="en-US" sz="1200" dirty="0">
+                <a:latin typeface="Source Sans Pro Semibold"/>
+                <a:ea typeface="Source Sans Pro Semibold"/>
+                <a:cs typeface="Source Sans Pro Semibold"/>
+                <a:sym typeface="Source Sans Pro Semibold"/>
+              </a:rPr>
+              <a:t>), centimeters (</a:t>
+            </a:r>
+            <a:r>
+              <a:rPr lang="en-US" sz="1200" b="1" dirty="0">
+                <a:latin typeface="Source Sans Pro Semibold"/>
+                <a:ea typeface="Source Sans Pro Semibold"/>
+                <a:cs typeface="Source Sans Pro Semibold"/>
+                <a:sym typeface="Source Sans Pro Semibold"/>
+              </a:rPr>
+              <a:t>cm</a:t>
+            </a:r>
+            <a:r>
+              <a:rPr lang="en-US" sz="1200" dirty="0">
+                <a:latin typeface="Source Sans Pro Semibold"/>
+                <a:ea typeface="Source Sans Pro Semibold"/>
+                <a:cs typeface="Source Sans Pro Semibold"/>
+                <a:sym typeface="Source Sans Pro Semibold"/>
+              </a:rPr>
+              <a:t>), or pixels </a:t>
+            </a:r>
+            <a:r>
+              <a:rPr lang="en-US" sz="1200" b="1" dirty="0">
+                <a:latin typeface="Source Sans Pro Semibold"/>
+                <a:ea typeface="Source Sans Pro Semibold"/>
+                <a:cs typeface="Source Sans Pro Semibold"/>
+                <a:sym typeface="Source Sans Pro Semibold"/>
+              </a:rPr>
+              <a:t>(</a:t>
+            </a:r>
+            <a:r>
+              <a:rPr lang="en-US" sz="1200" b="1" dirty="0" err="1">
+                <a:latin typeface="Source Sans Pro Semibold"/>
+                <a:ea typeface="Source Sans Pro Semibold"/>
+                <a:cs typeface="Source Sans Pro Semibold"/>
+                <a:sym typeface="Source Sans Pro Semibold"/>
+              </a:rPr>
+              <a:t>px</a:t>
+            </a:r>
+            <a:r>
+              <a:rPr lang="en-US" sz="1200" b="1" dirty="0">
+                <a:latin typeface="Source Sans Pro Semibold"/>
+                <a:ea typeface="Source Sans Pro Semibold"/>
+                <a:cs typeface="Source Sans Pro Semibold"/>
+                <a:sym typeface="Source Sans Pro Semibold"/>
+              </a:rPr>
+              <a:t>).</a:t>
+            </a:r>
+            <a:r>
+              <a:rPr lang="en-US" sz="1200" dirty="0">
+                <a:latin typeface="Source Sans Pro Semibold"/>
+                <a:ea typeface="Source Sans Pro Semibold"/>
+                <a:cs typeface="Source Sans Pro Semibold"/>
+                <a:sym typeface="Source Sans Pro Semibold"/>
+              </a:rPr>
+              <a:t> For graphs on your screen and graphs in bmp, tiff, gif, or jpeg formats, measurements in inches or centimeters should not be taken literally.</a:t>
+            </a:r>
+          </a:p>
+          <a:p>
+            <a:pPr lvl="0" algn="l">
+              <a:lnSpc>
+                <a:spcPct val="90000"/>
+              </a:lnSpc>
+              <a:spcBef>
+                <a:spcPts val="1000"/>
+              </a:spcBef>
+              <a:buClr>
+                <a:srgbClr val="F39019"/>
+              </a:buClr>
+              <a:defRPr sz="1800"/>
+            </a:pPr>
+            <a:r>
+              <a:rPr lang="en-US" sz="1200" dirty="0">
+                <a:latin typeface="Source Sans Pro Semibold"/>
+                <a:ea typeface="Source Sans Pro Semibold"/>
+                <a:cs typeface="Source Sans Pro Semibold"/>
+                <a:sym typeface="Source Sans Pro Semibold"/>
+              </a:rPr>
+              <a:t>All functions that open a device for graphics will have </a:t>
+            </a:r>
+            <a:r>
+              <a:rPr lang="en-US" sz="1200" b="1" dirty="0">
+                <a:latin typeface="Source Sans Pro Semibold"/>
+                <a:ea typeface="Source Sans Pro Semibold"/>
+                <a:cs typeface="Source Sans Pro Semibold"/>
+                <a:sym typeface="Source Sans Pro Semibold"/>
+              </a:rPr>
+              <a:t>height</a:t>
+            </a:r>
+            <a:r>
+              <a:rPr lang="en-US" sz="1200" dirty="0">
+                <a:latin typeface="Source Sans Pro Semibold"/>
+                <a:ea typeface="Source Sans Pro Semibold"/>
+                <a:cs typeface="Source Sans Pro Semibold"/>
+                <a:sym typeface="Source Sans Pro Semibold"/>
+              </a:rPr>
+              <a:t> and </a:t>
+            </a:r>
+            <a:r>
+              <a:rPr lang="en-US" sz="1200" b="1" dirty="0">
+                <a:latin typeface="Source Sans Pro Semibold"/>
+                <a:ea typeface="Source Sans Pro Semibold"/>
+                <a:cs typeface="Source Sans Pro Semibold"/>
+                <a:sym typeface="Source Sans Pro Semibold"/>
+              </a:rPr>
+              <a:t>width</a:t>
+            </a:r>
+            <a:r>
+              <a:rPr lang="en-US" sz="1200" dirty="0">
+                <a:latin typeface="Source Sans Pro Semibold"/>
+                <a:ea typeface="Source Sans Pro Semibold"/>
+                <a:cs typeface="Source Sans Pro Semibold"/>
+                <a:sym typeface="Source Sans Pro Semibold"/>
+              </a:rPr>
+              <a:t> arguments to control the size of the graph and a </a:t>
+            </a:r>
+            <a:r>
+              <a:rPr lang="en-US" sz="1200" b="1" dirty="0" err="1">
+                <a:latin typeface="Source Sans Pro Semibold"/>
+                <a:ea typeface="Source Sans Pro Semibold"/>
+                <a:cs typeface="Source Sans Pro Semibold"/>
+                <a:sym typeface="Source Sans Pro Semibold"/>
+              </a:rPr>
+              <a:t>pointsize</a:t>
+            </a:r>
+            <a:r>
+              <a:rPr lang="en-US" sz="1200" dirty="0">
+                <a:latin typeface="Source Sans Pro Semibold"/>
+                <a:ea typeface="Source Sans Pro Semibold"/>
+                <a:cs typeface="Source Sans Pro Semibold"/>
+                <a:sym typeface="Source Sans Pro Semibold"/>
+              </a:rPr>
+              <a:t> argument to control the relative font size. In </a:t>
+            </a:r>
+            <a:r>
+              <a:rPr lang="en-US" sz="1200" b="1" dirty="0" err="1">
+                <a:latin typeface="Source Sans Pro Semibold"/>
+                <a:ea typeface="Source Sans Pro Semibold"/>
+                <a:cs typeface="Source Sans Pro Semibold"/>
+                <a:sym typeface="Source Sans Pro Semibold"/>
+              </a:rPr>
+              <a:t>knitr</a:t>
+            </a:r>
+            <a:r>
+              <a:rPr lang="en-US" sz="1200" dirty="0">
+                <a:latin typeface="Source Sans Pro Semibold"/>
+                <a:ea typeface="Source Sans Pro Semibold"/>
+                <a:cs typeface="Source Sans Pro Semibold"/>
+                <a:sym typeface="Source Sans Pro Semibold"/>
+              </a:rPr>
+              <a:t>, you control the size of the graph with the chunk options, </a:t>
+            </a:r>
+            <a:r>
+              <a:rPr lang="en-US" sz="1200" b="1" dirty="0" err="1">
+                <a:latin typeface="Source Sans Pro Semibold"/>
+                <a:ea typeface="Source Sans Pro Semibold"/>
+                <a:cs typeface="Source Sans Pro Semibold"/>
+                <a:sym typeface="Source Sans Pro Semibold"/>
+              </a:rPr>
+              <a:t>fig.width</a:t>
+            </a:r>
+            <a:r>
+              <a:rPr lang="en-US" sz="1200" dirty="0">
+                <a:latin typeface="Source Sans Pro Semibold"/>
+                <a:ea typeface="Source Sans Pro Semibold"/>
+                <a:cs typeface="Source Sans Pro Semibold"/>
+                <a:sym typeface="Source Sans Pro Semibold"/>
+              </a:rPr>
+              <a:t> and </a:t>
+            </a:r>
+            <a:r>
+              <a:rPr lang="en-US" sz="1200" b="1" dirty="0" err="1">
+                <a:latin typeface="Source Sans Pro Semibold"/>
+                <a:ea typeface="Source Sans Pro Semibold"/>
+                <a:cs typeface="Source Sans Pro Semibold"/>
+                <a:sym typeface="Source Sans Pro Semibold"/>
+              </a:rPr>
+              <a:t>fig.height</a:t>
+            </a:r>
+            <a:r>
+              <a:rPr lang="en-US" sz="1200" dirty="0">
+                <a:latin typeface="Source Sans Pro Semibold"/>
+                <a:ea typeface="Source Sans Pro Semibold"/>
+                <a:cs typeface="Source Sans Pro Semibold"/>
+                <a:sym typeface="Source Sans Pro Semibold"/>
+              </a:rPr>
+              <a:t>.</a:t>
+            </a:r>
+          </a:p>
+          <a:p>
+            <a:pPr lvl="0" algn="l">
+              <a:lnSpc>
+                <a:spcPct val="90000"/>
+              </a:lnSpc>
+              <a:spcBef>
+                <a:spcPts val="1000"/>
+              </a:spcBef>
+              <a:buClr>
+                <a:srgbClr val="F39019"/>
+              </a:buClr>
+              <a:defRPr sz="1800"/>
+            </a:pPr>
+            <a:endParaRPr lang="en-US" sz="1200" dirty="0">
+              <a:latin typeface="Source Sans Pro Semibold"/>
+              <a:ea typeface="Source Sans Pro Semibold"/>
+              <a:cs typeface="Source Sans Pro Semibold"/>
+              <a:sym typeface="Source Sans Pro Semibold"/>
+            </a:endParaRPr>
+          </a:p>
+        </p:txBody>
+      </p:sp>
       <p:sp>
         <p:nvSpPr>
           <p:cNvPr id="25" name="Shape 35"/>
@@ -3898,7 +6881,7 @@
               <a:defRPr sz="1800"/>
             </a:pPr>
             <a:r>
-              <a:rPr lang="en-US" sz="1200" dirty="0" smtClean="0">
+              <a:rPr lang="en-US" sz="1200" dirty="0">
                 <a:latin typeface="Source Sans Pro Light"/>
                 <a:ea typeface="Source Sans Pro Light"/>
                 <a:cs typeface="Source Sans Pro Light"/>
@@ -3907,7 +6890,7 @@
               <a:t/>
             </a:r>
             <a:br>
-              <a:rPr lang="en-US" sz="1200" dirty="0" smtClean="0">
+              <a:rPr lang="en-US" sz="1200" dirty="0">
                 <a:latin typeface="Source Sans Pro Light"/>
                 <a:ea typeface="Source Sans Pro Light"/>
                 <a:cs typeface="Source Sans Pro Light"/>
@@ -3915,7 +6898,7 @@
               </a:rPr>
             </a:br>
             <a:r>
-              <a:rPr lang="en-US" sz="1200" dirty="0" smtClean="0">
+              <a:rPr lang="en-US" sz="1200" dirty="0">
                 <a:latin typeface="Source Sans Pro Light"/>
                 <a:ea typeface="Source Sans Pro Light"/>
                 <a:cs typeface="Source Sans Pro Light"/>
@@ -3938,508 +6921,13 @@
               <a:defRPr sz="1800"/>
             </a:pPr>
             <a:r>
-              <a:rPr lang="en-US" sz="1200" b="1" dirty="0" smtClean="0">
-                <a:latin typeface="Source Sans Pro Light"/>
-                <a:ea typeface="Source Sans Pro Light"/>
-                <a:cs typeface="Source Sans Pro Light"/>
-                <a:sym typeface="Source Sans Pro Light"/>
-              </a:rPr>
-              <a:t># Range in user coordinates</a:t>
-            </a:r>
-            <a:br>
-              <a:rPr lang="en-US" sz="1200" b="1" dirty="0" smtClean="0">
-                <a:latin typeface="Source Sans Pro Light"/>
-                <a:ea typeface="Source Sans Pro Light"/>
-                <a:cs typeface="Source Sans Pro Light"/>
-                <a:sym typeface="Source Sans Pro Light"/>
-              </a:rPr>
-            </a:br>
-            <a:r>
-              <a:rPr lang="en-US" sz="1200" b="1" dirty="0" err="1" smtClean="0">
-                <a:latin typeface="Source Sans Pro Light"/>
-                <a:ea typeface="Source Sans Pro Light"/>
-                <a:cs typeface="Source Sans Pro Light"/>
-                <a:sym typeface="Source Sans Pro Light"/>
-              </a:rPr>
-              <a:t>x.range</a:t>
-            </a:r>
-            <a:r>
-              <a:rPr lang="en-US" sz="1200" b="1" dirty="0" smtClean="0">
-                <a:latin typeface="Source Sans Pro Light"/>
-                <a:ea typeface="Source Sans Pro Light"/>
-                <a:cs typeface="Source Sans Pro Light"/>
-                <a:sym typeface="Source Sans Pro Light"/>
-              </a:rPr>
-              <a:t> &lt;- </a:t>
-            </a:r>
-            <a:r>
               <a:rPr lang="en-US" sz="1200" b="1" dirty="0">
                 <a:latin typeface="Source Sans Pro Light"/>
                 <a:ea typeface="Source Sans Pro Light"/>
                 <a:cs typeface="Source Sans Pro Light"/>
                 <a:sym typeface="Source Sans Pro Light"/>
               </a:rPr>
-              <a:t>par</a:t>
-            </a:r>
-            <a:r>
-              <a:rPr lang="en-US" sz="1200" b="1" dirty="0" smtClean="0">
-                <a:latin typeface="Source Sans Pro Light"/>
-                <a:ea typeface="Source Sans Pro Light"/>
-                <a:cs typeface="Source Sans Pro Light"/>
-                <a:sym typeface="Source Sans Pro Light"/>
-              </a:rPr>
-              <a:t>(“</a:t>
-            </a:r>
-            <a:r>
-              <a:rPr lang="en-US" sz="1200" b="1" dirty="0" err="1" smtClean="0">
-                <a:latin typeface="Source Sans Pro Light"/>
-                <a:ea typeface="Source Sans Pro Light"/>
-                <a:cs typeface="Source Sans Pro Light"/>
-                <a:sym typeface="Source Sans Pro Light"/>
-              </a:rPr>
-              <a:t>usr</a:t>
-            </a:r>
-            <a:r>
-              <a:rPr lang="en-US" sz="1200" b="1" dirty="0" smtClean="0">
-                <a:latin typeface="Source Sans Pro Light"/>
-                <a:ea typeface="Source Sans Pro Light"/>
-                <a:cs typeface="Source Sans Pro Light"/>
-                <a:sym typeface="Source Sans Pro Light"/>
-              </a:rPr>
-              <a:t>”)[</a:t>
-            </a:r>
-            <a:r>
-              <a:rPr lang="en-US" sz="1200" b="1" dirty="0">
-                <a:latin typeface="Source Sans Pro Light"/>
-                <a:ea typeface="Source Sans Pro Light"/>
-                <a:cs typeface="Source Sans Pro Light"/>
-                <a:sym typeface="Source Sans Pro Light"/>
-              </a:rPr>
-              <a:t>2] – par</a:t>
-            </a:r>
-            <a:r>
-              <a:rPr lang="en-US" sz="1200" b="1" dirty="0" smtClean="0">
-                <a:latin typeface="Source Sans Pro Light"/>
-                <a:ea typeface="Source Sans Pro Light"/>
-                <a:cs typeface="Source Sans Pro Light"/>
-                <a:sym typeface="Source Sans Pro Light"/>
-              </a:rPr>
-              <a:t>(“</a:t>
-            </a:r>
-            <a:r>
-              <a:rPr lang="en-US" sz="1200" b="1" dirty="0" err="1" smtClean="0">
-                <a:latin typeface="Source Sans Pro Light"/>
-                <a:ea typeface="Source Sans Pro Light"/>
-                <a:cs typeface="Source Sans Pro Light"/>
-                <a:sym typeface="Source Sans Pro Light"/>
-              </a:rPr>
-              <a:t>usr</a:t>
-            </a:r>
-            <a:r>
-              <a:rPr lang="en-US" sz="1200" b="1" dirty="0" smtClean="0">
-                <a:latin typeface="Source Sans Pro Light"/>
-                <a:ea typeface="Source Sans Pro Light"/>
-                <a:cs typeface="Source Sans Pro Light"/>
-                <a:sym typeface="Source Sans Pro Light"/>
-              </a:rPr>
-              <a:t>”)[</a:t>
-            </a:r>
-            <a:r>
-              <a:rPr lang="en-US" sz="1200" b="1" dirty="0">
-                <a:latin typeface="Source Sans Pro Light"/>
-                <a:ea typeface="Source Sans Pro Light"/>
-                <a:cs typeface="Source Sans Pro Light"/>
-                <a:sym typeface="Source Sans Pro Light"/>
-              </a:rPr>
-              <a:t>1</a:t>
-            </a:r>
-            <a:r>
-              <a:rPr lang="en-US" sz="1200" b="1" dirty="0" smtClean="0">
-                <a:latin typeface="Source Sans Pro Light"/>
-                <a:ea typeface="Source Sans Pro Light"/>
-                <a:cs typeface="Source Sans Pro Light"/>
-                <a:sym typeface="Source Sans Pro Light"/>
-              </a:rPr>
-              <a:t>]</a:t>
-            </a:r>
-            <a:br>
-              <a:rPr lang="en-US" sz="1200" b="1" dirty="0" smtClean="0">
-                <a:latin typeface="Source Sans Pro Light"/>
-                <a:ea typeface="Source Sans Pro Light"/>
-                <a:cs typeface="Source Sans Pro Light"/>
-                <a:sym typeface="Source Sans Pro Light"/>
-              </a:rPr>
-            </a:br>
-            <a:r>
-              <a:rPr lang="en-US" sz="1200" b="1" dirty="0" err="1" smtClean="0">
-                <a:latin typeface="Source Sans Pro Light"/>
-                <a:ea typeface="Source Sans Pro Light"/>
-                <a:cs typeface="Source Sans Pro Light"/>
-                <a:sym typeface="Source Sans Pro Light"/>
-              </a:rPr>
-              <a:t>y.range</a:t>
-            </a:r>
-            <a:r>
-              <a:rPr lang="en-US" sz="1200" b="1" dirty="0" smtClean="0">
-                <a:latin typeface="Source Sans Pro Light"/>
-                <a:ea typeface="Source Sans Pro Light"/>
-                <a:cs typeface="Source Sans Pro Light"/>
-                <a:sym typeface="Source Sans Pro Light"/>
-              </a:rPr>
-              <a:t> &lt;- </a:t>
-            </a:r>
-            <a:r>
-              <a:rPr lang="en-US" sz="1200" b="1" dirty="0">
-                <a:latin typeface="Source Sans Pro Light"/>
-                <a:ea typeface="Source Sans Pro Light"/>
-                <a:cs typeface="Source Sans Pro Light"/>
-                <a:sym typeface="Source Sans Pro Light"/>
-              </a:rPr>
-              <a:t>par</a:t>
-            </a:r>
-            <a:r>
-              <a:rPr lang="en-US" sz="1200" b="1" dirty="0" smtClean="0">
-                <a:latin typeface="Source Sans Pro Light"/>
-                <a:ea typeface="Source Sans Pro Light"/>
-                <a:cs typeface="Source Sans Pro Light"/>
-                <a:sym typeface="Source Sans Pro Light"/>
-              </a:rPr>
-              <a:t>(“</a:t>
-            </a:r>
-            <a:r>
-              <a:rPr lang="en-US" sz="1200" b="1" dirty="0" err="1" smtClean="0">
-                <a:latin typeface="Source Sans Pro Light"/>
-                <a:ea typeface="Source Sans Pro Light"/>
-                <a:cs typeface="Source Sans Pro Light"/>
-                <a:sym typeface="Source Sans Pro Light"/>
-              </a:rPr>
-              <a:t>usr</a:t>
-            </a:r>
-            <a:r>
-              <a:rPr lang="en-US" sz="1200" b="1" dirty="0" smtClean="0">
-                <a:latin typeface="Source Sans Pro Light"/>
-                <a:ea typeface="Source Sans Pro Light"/>
-                <a:cs typeface="Source Sans Pro Light"/>
-                <a:sym typeface="Source Sans Pro Light"/>
-              </a:rPr>
-              <a:t>”)[4] </a:t>
-            </a:r>
-            <a:r>
-              <a:rPr lang="en-US" sz="1200" b="1" dirty="0">
-                <a:latin typeface="Source Sans Pro Light"/>
-                <a:ea typeface="Source Sans Pro Light"/>
-                <a:cs typeface="Source Sans Pro Light"/>
-                <a:sym typeface="Source Sans Pro Light"/>
-              </a:rPr>
-              <a:t>– par</a:t>
-            </a:r>
-            <a:r>
-              <a:rPr lang="en-US" sz="1200" b="1" dirty="0" smtClean="0">
-                <a:latin typeface="Source Sans Pro Light"/>
-                <a:ea typeface="Source Sans Pro Light"/>
-                <a:cs typeface="Source Sans Pro Light"/>
-                <a:sym typeface="Source Sans Pro Light"/>
-              </a:rPr>
-              <a:t>(“</a:t>
-            </a:r>
-            <a:r>
-              <a:rPr lang="en-US" sz="1200" b="1" dirty="0" err="1" smtClean="0">
-                <a:latin typeface="Source Sans Pro Light"/>
-                <a:ea typeface="Source Sans Pro Light"/>
-                <a:cs typeface="Source Sans Pro Light"/>
-                <a:sym typeface="Source Sans Pro Light"/>
-              </a:rPr>
-              <a:t>usr</a:t>
-            </a:r>
-            <a:r>
-              <a:rPr lang="en-US" sz="1200" b="1" dirty="0" smtClean="0">
-                <a:latin typeface="Source Sans Pro Light"/>
-                <a:ea typeface="Source Sans Pro Light"/>
-                <a:cs typeface="Source Sans Pro Light"/>
-                <a:sym typeface="Source Sans Pro Light"/>
-              </a:rPr>
-              <a:t>”)[3]</a:t>
-            </a:r>
-            <a:br>
-              <a:rPr lang="en-US" sz="1200" b="1" dirty="0" smtClean="0">
-                <a:latin typeface="Source Sans Pro Light"/>
-                <a:ea typeface="Source Sans Pro Light"/>
-                <a:cs typeface="Source Sans Pro Light"/>
-                <a:sym typeface="Source Sans Pro Light"/>
-              </a:rPr>
-            </a:br>
-            <a:r>
-              <a:rPr lang="en-US" sz="1200" b="1" dirty="0" smtClean="0">
-                <a:latin typeface="Source Sans Pro Light"/>
-                <a:ea typeface="Source Sans Pro Light"/>
-                <a:cs typeface="Source Sans Pro Light"/>
-                <a:sym typeface="Source Sans Pro Light"/>
-              </a:rPr>
-              <a:t/>
-            </a:r>
-            <a:br>
-              <a:rPr lang="en-US" sz="1200" b="1" dirty="0" smtClean="0">
-                <a:latin typeface="Source Sans Pro Light"/>
-                <a:ea typeface="Source Sans Pro Light"/>
-                <a:cs typeface="Source Sans Pro Light"/>
-                <a:sym typeface="Source Sans Pro Light"/>
-              </a:rPr>
-            </a:br>
-            <a:r>
-              <a:rPr lang="en-US" sz="1200" b="1" dirty="0" smtClean="0">
-                <a:latin typeface="Source Sans Pro Light"/>
-                <a:ea typeface="Source Sans Pro Light"/>
-                <a:cs typeface="Source Sans Pro Light"/>
-                <a:sym typeface="Source Sans Pro Light"/>
-              </a:rPr>
-              <a:t># Percentage used by plotting region</a:t>
-            </a:r>
-            <a:br>
-              <a:rPr lang="en-US" sz="1200" b="1" dirty="0" smtClean="0">
-                <a:latin typeface="Source Sans Pro Light"/>
-                <a:ea typeface="Source Sans Pro Light"/>
-                <a:cs typeface="Source Sans Pro Light"/>
-                <a:sym typeface="Source Sans Pro Light"/>
-              </a:rPr>
-            </a:br>
-            <a:r>
-              <a:rPr lang="en-US" sz="1200" b="1" dirty="0" smtClean="0">
-                <a:latin typeface="Source Sans Pro Light"/>
-                <a:ea typeface="Source Sans Pro Light"/>
-                <a:cs typeface="Source Sans Pro Light"/>
-                <a:sym typeface="Source Sans Pro Light"/>
-              </a:rPr>
-              <a:t>x.pct &lt;- par(“</a:t>
-            </a:r>
-            <a:r>
-              <a:rPr lang="en-US" sz="1200" b="1" dirty="0" err="1" smtClean="0">
-                <a:latin typeface="Source Sans Pro Light"/>
-                <a:ea typeface="Source Sans Pro Light"/>
-                <a:cs typeface="Source Sans Pro Light"/>
-                <a:sym typeface="Source Sans Pro Light"/>
-              </a:rPr>
-              <a:t>plt</a:t>
-            </a:r>
-            <a:r>
-              <a:rPr lang="en-US" sz="1200" b="1" dirty="0" smtClean="0">
-                <a:latin typeface="Source Sans Pro Light"/>
-                <a:ea typeface="Source Sans Pro Light"/>
-                <a:cs typeface="Source Sans Pro Light"/>
-                <a:sym typeface="Source Sans Pro Light"/>
-              </a:rPr>
-              <a:t>”)[2] – par(“</a:t>
-            </a:r>
-            <a:r>
-              <a:rPr lang="en-US" sz="1200" b="1" dirty="0" err="1" smtClean="0">
-                <a:latin typeface="Source Sans Pro Light"/>
-                <a:ea typeface="Source Sans Pro Light"/>
-                <a:cs typeface="Source Sans Pro Light"/>
-                <a:sym typeface="Source Sans Pro Light"/>
-              </a:rPr>
-              <a:t>plt</a:t>
-            </a:r>
-            <a:r>
-              <a:rPr lang="en-US" sz="1200" b="1" dirty="0" smtClean="0">
-                <a:latin typeface="Source Sans Pro Light"/>
-                <a:ea typeface="Source Sans Pro Light"/>
-                <a:cs typeface="Source Sans Pro Light"/>
-                <a:sym typeface="Source Sans Pro Light"/>
-              </a:rPr>
-              <a:t>”)[1]</a:t>
-            </a:r>
-            <a:br>
-              <a:rPr lang="en-US" sz="1200" b="1" dirty="0" smtClean="0">
-                <a:latin typeface="Source Sans Pro Light"/>
-                <a:ea typeface="Source Sans Pro Light"/>
-                <a:cs typeface="Source Sans Pro Light"/>
-                <a:sym typeface="Source Sans Pro Light"/>
-              </a:rPr>
-            </a:br>
-            <a:r>
-              <a:rPr lang="en-US" sz="1200" b="1" dirty="0" smtClean="0">
-                <a:latin typeface="Source Sans Pro Light"/>
-                <a:ea typeface="Source Sans Pro Light"/>
-                <a:cs typeface="Source Sans Pro Light"/>
-                <a:sym typeface="Source Sans Pro Light"/>
-              </a:rPr>
-              <a:t>y.pct </a:t>
-            </a:r>
-            <a:r>
-              <a:rPr lang="en-US" sz="1200" b="1" dirty="0">
-                <a:latin typeface="Source Sans Pro Light"/>
-                <a:ea typeface="Source Sans Pro Light"/>
-                <a:cs typeface="Source Sans Pro Light"/>
-                <a:sym typeface="Source Sans Pro Light"/>
-              </a:rPr>
-              <a:t>&lt;- par(“</a:t>
-            </a:r>
-            <a:r>
-              <a:rPr lang="en-US" sz="1200" b="1" dirty="0" err="1">
-                <a:latin typeface="Source Sans Pro Light"/>
-                <a:ea typeface="Source Sans Pro Light"/>
-                <a:cs typeface="Source Sans Pro Light"/>
-                <a:sym typeface="Source Sans Pro Light"/>
-              </a:rPr>
-              <a:t>plt</a:t>
-            </a:r>
-            <a:r>
-              <a:rPr lang="en-US" sz="1200" b="1" dirty="0" smtClean="0">
-                <a:latin typeface="Source Sans Pro Light"/>
-                <a:ea typeface="Source Sans Pro Light"/>
-                <a:cs typeface="Source Sans Pro Light"/>
-                <a:sym typeface="Source Sans Pro Light"/>
-              </a:rPr>
-              <a:t>”)[4] </a:t>
-            </a:r>
-            <a:r>
-              <a:rPr lang="en-US" sz="1200" b="1" dirty="0">
-                <a:latin typeface="Source Sans Pro Light"/>
-                <a:ea typeface="Source Sans Pro Light"/>
-                <a:cs typeface="Source Sans Pro Light"/>
-                <a:sym typeface="Source Sans Pro Light"/>
-              </a:rPr>
-              <a:t>– par(“</a:t>
-            </a:r>
-            <a:r>
-              <a:rPr lang="en-US" sz="1200" b="1" dirty="0" err="1">
-                <a:latin typeface="Source Sans Pro Light"/>
-                <a:ea typeface="Source Sans Pro Light"/>
-                <a:cs typeface="Source Sans Pro Light"/>
-                <a:sym typeface="Source Sans Pro Light"/>
-              </a:rPr>
-              <a:t>plt</a:t>
-            </a:r>
-            <a:r>
-              <a:rPr lang="en-US" sz="1200" b="1" dirty="0" smtClean="0">
-                <a:latin typeface="Source Sans Pro Light"/>
-                <a:ea typeface="Source Sans Pro Light"/>
-                <a:cs typeface="Source Sans Pro Light"/>
-                <a:sym typeface="Source Sans Pro Light"/>
-              </a:rPr>
-              <a:t>”)[3]</a:t>
-            </a:r>
-            <a:br>
-              <a:rPr lang="en-US" sz="1200" b="1" dirty="0" smtClean="0">
-                <a:latin typeface="Source Sans Pro Light"/>
-                <a:ea typeface="Source Sans Pro Light"/>
-                <a:cs typeface="Source Sans Pro Light"/>
-                <a:sym typeface="Source Sans Pro Light"/>
-              </a:rPr>
-            </a:br>
-            <a:r>
-              <a:rPr lang="en-US" sz="1200" b="1" dirty="0" smtClean="0">
-                <a:latin typeface="Source Sans Pro Light"/>
-                <a:ea typeface="Source Sans Pro Light"/>
-                <a:cs typeface="Source Sans Pro Light"/>
-                <a:sym typeface="Source Sans Pro Light"/>
-              </a:rPr>
-              <a:t/>
-            </a:r>
-            <a:br>
-              <a:rPr lang="en-US" sz="1200" b="1" dirty="0" smtClean="0">
-                <a:latin typeface="Source Sans Pro Light"/>
-                <a:ea typeface="Source Sans Pro Light"/>
-                <a:cs typeface="Source Sans Pro Light"/>
-                <a:sym typeface="Source Sans Pro Light"/>
-              </a:rPr>
-            </a:br>
-            <a:r>
-              <a:rPr lang="en-US" sz="1200" b="1" dirty="0" smtClean="0">
-                <a:latin typeface="Source Sans Pro Light"/>
-                <a:ea typeface="Source Sans Pro Light"/>
-                <a:cs typeface="Source Sans Pro Light"/>
-                <a:sym typeface="Source Sans Pro Light"/>
-              </a:rPr>
-              <a:t># Number of pixels in plotting region</a:t>
-            </a:r>
-            <a:br>
-              <a:rPr lang="en-US" sz="1200" b="1" dirty="0" smtClean="0">
-                <a:latin typeface="Source Sans Pro Light"/>
-                <a:ea typeface="Source Sans Pro Light"/>
-                <a:cs typeface="Source Sans Pro Light"/>
-                <a:sym typeface="Source Sans Pro Light"/>
-              </a:rPr>
-            </a:br>
-            <a:r>
-              <a:rPr lang="en-US" sz="1200" b="1" dirty="0" err="1" smtClean="0">
-                <a:latin typeface="Source Sans Pro Light"/>
-                <a:ea typeface="Source Sans Pro Light"/>
-                <a:cs typeface="Source Sans Pro Light"/>
-                <a:sym typeface="Source Sans Pro Light"/>
-              </a:rPr>
-              <a:t>x.px</a:t>
-            </a:r>
-            <a:r>
-              <a:rPr lang="en-US" sz="1200" b="1" dirty="0" smtClean="0">
-                <a:latin typeface="Source Sans Pro Light"/>
-                <a:ea typeface="Source Sans Pro Light"/>
-                <a:cs typeface="Source Sans Pro Light"/>
-                <a:sym typeface="Source Sans Pro Light"/>
-              </a:rPr>
-              <a:t> </a:t>
-            </a:r>
-            <a:r>
-              <a:rPr lang="en-US" sz="1200" b="1" dirty="0">
-                <a:latin typeface="Source Sans Pro Light"/>
-                <a:ea typeface="Source Sans Pro Light"/>
-                <a:cs typeface="Source Sans Pro Light"/>
-                <a:sym typeface="Source Sans Pro Light"/>
-              </a:rPr>
-              <a:t>&lt;- </a:t>
-            </a:r>
-            <a:r>
-              <a:rPr lang="en-US" sz="1200" b="1" dirty="0" smtClean="0">
-                <a:latin typeface="Source Sans Pro Light"/>
-                <a:ea typeface="Source Sans Pro Light"/>
-                <a:cs typeface="Source Sans Pro Light"/>
-                <a:sym typeface="Source Sans Pro Light"/>
-              </a:rPr>
-              <a:t>x.pct*</a:t>
-            </a:r>
-            <a:r>
-              <a:rPr lang="en-US" sz="1200" b="1" dirty="0" err="1" smtClean="0">
-                <a:latin typeface="Source Sans Pro Light"/>
-                <a:ea typeface="Source Sans Pro Light"/>
-                <a:cs typeface="Source Sans Pro Light"/>
-                <a:sym typeface="Source Sans Pro Light"/>
-              </a:rPr>
-              <a:t>dev.size</a:t>
-            </a:r>
-            <a:r>
-              <a:rPr lang="en-US" sz="1200" b="1" dirty="0" smtClean="0">
-                <a:latin typeface="Source Sans Pro Light"/>
-                <a:ea typeface="Source Sans Pro Light"/>
-                <a:cs typeface="Source Sans Pro Light"/>
-                <a:sym typeface="Source Sans Pro Light"/>
-              </a:rPr>
-              <a:t>(units=“</a:t>
-            </a:r>
-            <a:r>
-              <a:rPr lang="en-US" sz="1200" b="1" dirty="0" err="1" smtClean="0">
-                <a:latin typeface="Source Sans Pro Light"/>
-                <a:ea typeface="Source Sans Pro Light"/>
-                <a:cs typeface="Source Sans Pro Light"/>
-                <a:sym typeface="Source Sans Pro Light"/>
-              </a:rPr>
-              <a:t>px</a:t>
-            </a:r>
-            <a:r>
-              <a:rPr lang="en-US" sz="1200" b="1" dirty="0" smtClean="0">
-                <a:latin typeface="Source Sans Pro Light"/>
-                <a:ea typeface="Source Sans Pro Light"/>
-                <a:cs typeface="Source Sans Pro Light"/>
-                <a:sym typeface="Source Sans Pro Light"/>
-              </a:rPr>
-              <a:t>”)[1]</a:t>
-            </a:r>
-            <a:r>
-              <a:rPr lang="en-US" sz="1200" b="1" dirty="0">
-                <a:latin typeface="Source Sans Pro Light"/>
-                <a:ea typeface="Source Sans Pro Light"/>
-                <a:cs typeface="Source Sans Pro Light"/>
-                <a:sym typeface="Source Sans Pro Light"/>
-              </a:rPr>
-              <a:t/>
+              <a:t># Range in user coordinates</a:t>
             </a:r>
             <a:br>
               <a:rPr lang="en-US" sz="1200" b="1" dirty="0">
@@ -4450,22 +6938,13 @@
               </a:rPr>
             </a:br>
             <a:r>
-              <a:rPr lang="en-US" sz="1200" b="1" dirty="0" err="1" smtClean="0">
+              <a:rPr lang="en-US" sz="1200" b="1" dirty="0" err="1">
                 <a:latin typeface="Source Sans Pro Light"/>
                 <a:ea typeface="Source Sans Pro Light"/>
                 <a:cs typeface="Source Sans Pro Light"/>
                 <a:sym typeface="Source Sans Pro Light"/>
               </a:rPr>
-              <a:t>y.px</a:t>
-            </a:r>
-            <a:r>
-              <a:rPr lang="en-US" sz="1200" b="1" dirty="0" smtClean="0">
-                <a:latin typeface="Source Sans Pro Light"/>
-                <a:ea typeface="Source Sans Pro Light"/>
-                <a:cs typeface="Source Sans Pro Light"/>
-                <a:sym typeface="Source Sans Pro Light"/>
-              </a:rPr>
-              <a:t> </a:t>
+              <a:t>x.range</a:t>
             </a:r>
             <a:r>
               <a:rPr lang="en-US" sz="1200" b="1" dirty="0">
@@ -4474,34 +6953,16 @@
                 <a:cs typeface="Source Sans Pro Light"/>
                 <a:sym typeface="Source Sans Pro Light"/>
               </a:rPr>
-              <a:t>&lt;- </a:t>
-            </a:r>
-            <a:r>
-              <a:rPr lang="en-US" sz="1200" b="1" dirty="0" smtClean="0">
+              <a:t> &lt;- par(“</a:t>
+            </a:r>
+            <a:r>
+              <a:rPr lang="en-US" sz="1200" b="1" dirty="0" err="1">
                 <a:latin typeface="Source Sans Pro Light"/>
                 <a:ea typeface="Source Sans Pro Light"/>
                 <a:cs typeface="Source Sans Pro Light"/>
                 <a:sym typeface="Source Sans Pro Light"/>
               </a:rPr>
-              <a:t>y.pct*</a:t>
-            </a:r>
-            <a:r>
-              <a:rPr lang="en-US" sz="1200" b="1" dirty="0" err="1" smtClean="0">
-                <a:latin typeface="Source Sans Pro Light"/>
-                <a:ea typeface="Source Sans Pro Light"/>
-                <a:cs typeface="Source Sans Pro Light"/>
-                <a:sym typeface="Source Sans Pro Light"/>
-              </a:rPr>
-              <a:t>dev.size</a:t>
-            </a:r>
-            <a:r>
-              <a:rPr lang="en-US" sz="1200" b="1" dirty="0" smtClean="0">
-                <a:latin typeface="Source Sans Pro Light"/>
-                <a:ea typeface="Source Sans Pro Light"/>
-                <a:cs typeface="Source Sans Pro Light"/>
-                <a:sym typeface="Source Sans Pro Light"/>
-              </a:rPr>
-              <a:t>(units</a:t>
+              <a:t>usr</a:t>
             </a:r>
             <a:r>
               <a:rPr lang="en-US" sz="1200" b="1" dirty="0">
@@ -4510,7 +6971,7 @@
                 <a:cs typeface="Source Sans Pro Light"/>
                 <a:sym typeface="Source Sans Pro Light"/>
               </a:rPr>
-              <a:t>=“</a:t>
+              <a:t>”)[2] – par(“</a:t>
             </a:r>
             <a:r>
               <a:rPr lang="en-US" sz="1200" b="1" dirty="0" err="1">
@@ -4519,85 +6980,7 @@
                 <a:cs typeface="Source Sans Pro Light"/>
                 <a:sym typeface="Source Sans Pro Light"/>
               </a:rPr>
-              <a:t>px</a:t>
-            </a:r>
-            <a:r>
-              <a:rPr lang="en-US" sz="1200" b="1" dirty="0" smtClean="0">
-                <a:latin typeface="Source Sans Pro Light"/>
-                <a:ea typeface="Source Sans Pro Light"/>
-                <a:cs typeface="Source Sans Pro Light"/>
-                <a:sym typeface="Source Sans Pro Light"/>
-              </a:rPr>
-              <a:t>”)[2]</a:t>
-            </a:r>
-            <a:br>
-              <a:rPr lang="en-US" sz="1200" b="1" dirty="0" smtClean="0">
-                <a:latin typeface="Source Sans Pro Light"/>
-                <a:ea typeface="Source Sans Pro Light"/>
-                <a:cs typeface="Source Sans Pro Light"/>
-                <a:sym typeface="Source Sans Pro Light"/>
-              </a:rPr>
-            </a:br>
-            <a:r>
-              <a:rPr lang="en-US" sz="1200" b="1" dirty="0" smtClean="0">
-                <a:latin typeface="Source Sans Pro Light"/>
-                <a:ea typeface="Source Sans Pro Light"/>
-                <a:cs typeface="Source Sans Pro Light"/>
-                <a:sym typeface="Source Sans Pro Light"/>
-              </a:rPr>
-              <a:t/>
-            </a:r>
-            <a:br>
-              <a:rPr lang="en-US" sz="1200" b="1" dirty="0" smtClean="0">
-                <a:latin typeface="Source Sans Pro Light"/>
-                <a:ea typeface="Source Sans Pro Light"/>
-                <a:cs typeface="Source Sans Pro Light"/>
-                <a:sym typeface="Source Sans Pro Light"/>
-              </a:rPr>
-            </a:br>
-            <a:r>
-              <a:rPr lang="en-US" sz="1200" b="1" dirty="0" smtClean="0">
-                <a:latin typeface="Source Sans Pro Light"/>
-                <a:ea typeface="Source Sans Pro Light"/>
-                <a:cs typeface="Source Sans Pro Light"/>
-                <a:sym typeface="Source Sans Pro Light"/>
-              </a:rPr>
-              <a:t># Number of pixels per </a:t>
-            </a:r>
-            <a:r>
-              <a:rPr lang="en-US" sz="1200" b="1" smtClean="0">
-                <a:latin typeface="Source Sans Pro Light"/>
-                <a:ea typeface="Source Sans Pro Light"/>
-                <a:cs typeface="Source Sans Pro Light"/>
-                <a:sym typeface="Source Sans Pro Light"/>
-              </a:rPr>
-              <a:t>user coordinate</a:t>
-            </a:r>
-            <a:br>
-              <a:rPr lang="en-US" sz="1200" b="1" smtClean="0">
-                <a:latin typeface="Source Sans Pro Light"/>
-                <a:ea typeface="Source Sans Pro Light"/>
-                <a:cs typeface="Source Sans Pro Light"/>
-                <a:sym typeface="Source Sans Pro Light"/>
-              </a:rPr>
-            </a:br>
-            <a:r>
-              <a:rPr lang="en-US" sz="1200" b="1" dirty="0" err="1" smtClean="0">
-                <a:latin typeface="Source Sans Pro Light"/>
-                <a:ea typeface="Source Sans Pro Light"/>
-                <a:cs typeface="Source Sans Pro Light"/>
-                <a:sym typeface="Source Sans Pro Light"/>
-              </a:rPr>
-              <a:t>x.px.per.usr</a:t>
-            </a:r>
-            <a:r>
-              <a:rPr lang="en-US" sz="1200" b="1" dirty="0" smtClean="0">
-                <a:latin typeface="Source Sans Pro Light"/>
-                <a:ea typeface="Source Sans Pro Light"/>
-                <a:cs typeface="Source Sans Pro Light"/>
-                <a:sym typeface="Source Sans Pro Light"/>
-              </a:rPr>
-              <a:t> </a:t>
+              <a:t>usr</a:t>
             </a:r>
             <a:r>
               <a:rPr lang="en-US" sz="1200" b="1" dirty="0">
@@ -4606,78 +6989,24 @@
                 <a:cs typeface="Source Sans Pro Light"/>
                 <a:sym typeface="Source Sans Pro Light"/>
               </a:rPr>
-              <a:t>&lt;- </a:t>
-            </a:r>
-            <a:r>
-              <a:rPr lang="en-US" sz="1200" b="1" dirty="0" err="1" smtClean="0">
-                <a:latin typeface="Source Sans Pro Light"/>
-                <a:ea typeface="Source Sans Pro Light"/>
-                <a:cs typeface="Source Sans Pro Light"/>
-                <a:sym typeface="Source Sans Pro Light"/>
-              </a:rPr>
-              <a:t>x.px</a:t>
-            </a:r>
-            <a:r>
+              <a:t>”)[1]</a:t>
+            </a:r>
+            <a:br>
               <a:rPr lang="en-US" sz="1200" b="1" dirty="0">
                 <a:latin typeface="Source Sans Pro Light"/>
                 <a:ea typeface="Source Sans Pro Light"/>
                 <a:cs typeface="Source Sans Pro Light"/>
                 <a:sym typeface="Source Sans Pro Light"/>
               </a:rPr>
-              <a:t> </a:t>
-            </a:r>
-            <a:r>
-              <a:rPr lang="en-US" sz="1200" b="1" dirty="0" smtClean="0">
+            </a:br>
+            <a:r>
+              <a:rPr lang="en-US" sz="1200" b="1" dirty="0" err="1">
                 <a:latin typeface="Source Sans Pro Light"/>
                 <a:ea typeface="Source Sans Pro Light"/>
                 <a:cs typeface="Source Sans Pro Light"/>
                 <a:sym typeface="Source Sans Pro Light"/>
               </a:rPr>
-              <a:t>/ </a:t>
-            </a:r>
-            <a:r>
-              <a:rPr lang="en-US" sz="1200" b="1" dirty="0" err="1" smtClean="0">
-                <a:latin typeface="Source Sans Pro Light"/>
-                <a:ea typeface="Source Sans Pro Light"/>
-                <a:cs typeface="Source Sans Pro Light"/>
-                <a:sym typeface="Source Sans Pro Light"/>
-              </a:rPr>
-              <a:t>x.range</a:t>
-            </a:r>
-            <a:r>
-              <a:rPr lang="en-US" sz="1200" b="1" dirty="0" smtClean="0">
-                <a:latin typeface="Source Sans Pro Light"/>
-                <a:ea typeface="Source Sans Pro Light"/>
-                <a:cs typeface="Source Sans Pro Light"/>
-                <a:sym typeface="Source Sans Pro Light"/>
-              </a:rPr>
-              <a:t/>
-            </a:r>
-            <a:br>
-              <a:rPr lang="en-US" sz="1200" b="1" dirty="0" smtClean="0">
-                <a:latin typeface="Source Sans Pro Light"/>
-                <a:ea typeface="Source Sans Pro Light"/>
-                <a:cs typeface="Source Sans Pro Light"/>
-                <a:sym typeface="Source Sans Pro Light"/>
-              </a:rPr>
-            </a:br>
-            <a:r>
-              <a:rPr lang="en-US" sz="1200" b="1" dirty="0" err="1" smtClean="0">
-                <a:latin typeface="Source Sans Pro Light"/>
-                <a:ea typeface="Source Sans Pro Light"/>
-                <a:cs typeface="Source Sans Pro Light"/>
-                <a:sym typeface="Source Sans Pro Light"/>
-              </a:rPr>
-              <a:t>y.px.per.usr</a:t>
-            </a:r>
-            <a:r>
-              <a:rPr lang="en-US" sz="1200" b="1" dirty="0" smtClean="0">
-                <a:latin typeface="Source Sans Pro Light"/>
-                <a:ea typeface="Source Sans Pro Light"/>
-                <a:cs typeface="Source Sans Pro Light"/>
-                <a:sym typeface="Source Sans Pro Light"/>
-              </a:rPr>
-              <a:t> </a:t>
+              <a:t>y.range</a:t>
             </a:r>
             <a:r>
               <a:rPr lang="en-US" sz="1200" b="1" dirty="0">
@@ -4686,25 +7015,16 @@
                 <a:cs typeface="Source Sans Pro Light"/>
                 <a:sym typeface="Source Sans Pro Light"/>
               </a:rPr>
-              <a:t>&lt;- </a:t>
-            </a:r>
-            <a:r>
-              <a:rPr lang="en-US" sz="1200" b="1" dirty="0" err="1" smtClean="0">
+              <a:t> &lt;- par(“</a:t>
+            </a:r>
+            <a:r>
+              <a:rPr lang="en-US" sz="1200" b="1" dirty="0" err="1">
                 <a:latin typeface="Source Sans Pro Light"/>
                 <a:ea typeface="Source Sans Pro Light"/>
                 <a:cs typeface="Source Sans Pro Light"/>
                 <a:sym typeface="Source Sans Pro Light"/>
               </a:rPr>
-              <a:t>y.px</a:t>
-            </a:r>
-            <a:r>
-              <a:rPr lang="en-US" sz="1200" b="1" dirty="0" smtClean="0">
-                <a:latin typeface="Source Sans Pro Light"/>
-                <a:ea typeface="Source Sans Pro Light"/>
-                <a:cs typeface="Source Sans Pro Light"/>
-                <a:sym typeface="Source Sans Pro Light"/>
-              </a:rPr>
-              <a:t> </a:t>
+              <a:t>usr</a:t>
             </a:r>
             <a:r>
               <a:rPr lang="en-US" sz="1200" b="1" dirty="0">
@@ -4713,18 +7033,483 @@
                 <a:cs typeface="Source Sans Pro Light"/>
                 <a:sym typeface="Source Sans Pro Light"/>
               </a:rPr>
-              <a:t>/ </a:t>
-            </a:r>
-            <a:r>
-              <a:rPr lang="en-US" sz="1200" b="1" dirty="0" err="1" smtClean="0">
+              <a:t>”)[4] – par(“</a:t>
+            </a:r>
+            <a:r>
+              <a:rPr lang="en-US" sz="1200" b="1" dirty="0" err="1">
                 <a:latin typeface="Source Sans Pro Light"/>
                 <a:ea typeface="Source Sans Pro Light"/>
                 <a:cs typeface="Source Sans Pro Light"/>
                 <a:sym typeface="Source Sans Pro Light"/>
               </a:rPr>
+              <a:t>usr</a:t>
+            </a:r>
+            <a:r>
+              <a:rPr lang="en-US" sz="1200" b="1" dirty="0">
+                <a:latin typeface="Source Sans Pro Light"/>
+                <a:ea typeface="Source Sans Pro Light"/>
+                <a:cs typeface="Source Sans Pro Light"/>
+                <a:sym typeface="Source Sans Pro Light"/>
+              </a:rPr>
+              <a:t>”)[3]</a:t>
+            </a:r>
+            <a:br>
+              <a:rPr lang="en-US" sz="1200" b="1" dirty="0">
+                <a:latin typeface="Source Sans Pro Light"/>
+                <a:ea typeface="Source Sans Pro Light"/>
+                <a:cs typeface="Source Sans Pro Light"/>
+                <a:sym typeface="Source Sans Pro Light"/>
+              </a:rPr>
+            </a:br>
+            <a:r>
+              <a:rPr lang="en-US" sz="1200" b="1" dirty="0">
+                <a:latin typeface="Source Sans Pro Light"/>
+                <a:ea typeface="Source Sans Pro Light"/>
+                <a:cs typeface="Source Sans Pro Light"/>
+                <a:sym typeface="Source Sans Pro Light"/>
+              </a:rPr>
+              <a:t/>
+            </a:r>
+            <a:br>
+              <a:rPr lang="en-US" sz="1200" b="1" dirty="0">
+                <a:latin typeface="Source Sans Pro Light"/>
+                <a:ea typeface="Source Sans Pro Light"/>
+                <a:cs typeface="Source Sans Pro Light"/>
+                <a:sym typeface="Source Sans Pro Light"/>
+              </a:rPr>
+            </a:br>
+            <a:r>
+              <a:rPr lang="en-US" sz="1200" b="1" dirty="0">
+                <a:latin typeface="Source Sans Pro Light"/>
+                <a:ea typeface="Source Sans Pro Light"/>
+                <a:cs typeface="Source Sans Pro Light"/>
+                <a:sym typeface="Source Sans Pro Light"/>
+              </a:rPr>
+              <a:t># Percentage used by plotting region</a:t>
+            </a:r>
+            <a:br>
+              <a:rPr lang="en-US" sz="1200" b="1" dirty="0">
+                <a:latin typeface="Source Sans Pro Light"/>
+                <a:ea typeface="Source Sans Pro Light"/>
+                <a:cs typeface="Source Sans Pro Light"/>
+                <a:sym typeface="Source Sans Pro Light"/>
+              </a:rPr>
+            </a:br>
+            <a:r>
+              <a:rPr lang="en-US" sz="1200" b="1" dirty="0">
+                <a:latin typeface="Source Sans Pro Light"/>
+                <a:ea typeface="Source Sans Pro Light"/>
+                <a:cs typeface="Source Sans Pro Light"/>
+                <a:sym typeface="Source Sans Pro Light"/>
+              </a:rPr>
+              <a:t>x.pct &lt;- par(“</a:t>
+            </a:r>
+            <a:r>
+              <a:rPr lang="en-US" sz="1200" b="1" dirty="0" err="1">
+                <a:latin typeface="Source Sans Pro Light"/>
+                <a:ea typeface="Source Sans Pro Light"/>
+                <a:cs typeface="Source Sans Pro Light"/>
+                <a:sym typeface="Source Sans Pro Light"/>
+              </a:rPr>
+              <a:t>plt</a:t>
+            </a:r>
+            <a:r>
+              <a:rPr lang="en-US" sz="1200" b="1" dirty="0">
+                <a:latin typeface="Source Sans Pro Light"/>
+                <a:ea typeface="Source Sans Pro Light"/>
+                <a:cs typeface="Source Sans Pro Light"/>
+                <a:sym typeface="Source Sans Pro Light"/>
+              </a:rPr>
+              <a:t>”)[2] – par(“</a:t>
+            </a:r>
+            <a:r>
+              <a:rPr lang="en-US" sz="1200" b="1" dirty="0" err="1">
+                <a:latin typeface="Source Sans Pro Light"/>
+                <a:ea typeface="Source Sans Pro Light"/>
+                <a:cs typeface="Source Sans Pro Light"/>
+                <a:sym typeface="Source Sans Pro Light"/>
+              </a:rPr>
+              <a:t>plt</a:t>
+            </a:r>
+            <a:r>
+              <a:rPr lang="en-US" sz="1200" b="1" dirty="0">
+                <a:latin typeface="Source Sans Pro Light"/>
+                <a:ea typeface="Source Sans Pro Light"/>
+                <a:cs typeface="Source Sans Pro Light"/>
+                <a:sym typeface="Source Sans Pro Light"/>
+              </a:rPr>
+              <a:t>”)[1]</a:t>
+            </a:r>
+            <a:br>
+              <a:rPr lang="en-US" sz="1200" b="1" dirty="0">
+                <a:latin typeface="Source Sans Pro Light"/>
+                <a:ea typeface="Source Sans Pro Light"/>
+                <a:cs typeface="Source Sans Pro Light"/>
+                <a:sym typeface="Source Sans Pro Light"/>
+              </a:rPr>
+            </a:br>
+            <a:r>
+              <a:rPr lang="en-US" sz="1200" b="1" dirty="0">
+                <a:latin typeface="Source Sans Pro Light"/>
+                <a:ea typeface="Source Sans Pro Light"/>
+                <a:cs typeface="Source Sans Pro Light"/>
+                <a:sym typeface="Source Sans Pro Light"/>
+              </a:rPr>
+              <a:t>y.pct &lt;- par(“</a:t>
+            </a:r>
+            <a:r>
+              <a:rPr lang="en-US" sz="1200" b="1" dirty="0" err="1">
+                <a:latin typeface="Source Sans Pro Light"/>
+                <a:ea typeface="Source Sans Pro Light"/>
+                <a:cs typeface="Source Sans Pro Light"/>
+                <a:sym typeface="Source Sans Pro Light"/>
+              </a:rPr>
+              <a:t>plt</a:t>
+            </a:r>
+            <a:r>
+              <a:rPr lang="en-US" sz="1200" b="1" dirty="0">
+                <a:latin typeface="Source Sans Pro Light"/>
+                <a:ea typeface="Source Sans Pro Light"/>
+                <a:cs typeface="Source Sans Pro Light"/>
+                <a:sym typeface="Source Sans Pro Light"/>
+              </a:rPr>
+              <a:t>”)[4] – par(“</a:t>
+            </a:r>
+            <a:r>
+              <a:rPr lang="en-US" sz="1200" b="1" dirty="0" err="1">
+                <a:latin typeface="Source Sans Pro Light"/>
+                <a:ea typeface="Source Sans Pro Light"/>
+                <a:cs typeface="Source Sans Pro Light"/>
+                <a:sym typeface="Source Sans Pro Light"/>
+              </a:rPr>
+              <a:t>plt</a:t>
+            </a:r>
+            <a:r>
+              <a:rPr lang="en-US" sz="1200" b="1" dirty="0">
+                <a:latin typeface="Source Sans Pro Light"/>
+                <a:ea typeface="Source Sans Pro Light"/>
+                <a:cs typeface="Source Sans Pro Light"/>
+                <a:sym typeface="Source Sans Pro Light"/>
+              </a:rPr>
+              <a:t>”)[3]</a:t>
+            </a:r>
+            <a:br>
+              <a:rPr lang="en-US" sz="1200" b="1" dirty="0">
+                <a:latin typeface="Source Sans Pro Light"/>
+                <a:ea typeface="Source Sans Pro Light"/>
+                <a:cs typeface="Source Sans Pro Light"/>
+                <a:sym typeface="Source Sans Pro Light"/>
+              </a:rPr>
+            </a:br>
+            <a:r>
+              <a:rPr lang="en-US" sz="1200" b="1" dirty="0">
+                <a:latin typeface="Source Sans Pro Light"/>
+                <a:ea typeface="Source Sans Pro Light"/>
+                <a:cs typeface="Source Sans Pro Light"/>
+                <a:sym typeface="Source Sans Pro Light"/>
+              </a:rPr>
+              <a:t/>
+            </a:r>
+            <a:br>
+              <a:rPr lang="en-US" sz="1200" b="1" dirty="0">
+                <a:latin typeface="Source Sans Pro Light"/>
+                <a:ea typeface="Source Sans Pro Light"/>
+                <a:cs typeface="Source Sans Pro Light"/>
+                <a:sym typeface="Source Sans Pro Light"/>
+              </a:rPr>
+            </a:br>
+            <a:r>
+              <a:rPr lang="en-US" sz="1200" b="1" dirty="0">
+                <a:latin typeface="Source Sans Pro Light"/>
+                <a:ea typeface="Source Sans Pro Light"/>
+                <a:cs typeface="Source Sans Pro Light"/>
+                <a:sym typeface="Source Sans Pro Light"/>
+              </a:rPr>
+              <a:t># Number of pixels in plotting region</a:t>
+            </a:r>
+            <a:br>
+              <a:rPr lang="en-US" sz="1200" b="1" dirty="0">
+                <a:latin typeface="Source Sans Pro Light"/>
+                <a:ea typeface="Source Sans Pro Light"/>
+                <a:cs typeface="Source Sans Pro Light"/>
+                <a:sym typeface="Source Sans Pro Light"/>
+              </a:rPr>
+            </a:br>
+            <a:r>
+              <a:rPr lang="en-US" sz="1200" b="1" dirty="0" err="1">
+                <a:latin typeface="Source Sans Pro Light"/>
+                <a:ea typeface="Source Sans Pro Light"/>
+                <a:cs typeface="Source Sans Pro Light"/>
+                <a:sym typeface="Source Sans Pro Light"/>
+              </a:rPr>
+              <a:t>x.px</a:t>
+            </a:r>
+            <a:r>
+              <a:rPr lang="en-US" sz="1200" b="1" dirty="0">
+                <a:latin typeface="Source Sans Pro Light"/>
+                <a:ea typeface="Source Sans Pro Light"/>
+                <a:cs typeface="Source Sans Pro Light"/>
+                <a:sym typeface="Source Sans Pro Light"/>
+              </a:rPr>
+              <a:t> &lt;- x.pct*</a:t>
+            </a:r>
+            <a:r>
+              <a:rPr lang="en-US" sz="1200" b="1" dirty="0" err="1">
+                <a:latin typeface="Source Sans Pro Light"/>
+                <a:ea typeface="Source Sans Pro Light"/>
+                <a:cs typeface="Source Sans Pro Light"/>
+                <a:sym typeface="Source Sans Pro Light"/>
+              </a:rPr>
+              <a:t>dev.size</a:t>
+            </a:r>
+            <a:r>
+              <a:rPr lang="en-US" sz="1200" b="1" dirty="0">
+                <a:latin typeface="Source Sans Pro Light"/>
+                <a:ea typeface="Source Sans Pro Light"/>
+                <a:cs typeface="Source Sans Pro Light"/>
+                <a:sym typeface="Source Sans Pro Light"/>
+              </a:rPr>
+              <a:t>(units=“</a:t>
+            </a:r>
+            <a:r>
+              <a:rPr lang="en-US" sz="1200" b="1" dirty="0" err="1">
+                <a:latin typeface="Source Sans Pro Light"/>
+                <a:ea typeface="Source Sans Pro Light"/>
+                <a:cs typeface="Source Sans Pro Light"/>
+                <a:sym typeface="Source Sans Pro Light"/>
+              </a:rPr>
+              <a:t>px</a:t>
+            </a:r>
+            <a:r>
+              <a:rPr lang="en-US" sz="1200" b="1" dirty="0">
+                <a:latin typeface="Source Sans Pro Light"/>
+                <a:ea typeface="Source Sans Pro Light"/>
+                <a:cs typeface="Source Sans Pro Light"/>
+                <a:sym typeface="Source Sans Pro Light"/>
+              </a:rPr>
+              <a:t>”)[1]</a:t>
+            </a:r>
+            <a:br>
+              <a:rPr lang="en-US" sz="1200" b="1" dirty="0">
+                <a:latin typeface="Source Sans Pro Light"/>
+                <a:ea typeface="Source Sans Pro Light"/>
+                <a:cs typeface="Source Sans Pro Light"/>
+                <a:sym typeface="Source Sans Pro Light"/>
+              </a:rPr>
+            </a:br>
+            <a:r>
+              <a:rPr lang="en-US" sz="1200" b="1" dirty="0" err="1">
+                <a:latin typeface="Source Sans Pro Light"/>
+                <a:ea typeface="Source Sans Pro Light"/>
+                <a:cs typeface="Source Sans Pro Light"/>
+                <a:sym typeface="Source Sans Pro Light"/>
+              </a:rPr>
+              <a:t>y.px</a:t>
+            </a:r>
+            <a:r>
+              <a:rPr lang="en-US" sz="1200" b="1" dirty="0">
+                <a:latin typeface="Source Sans Pro Light"/>
+                <a:ea typeface="Source Sans Pro Light"/>
+                <a:cs typeface="Source Sans Pro Light"/>
+                <a:sym typeface="Source Sans Pro Light"/>
+              </a:rPr>
+              <a:t> &lt;- y.pct*</a:t>
+            </a:r>
+            <a:r>
+              <a:rPr lang="en-US" sz="1200" b="1" dirty="0" err="1">
+                <a:latin typeface="Source Sans Pro Light"/>
+                <a:ea typeface="Source Sans Pro Light"/>
+                <a:cs typeface="Source Sans Pro Light"/>
+                <a:sym typeface="Source Sans Pro Light"/>
+              </a:rPr>
+              <a:t>dev.size</a:t>
+            </a:r>
+            <a:r>
+              <a:rPr lang="en-US" sz="1200" b="1" dirty="0">
+                <a:latin typeface="Source Sans Pro Light"/>
+                <a:ea typeface="Source Sans Pro Light"/>
+                <a:cs typeface="Source Sans Pro Light"/>
+                <a:sym typeface="Source Sans Pro Light"/>
+              </a:rPr>
+              <a:t>(units=“</a:t>
+            </a:r>
+            <a:r>
+              <a:rPr lang="en-US" sz="1200" b="1" dirty="0" err="1">
+                <a:latin typeface="Source Sans Pro Light"/>
+                <a:ea typeface="Source Sans Pro Light"/>
+                <a:cs typeface="Source Sans Pro Light"/>
+                <a:sym typeface="Source Sans Pro Light"/>
+              </a:rPr>
+              <a:t>px</a:t>
+            </a:r>
+            <a:r>
+              <a:rPr lang="en-US" sz="1200" b="1" dirty="0">
+                <a:latin typeface="Source Sans Pro Light"/>
+                <a:ea typeface="Source Sans Pro Light"/>
+                <a:cs typeface="Source Sans Pro Light"/>
+                <a:sym typeface="Source Sans Pro Light"/>
+              </a:rPr>
+              <a:t>”)[2]</a:t>
+            </a:r>
+            <a:br>
+              <a:rPr lang="en-US" sz="1200" b="1" dirty="0">
+                <a:latin typeface="Source Sans Pro Light"/>
+                <a:ea typeface="Source Sans Pro Light"/>
+                <a:cs typeface="Source Sans Pro Light"/>
+                <a:sym typeface="Source Sans Pro Light"/>
+              </a:rPr>
+            </a:br>
+            <a:r>
+              <a:rPr lang="en-US" sz="1200" b="1" dirty="0">
+                <a:latin typeface="Source Sans Pro Light"/>
+                <a:ea typeface="Source Sans Pro Light"/>
+                <a:cs typeface="Source Sans Pro Light"/>
+                <a:sym typeface="Source Sans Pro Light"/>
+              </a:rPr>
+              <a:t/>
+            </a:r>
+            <a:br>
+              <a:rPr lang="en-US" sz="1200" b="1" dirty="0">
+                <a:latin typeface="Source Sans Pro Light"/>
+                <a:ea typeface="Source Sans Pro Light"/>
+                <a:cs typeface="Source Sans Pro Light"/>
+                <a:sym typeface="Source Sans Pro Light"/>
+              </a:rPr>
+            </a:br>
+            <a:r>
+              <a:rPr lang="en-US" sz="1200" b="1" dirty="0">
+                <a:latin typeface="Source Sans Pro Light"/>
+                <a:ea typeface="Source Sans Pro Light"/>
+                <a:cs typeface="Source Sans Pro Light"/>
+                <a:sym typeface="Source Sans Pro Light"/>
+              </a:rPr>
+              <a:t># Number of pixels per </a:t>
+            </a:r>
+            <a:r>
+              <a:rPr lang="en-US" sz="1200" b="1">
+                <a:latin typeface="Source Sans Pro Light"/>
+                <a:ea typeface="Source Sans Pro Light"/>
+                <a:cs typeface="Source Sans Pro Light"/>
+                <a:sym typeface="Source Sans Pro Light"/>
+              </a:rPr>
+              <a:t>user coordinate</a:t>
+            </a:r>
+            <a:br>
+              <a:rPr lang="en-US" sz="1200" b="1">
+                <a:latin typeface="Source Sans Pro Light"/>
+                <a:ea typeface="Source Sans Pro Light"/>
+                <a:cs typeface="Source Sans Pro Light"/>
+                <a:sym typeface="Source Sans Pro Light"/>
+              </a:rPr>
+            </a:br>
+            <a:r>
+              <a:rPr lang="en-US" sz="1200" b="1" dirty="0" err="1">
+                <a:latin typeface="Source Sans Pro Light"/>
+                <a:ea typeface="Source Sans Pro Light"/>
+                <a:cs typeface="Source Sans Pro Light"/>
+                <a:sym typeface="Source Sans Pro Light"/>
+              </a:rPr>
+              <a:t>x.px.per.usr</a:t>
+            </a:r>
+            <a:r>
+              <a:rPr lang="en-US" sz="1200" b="1" dirty="0">
+                <a:latin typeface="Source Sans Pro Light"/>
+                <a:ea typeface="Source Sans Pro Light"/>
+                <a:cs typeface="Source Sans Pro Light"/>
+                <a:sym typeface="Source Sans Pro Light"/>
+              </a:rPr>
+              <a:t> &lt;- </a:t>
+            </a:r>
+            <a:r>
+              <a:rPr lang="en-US" sz="1200" b="1" dirty="0" err="1">
+                <a:latin typeface="Source Sans Pro Light"/>
+                <a:ea typeface="Source Sans Pro Light"/>
+                <a:cs typeface="Source Sans Pro Light"/>
+                <a:sym typeface="Source Sans Pro Light"/>
+              </a:rPr>
+              <a:t>x.px</a:t>
+            </a:r>
+            <a:r>
+              <a:rPr lang="en-US" sz="1200" b="1" dirty="0">
+                <a:latin typeface="Source Sans Pro Light"/>
+                <a:ea typeface="Source Sans Pro Light"/>
+                <a:cs typeface="Source Sans Pro Light"/>
+                <a:sym typeface="Source Sans Pro Light"/>
+              </a:rPr>
+              <a:t> / </a:t>
+            </a:r>
+            <a:r>
+              <a:rPr lang="en-US" sz="1200" b="1" dirty="0" err="1">
+                <a:latin typeface="Source Sans Pro Light"/>
+                <a:ea typeface="Source Sans Pro Light"/>
+                <a:cs typeface="Source Sans Pro Light"/>
+                <a:sym typeface="Source Sans Pro Light"/>
+              </a:rPr>
+              <a:t>x.range</a:t>
+            </a:r>
+            <a:r>
+              <a:rPr lang="en-US" sz="1200" b="1" dirty="0">
+                <a:latin typeface="Source Sans Pro Light"/>
+                <a:ea typeface="Source Sans Pro Light"/>
+                <a:cs typeface="Source Sans Pro Light"/>
+                <a:sym typeface="Source Sans Pro Light"/>
+              </a:rPr>
+              <a:t/>
+            </a:r>
+            <a:br>
+              <a:rPr lang="en-US" sz="1200" b="1" dirty="0">
+                <a:latin typeface="Source Sans Pro Light"/>
+                <a:ea typeface="Source Sans Pro Light"/>
+                <a:cs typeface="Source Sans Pro Light"/>
+                <a:sym typeface="Source Sans Pro Light"/>
+              </a:rPr>
+            </a:br>
+            <a:r>
+              <a:rPr lang="en-US" sz="1200" b="1" dirty="0" err="1">
+                <a:latin typeface="Source Sans Pro Light"/>
+                <a:ea typeface="Source Sans Pro Light"/>
+                <a:cs typeface="Source Sans Pro Light"/>
+                <a:sym typeface="Source Sans Pro Light"/>
+              </a:rPr>
+              <a:t>y.px.per.usr</a:t>
+            </a:r>
+            <a:r>
+              <a:rPr lang="en-US" sz="1200" b="1" dirty="0">
+                <a:latin typeface="Source Sans Pro Light"/>
+                <a:ea typeface="Source Sans Pro Light"/>
+                <a:cs typeface="Source Sans Pro Light"/>
+                <a:sym typeface="Source Sans Pro Light"/>
+              </a:rPr>
+              <a:t> &lt;- </a:t>
+            </a:r>
+            <a:r>
+              <a:rPr lang="en-US" sz="1200" b="1" dirty="0" err="1">
+                <a:latin typeface="Source Sans Pro Light"/>
+                <a:ea typeface="Source Sans Pro Light"/>
+                <a:cs typeface="Source Sans Pro Light"/>
+                <a:sym typeface="Source Sans Pro Light"/>
+              </a:rPr>
+              <a:t>y.px</a:t>
+            </a:r>
+            <a:r>
+              <a:rPr lang="en-US" sz="1200" b="1" dirty="0">
+                <a:latin typeface="Source Sans Pro Light"/>
+                <a:ea typeface="Source Sans Pro Light"/>
+                <a:cs typeface="Source Sans Pro Light"/>
+                <a:sym typeface="Source Sans Pro Light"/>
+              </a:rPr>
+              <a:t> / </a:t>
+            </a:r>
+            <a:r>
+              <a:rPr lang="en-US" sz="1200" b="1" dirty="0" err="1">
+                <a:latin typeface="Source Sans Pro Light"/>
+                <a:ea typeface="Source Sans Pro Light"/>
+                <a:cs typeface="Source Sans Pro Light"/>
+                <a:sym typeface="Source Sans Pro Light"/>
+              </a:rPr>
               <a:t>y.range</a:t>
             </a:r>
-            <a:endParaRPr lang="en-US" sz="1200" dirty="0" smtClean="0">
+            <a:endParaRPr lang="en-US" sz="1200" dirty="0">
               <a:latin typeface="Source Sans Pro Light"/>
               <a:ea typeface="Source Sans Pro Light"/>
               <a:cs typeface="Source Sans Pro Light"/>
@@ -4789,7 +7574,7 @@
               <a:defRPr sz="1800"/>
             </a:pPr>
             <a:r>
-              <a:rPr lang="en-US" sz="1400" dirty="0" smtClean="0">
+              <a:rPr lang="en-US" sz="1400" dirty="0">
                 <a:solidFill>
                   <a:srgbClr val="FFFFFF"/>
                 </a:solidFill>
@@ -4854,7 +7639,7 @@
               <a:defRPr sz="1800"/>
             </a:pPr>
             <a:r>
-              <a:rPr lang="en-US" sz="1200" dirty="0" smtClean="0">
+              <a:rPr lang="en-US" sz="1200" dirty="0">
                 <a:latin typeface="Source Sans Pro Light"/>
                 <a:ea typeface="Source Sans Pro Light"/>
                 <a:cs typeface="Source Sans Pro Light"/>
@@ -4863,7 +7648,7 @@
               <a:t/>
             </a:r>
             <a:br>
-              <a:rPr lang="en-US" sz="1200" dirty="0" smtClean="0">
+              <a:rPr lang="en-US" sz="1200" dirty="0">
                 <a:latin typeface="Source Sans Pro Light"/>
                 <a:ea typeface="Source Sans Pro Light"/>
                 <a:cs typeface="Source Sans Pro Light"/>
@@ -4871,7 +7656,7 @@
               </a:rPr>
             </a:br>
             <a:r>
-              <a:rPr lang="en-US" sz="1200" dirty="0" smtClean="0">
+              <a:rPr lang="en-US" sz="1200" dirty="0">
                 <a:latin typeface="Source Sans Pro Light"/>
                 <a:ea typeface="Source Sans Pro Light"/>
                 <a:cs typeface="Source Sans Pro Light"/>
@@ -5001,7 +7786,7 @@
               <a:defRPr sz="1800"/>
             </a:pPr>
             <a:r>
-              <a:rPr lang="en-US" sz="1400" dirty="0" smtClean="0">
+              <a:rPr lang="en-US" sz="1400" dirty="0">
                 <a:solidFill>
                   <a:srgbClr val="FFFFFF"/>
                 </a:solidFill>
@@ -5010,7 +7795,7 @@
                 <a:cs typeface="Source Sans Pro"/>
                 <a:sym typeface="Source Sans Pro"/>
               </a:rPr>
-              <a:t>Plotting region user coordinates</a:t>
+              <a:t>If your fonts are too big or too small</a:t>
             </a:r>
             <a:endParaRPr sz="1400" dirty="0">
               <a:solidFill>
@@ -5033,7 +7818,7 @@
         <p:spPr>
           <a:xfrm>
             <a:off x="3812724" y="4379047"/>
-            <a:ext cx="2958364" cy="2749471"/>
+            <a:ext cx="2958364" cy="4667945"/>
           </a:xfrm>
           <a:prstGeom prst="rect">
             <a:avLst/>
@@ -5066,7 +7851,7 @@
               <a:defRPr sz="1800"/>
             </a:pPr>
             <a:r>
-              <a:rPr lang="en-US" sz="1200" dirty="0" smtClean="0">
+              <a:rPr lang="en-US" sz="1200" dirty="0">
                 <a:latin typeface="Source Sans Pro Semibold"/>
                 <a:ea typeface="Source Sans Pro Semibold"/>
                 <a:cs typeface="Source Sans Pro Semibold"/>
@@ -5075,7 +7860,7 @@
               <a:t/>
             </a:r>
             <a:br>
-              <a:rPr lang="en-US" sz="1200" dirty="0" smtClean="0">
+              <a:rPr lang="en-US" sz="1200" dirty="0">
                 <a:latin typeface="Source Sans Pro Semibold"/>
                 <a:ea typeface="Source Sans Pro Semibold"/>
                 <a:cs typeface="Source Sans Pro Semibold"/>
@@ -5083,38 +7868,32 @@
               </a:rPr>
             </a:br>
             <a:r>
-              <a:rPr lang="en-US" sz="1200" b="1" dirty="0" smtClean="0">
+              <a:rPr lang="en-US" sz="1200" dirty="0">
                 <a:latin typeface="Source Sans Pro Semibold"/>
                 <a:ea typeface="Source Sans Pro Semibold"/>
                 <a:cs typeface="Source Sans Pro Semibold"/>
                 <a:sym typeface="Source Sans Pro Semibold"/>
               </a:rPr>
-              <a:t>par(“</a:t>
-            </a:r>
-            <a:r>
-              <a:rPr lang="en-US" sz="1200" b="1" dirty="0" err="1" smtClean="0">
+              <a:t>Sometimes your fonts will be so large that they overlap each other or crowd out </a:t>
+            </a:r>
+            <a:r>
+              <a:rPr lang="en-US" sz="1200" dirty="0" err="1">
                 <a:latin typeface="Source Sans Pro Semibold"/>
                 <a:ea typeface="Source Sans Pro Semibold"/>
                 <a:cs typeface="Source Sans Pro Semibold"/>
                 <a:sym typeface="Source Sans Pro Semibold"/>
               </a:rPr>
-              <a:t>usr</a:t>
-            </a:r>
-            <a:r>
-              <a:rPr lang="en-US" sz="1200" b="1" dirty="0" smtClean="0">
+              <a:t>th</a:t>
+            </a:r>
+            <a:r>
+              <a:rPr lang="en-US" sz="1200" dirty="0">
                 <a:latin typeface="Source Sans Pro Semibold"/>
                 <a:ea typeface="Source Sans Pro Semibold"/>
                 <a:cs typeface="Source Sans Pro Semibold"/>
                 <a:sym typeface="Source Sans Pro Semibold"/>
               </a:rPr>
-              <a:t>”)</a:t>
-            </a:r>
-            <a:endParaRPr lang="en-US" sz="1200" dirty="0" smtClean="0">
-              <a:latin typeface="Source Sans Pro Semibold"/>
-              <a:ea typeface="Source Sans Pro Semibold"/>
-              <a:cs typeface="Source Sans Pro Semibold"/>
-              <a:sym typeface="Source Sans Pro Semibold"/>
-            </a:endParaRPr>
+              <a:t> other information in your graph. Fixing this takes a bit of trial and error. Here are some ways you can revise your graph to get more appropriate font sizes.</a:t>
+            </a:r>
           </a:p>
           <a:p>
             <a:pPr lvl="0" algn="l">
@@ -5130,58 +7909,49 @@
               <a:defRPr sz="1800"/>
             </a:pPr>
             <a:r>
-              <a:rPr lang="en-US" sz="1200" dirty="0" smtClean="0">
+              <a:rPr lang="en-US" sz="1200" dirty="0">
                 <a:latin typeface="Source Sans Pro Semibold"/>
                 <a:ea typeface="Source Sans Pro Semibold"/>
                 <a:cs typeface="Source Sans Pro Semibold"/>
                 <a:sym typeface="Source Sans Pro Semibold"/>
               </a:rPr>
-              <a:t>User coordinates are the values you use when plotting your data. Run </a:t>
-            </a:r>
-            <a:r>
-              <a:rPr lang="en-US" sz="1200" b="1" dirty="0" smtClean="0">
+              <a:t>1. Trying opening your graphics device with different values for </a:t>
+            </a:r>
+            <a:r>
+              <a:rPr lang="en-US" sz="1200" b="1" dirty="0">
                 <a:latin typeface="Source Sans Pro Semibold"/>
                 <a:ea typeface="Source Sans Pro Semibold"/>
                 <a:cs typeface="Source Sans Pro Semibold"/>
                 <a:sym typeface="Source Sans Pro Semibold"/>
               </a:rPr>
-              <a:t>par(“</a:t>
-            </a:r>
-            <a:r>
-              <a:rPr lang="en-US" sz="1200" b="1" dirty="0" err="1" smtClean="0">
+              <a:t>height</a:t>
+            </a:r>
+            <a:r>
+              <a:rPr lang="en-US" sz="1200" dirty="0">
                 <a:latin typeface="Source Sans Pro Semibold"/>
                 <a:ea typeface="Source Sans Pro Semibold"/>
                 <a:cs typeface="Source Sans Pro Semibold"/>
                 <a:sym typeface="Source Sans Pro Semibold"/>
               </a:rPr>
-              <a:t>usr</a:t>
-            </a:r>
-            <a:r>
-              <a:rPr lang="en-US" sz="1200" b="1" dirty="0" smtClean="0">
+              <a:t> and </a:t>
+            </a:r>
+            <a:r>
+              <a:rPr lang="en-US" sz="1200" b="1" dirty="0">
                 <a:latin typeface="Source Sans Pro Semibold"/>
                 <a:ea typeface="Source Sans Pro Semibold"/>
                 <a:cs typeface="Source Sans Pro Semibold"/>
                 <a:sym typeface="Source Sans Pro Semibold"/>
               </a:rPr>
-              <a:t>”)</a:t>
-            </a:r>
-            <a:r>
-              <a:rPr lang="en-US" sz="1200" dirty="0" smtClean="0">
+              <a:t>width</a:t>
+            </a:r>
+            <a:r>
+              <a:rPr lang="en-US" sz="1200" dirty="0">
                 <a:latin typeface="Source Sans Pro Semibold"/>
                 <a:ea typeface="Source Sans Pro Semibold"/>
                 <a:cs typeface="Source Sans Pro Semibold"/>
                 <a:sym typeface="Source Sans Pro Semibold"/>
               </a:rPr>
-              <a:t> to get a vector </a:t>
-            </a:r>
-            <a:r>
-              <a:rPr lang="en-US" sz="1200" dirty="0" smtClean="0">
-                <a:latin typeface="Source Sans Pro Semibold"/>
-                <a:ea typeface="Source Sans Pro Semibold"/>
-                <a:cs typeface="Source Sans Pro Semibold"/>
-                <a:sym typeface="Source Sans Pro Semibold"/>
-              </a:rPr>
-              <a:t>of length 4 with the user coordinates with the minimum X value, the maximum X value, the minimum Y value, and the maximum Y value.</a:t>
+              <a:t>. While most aspects of your graph will scale proportionately, the fonts (and the margins) will remain the same. A larger graphics device size will end up shrinking your fonts relative to the size of the graph and a smaller graphics device size will end up expanding your fonts.</a:t>
             </a:r>
           </a:p>
           <a:p>
@@ -5198,334 +7968,32 @@
               <a:defRPr sz="1800"/>
             </a:pPr>
             <a:r>
-              <a:rPr lang="en-US" sz="1200" dirty="0" smtClean="0">
+              <a:rPr lang="en-US" sz="1200" dirty="0">
                 <a:latin typeface="Source Sans Pro Semibold"/>
                 <a:ea typeface="Source Sans Pro Semibold"/>
                 <a:cs typeface="Source Sans Pro Semibold"/>
                 <a:sym typeface="Source Sans Pro Semibold"/>
               </a:rPr>
-              <a:t>This normally is not the same as the values specified by the </a:t>
-            </a:r>
-            <a:r>
-              <a:rPr lang="en-US" sz="1200" b="1" dirty="0" err="1" smtClean="0">
+              <a:t>2. Modify the </a:t>
+            </a:r>
+            <a:r>
+              <a:rPr lang="en-US" sz="1200" b="1" dirty="0" err="1">
                 <a:latin typeface="Source Sans Pro Semibold"/>
                 <a:ea typeface="Source Sans Pro Semibold"/>
                 <a:cs typeface="Source Sans Pro Semibold"/>
                 <a:sym typeface="Source Sans Pro Semibold"/>
               </a:rPr>
-              <a:t>xlim</a:t>
-            </a:r>
-            <a:r>
-              <a:rPr lang="en-US" sz="1200" dirty="0" smtClean="0">
+              <a:t>pointsize</a:t>
+            </a:r>
+            <a:r>
+              <a:rPr lang="en-US" sz="1200" dirty="0">
                 <a:latin typeface="Source Sans Pro Semibold"/>
                 <a:ea typeface="Source Sans Pro Semibold"/>
                 <a:cs typeface="Source Sans Pro Semibold"/>
                 <a:sym typeface="Source Sans Pro Semibold"/>
               </a:rPr>
-              <a:t> and </a:t>
-            </a:r>
-            <a:r>
-              <a:rPr lang="en-US" sz="1200" b="1" dirty="0" err="1" smtClean="0">
-                <a:latin typeface="Source Sans Pro Semibold"/>
-                <a:ea typeface="Source Sans Pro Semibold"/>
-                <a:cs typeface="Source Sans Pro Semibold"/>
-                <a:sym typeface="Source Sans Pro Semibold"/>
-              </a:rPr>
-              <a:t>ylim</a:t>
-            </a:r>
-            <a:r>
-              <a:rPr lang="en-US" sz="1200" dirty="0" smtClean="0">
-                <a:latin typeface="Source Sans Pro Semibold"/>
-                <a:ea typeface="Source Sans Pro Semibold"/>
-                <a:cs typeface="Source Sans Pro Semibold"/>
-                <a:sym typeface="Source Sans Pro Semibold"/>
-              </a:rPr>
-              <a:t> arguments in plot. By default, R adds and extra 4% to the plotting range so that points right on the edge do not get partially clipped. You can override this using the </a:t>
-            </a:r>
-            <a:r>
-              <a:rPr lang="en-US" sz="1200" b="1" dirty="0" err="1" smtClean="0">
-                <a:latin typeface="Source Sans Pro Semibold"/>
-                <a:ea typeface="Source Sans Pro Semibold"/>
-                <a:cs typeface="Source Sans Pro Semibold"/>
-                <a:sym typeface="Source Sans Pro Semibold"/>
-              </a:rPr>
-              <a:t>xaxs</a:t>
-            </a:r>
-            <a:r>
-              <a:rPr lang="en-US" sz="1200" b="1" dirty="0" smtClean="0">
-                <a:latin typeface="Source Sans Pro Semibold"/>
-                <a:ea typeface="Source Sans Pro Semibold"/>
-                <a:cs typeface="Source Sans Pro Semibold"/>
-                <a:sym typeface="Source Sans Pro Semibold"/>
-              </a:rPr>
-              <a:t>=“</a:t>
-            </a:r>
-            <a:r>
-              <a:rPr lang="en-US" sz="1200" b="1" dirty="0" err="1" smtClean="0">
-                <a:latin typeface="Source Sans Pro Semibold"/>
-                <a:ea typeface="Source Sans Pro Semibold"/>
-                <a:cs typeface="Source Sans Pro Semibold"/>
-                <a:sym typeface="Source Sans Pro Semibold"/>
-              </a:rPr>
-              <a:t>i</a:t>
-            </a:r>
-            <a:r>
-              <a:rPr lang="en-US" sz="1200" b="1" dirty="0" smtClean="0">
-                <a:latin typeface="Source Sans Pro Semibold"/>
-                <a:ea typeface="Source Sans Pro Semibold"/>
-                <a:cs typeface="Source Sans Pro Semibold"/>
-                <a:sym typeface="Source Sans Pro Semibold"/>
-              </a:rPr>
-              <a:t>”</a:t>
-            </a:r>
-            <a:r>
-              <a:rPr lang="en-US" sz="1200" dirty="0" smtClean="0">
-                <a:latin typeface="Source Sans Pro Semibold"/>
-                <a:ea typeface="Source Sans Pro Semibold"/>
-                <a:cs typeface="Source Sans Pro Semibold"/>
-                <a:sym typeface="Source Sans Pro Semibold"/>
-              </a:rPr>
-              <a:t> and/or the </a:t>
-            </a:r>
-            <a:r>
-              <a:rPr lang="en-US" sz="1200" b="1" dirty="0" err="1" smtClean="0">
-                <a:latin typeface="Source Sans Pro Semibold"/>
-                <a:ea typeface="Source Sans Pro Semibold"/>
-                <a:cs typeface="Source Sans Pro Semibold"/>
-                <a:sym typeface="Source Sans Pro Semibold"/>
-              </a:rPr>
-              <a:t>yaxs</a:t>
-            </a:r>
-            <a:r>
-              <a:rPr lang="en-US" sz="1200" b="1" dirty="0" smtClean="0">
-                <a:latin typeface="Source Sans Pro Semibold"/>
-                <a:ea typeface="Source Sans Pro Semibold"/>
-                <a:cs typeface="Source Sans Pro Semibold"/>
-                <a:sym typeface="Source Sans Pro Semibold"/>
-              </a:rPr>
-              <a:t>=“</a:t>
-            </a:r>
-            <a:r>
-              <a:rPr lang="en-US" sz="1200" b="1" dirty="0" err="1" smtClean="0">
-                <a:latin typeface="Source Sans Pro Semibold"/>
-                <a:ea typeface="Source Sans Pro Semibold"/>
-                <a:cs typeface="Source Sans Pro Semibold"/>
-                <a:sym typeface="Source Sans Pro Semibold"/>
-              </a:rPr>
-              <a:t>i</a:t>
-            </a:r>
-            <a:r>
-              <a:rPr lang="en-US" sz="1200" b="1" dirty="0" smtClean="0">
-                <a:latin typeface="Source Sans Pro Semibold"/>
-                <a:ea typeface="Source Sans Pro Semibold"/>
-                <a:cs typeface="Source Sans Pro Semibold"/>
-                <a:sym typeface="Source Sans Pro Semibold"/>
-              </a:rPr>
-              <a:t>”</a:t>
-            </a:r>
-            <a:r>
-              <a:rPr lang="en-US" sz="1200" dirty="0" smtClean="0">
-                <a:latin typeface="Source Sans Pro Semibold"/>
-                <a:ea typeface="Source Sans Pro Semibold"/>
-                <a:cs typeface="Source Sans Pro Semibold"/>
-                <a:sym typeface="Source Sans Pro Semibold"/>
-              </a:rPr>
-              <a:t> arguments in </a:t>
-            </a:r>
-            <a:r>
-              <a:rPr lang="en-US" sz="1200" b="1" dirty="0" smtClean="0">
-                <a:latin typeface="Source Sans Pro Semibold"/>
-                <a:ea typeface="Source Sans Pro Semibold"/>
-                <a:cs typeface="Source Sans Pro Semibold"/>
-                <a:sym typeface="Source Sans Pro Semibold"/>
-              </a:rPr>
-              <a:t>par</a:t>
-            </a:r>
-            <a:r>
-              <a:rPr lang="en-US" sz="1200" dirty="0" smtClean="0">
-                <a:latin typeface="Source Sans Pro Semibold"/>
-                <a:ea typeface="Source Sans Pro Semibold"/>
-                <a:cs typeface="Source Sans Pro Semibold"/>
-                <a:sym typeface="Source Sans Pro Semibold"/>
-              </a:rPr>
-              <a:t>.</a:t>
-            </a:r>
-            <a:endParaRPr lang="en-US" sz="1200" dirty="0">
-              <a:latin typeface="Source Sans Pro Semibold"/>
-              <a:ea typeface="Source Sans Pro Semibold"/>
-              <a:cs typeface="Source Sans Pro Semibold"/>
-              <a:sym typeface="Source Sans Pro Semibold"/>
-            </a:endParaRPr>
-          </a:p>
-        </p:txBody>
-      </p:sp>
-      <p:sp>
-        <p:nvSpPr>
-          <p:cNvPr id="30" name="Shape 46"/>
-          <p:cNvSpPr/>
-          <p:nvPr/>
-        </p:nvSpPr>
-        <p:spPr>
-          <a:xfrm>
-            <a:off x="3659956" y="7398868"/>
-            <a:ext cx="3263901" cy="248842"/>
-          </a:xfrm>
-          <a:prstGeom prst="roundRect">
-            <a:avLst>
-              <a:gd name="adj" fmla="val 25876"/>
-            </a:avLst>
-          </a:prstGeom>
-          <a:solidFill>
-            <a:srgbClr val="6B8E23"/>
-          </a:solidFill>
-          <a:ln w="12700">
-            <a:miter lim="400000"/>
-          </a:ln>
-          <a:extLst>
-            <a:ext uri="{C572A759-6A51-4108-AA02-DFA0A04FC94B}">
-              <ma14:wrappingTextBoxFlag xmlns:ma14="http://schemas.microsoft.com/office/mac/drawingml/2011/main" xmlns="" val="1"/>
-            </a:ext>
-          </a:extLst>
-        </p:spPr>
-        <p:txBody>
-          <a:bodyPr lIns="0" tIns="0" rIns="0" bIns="0"/>
-          <a:lstStyle/>
-          <a:p>
-            <a:pPr lvl="1" indent="0">
-              <a:defRPr sz="1800"/>
-            </a:pPr>
-            <a:r>
-              <a:rPr lang="en-US" sz="1400" dirty="0" smtClean="0">
-                <a:solidFill>
-                  <a:srgbClr val="FFFFFF"/>
-                </a:solidFill>
-                <a:latin typeface="Source Sans Pro"/>
-                <a:ea typeface="Source Sans Pro"/>
-                <a:cs typeface="Source Sans Pro"/>
-                <a:sym typeface="Source Sans Pro"/>
-              </a:rPr>
-              <a:t>Plotting region size</a:t>
-            </a:r>
-            <a:endParaRPr sz="1400" dirty="0">
-              <a:solidFill>
-                <a:srgbClr val="FFFFFF"/>
-              </a:solidFill>
-              <a:latin typeface="Source Sans Pro"/>
-              <a:ea typeface="Source Sans Pro"/>
-              <a:cs typeface="Source Sans Pro"/>
-              <a:sym typeface="Source Sans Pro"/>
-            </a:endParaRPr>
-          </a:p>
-        </p:txBody>
-      </p:sp>
-      <p:sp>
-        <p:nvSpPr>
-          <p:cNvPr id="31" name="Shape 35"/>
-          <p:cNvSpPr/>
-          <p:nvPr/>
-        </p:nvSpPr>
-        <p:spPr>
-          <a:xfrm>
-            <a:off x="3812724" y="7654823"/>
-            <a:ext cx="2958364" cy="1918474"/>
-          </a:xfrm>
-          <a:prstGeom prst="rect">
-            <a:avLst/>
-          </a:prstGeom>
-          <a:ln w="12700">
-            <a:miter lim="400000"/>
-          </a:ln>
-          <a:extLst>
-            <a:ext uri="{C572A759-6A51-4108-AA02-DFA0A04FC94B}">
-              <ma14:wrappingTextBoxFlag xmlns:ma14="http://schemas.microsoft.com/office/mac/drawingml/2011/main" xmlns="" val="1"/>
-            </a:ext>
-          </a:extLst>
-        </p:spPr>
-        <p:txBody>
-          <a:bodyPr wrap="square" lIns="0" tIns="0" rIns="0" bIns="0">
-            <a:spAutoFit/>
-          </a:bodyPr>
-          <a:lstStyle/>
-          <a:p>
-            <a:pPr lvl="0" algn="l">
-              <a:lnSpc>
-                <a:spcPct val="90000"/>
-              </a:lnSpc>
-              <a:spcBef>
-                <a:spcPts val="1000"/>
-              </a:spcBef>
-              <a:buClr>
-                <a:srgbClr val="F39019"/>
-              </a:buClr>
-              <a:defRPr sz="1800"/>
-            </a:pPr>
-            <a:r>
-              <a:rPr lang="en-US" sz="1200" dirty="0" smtClean="0">
-                <a:latin typeface="Source Sans Pro Semibold"/>
-                <a:ea typeface="Source Sans Pro Semibold"/>
-                <a:cs typeface="Source Sans Pro Semibold"/>
-                <a:sym typeface="Source Sans Pro Semibold"/>
-              </a:rPr>
-              <a:t/>
-            </a:r>
-            <a:br>
-              <a:rPr lang="en-US" sz="1200" dirty="0" smtClean="0">
-                <a:latin typeface="Source Sans Pro Semibold"/>
-                <a:ea typeface="Source Sans Pro Semibold"/>
-                <a:cs typeface="Source Sans Pro Semibold"/>
-                <a:sym typeface="Source Sans Pro Semibold"/>
-              </a:rPr>
-            </a:br>
-            <a:r>
-              <a:rPr lang="en-US" sz="1200" b="1" dirty="0" smtClean="0">
-                <a:latin typeface="Source Sans Pro Semibold"/>
-                <a:ea typeface="Source Sans Pro Semibold"/>
-                <a:cs typeface="Source Sans Pro Semibold"/>
-                <a:sym typeface="Source Sans Pro Semibold"/>
-              </a:rPr>
-              <a:t>par(“pin”)</a:t>
-            </a:r>
-            <a:br>
-              <a:rPr lang="en-US" sz="1200" b="1" dirty="0" smtClean="0">
-                <a:latin typeface="Source Sans Pro Semibold"/>
-                <a:ea typeface="Source Sans Pro Semibold"/>
-                <a:cs typeface="Source Sans Pro Semibold"/>
-                <a:sym typeface="Source Sans Pro Semibold"/>
-              </a:rPr>
-            </a:br>
-            <a:r>
-              <a:rPr lang="en-US" sz="1200" b="1" dirty="0" smtClean="0">
-                <a:latin typeface="Source Sans Pro Semibold"/>
-                <a:ea typeface="Source Sans Pro Semibold"/>
-                <a:cs typeface="Source Sans Pro Semibold"/>
-                <a:sym typeface="Source Sans Pro Semibold"/>
-              </a:rPr>
-              <a:t>par(“</a:t>
-            </a:r>
-            <a:r>
-              <a:rPr lang="en-US" sz="1200" b="1" dirty="0" err="1" smtClean="0">
-                <a:latin typeface="Source Sans Pro Semibold"/>
-                <a:ea typeface="Source Sans Pro Semibold"/>
-                <a:cs typeface="Source Sans Pro Semibold"/>
-                <a:sym typeface="Source Sans Pro Semibold"/>
-              </a:rPr>
-              <a:t>plt</a:t>
-            </a:r>
-            <a:r>
-              <a:rPr lang="en-US" sz="1200" b="1" dirty="0" smtClean="0">
-                <a:latin typeface="Source Sans Pro Semibold"/>
-                <a:ea typeface="Source Sans Pro Semibold"/>
-                <a:cs typeface="Source Sans Pro Semibold"/>
-                <a:sym typeface="Source Sans Pro Semibold"/>
-              </a:rPr>
-              <a:t>”)</a:t>
-            </a:r>
-            <a:endParaRPr lang="en-US" sz="1200" dirty="0" smtClean="0">
-              <a:latin typeface="Source Sans Pro Semibold"/>
-              <a:ea typeface="Source Sans Pro Semibold"/>
-              <a:cs typeface="Source Sans Pro Semibold"/>
-              <a:sym typeface="Source Sans Pro Semibold"/>
-            </a:endParaRPr>
+              <a:t> argument when you open your graphics device.</a:t>
+            </a:r>
           </a:p>
           <a:p>
             <a:pPr lvl="0" algn="l">
@@ -5541,31 +8009,31 @@
               <a:defRPr sz="1800"/>
             </a:pPr>
             <a:r>
-              <a:rPr lang="en-US" sz="1200" dirty="0" smtClean="0">
+              <a:rPr lang="en-US" sz="1200" dirty="0">
                 <a:latin typeface="Source Sans Pro Semibold"/>
                 <a:ea typeface="Source Sans Pro Semibold"/>
                 <a:cs typeface="Source Sans Pro Semibold"/>
                 <a:sym typeface="Source Sans Pro Semibold"/>
               </a:rPr>
-              <a:t>Use </a:t>
-            </a:r>
-            <a:r>
-              <a:rPr lang="en-US" sz="1200" b="1" dirty="0" smtClean="0">
+              <a:t>3. Use the </a:t>
+            </a:r>
+            <a:r>
+              <a:rPr lang="en-US" sz="1200" b="1" dirty="0" err="1">
                 <a:latin typeface="Source Sans Pro Semibold"/>
                 <a:ea typeface="Source Sans Pro Semibold"/>
                 <a:cs typeface="Source Sans Pro Semibold"/>
                 <a:sym typeface="Source Sans Pro Semibold"/>
               </a:rPr>
-              <a:t>par(“pin”)</a:t>
-            </a:r>
-            <a:r>
-              <a:rPr lang="en-US" sz="1200" dirty="0" smtClean="0">
+              <a:t>cex</a:t>
+            </a:r>
+            <a:r>
+              <a:rPr lang="en-US" sz="1200" dirty="0">
                 <a:latin typeface="Source Sans Pro Semibold"/>
                 <a:ea typeface="Source Sans Pro Semibold"/>
                 <a:cs typeface="Source Sans Pro Semibold"/>
                 <a:sym typeface="Source Sans Pro Semibold"/>
               </a:rPr>
-              <a:t> to get a vector of length 2 with the size of the plotting region in inches for the X and Y dimensions.</a:t>
+              <a:t> argument to increase or decrease the relative size of your fonts.</a:t>
             </a:r>
           </a:p>
           <a:p>
@@ -5583,86 +8051,110 @@
             </a:pPr>
             <a:r>
               <a:rPr lang="en-US" sz="1200" dirty="0">
-                <a:latin typeface="Source Sans Pro Light"/>
-                <a:ea typeface="Source Sans Pro Light"/>
-                <a:cs typeface="Source Sans Pro Light"/>
-                <a:sym typeface="Source Sans Pro Light"/>
-              </a:rPr>
-              <a:t>Run </a:t>
+                <a:latin typeface="Source Sans Pro Semibold"/>
+                <a:ea typeface="Source Sans Pro Semibold"/>
+                <a:cs typeface="Source Sans Pro Semibold"/>
+                <a:sym typeface="Source Sans Pro Semibold"/>
+              </a:rPr>
+              <a:t>4. If your axis labels won’t fit, try increasing the size of the margins with </a:t>
             </a:r>
             <a:r>
               <a:rPr lang="en-US" sz="1200" b="1" dirty="0">
-                <a:latin typeface="Source Sans Pro Light"/>
-                <a:ea typeface="Source Sans Pro Light"/>
-                <a:cs typeface="Source Sans Pro Light"/>
-                <a:sym typeface="Source Sans Pro Light"/>
+                <a:latin typeface="Source Sans Pro Semibold"/>
+                <a:ea typeface="Source Sans Pro Semibold"/>
+                <a:cs typeface="Source Sans Pro Semibold"/>
+                <a:sym typeface="Source Sans Pro Semibold"/>
+              </a:rPr>
+              <a:t>par(“mar”)</a:t>
+            </a:r>
+            <a:r>
+              <a:rPr lang="en-US" sz="1200" dirty="0">
+                <a:latin typeface="Source Sans Pro Semibold"/>
+                <a:ea typeface="Source Sans Pro Semibold"/>
+                <a:cs typeface="Source Sans Pro Semibold"/>
+                <a:sym typeface="Source Sans Pro Semibold"/>
+              </a:rPr>
+              <a:t> or </a:t>
+            </a:r>
+            <a:r>
+              <a:rPr lang="en-US" sz="1200" b="1" dirty="0">
+                <a:latin typeface="Source Sans Pro Semibold"/>
+                <a:ea typeface="Source Sans Pro Semibold"/>
+                <a:cs typeface="Source Sans Pro Semibold"/>
+                <a:sym typeface="Source Sans Pro Semibold"/>
               </a:rPr>
               <a:t>par(“</a:t>
             </a:r>
             <a:r>
               <a:rPr lang="en-US" sz="1200" b="1" dirty="0" err="1">
-                <a:latin typeface="Source Sans Pro Light"/>
-                <a:ea typeface="Source Sans Pro Light"/>
-                <a:cs typeface="Source Sans Pro Light"/>
-                <a:sym typeface="Source Sans Pro Light"/>
-              </a:rPr>
-              <a:t>plt</a:t>
-            </a:r>
-            <a:r>
-              <a:rPr lang="en-US" sz="1200" b="1" dirty="0" smtClean="0">
-                <a:latin typeface="Source Sans Pro Light"/>
-                <a:ea typeface="Source Sans Pro Light"/>
-                <a:cs typeface="Source Sans Pro Light"/>
-                <a:sym typeface="Source Sans Pro Light"/>
-              </a:rPr>
-              <a:t>”) </a:t>
-            </a:r>
-            <a:r>
-              <a:rPr lang="en-US" sz="1200" dirty="0" smtClean="0">
-                <a:latin typeface="Source Sans Pro Light"/>
-                <a:ea typeface="Source Sans Pro Light"/>
-                <a:cs typeface="Source Sans Pro Light"/>
-                <a:sym typeface="Source Sans Pro Light"/>
-              </a:rPr>
-              <a:t>to </a:t>
+                <a:latin typeface="Source Sans Pro Semibold"/>
+                <a:ea typeface="Source Sans Pro Semibold"/>
+                <a:cs typeface="Source Sans Pro Semibold"/>
+                <a:sym typeface="Source Sans Pro Semibold"/>
+              </a:rPr>
+              <a:t>mai</a:t>
+            </a:r>
+            <a:r>
+              <a:rPr lang="en-US" sz="1200" b="1" dirty="0">
+                <a:latin typeface="Source Sans Pro Semibold"/>
+                <a:ea typeface="Source Sans Pro Semibold"/>
+                <a:cs typeface="Source Sans Pro Semibold"/>
+                <a:sym typeface="Source Sans Pro Semibold"/>
+              </a:rPr>
+              <a:t>”)</a:t>
             </a:r>
             <a:r>
               <a:rPr lang="en-US" sz="1200" dirty="0">
-                <a:latin typeface="Source Sans Pro Light"/>
-                <a:ea typeface="Source Sans Pro Light"/>
-                <a:cs typeface="Source Sans Pro Light"/>
-                <a:sym typeface="Source Sans Pro Light"/>
-              </a:rPr>
-              <a:t>get the </a:t>
-            </a:r>
-            <a:r>
-              <a:rPr lang="en-US" sz="1200" dirty="0" smtClean="0">
-                <a:latin typeface="Source Sans Pro Light"/>
-                <a:ea typeface="Source Sans Pro Light"/>
-                <a:cs typeface="Source Sans Pro Light"/>
-                <a:sym typeface="Source Sans Pro Light"/>
-              </a:rPr>
-              <a:t>space needed to get to the various edges of the plotting regions from the left/bottom of the graphics device.</a:t>
-            </a:r>
-            <a:endParaRPr lang="en-US" sz="1200" dirty="0" smtClean="0">
-              <a:latin typeface="Source Sans Pro Semibold"/>
-              <a:ea typeface="Source Sans Pro Semibold"/>
-              <a:cs typeface="Source Sans Pro Semibold"/>
-              <a:sym typeface="Source Sans Pro Semibold"/>
-            </a:endParaRPr>
+                <a:latin typeface="Source Sans Pro Semibold"/>
+                <a:ea typeface="Source Sans Pro Semibold"/>
+                <a:cs typeface="Source Sans Pro Semibold"/>
+                <a:sym typeface="Source Sans Pro Semibold"/>
+              </a:rPr>
+              <a:t>. Try a different rotation for the axis labels with </a:t>
+            </a:r>
+            <a:r>
+              <a:rPr lang="en-US" sz="1200" b="1" dirty="0">
+                <a:latin typeface="Source Sans Pro Semibold"/>
+                <a:ea typeface="Source Sans Pro Semibold"/>
+                <a:cs typeface="Source Sans Pro Semibold"/>
+                <a:sym typeface="Source Sans Pro Semibold"/>
+              </a:rPr>
+              <a:t>par(“las”)</a:t>
+            </a:r>
+            <a:r>
+              <a:rPr lang="en-US" sz="1200" dirty="0">
+                <a:latin typeface="Source Sans Pro Semibold"/>
+                <a:ea typeface="Source Sans Pro Semibold"/>
+                <a:cs typeface="Source Sans Pro Semibold"/>
+                <a:sym typeface="Source Sans Pro Semibold"/>
+              </a:rPr>
+              <a:t>. Try using fewer tick marks.</a:t>
+            </a:r>
           </a:p>
         </p:txBody>
       </p:sp>
     </p:spTree>
+    <p:extLst>
+      <p:ext uri="{BB962C8B-B14F-4D97-AF65-F5344CB8AC3E}">
+        <p14:creationId xmlns:p14="http://schemas.microsoft.com/office/powerpoint/2010/main" val="966450061"/>
+      </p:ext>
+    </p:extLst>
   </p:cSld>
   <p:clrMapOvr>
     <a:masterClrMapping/>
   </p:clrMapOvr>
   <p:transition spd="med"/>
+  <p:timing>
+    <p:tnLst>
+      <p:par>
+        <p:cTn id="1" dur="indefinite" restart="never" nodeType="tmRoot"/>
+      </p:par>
+    </p:tnLst>
+  </p:timing>
 </p:sld>
 </file>
 
-<file path=ppt/slides/slide2.xml><?xml version="1.0" encoding="utf-8"?>
+<file path=ppt/slides/slide3.xml><?xml version="1.0" encoding="utf-8"?>
 <p:sld xmlns:a="http://schemas.openxmlformats.org/drawingml/2006/main" xmlns:r="http://schemas.openxmlformats.org/officeDocument/2006/relationships" xmlns:p="http://schemas.openxmlformats.org/presentationml/2006/main">
   <p:cSld>
     <p:spTree>
@@ -21141,7 +23633,7 @@
 </p:sld>
 </file>
 
-<file path=ppt/slides/slide3.xml><?xml version="1.0" encoding="utf-8"?>
+<file path=ppt/slides/slide4.xml><?xml version="1.0" encoding="utf-8"?>
 <p:sld xmlns:a="http://schemas.openxmlformats.org/drawingml/2006/main" xmlns:r="http://schemas.openxmlformats.org/officeDocument/2006/relationships" xmlns:p="http://schemas.openxmlformats.org/presentationml/2006/main">
   <p:cSld>
     <p:spTree>
@@ -35906,7 +38398,7 @@
 </p:sld>
 </file>
 
-<file path=ppt/slides/slide4.xml><?xml version="1.0" encoding="utf-8"?>
+<file path=ppt/slides/slide5.xml><?xml version="1.0" encoding="utf-8"?>
 <p:sld xmlns:a="http://schemas.openxmlformats.org/drawingml/2006/main" xmlns:r="http://schemas.openxmlformats.org/officeDocument/2006/relationships" xmlns:p="http://schemas.openxmlformats.org/presentationml/2006/main">
   <p:cSld>
     <p:spTree>

--- a/how-big-is-my-graph.pptx
+++ b/how-big-is-my-graph.pptx
@@ -15,7 +15,7 @@
     <p:sldId id="259" r:id="rId6"/>
   </p:sldIdLst>
   <p:sldSz cx="13970000" cy="10795000"/>
-  <p:notesSz cx="6858000" cy="9144000"/>
+  <p:notesSz cx="7023100" cy="9309100"/>
   <p:defaultTextStyle>
     <a:lvl1pPr algn="ctr" defTabSz="584200">
       <a:defRPr sz="3800">
@@ -92,7 +92,7 @@
   </p:defaultTextStyle>
   <p:extLst>
     <p:ext uri="{EFAFB233-063F-42B5-8137-9DF3F51BA10A}">
-      <p15:sldGuideLst xmlns:p15="http://schemas.microsoft.com/office/powerpoint/2012/main" xmlns="">
+      <p15:sldGuideLst xmlns="" xmlns:p15="http://schemas.microsoft.com/office/powerpoint/2012/main">
         <p15:guide id="1" orient="horz" pos="3400">
           <p15:clr>
             <a:srgbClr val="A4A3A4"/>
@@ -143,15 +143,15 @@
         </p:nvSpPr>
         <p:spPr>
           <a:xfrm>
-            <a:off x="1143000" y="685800"/>
-            <a:ext cx="4572000" cy="3429000"/>
+            <a:off x="1252538" y="698500"/>
+            <a:ext cx="4518025" cy="3490913"/>
           </a:xfrm>
           <a:prstGeom prst="rect">
             <a:avLst/>
           </a:prstGeom>
         </p:spPr>
         <p:txBody>
-          <a:bodyPr/>
+          <a:bodyPr lIns="93324" tIns="46662" rIns="93324" bIns="46662"/>
           <a:lstStyle/>
           <a:p>
             <a:pPr lvl="0"/>
@@ -171,15 +171,15 @@
         </p:nvSpPr>
         <p:spPr>
           <a:xfrm>
-            <a:off x="914400" y="4343400"/>
-            <a:ext cx="5029200" cy="4114800"/>
+            <a:off x="936414" y="4421823"/>
+            <a:ext cx="5150273" cy="4189095"/>
           </a:xfrm>
           <a:prstGeom prst="rect">
             <a:avLst/>
           </a:prstGeom>
         </p:spPr>
         <p:txBody>
-          <a:bodyPr/>
+          <a:bodyPr lIns="93324" tIns="46662" rIns="93324" bIns="46662"/>
           <a:lstStyle/>
           <a:p>
             <a:pPr lvl="0"/>
@@ -1446,7 +1446,7 @@
           </a:ln>
           <a:extLst>
             <a:ext uri="{C572A759-6A51-4108-AA02-DFA0A04FC94B}">
-              <ma14:wrappingTextBoxFlag xmlns:ma14="http://schemas.microsoft.com/office/mac/drawingml/2011/main" xmlns="" val="1"/>
+              <ma14:wrappingTextBoxFlag xmlns="" xmlns:ma14="http://schemas.microsoft.com/office/mac/drawingml/2011/main" val="1"/>
             </a:ext>
           </a:extLst>
         </p:spPr>
@@ -1489,7 +1489,7 @@
           </a:ln>
           <a:extLst>
             <a:ext uri="{C572A759-6A51-4108-AA02-DFA0A04FC94B}">
-              <ma14:wrappingTextBoxFlag xmlns:ma14="http://schemas.microsoft.com/office/mac/drawingml/2011/main" xmlns="" val="1"/>
+              <ma14:wrappingTextBoxFlag xmlns="" xmlns:ma14="http://schemas.microsoft.com/office/mac/drawingml/2011/main" val="1"/>
             </a:ext>
           </a:extLst>
         </p:spPr>
@@ -1887,8 +1887,8 @@
         </p:nvSpPr>
         <p:spPr>
           <a:xfrm>
-            <a:off x="260259" y="2232051"/>
-            <a:ext cx="3268912" cy="7759434"/>
+            <a:off x="266505" y="1824747"/>
+            <a:ext cx="3268912" cy="1846010"/>
           </a:xfrm>
           <a:prstGeom prst="roundRect">
             <a:avLst>
@@ -1928,8 +1928,8 @@
         </p:nvSpPr>
         <p:spPr>
           <a:xfrm>
-            <a:off x="409183" y="5254563"/>
-            <a:ext cx="2958364" cy="5076045"/>
+            <a:off x="3882369" y="620563"/>
+            <a:ext cx="2958364" cy="2877711"/>
           </a:xfrm>
           <a:prstGeom prst="rect">
             <a:avLst/>
@@ -1939,7 +1939,7 @@
           </a:ln>
           <a:extLst>
             <a:ext uri="{C572A759-6A51-4108-AA02-DFA0A04FC94B}">
-              <ma14:wrappingTextBoxFlag xmlns:ma14="http://schemas.microsoft.com/office/mac/drawingml/2011/main" xmlns="" val="1"/>
+              <ma14:wrappingTextBoxFlag xmlns="" xmlns:ma14="http://schemas.microsoft.com/office/mac/drawingml/2011/main" val="1"/>
             </a:ext>
           </a:extLst>
         </p:spPr>
@@ -2011,9 +2011,45 @@
                 <a:cs typeface="Source Sans Pro Semibold"/>
                 <a:sym typeface="Source Sans Pro Semibold"/>
               </a:rPr>
-              <a:t>par(“fin”)</a:t>
-            </a:r>
-            <a:endParaRPr lang="en-US" sz="1200" dirty="0">
+              <a:t>par(“fin</a:t>
+            </a:r>
+            <a:r>
+              <a:rPr lang="en-US" sz="1200" b="1" dirty="0" smtClean="0">
+                <a:latin typeface="Source Sans Pro Semibold"/>
+                <a:ea typeface="Source Sans Pro Semibold"/>
+                <a:cs typeface="Source Sans Pro Semibold"/>
+                <a:sym typeface="Source Sans Pro Semibold"/>
+              </a:rPr>
+              <a:t>”) </a:t>
+            </a:r>
+            <a:r>
+              <a:rPr lang="en-US" sz="1200" b="1" i="1" dirty="0" smtClean="0">
+                <a:latin typeface="Source Sans Pro Semibold"/>
+                <a:ea typeface="Source Sans Pro Semibold"/>
+                <a:cs typeface="Source Sans Pro Semibold"/>
+                <a:sym typeface="Source Sans Pro Semibold"/>
+              </a:rPr>
+              <a:t>(</a:t>
+            </a:r>
+            <a:r>
+              <a:rPr lang="en-US" sz="1200" b="1" i="1" dirty="0" err="1" smtClean="0">
+                <a:latin typeface="Source Sans Pro Semibold"/>
+                <a:ea typeface="Source Sans Pro Semibold"/>
+                <a:cs typeface="Source Sans Pro Semibold"/>
+                <a:sym typeface="Source Sans Pro Semibold"/>
+              </a:rPr>
+              <a:t>r.o</a:t>
+            </a:r>
+            <a:r>
+              <a:rPr lang="en-US" sz="1200" b="1" i="1" dirty="0" smtClean="0">
+                <a:latin typeface="Source Sans Pro Semibold"/>
+                <a:ea typeface="Source Sans Pro Semibold"/>
+                <a:cs typeface="Source Sans Pro Semibold"/>
+                <a:sym typeface="Source Sans Pro Semibold"/>
+              </a:rPr>
+              <a:t>.)</a:t>
+            </a:r>
+            <a:endParaRPr lang="en-US" sz="1200" i="1" dirty="0">
               <a:latin typeface="Source Sans Pro Semibold"/>
               <a:ea typeface="Source Sans Pro Semibold"/>
               <a:cs typeface="Source Sans Pro Semibold"/>
@@ -2034,13 +2070,76 @@
               <a:defRPr sz="1800"/>
             </a:pPr>
             <a:r>
+              <a:rPr lang="en-US" sz="1200" dirty="0" smtClean="0">
+                <a:latin typeface="Source Sans Pro Semibold"/>
+                <a:ea typeface="Source Sans Pro Semibold"/>
+                <a:cs typeface="Source Sans Pro Semibold"/>
+                <a:sym typeface="Source Sans Pro Semibold"/>
+              </a:rPr>
+              <a:t>Both </a:t>
+            </a:r>
+            <a:r>
               <a:rPr lang="en-US" sz="1200" dirty="0">
                 <a:latin typeface="Source Sans Pro Semibold"/>
                 <a:ea typeface="Source Sans Pro Semibold"/>
                 <a:cs typeface="Source Sans Pro Semibold"/>
                 <a:sym typeface="Source Sans Pro Semibold"/>
               </a:rPr>
-              <a:t>Sometimes you will need to query the size of the graphics device within the R program itself. You might do this because you can’t remember the default values, because you may have changed the size of the graphics window on your screen, or because you need the size of the device in order to calculate other important aspects of the size of your graph.</a:t>
+              <a:t>the </a:t>
+            </a:r>
+            <a:r>
+              <a:rPr lang="en-US" sz="1200" b="1" dirty="0" err="1">
+                <a:latin typeface="Source Sans Pro Semibold"/>
+                <a:ea typeface="Source Sans Pro Semibold"/>
+                <a:cs typeface="Source Sans Pro Semibold"/>
+                <a:sym typeface="Source Sans Pro Semibold"/>
+              </a:rPr>
+              <a:t>dev.size</a:t>
+            </a:r>
+            <a:r>
+              <a:rPr lang="en-US" sz="1200" dirty="0">
+                <a:latin typeface="Source Sans Pro Semibold"/>
+                <a:ea typeface="Source Sans Pro Semibold"/>
+                <a:cs typeface="Source Sans Pro Semibold"/>
+                <a:sym typeface="Source Sans Pro Semibold"/>
+              </a:rPr>
+              <a:t> function or </a:t>
+            </a:r>
+            <a:r>
+              <a:rPr lang="en-US" sz="1200" b="1" dirty="0">
+                <a:latin typeface="Source Sans Pro Semibold"/>
+                <a:ea typeface="Source Sans Pro Semibold"/>
+                <a:cs typeface="Source Sans Pro Semibold"/>
+                <a:sym typeface="Source Sans Pro Semibold"/>
+              </a:rPr>
+              <a:t>par(“fin”)</a:t>
+            </a:r>
+            <a:r>
+              <a:rPr lang="en-US" sz="1200" dirty="0">
+                <a:latin typeface="Source Sans Pro Semibold"/>
+                <a:ea typeface="Source Sans Pro Semibold"/>
+                <a:cs typeface="Source Sans Pro Semibold"/>
+                <a:sym typeface="Source Sans Pro Semibold"/>
+              </a:rPr>
+              <a:t> will tell you the size of the graphics device in inches (including margins), but </a:t>
+            </a:r>
+            <a:r>
+              <a:rPr lang="en-US" sz="1200" b="1" dirty="0">
+                <a:latin typeface="Source Sans Pro Semibold"/>
+                <a:ea typeface="Source Sans Pro Semibold"/>
+                <a:cs typeface="Source Sans Pro Semibold"/>
+                <a:sym typeface="Source Sans Pro Semibold"/>
+              </a:rPr>
+              <a:t>par(“fin”)</a:t>
+            </a:r>
+            <a:r>
+              <a:rPr lang="en-US" sz="1200" dirty="0">
+                <a:latin typeface="Source Sans Pro Semibold"/>
+                <a:ea typeface="Source Sans Pro Semibold"/>
+                <a:cs typeface="Source Sans Pro Semibold"/>
+                <a:sym typeface="Source Sans Pro Semibold"/>
+              </a:rPr>
+              <a:t> will not be updated if you resize your graphics window.</a:t>
             </a:r>
           </a:p>
           <a:p>
@@ -2057,13 +2156,94 @@
               <a:defRPr sz="1800"/>
             </a:pPr>
             <a:r>
+              <a:rPr lang="en-US" sz="1200" dirty="0" smtClean="0">
+                <a:latin typeface="Source Sans Pro Semibold"/>
+                <a:ea typeface="Source Sans Pro Semibold"/>
+                <a:cs typeface="Source Sans Pro Semibold"/>
+                <a:sym typeface="Source Sans Pro Semibold"/>
+              </a:rPr>
+              <a:t>The default in </a:t>
+            </a:r>
+            <a:r>
+              <a:rPr lang="en-US" sz="1200" b="1" dirty="0" err="1" smtClean="0">
+                <a:latin typeface="Source Sans Pro Semibold"/>
+                <a:ea typeface="Source Sans Pro Semibold"/>
+                <a:cs typeface="Source Sans Pro Semibold"/>
+                <a:sym typeface="Source Sans Pro Semibold"/>
+              </a:rPr>
+              <a:t>dev.size</a:t>
+            </a:r>
+            <a:r>
+              <a:rPr lang="en-US" sz="1200" dirty="0" smtClean="0">
+                <a:latin typeface="Source Sans Pro Semibold"/>
+                <a:ea typeface="Source Sans Pro Semibold"/>
+                <a:cs typeface="Source Sans Pro Semibold"/>
+                <a:sym typeface="Source Sans Pro Semibold"/>
+              </a:rPr>
+              <a:t> is </a:t>
+            </a:r>
+            <a:r>
+              <a:rPr lang="en-US" sz="1200" b="1" dirty="0" smtClean="0">
+                <a:latin typeface="Source Sans Pro Semibold"/>
+                <a:ea typeface="Source Sans Pro Semibold"/>
+                <a:cs typeface="Source Sans Pro Semibold"/>
+                <a:sym typeface="Source Sans Pro Semibold"/>
+              </a:rPr>
+              <a:t>units=“in”</a:t>
+            </a:r>
+            <a:r>
+              <a:rPr lang="en-US" sz="1200" dirty="0" smtClean="0">
+                <a:latin typeface="Source Sans Pro Semibold"/>
+                <a:ea typeface="Source Sans Pro Semibold"/>
+                <a:cs typeface="Source Sans Pro Semibold"/>
+                <a:sym typeface="Source Sans Pro Semibold"/>
+              </a:rPr>
+              <a:t> (inches). Type </a:t>
+            </a:r>
+            <a:r>
+              <a:rPr lang="en-US" sz="1200" b="1" dirty="0" err="1">
+                <a:latin typeface="Source Sans Pro Semibold"/>
+                <a:ea typeface="Source Sans Pro Semibold"/>
+                <a:cs typeface="Source Sans Pro Semibold"/>
+                <a:sym typeface="Source Sans Pro Semibold"/>
+              </a:rPr>
+              <a:t>dev.size</a:t>
+            </a:r>
+            <a:r>
+              <a:rPr lang="en-US" sz="1200" b="1" dirty="0">
+                <a:latin typeface="Source Sans Pro Semibold"/>
+                <a:ea typeface="Source Sans Pro Semibold"/>
+                <a:cs typeface="Source Sans Pro Semibold"/>
+                <a:sym typeface="Source Sans Pro Semibold"/>
+              </a:rPr>
+              <a:t>(units=“</a:t>
+            </a:r>
+            <a:r>
+              <a:rPr lang="en-US" sz="1200" b="1" dirty="0" err="1">
+                <a:latin typeface="Source Sans Pro Semibold"/>
+                <a:ea typeface="Source Sans Pro Semibold"/>
+                <a:cs typeface="Source Sans Pro Semibold"/>
+                <a:sym typeface="Source Sans Pro Semibold"/>
+              </a:rPr>
+              <a:t>px</a:t>
+            </a:r>
+            <a:r>
+              <a:rPr lang="en-US" sz="1200" b="1" dirty="0">
+                <a:latin typeface="Source Sans Pro Semibold"/>
+                <a:ea typeface="Source Sans Pro Semibold"/>
+                <a:cs typeface="Source Sans Pro Semibold"/>
+                <a:sym typeface="Source Sans Pro Semibold"/>
+              </a:rPr>
+              <a:t>”)</a:t>
+            </a:r>
+            <a:r>
               <a:rPr lang="en-US" sz="1200" dirty="0">
                 <a:latin typeface="Source Sans Pro Semibold"/>
                 <a:ea typeface="Source Sans Pro Semibold"/>
                 <a:cs typeface="Source Sans Pro Semibold"/>
                 <a:sym typeface="Source Sans Pro Semibold"/>
               </a:rPr>
-              <a:t>Both the </a:t>
+              <a:t> or </a:t>
             </a:r>
             <a:r>
               <a:rPr lang="en-US" sz="1200" b="1" dirty="0" err="1">
@@ -2075,49 +2255,31 @@
               <a:t>dev.size</a:t>
             </a:r>
             <a:r>
+              <a:rPr lang="en-US" sz="1200" b="1" dirty="0">
+                <a:latin typeface="Source Sans Pro Semibold"/>
+                <a:ea typeface="Source Sans Pro Semibold"/>
+                <a:cs typeface="Source Sans Pro Semibold"/>
+                <a:sym typeface="Source Sans Pro Semibold"/>
+              </a:rPr>
+              <a:t>(units=“cm”)</a:t>
+            </a:r>
+            <a:r>
               <a:rPr lang="en-US" sz="1200" dirty="0">
                 <a:latin typeface="Source Sans Pro Semibold"/>
                 <a:ea typeface="Source Sans Pro Semibold"/>
                 <a:cs typeface="Source Sans Pro Semibold"/>
                 <a:sym typeface="Source Sans Pro Semibold"/>
               </a:rPr>
-              <a:t> function or </a:t>
-            </a:r>
-            <a:r>
-              <a:rPr lang="en-US" sz="1200" b="1" dirty="0">
+              <a:t> to get the size in </a:t>
+            </a:r>
+            <a:r>
+              <a:rPr lang="en-US" sz="1200" dirty="0" smtClean="0">
                 <a:latin typeface="Source Sans Pro Semibold"/>
                 <a:ea typeface="Source Sans Pro Semibold"/>
                 <a:cs typeface="Source Sans Pro Semibold"/>
                 <a:sym typeface="Source Sans Pro Semibold"/>
               </a:rPr>
-              <a:t>par(“fin”)</a:t>
-            </a:r>
-            <a:r>
-              <a:rPr lang="en-US" sz="1200" dirty="0">
-                <a:latin typeface="Source Sans Pro Semibold"/>
-                <a:ea typeface="Source Sans Pro Semibold"/>
-                <a:cs typeface="Source Sans Pro Semibold"/>
-                <a:sym typeface="Source Sans Pro Semibold"/>
-              </a:rPr>
-              <a:t> will tell you the size of the graphics device in inches (including margins), but </a:t>
-            </a:r>
-            <a:r>
-              <a:rPr lang="en-US" sz="1200" b="1" dirty="0">
-                <a:latin typeface="Source Sans Pro Semibold"/>
-                <a:ea typeface="Source Sans Pro Semibold"/>
-                <a:cs typeface="Source Sans Pro Semibold"/>
-                <a:sym typeface="Source Sans Pro Semibold"/>
-              </a:rPr>
-              <a:t>par(“fin”)</a:t>
-            </a:r>
-            <a:r>
-              <a:rPr lang="en-US" sz="1200" dirty="0">
-                <a:latin typeface="Source Sans Pro Semibold"/>
-                <a:ea typeface="Source Sans Pro Semibold"/>
-                <a:cs typeface="Source Sans Pro Semibold"/>
-                <a:sym typeface="Source Sans Pro Semibold"/>
-              </a:rPr>
-              <a:t> will not be updated if you resize your graphics window.</a:t>
+              <a:t>pixels or centimeters.</a:t>
             </a:r>
           </a:p>
           <a:p>
@@ -2134,242 +2296,37 @@
               <a:defRPr sz="1800"/>
             </a:pPr>
             <a:r>
-              <a:rPr lang="en-US" sz="1200" dirty="0">
+              <a:rPr lang="en-US" sz="1200" dirty="0" smtClean="0">
                 <a:latin typeface="Source Sans Pro Semibold"/>
-                <a:ea typeface="Source Sans Pro Semibold"/>
-                <a:cs typeface="Source Sans Pro Semibold"/>
+                <a:ea typeface="Source Sans Pro Light"/>
+                <a:cs typeface="Source Sans Pro Light"/>
                 <a:sym typeface="Source Sans Pro Semibold"/>
               </a:rPr>
-              <a:t>Type </a:t>
-            </a:r>
-            <a:r>
-              <a:rPr lang="en-US" sz="1200" b="1" dirty="0" err="1">
+              <a:t>Like many of the other par arguments, fin is read only (</a:t>
+            </a:r>
+            <a:r>
+              <a:rPr lang="en-US" sz="1200" dirty="0" err="1" smtClean="0">
                 <a:latin typeface="Source Sans Pro Semibold"/>
-                <a:ea typeface="Source Sans Pro Semibold"/>
-                <a:cs typeface="Source Sans Pro Semibold"/>
+                <a:ea typeface="Source Sans Pro Light"/>
+                <a:cs typeface="Source Sans Pro Light"/>
                 <a:sym typeface="Source Sans Pro Semibold"/>
               </a:rPr>
-              <a:t>dev.size</a:t>
-            </a:r>
-            <a:r>
-              <a:rPr lang="en-US" sz="1200" b="1" dirty="0">
+              <a:t>r.o</a:t>
+            </a:r>
+            <a:r>
+              <a:rPr lang="en-US" sz="1200" dirty="0" smtClean="0">
                 <a:latin typeface="Source Sans Pro Semibold"/>
-                <a:ea typeface="Source Sans Pro Semibold"/>
-                <a:cs typeface="Source Sans Pro Semibold"/>
+                <a:ea typeface="Source Sans Pro Light"/>
+                <a:cs typeface="Source Sans Pro Light"/>
                 <a:sym typeface="Source Sans Pro Semibold"/>
               </a:rPr>
-              <a:t>(units=“</a:t>
-            </a:r>
-            <a:r>
-              <a:rPr lang="en-US" sz="1200" b="1" dirty="0" err="1">
-                <a:latin typeface="Source Sans Pro Semibold"/>
-                <a:ea typeface="Source Sans Pro Semibold"/>
-                <a:cs typeface="Source Sans Pro Semibold"/>
-                <a:sym typeface="Source Sans Pro Semibold"/>
-              </a:rPr>
-              <a:t>px</a:t>
-            </a:r>
-            <a:r>
-              <a:rPr lang="en-US" sz="1200" b="1" dirty="0">
-                <a:latin typeface="Source Sans Pro Semibold"/>
-                <a:ea typeface="Source Sans Pro Semibold"/>
-                <a:cs typeface="Source Sans Pro Semibold"/>
-                <a:sym typeface="Source Sans Pro Semibold"/>
-              </a:rPr>
-              <a:t>”)</a:t>
-            </a:r>
-            <a:r>
-              <a:rPr lang="en-US" sz="1200" dirty="0">
-                <a:latin typeface="Source Sans Pro Semibold"/>
-                <a:ea typeface="Source Sans Pro Semibold"/>
-                <a:cs typeface="Source Sans Pro Semibold"/>
-                <a:sym typeface="Source Sans Pro Semibold"/>
-              </a:rPr>
-              <a:t> or </a:t>
-            </a:r>
-            <a:r>
-              <a:rPr lang="en-US" sz="1200" b="1" dirty="0" err="1">
-                <a:latin typeface="Source Sans Pro Semibold"/>
-                <a:ea typeface="Source Sans Pro Semibold"/>
-                <a:cs typeface="Source Sans Pro Semibold"/>
-                <a:sym typeface="Source Sans Pro Semibold"/>
-              </a:rPr>
-              <a:t>dev.size</a:t>
-            </a:r>
-            <a:r>
-              <a:rPr lang="en-US" sz="1200" b="1" dirty="0">
-                <a:latin typeface="Source Sans Pro Semibold"/>
-                <a:ea typeface="Source Sans Pro Semibold"/>
-                <a:cs typeface="Source Sans Pro Semibold"/>
-                <a:sym typeface="Source Sans Pro Semibold"/>
-              </a:rPr>
-              <a:t>(units=“cm”)</a:t>
-            </a:r>
-            <a:r>
-              <a:rPr lang="en-US" sz="1200" dirty="0">
-                <a:latin typeface="Source Sans Pro Semibold"/>
-                <a:ea typeface="Source Sans Pro Semibold"/>
-                <a:cs typeface="Source Sans Pro Semibold"/>
-                <a:sym typeface="Source Sans Pro Semibold"/>
-              </a:rPr>
-              <a:t> to get the size in different units. The command</a:t>
+              <a:t>.) meaning that you cannot assign a value to it.</a:t>
             </a:r>
             <a:endParaRPr lang="en-US" sz="1200" dirty="0">
               <a:latin typeface="Source Sans Pro Light"/>
               <a:ea typeface="Source Sans Pro Light"/>
               <a:cs typeface="Source Sans Pro Light"/>
               <a:sym typeface="Source Sans Pro Light"/>
-            </a:endParaRPr>
-          </a:p>
-          <a:p>
-            <a:pPr lvl="0" algn="l">
-              <a:lnSpc>
-                <a:spcPct val="90000"/>
-              </a:lnSpc>
-              <a:spcBef>
-                <a:spcPts val="300"/>
-              </a:spcBef>
-              <a:buClr>
-                <a:srgbClr val="F39019"/>
-              </a:buClr>
-              <a:defRPr sz="1800"/>
-            </a:pPr>
-            <a:endParaRPr lang="en-US" sz="1200" dirty="0">
-              <a:latin typeface="Source Sans Pro Light"/>
-              <a:ea typeface="Source Sans Pro Light"/>
-              <a:cs typeface="Source Sans Pro Light"/>
-              <a:sym typeface="Source Sans Pro Light"/>
-            </a:endParaRPr>
-          </a:p>
-          <a:p>
-            <a:pPr lvl="0" algn="l">
-              <a:lnSpc>
-                <a:spcPct val="90000"/>
-              </a:lnSpc>
-              <a:spcBef>
-                <a:spcPts val="300"/>
-              </a:spcBef>
-              <a:buClr>
-                <a:srgbClr val="F39019"/>
-              </a:buClr>
-              <a:defRPr sz="1800"/>
-            </a:pPr>
-            <a:r>
-              <a:rPr lang="en-US" sz="1200" b="1" dirty="0" err="1">
-                <a:latin typeface="Source Sans Pro Light"/>
-                <a:ea typeface="Source Sans Pro Light"/>
-                <a:cs typeface="Source Sans Pro Light"/>
-                <a:sym typeface="Source Sans Pro Light"/>
-              </a:rPr>
-              <a:t>dev.size</a:t>
-            </a:r>
-            <a:r>
-              <a:rPr lang="en-US" sz="1200" b="1" dirty="0">
-                <a:latin typeface="Source Sans Pro Light"/>
-                <a:ea typeface="Source Sans Pro Light"/>
-                <a:cs typeface="Source Sans Pro Light"/>
-                <a:sym typeface="Source Sans Pro Light"/>
-              </a:rPr>
-              <a:t>(units=“</a:t>
-            </a:r>
-            <a:r>
-              <a:rPr lang="en-US" sz="1200" b="1" dirty="0" err="1">
-                <a:latin typeface="Source Sans Pro Light"/>
-                <a:ea typeface="Source Sans Pro Light"/>
-                <a:cs typeface="Source Sans Pro Light"/>
-                <a:sym typeface="Source Sans Pro Light"/>
-              </a:rPr>
-              <a:t>px</a:t>
-            </a:r>
-            <a:r>
-              <a:rPr lang="en-US" sz="1200" b="1" dirty="0">
-                <a:latin typeface="Source Sans Pro Light"/>
-                <a:ea typeface="Source Sans Pro Light"/>
-                <a:cs typeface="Source Sans Pro Light"/>
-                <a:sym typeface="Source Sans Pro Light"/>
-              </a:rPr>
-              <a:t>”) / </a:t>
-            </a:r>
-            <a:r>
-              <a:rPr lang="en-US" sz="1200" b="1" dirty="0" err="1">
-                <a:latin typeface="Source Sans Pro Light"/>
-                <a:ea typeface="Source Sans Pro Light"/>
-                <a:cs typeface="Source Sans Pro Light"/>
-                <a:sym typeface="Source Sans Pro Light"/>
-              </a:rPr>
-              <a:t>dev.size</a:t>
-            </a:r>
-            <a:r>
-              <a:rPr lang="en-US" sz="1200" b="1" dirty="0">
-                <a:latin typeface="Source Sans Pro Light"/>
-                <a:ea typeface="Source Sans Pro Light"/>
-                <a:cs typeface="Source Sans Pro Light"/>
-                <a:sym typeface="Source Sans Pro Light"/>
-              </a:rPr>
-              <a:t>()</a:t>
-            </a:r>
-          </a:p>
-          <a:p>
-            <a:pPr lvl="0" algn="l">
-              <a:lnSpc>
-                <a:spcPct val="90000"/>
-              </a:lnSpc>
-              <a:spcBef>
-                <a:spcPts val="300"/>
-              </a:spcBef>
-              <a:buClr>
-                <a:srgbClr val="F39019"/>
-              </a:buClr>
-              <a:defRPr sz="1800"/>
-            </a:pPr>
-            <a:endParaRPr lang="en-US" sz="1200" dirty="0">
-              <a:latin typeface="Source Sans Pro Light"/>
-              <a:ea typeface="Source Sans Pro Light"/>
-              <a:cs typeface="Source Sans Pro Light"/>
-              <a:sym typeface="Source Sans Pro Light"/>
-            </a:endParaRPr>
-          </a:p>
-          <a:p>
-            <a:pPr lvl="0" algn="l">
-              <a:lnSpc>
-                <a:spcPct val="90000"/>
-              </a:lnSpc>
-              <a:spcBef>
-                <a:spcPts val="300"/>
-              </a:spcBef>
-              <a:buClr>
-                <a:srgbClr val="F39019"/>
-              </a:buClr>
-              <a:defRPr sz="1800"/>
-            </a:pPr>
-            <a:r>
-              <a:rPr lang="en-US" sz="1200" dirty="0">
-                <a:latin typeface="Source Sans Pro Light"/>
-                <a:ea typeface="Source Sans Pro Light"/>
-                <a:cs typeface="Source Sans Pro Light"/>
-                <a:sym typeface="Source Sans Pro Light"/>
-              </a:rPr>
-              <a:t>will tell you the number of pixels per inch in the horizontal and vertical directions.</a:t>
-            </a:r>
-          </a:p>
-          <a:p>
-            <a:pPr lvl="0" algn="l">
-              <a:lnSpc>
-                <a:spcPct val="90000"/>
-              </a:lnSpc>
-              <a:spcBef>
-                <a:spcPts val="1000"/>
-              </a:spcBef>
-              <a:buClr>
-                <a:srgbClr val="F39019"/>
-              </a:buClr>
-              <a:defRPr sz="1800"/>
-            </a:pPr>
-            <a:endParaRPr lang="en-US" sz="1200" dirty="0">
-              <a:latin typeface="Source Sans Pro Semibold"/>
-              <a:ea typeface="Source Sans Pro Semibold"/>
-              <a:cs typeface="Source Sans Pro Semibold"/>
-              <a:sym typeface="Source Sans Pro Semibold"/>
             </a:endParaRPr>
           </a:p>
         </p:txBody>
@@ -2493,7 +2450,7 @@
         </p:nvSpPr>
         <p:spPr>
           <a:xfrm>
-            <a:off x="256414" y="2070619"/>
+            <a:off x="295276" y="1491718"/>
             <a:ext cx="3263902" cy="320381"/>
           </a:xfrm>
           <a:prstGeom prst="roundRect">
@@ -2509,7 +2466,7 @@
           </a:ln>
           <a:extLst>
             <a:ext uri="{C572A759-6A51-4108-AA02-DFA0A04FC94B}">
-              <ma14:wrappingTextBoxFlag xmlns:ma14="http://schemas.microsoft.com/office/mac/drawingml/2011/main" xmlns="" val="1"/>
+              <ma14:wrappingTextBoxFlag xmlns="" xmlns:ma14="http://schemas.microsoft.com/office/mac/drawingml/2011/main" val="1"/>
             </a:ext>
           </a:extLst>
         </p:spPr>
@@ -2521,7 +2478,7 @@
               <a:defRPr sz="1800"/>
             </a:pPr>
             <a:r>
-              <a:rPr sz="2000">
+              <a:rPr sz="2000" dirty="0">
                 <a:solidFill>
                   <a:srgbClr val="FFFFFF"/>
                 </a:solidFill>
@@ -2544,7 +2501,7 @@
         <p:spPr>
           <a:xfrm>
             <a:off x="232450" y="10347903"/>
-            <a:ext cx="6261703" cy="234855"/>
+            <a:ext cx="7299838" cy="234855"/>
           </a:xfrm>
           <a:prstGeom prst="rect">
             <a:avLst/>
@@ -2554,12 +2511,12 @@
           </a:ln>
           <a:extLst>
             <a:ext uri="{C572A759-6A51-4108-AA02-DFA0A04FC94B}">
-              <ma14:wrappingTextBoxFlag xmlns:ma14="http://schemas.microsoft.com/office/mac/drawingml/2011/main" xmlns="" val="1"/>
+              <ma14:wrappingTextBoxFlag xmlns="" xmlns:ma14="http://schemas.microsoft.com/office/mac/drawingml/2011/main" val="1"/>
             </a:ext>
           </a:extLst>
         </p:spPr>
         <p:txBody>
-          <a:bodyPr lIns="54570" tIns="54570" rIns="54570" bIns="54570" anchor="ctr">
+          <a:bodyPr wrap="square" lIns="54570" tIns="54570" rIns="54570" bIns="54570" anchor="ctr">
             <a:spAutoFit/>
           </a:bodyPr>
           <a:lstStyle/>
@@ -2626,7 +2583,16 @@
                 <a:cs typeface="Source Sans Pro Light"/>
                 <a:sym typeface="Source Sans Pro Light"/>
               </a:rPr>
-              <a:t> Steve Simon </a:t>
+              <a:t> Steve </a:t>
+            </a:r>
+            <a:r>
+              <a:rPr lang="en-US" sz="900" dirty="0" smtClean="0">
+                <a:latin typeface="Source Sans Pro Light"/>
+                <a:ea typeface="Source Sans Pro Light"/>
+                <a:cs typeface="Source Sans Pro Light"/>
+                <a:sym typeface="Source Sans Pro Light"/>
+              </a:rPr>
+              <a:t>Simon, P.Mean Consulting </a:t>
             </a:r>
             <a:r>
               <a:rPr sz="900" dirty="0">
@@ -2696,7 +2662,7 @@
           </a:ln>
           <a:extLst>
             <a:ext uri="{C572A759-6A51-4108-AA02-DFA0A04FC94B}">
-              <ma14:wrappingTextBoxFlag xmlns:ma14="http://schemas.microsoft.com/office/mac/drawingml/2011/main" xmlns="" val="1"/>
+              <ma14:wrappingTextBoxFlag xmlns="" xmlns:ma14="http://schemas.microsoft.com/office/mac/drawingml/2011/main" val="1"/>
             </a:ext>
           </a:extLst>
         </p:spPr>
@@ -2759,104 +2725,13 @@
       </p:sp>
       <p:sp>
         <p:nvSpPr>
-          <p:cNvPr id="41" name="Shape 41"/>
-          <p:cNvSpPr/>
-          <p:nvPr/>
-        </p:nvSpPr>
-        <p:spPr>
-          <a:xfrm>
-            <a:off x="1240411" y="1440939"/>
-            <a:ext cx="1291607" cy="528269"/>
-          </a:xfrm>
-          <a:prstGeom prst="roundRect">
-            <a:avLst>
-              <a:gd name="adj" fmla="val 36061"/>
-            </a:avLst>
-          </a:prstGeom>
-          <a:solidFill>
-            <a:srgbClr val="6B8E23"/>
-          </a:solidFill>
-          <a:ln w="12700">
-            <a:miter lim="400000"/>
-          </a:ln>
-          <a:extLst>
-            <a:ext uri="{C572A759-6A51-4108-AA02-DFA0A04FC94B}">
-              <ma14:wrappingTextBoxFlag xmlns:ma14="http://schemas.microsoft.com/office/mac/drawingml/2011/main" xmlns="" val="1"/>
-            </a:ext>
-          </a:extLst>
-        </p:spPr>
-        <p:txBody>
-          <a:bodyPr lIns="0" tIns="0" rIns="0" bIns="0" anchor="ctr"/>
-          <a:lstStyle/>
-          <a:p>
-            <a:pPr lvl="0">
-              <a:lnSpc>
-                <a:spcPct val="70000"/>
-              </a:lnSpc>
-              <a:defRPr sz="1800"/>
-            </a:pPr>
-            <a:r>
-              <a:rPr lang="en-US" sz="1600" b="1" dirty="0">
-                <a:solidFill>
-                  <a:srgbClr val="FFFFFF"/>
-                </a:solidFill>
-                <a:latin typeface="Helvetica Neue"/>
-                <a:ea typeface="Helvetica Neue"/>
-                <a:cs typeface="Helvetica Neue"/>
-                <a:sym typeface="Helvetica Neue"/>
-              </a:rPr>
-              <a:t>P.Mean</a:t>
-            </a:r>
-            <a:endParaRPr sz="1200" b="1" dirty="0">
-              <a:solidFill>
-                <a:srgbClr val="FFFFFF"/>
-              </a:solidFill>
-              <a:latin typeface="Helvetica Neue"/>
-              <a:ea typeface="Helvetica Neue"/>
-              <a:cs typeface="Helvetica Neue"/>
-              <a:sym typeface="Helvetica Neue"/>
-            </a:endParaRPr>
-          </a:p>
-          <a:p>
-            <a:pPr lvl="0">
-              <a:lnSpc>
-                <a:spcPct val="70000"/>
-              </a:lnSpc>
-              <a:defRPr sz="1800"/>
-            </a:pPr>
-            <a:r>
-              <a:rPr lang="en-US" sz="1600" b="1" dirty="0">
-                <a:solidFill>
-                  <a:srgbClr val="FFFFFF"/>
-                </a:solidFill>
-                <a:latin typeface="Helvetica Neue"/>
-                <a:ea typeface="Helvetica Neue"/>
-                <a:cs typeface="Helvetica Neue"/>
-                <a:sym typeface="Helvetica Neue"/>
-              </a:rPr>
-              <a:t>Consulting</a:t>
-            </a:r>
-            <a:endParaRPr sz="2000" b="1" dirty="0">
-              <a:solidFill>
-                <a:srgbClr val="FFFFFF"/>
-              </a:solidFill>
-              <a:latin typeface="Helvetica Neue"/>
-              <a:ea typeface="Helvetica Neue"/>
-              <a:cs typeface="Helvetica Neue"/>
-              <a:sym typeface="Helvetica Neue"/>
-            </a:endParaRPr>
-          </a:p>
-        </p:txBody>
-      </p:sp>
-      <p:sp>
-        <p:nvSpPr>
           <p:cNvPr id="46" name="Shape 46"/>
           <p:cNvSpPr/>
           <p:nvPr/>
         </p:nvSpPr>
         <p:spPr>
           <a:xfrm>
-            <a:off x="3658403" y="353153"/>
+            <a:off x="10573283" y="6765200"/>
             <a:ext cx="3263901" cy="248842"/>
           </a:xfrm>
           <a:prstGeom prst="roundRect">
@@ -2872,7 +2747,7 @@
           </a:ln>
           <a:extLst>
             <a:ext uri="{C572A759-6A51-4108-AA02-DFA0A04FC94B}">
-              <ma14:wrappingTextBoxFlag xmlns:ma14="http://schemas.microsoft.com/office/mac/drawingml/2011/main" xmlns="" val="1"/>
+              <ma14:wrappingTextBoxFlag xmlns="" xmlns:ma14="http://schemas.microsoft.com/office/mac/drawingml/2011/main" val="1"/>
             </a:ext>
           </a:extLst>
         </p:spPr>
@@ -2954,8 +2829,8 @@
         </p:nvSpPr>
         <p:spPr>
           <a:xfrm>
-            <a:off x="3768855" y="601995"/>
-            <a:ext cx="3042995" cy="3300391"/>
+            <a:off x="10619763" y="7017401"/>
+            <a:ext cx="3042995" cy="3005951"/>
           </a:xfrm>
           <a:prstGeom prst="rect">
             <a:avLst/>
@@ -2965,7 +2840,7 @@
           </a:ln>
           <a:extLst>
             <a:ext uri="{C572A759-6A51-4108-AA02-DFA0A04FC94B}">
-              <ma14:wrappingTextBoxFlag xmlns:ma14="http://schemas.microsoft.com/office/mac/drawingml/2011/main" xmlns="" val="1"/>
+              <ma14:wrappingTextBoxFlag xmlns="" xmlns:ma14="http://schemas.microsoft.com/office/mac/drawingml/2011/main" val="1"/>
             </a:ext>
           </a:extLst>
         </p:spPr>
@@ -3217,7 +3092,25 @@
                 <a:cs typeface="Source Sans Pro Light"/>
                 <a:sym typeface="Source Sans Pro Light"/>
               </a:rPr>
-              <a:t> parameters.</a:t>
+              <a:t> parameters</a:t>
+            </a:r>
+            <a:r>
+              <a:rPr lang="en-US" sz="1200" dirty="0" smtClean="0">
+                <a:latin typeface="Source Sans Pro Light"/>
+                <a:ea typeface="Source Sans Pro Light"/>
+                <a:cs typeface="Source Sans Pro Light"/>
+                <a:sym typeface="Source Sans Pro Light"/>
+              </a:rPr>
+              <a:t>. If </a:t>
+            </a:r>
+            <a:r>
+              <a:rPr lang="en-US" sz="1200" dirty="0">
+                <a:latin typeface="Source Sans Pro Light"/>
+                <a:ea typeface="Source Sans Pro Light"/>
+                <a:cs typeface="Source Sans Pro Light"/>
+                <a:sym typeface="Source Sans Pro Light"/>
+              </a:rPr>
+              <a:t>your graph has no axes or titles, you can remove the margins (and maximize the plotting region) with</a:t>
             </a:r>
           </a:p>
           <a:p>
@@ -3234,29 +3127,6 @@
               <a:defRPr sz="1800"/>
             </a:pPr>
             <a:r>
-              <a:rPr lang="en-US" sz="1200" dirty="0">
-                <a:latin typeface="Source Sans Pro Light"/>
-                <a:ea typeface="Source Sans Pro Light"/>
-                <a:cs typeface="Source Sans Pro Light"/>
-                <a:sym typeface="Source Sans Pro Light"/>
-              </a:rPr>
-              <a:t>If your graph has no axes or titles, you can remove the margins (and maximize the plotting region) with</a:t>
-            </a:r>
-          </a:p>
-          <a:p>
-            <a:pPr lvl="0" algn="l">
-              <a:lnSpc>
-                <a:spcPct val="90000"/>
-              </a:lnSpc>
-              <a:spcBef>
-                <a:spcPts val="1000"/>
-              </a:spcBef>
-              <a:buClr>
-                <a:srgbClr val="F39019"/>
-              </a:buClr>
-              <a:defRPr sz="1800"/>
-            </a:pPr>
-            <a:r>
               <a:rPr lang="en-US" sz="1200" b="1" dirty="0">
                 <a:latin typeface="Source Sans Pro Light"/>
                 <a:ea typeface="Source Sans Pro Light"/>
@@ -3274,30 +3144,6 @@
           </a:p>
         </p:txBody>
       </p:sp>
-      <p:pic>
-        <p:nvPicPr>
-          <p:cNvPr id="2" name="Picture 1"/>
-          <p:cNvPicPr>
-            <a:picLocks noChangeAspect="1"/>
-          </p:cNvPicPr>
-          <p:nvPr/>
-        </p:nvPicPr>
-        <p:blipFill>
-          <a:blip r:embed="rId4"/>
-          <a:stretch>
-            <a:fillRect/>
-          </a:stretch>
-        </p:blipFill>
-        <p:spPr>
-          <a:xfrm>
-            <a:off x="2744472" y="1208881"/>
-            <a:ext cx="775844" cy="760327"/>
-          </a:xfrm>
-          <a:prstGeom prst="rect">
-            <a:avLst/>
-          </a:prstGeom>
-        </p:spPr>
-      </p:pic>
       <p:sp>
         <p:nvSpPr>
           <p:cNvPr id="21" name="Shape 46"/>
@@ -3306,7 +3152,7 @@
         </p:nvSpPr>
         <p:spPr>
           <a:xfrm>
-            <a:off x="295276" y="5003228"/>
+            <a:off x="3721229" y="364481"/>
             <a:ext cx="3263901" cy="248842"/>
           </a:xfrm>
           <a:prstGeom prst="roundRect">
@@ -3322,7 +3168,7 @@
           </a:ln>
           <a:extLst>
             <a:ext uri="{C572A759-6A51-4108-AA02-DFA0A04FC94B}">
-              <ma14:wrappingTextBoxFlag xmlns:ma14="http://schemas.microsoft.com/office/mac/drawingml/2011/main" xmlns="" val="1"/>
+              <ma14:wrappingTextBoxFlag xmlns="" xmlns:ma14="http://schemas.microsoft.com/office/mac/drawingml/2011/main" val="1"/>
             </a:ext>
           </a:extLst>
         </p:spPr>
@@ -3376,7 +3222,7 @@
           </a:ln>
           <a:extLst>
             <a:ext uri="{C572A759-6A51-4108-AA02-DFA0A04FC94B}">
-              <ma14:wrappingTextBoxFlag xmlns:ma14="http://schemas.microsoft.com/office/mac/drawingml/2011/main" xmlns="" val="1"/>
+              <ma14:wrappingTextBoxFlag xmlns="" xmlns:ma14="http://schemas.microsoft.com/office/mac/drawingml/2011/main" val="1"/>
             </a:ext>
           </a:extLst>
         </p:spPr>
@@ -3415,8 +3261,8 @@
         </p:nvSpPr>
         <p:spPr>
           <a:xfrm>
-            <a:off x="404937" y="2400613"/>
-            <a:ext cx="2958364" cy="2749471"/>
+            <a:off x="404937" y="1824747"/>
+            <a:ext cx="2958364" cy="1661993"/>
           </a:xfrm>
           <a:prstGeom prst="rect">
             <a:avLst/>
@@ -3426,7 +3272,7 @@
           </a:ln>
           <a:extLst>
             <a:ext uri="{C572A759-6A51-4108-AA02-DFA0A04FC94B}">
-              <ma14:wrappingTextBoxFlag xmlns:ma14="http://schemas.microsoft.com/office/mac/drawingml/2011/main" xmlns="" val="1"/>
+              <ma14:wrappingTextBoxFlag xmlns="" xmlns:ma14="http://schemas.microsoft.com/office/mac/drawingml/2011/main" val="1"/>
             </a:ext>
           </a:extLst>
         </p:spPr>
@@ -3466,13 +3312,22 @@
               </a:rPr>
             </a:br>
             <a:r>
+              <a:rPr lang="en-US" sz="1200" dirty="0" smtClean="0">
+                <a:latin typeface="Source Sans Pro Semibold"/>
+                <a:ea typeface="Source Sans Pro Semibold"/>
+                <a:cs typeface="Source Sans Pro Semibold"/>
+                <a:sym typeface="Source Sans Pro Semibold"/>
+              </a:rPr>
+              <a:t>All </a:t>
+            </a:r>
+            <a:r>
               <a:rPr lang="en-US" sz="1200" dirty="0">
                 <a:latin typeface="Source Sans Pro Semibold"/>
                 <a:ea typeface="Source Sans Pro Semibold"/>
                 <a:cs typeface="Source Sans Pro Semibold"/>
                 <a:sym typeface="Source Sans Pro Semibold"/>
               </a:rPr>
-              <a:t>You can measure the size of your graph in inches (</a:t>
+              <a:t>functions that open a device for graphics will have </a:t>
             </a:r>
             <a:r>
               <a:rPr lang="en-US" sz="1200" b="1" dirty="0">
@@ -3481,7 +3336,7 @@
                 <a:cs typeface="Source Sans Pro Semibold"/>
                 <a:sym typeface="Source Sans Pro Semibold"/>
               </a:rPr>
-              <a:t>in</a:t>
+              <a:t>height</a:t>
             </a:r>
             <a:r>
               <a:rPr lang="en-US" sz="1200" dirty="0">
@@ -3490,7 +3345,7 @@
                 <a:cs typeface="Source Sans Pro Semibold"/>
                 <a:sym typeface="Source Sans Pro Semibold"/>
               </a:rPr>
-              <a:t>), centimeters (</a:t>
+              <a:t> and </a:t>
             </a:r>
             <a:r>
               <a:rPr lang="en-US" sz="1200" b="1" dirty="0">
@@ -3499,7 +3354,7 @@
                 <a:cs typeface="Source Sans Pro Semibold"/>
                 <a:sym typeface="Source Sans Pro Semibold"/>
               </a:rPr>
-              <a:t>cm</a:t>
+              <a:t>width</a:t>
             </a:r>
             <a:r>
               <a:rPr lang="en-US" sz="1200" dirty="0">
@@ -3508,16 +3363,7 @@
                 <a:cs typeface="Source Sans Pro Semibold"/>
                 <a:sym typeface="Source Sans Pro Semibold"/>
               </a:rPr>
-              <a:t>), or pixels </a:t>
-            </a:r>
-            <a:r>
-              <a:rPr lang="en-US" sz="1200" b="1" dirty="0">
-                <a:latin typeface="Source Sans Pro Semibold"/>
-                <a:ea typeface="Source Sans Pro Semibold"/>
-                <a:cs typeface="Source Sans Pro Semibold"/>
-                <a:sym typeface="Source Sans Pro Semibold"/>
-              </a:rPr>
-              <a:t>(</a:t>
+              <a:t> arguments to control the size of the graph and a </a:t>
             </a:r>
             <a:r>
               <a:rPr lang="en-US" sz="1200" b="1" dirty="0" err="1">
@@ -3526,16 +3372,7 @@
                 <a:cs typeface="Source Sans Pro Semibold"/>
                 <a:sym typeface="Source Sans Pro Semibold"/>
               </a:rPr>
-              <a:t>px</a:t>
-            </a:r>
-            <a:r>
-              <a:rPr lang="en-US" sz="1200" b="1" dirty="0">
-                <a:latin typeface="Source Sans Pro Semibold"/>
-                <a:ea typeface="Source Sans Pro Semibold"/>
-                <a:cs typeface="Source Sans Pro Semibold"/>
-                <a:sym typeface="Source Sans Pro Semibold"/>
-              </a:rPr>
-              <a:t>).</a:t>
+              <a:t>pointsize</a:t>
             </a:r>
             <a:r>
               <a:rPr lang="en-US" sz="1200" dirty="0">
@@ -3544,22 +3381,17 @@
                 <a:cs typeface="Source Sans Pro Semibold"/>
                 <a:sym typeface="Source Sans Pro Semibold"/>
               </a:rPr>
-              <a:t> For graphs on your screen and graphs in bmp, tiff, gif, or jpeg formats, measurements in inches or centimeters should not be taken literally.</a:t>
-            </a:r>
-          </a:p>
-          <a:p>
-            <a:pPr lvl="0" algn="l">
-              <a:lnSpc>
-                <a:spcPct val="90000"/>
-              </a:lnSpc>
-              <a:spcBef>
-                <a:spcPts val="1000"/>
-              </a:spcBef>
-              <a:buClr>
-                <a:srgbClr val="F39019"/>
-              </a:buClr>
-              <a:defRPr sz="1800"/>
-            </a:pPr>
+              <a:t> argument to control the relative font size. In </a:t>
+            </a:r>
+            <a:r>
+              <a:rPr lang="en-US" sz="1200" b="1" dirty="0" err="1">
+                <a:latin typeface="Source Sans Pro Semibold"/>
+                <a:ea typeface="Source Sans Pro Semibold"/>
+                <a:cs typeface="Source Sans Pro Semibold"/>
+                <a:sym typeface="Source Sans Pro Semibold"/>
+              </a:rPr>
+              <a:t>knitr</a:t>
+            </a:r>
             <a:r>
               <a:rPr lang="en-US" sz="1200" dirty="0">
                 <a:latin typeface="Source Sans Pro Semibold"/>
@@ -3567,16 +3399,16 @@
                 <a:cs typeface="Source Sans Pro Semibold"/>
                 <a:sym typeface="Source Sans Pro Semibold"/>
               </a:rPr>
-              <a:t>All functions that open a device for graphics will have </a:t>
-            </a:r>
-            <a:r>
-              <a:rPr lang="en-US" sz="1200" b="1" dirty="0">
+              <a:t>, you control the size of the graph with the chunk options, </a:t>
+            </a:r>
+            <a:r>
+              <a:rPr lang="en-US" sz="1200" b="1" dirty="0" err="1">
                 <a:latin typeface="Source Sans Pro Semibold"/>
                 <a:ea typeface="Source Sans Pro Semibold"/>
                 <a:cs typeface="Source Sans Pro Semibold"/>
                 <a:sym typeface="Source Sans Pro Semibold"/>
               </a:rPr>
-              <a:t>height</a:t>
+              <a:t>fig.width</a:t>
             </a:r>
             <a:r>
               <a:rPr lang="en-US" sz="1200" dirty="0">
@@ -3588,109 +3420,23 @@
               <a:t> and </a:t>
             </a:r>
             <a:r>
-              <a:rPr lang="en-US" sz="1200" b="1" dirty="0">
-                <a:latin typeface="Source Sans Pro Semibold"/>
-                <a:ea typeface="Source Sans Pro Semibold"/>
-                <a:cs typeface="Source Sans Pro Semibold"/>
-                <a:sym typeface="Source Sans Pro Semibold"/>
-              </a:rPr>
-              <a:t>width</a:t>
-            </a:r>
-            <a:r>
-              <a:rPr lang="en-US" sz="1200" dirty="0">
-                <a:latin typeface="Source Sans Pro Semibold"/>
-                <a:ea typeface="Source Sans Pro Semibold"/>
-                <a:cs typeface="Source Sans Pro Semibold"/>
-                <a:sym typeface="Source Sans Pro Semibold"/>
-              </a:rPr>
-              <a:t> arguments to control the size of the graph and a </a:t>
-            </a:r>
-            <a:r>
               <a:rPr lang="en-US" sz="1200" b="1" dirty="0" err="1">
                 <a:latin typeface="Source Sans Pro Semibold"/>
                 <a:ea typeface="Source Sans Pro Semibold"/>
                 <a:cs typeface="Source Sans Pro Semibold"/>
                 <a:sym typeface="Source Sans Pro Semibold"/>
               </a:rPr>
-              <a:t>pointsize</a:t>
-            </a:r>
-            <a:r>
-              <a:rPr lang="en-US" sz="1200" dirty="0">
+              <a:t>fig.height</a:t>
+            </a:r>
+            <a:r>
+              <a:rPr lang="en-US" sz="1200" dirty="0" smtClean="0">
                 <a:latin typeface="Source Sans Pro Semibold"/>
                 <a:ea typeface="Source Sans Pro Semibold"/>
                 <a:cs typeface="Source Sans Pro Semibold"/>
                 <a:sym typeface="Source Sans Pro Semibold"/>
               </a:rPr>
-              <a:t> argument to control the relative font size. In </a:t>
-            </a:r>
-            <a:r>
-              <a:rPr lang="en-US" sz="1200" b="1" dirty="0" err="1">
-                <a:latin typeface="Source Sans Pro Semibold"/>
-                <a:ea typeface="Source Sans Pro Semibold"/>
-                <a:cs typeface="Source Sans Pro Semibold"/>
-                <a:sym typeface="Source Sans Pro Semibold"/>
-              </a:rPr>
-              <a:t>knitr</a:t>
-            </a:r>
-            <a:r>
-              <a:rPr lang="en-US" sz="1200" dirty="0">
-                <a:latin typeface="Source Sans Pro Semibold"/>
-                <a:ea typeface="Source Sans Pro Semibold"/>
-                <a:cs typeface="Source Sans Pro Semibold"/>
-                <a:sym typeface="Source Sans Pro Semibold"/>
-              </a:rPr>
-              <a:t>, you control the size of the graph with the chunk options, </a:t>
-            </a:r>
-            <a:r>
-              <a:rPr lang="en-US" sz="1200" b="1" dirty="0" err="1">
-                <a:latin typeface="Source Sans Pro Semibold"/>
-                <a:ea typeface="Source Sans Pro Semibold"/>
-                <a:cs typeface="Source Sans Pro Semibold"/>
-                <a:sym typeface="Source Sans Pro Semibold"/>
-              </a:rPr>
-              <a:t>fig.width</a:t>
-            </a:r>
-            <a:r>
-              <a:rPr lang="en-US" sz="1200" dirty="0">
-                <a:latin typeface="Source Sans Pro Semibold"/>
-                <a:ea typeface="Source Sans Pro Semibold"/>
-                <a:cs typeface="Source Sans Pro Semibold"/>
-                <a:sym typeface="Source Sans Pro Semibold"/>
-              </a:rPr>
-              <a:t> and </a:t>
-            </a:r>
-            <a:r>
-              <a:rPr lang="en-US" sz="1200" b="1" dirty="0" err="1">
-                <a:latin typeface="Source Sans Pro Semibold"/>
-                <a:ea typeface="Source Sans Pro Semibold"/>
-                <a:cs typeface="Source Sans Pro Semibold"/>
-                <a:sym typeface="Source Sans Pro Semibold"/>
-              </a:rPr>
-              <a:t>fig.height</a:t>
-            </a:r>
-            <a:r>
-              <a:rPr lang="en-US" sz="1200" dirty="0">
-                <a:latin typeface="Source Sans Pro Semibold"/>
-                <a:ea typeface="Source Sans Pro Semibold"/>
-                <a:cs typeface="Source Sans Pro Semibold"/>
-                <a:sym typeface="Source Sans Pro Semibold"/>
-              </a:rPr>
-              <a:t>.</a:t>
-            </a:r>
-          </a:p>
-          <a:p>
-            <a:pPr lvl="0" algn="l">
-              <a:lnSpc>
-                <a:spcPct val="90000"/>
-              </a:lnSpc>
-              <a:spcBef>
-                <a:spcPts val="1000"/>
-              </a:spcBef>
-              <a:buClr>
-                <a:srgbClr val="F39019"/>
-              </a:buClr>
-              <a:defRPr sz="1800"/>
-            </a:pPr>
+              <a:t>. This sheet will help you with calculating the size of the graph and various parts of the graph within R.</a:t>
+            </a:r>
             <a:endParaRPr lang="en-US" sz="1200" dirty="0">
               <a:latin typeface="Source Sans Pro Semibold"/>
               <a:ea typeface="Source Sans Pro Semibold"/>
@@ -3719,7 +3465,7 @@
           </a:ln>
           <a:extLst>
             <a:ext uri="{C572A759-6A51-4108-AA02-DFA0A04FC94B}">
-              <ma14:wrappingTextBoxFlag xmlns:ma14="http://schemas.microsoft.com/office/mac/drawingml/2011/main" xmlns="" val="1"/>
+              <ma14:wrappingTextBoxFlag xmlns="" xmlns:ma14="http://schemas.microsoft.com/office/mac/drawingml/2011/main" val="1"/>
             </a:ext>
           </a:extLst>
         </p:spPr>
@@ -4197,7 +3943,7 @@
           </a:ln>
           <a:extLst>
             <a:ext uri="{C572A759-6A51-4108-AA02-DFA0A04FC94B}">
-              <ma14:wrappingTextBoxFlag xmlns:ma14="http://schemas.microsoft.com/office/mac/drawingml/2011/main" xmlns="" val="1"/>
+              <ma14:wrappingTextBoxFlag xmlns="" xmlns:ma14="http://schemas.microsoft.com/office/mac/drawingml/2011/main" val="1"/>
             </a:ext>
           </a:extLst>
         </p:spPr>
@@ -4251,7 +3997,7 @@
           </a:ln>
           <a:extLst>
             <a:ext uri="{C572A759-6A51-4108-AA02-DFA0A04FC94B}">
-              <ma14:wrappingTextBoxFlag xmlns:ma14="http://schemas.microsoft.com/office/mac/drawingml/2011/main" xmlns="" val="1"/>
+              <ma14:wrappingTextBoxFlag xmlns="" xmlns:ma14="http://schemas.microsoft.com/office/mac/drawingml/2011/main" val="1"/>
             </a:ext>
           </a:extLst>
         </p:spPr>
@@ -4519,7 +4265,7 @@
         </p:nvSpPr>
         <p:spPr>
           <a:xfrm>
-            <a:off x="3680060" y="4121720"/>
+            <a:off x="7301444" y="6089631"/>
             <a:ext cx="3263901" cy="248842"/>
           </a:xfrm>
           <a:prstGeom prst="roundRect">
@@ -4535,7 +4281,7 @@
           </a:ln>
           <a:extLst>
             <a:ext uri="{C572A759-6A51-4108-AA02-DFA0A04FC94B}">
-              <ma14:wrappingTextBoxFlag xmlns:ma14="http://schemas.microsoft.com/office/mac/drawingml/2011/main" xmlns="" val="1"/>
+              <ma14:wrappingTextBoxFlag xmlns="" xmlns:ma14="http://schemas.microsoft.com/office/mac/drawingml/2011/main" val="1"/>
             </a:ext>
           </a:extLst>
         </p:spPr>
@@ -4578,7 +4324,7 @@
         </p:nvSpPr>
         <p:spPr>
           <a:xfrm>
-            <a:off x="3812724" y="4379047"/>
+            <a:off x="10726051" y="3739181"/>
             <a:ext cx="2958364" cy="2749471"/>
           </a:xfrm>
           <a:prstGeom prst="rect">
@@ -4589,7 +4335,7 @@
           </a:ln>
           <a:extLst>
             <a:ext uri="{C572A759-6A51-4108-AA02-DFA0A04FC94B}">
-              <ma14:wrappingTextBoxFlag xmlns:ma14="http://schemas.microsoft.com/office/mac/drawingml/2011/main" xmlns="" val="1"/>
+              <ma14:wrappingTextBoxFlag xmlns="" xmlns:ma14="http://schemas.microsoft.com/office/mac/drawingml/2011/main" val="1"/>
             </a:ext>
           </a:extLst>
         </p:spPr>
@@ -4898,7 +4644,7 @@
         </p:nvSpPr>
         <p:spPr>
           <a:xfrm>
-            <a:off x="3659956" y="7398868"/>
+            <a:off x="10573283" y="3476348"/>
             <a:ext cx="3263901" cy="248842"/>
           </a:xfrm>
           <a:prstGeom prst="roundRect">
@@ -4914,7 +4660,7 @@
           </a:ln>
           <a:extLst>
             <a:ext uri="{C572A759-6A51-4108-AA02-DFA0A04FC94B}">
-              <ma14:wrappingTextBoxFlag xmlns:ma14="http://schemas.microsoft.com/office/mac/drawingml/2011/main" xmlns="" val="1"/>
+              <ma14:wrappingTextBoxFlag xmlns="" xmlns:ma14="http://schemas.microsoft.com/office/mac/drawingml/2011/main" val="1"/>
             </a:ext>
           </a:extLst>
         </p:spPr>
@@ -4957,7 +4703,7 @@
         </p:nvSpPr>
         <p:spPr>
           <a:xfrm>
-            <a:off x="3812724" y="7654823"/>
+            <a:off x="7429620" y="6338473"/>
             <a:ext cx="2958364" cy="1918474"/>
           </a:xfrm>
           <a:prstGeom prst="rect">
@@ -4968,7 +4714,7 @@
           </a:ln>
           <a:extLst>
             <a:ext uri="{C572A759-6A51-4108-AA02-DFA0A04FC94B}">
-              <ma14:wrappingTextBoxFlag xmlns:ma14="http://schemas.microsoft.com/office/mac/drawingml/2011/main" xmlns="" val="1"/>
+              <ma14:wrappingTextBoxFlag xmlns="" xmlns:ma14="http://schemas.microsoft.com/office/mac/drawingml/2011/main" val="1"/>
             </a:ext>
           </a:extLst>
         </p:spPr>
@@ -5168,26 +4914,56 @@
       </p:sp>
       <p:pic>
         <p:nvPicPr>
-          <p:cNvPr id="3" name="Picture 2"/>
+          <p:cNvPr id="1026" name="Picture 2"/>
           <p:cNvPicPr>
-            <a:picLocks noChangeAspect="1"/>
+            <a:picLocks noChangeAspect="1" noChangeArrowheads="1"/>
           </p:cNvPicPr>
           <p:nvPr/>
         </p:nvPicPr>
         <p:blipFill>
-          <a:blip r:embed="rId5"/>
+          <a:blip r:embed="rId4">
+            <a:extLst>
+              <a:ext uri="{28A0092B-C50C-407E-A947-70E740481C1C}">
+                <a14:useLocalDpi xmlns:a14="http://schemas.microsoft.com/office/drawing/2010/main" val="0"/>
+              </a:ext>
+            </a:extLst>
+          </a:blip>
+          <a:srcRect/>
           <a:stretch>
             <a:fillRect/>
           </a:stretch>
         </p:blipFill>
-        <p:spPr>
+        <p:spPr bwMode="auto">
           <a:xfrm>
-            <a:off x="7158652" y="3882830"/>
-            <a:ext cx="6401129" cy="6401129"/>
+            <a:off x="157730" y="3707306"/>
+            <a:ext cx="6674950" cy="6674950"/>
           </a:xfrm>
           <a:prstGeom prst="rect">
             <a:avLst/>
           </a:prstGeom>
+          <a:noFill/>
+          <a:ln>
+            <a:noFill/>
+          </a:ln>
+          <a:extLst>
+            <a:ext uri="{909E8E84-426E-40DD-AFC4-6F175D3DCCD1}">
+              <a14:hiddenFill xmlns:a14="http://schemas.microsoft.com/office/drawing/2010/main">
+                <a:solidFill>
+                  <a:schemeClr val="accent1"/>
+                </a:solidFill>
+              </a14:hiddenFill>
+            </a:ext>
+            <a:ext uri="{91240B29-F687-4F45-9708-019B960494DF}">
+              <a14:hiddenLine xmlns:a14="http://schemas.microsoft.com/office/drawing/2010/main" w="9525">
+                <a:solidFill>
+                  <a:schemeClr val="tx1"/>
+                </a:solidFill>
+                <a:miter lim="800000"/>
+                <a:headEnd/>
+                <a:tailEnd/>
+              </a14:hiddenLine>
+            </a:ext>
+          </a:extLst>
         </p:spPr>
       </p:pic>
     </p:spTree>
@@ -5283,7 +5059,7 @@
           </a:ln>
           <a:extLst>
             <a:ext uri="{C572A759-6A51-4108-AA02-DFA0A04FC94B}">
-              <ma14:wrappingTextBoxFlag xmlns:ma14="http://schemas.microsoft.com/office/mac/drawingml/2011/main" xmlns="" val="1"/>
+              <ma14:wrappingTextBoxFlag xmlns="" xmlns:ma14="http://schemas.microsoft.com/office/mac/drawingml/2011/main" val="1"/>
             </a:ext>
           </a:extLst>
         </p:spPr>
@@ -5778,7 +5554,7 @@
           </a:ln>
           <a:extLst>
             <a:ext uri="{C572A759-6A51-4108-AA02-DFA0A04FC94B}">
-              <ma14:wrappingTextBoxFlag xmlns:ma14="http://schemas.microsoft.com/office/mac/drawingml/2011/main" xmlns="" val="1"/>
+              <ma14:wrappingTextBoxFlag xmlns="" xmlns:ma14="http://schemas.microsoft.com/office/mac/drawingml/2011/main" val="1"/>
             </a:ext>
           </a:extLst>
         </p:spPr>
@@ -5823,7 +5599,7 @@
           </a:ln>
           <a:extLst>
             <a:ext uri="{C572A759-6A51-4108-AA02-DFA0A04FC94B}">
-              <ma14:wrappingTextBoxFlag xmlns:ma14="http://schemas.microsoft.com/office/mac/drawingml/2011/main" xmlns="" val="1"/>
+              <ma14:wrappingTextBoxFlag xmlns="" xmlns:ma14="http://schemas.microsoft.com/office/mac/drawingml/2011/main" val="1"/>
             </a:ext>
           </a:extLst>
         </p:spPr>
@@ -5965,7 +5741,7 @@
           </a:ln>
           <a:extLst>
             <a:ext uri="{C572A759-6A51-4108-AA02-DFA0A04FC94B}">
-              <ma14:wrappingTextBoxFlag xmlns:ma14="http://schemas.microsoft.com/office/mac/drawingml/2011/main" xmlns="" val="1"/>
+              <ma14:wrappingTextBoxFlag xmlns="" xmlns:ma14="http://schemas.microsoft.com/office/mac/drawingml/2011/main" val="1"/>
             </a:ext>
           </a:extLst>
         </p:spPr>
@@ -6050,7 +5826,7 @@
           </a:ln>
           <a:extLst>
             <a:ext uri="{C572A759-6A51-4108-AA02-DFA0A04FC94B}">
-              <ma14:wrappingTextBoxFlag xmlns:ma14="http://schemas.microsoft.com/office/mac/drawingml/2011/main" xmlns="" val="1"/>
+              <ma14:wrappingTextBoxFlag xmlns="" xmlns:ma14="http://schemas.microsoft.com/office/mac/drawingml/2011/main" val="1"/>
             </a:ext>
           </a:extLst>
         </p:spPr>
@@ -6182,7 +5958,7 @@
           </a:ln>
           <a:extLst>
             <a:ext uri="{C572A759-6A51-4108-AA02-DFA0A04FC94B}">
-              <ma14:wrappingTextBoxFlag xmlns:ma14="http://schemas.microsoft.com/office/mac/drawingml/2011/main" xmlns="" val="1"/>
+              <ma14:wrappingTextBoxFlag xmlns="" xmlns:ma14="http://schemas.microsoft.com/office/mac/drawingml/2011/main" val="1"/>
             </a:ext>
           </a:extLst>
         </p:spPr>
@@ -6461,7 +6237,7 @@
           </a:ln>
           <a:extLst>
             <a:ext uri="{C572A759-6A51-4108-AA02-DFA0A04FC94B}">
-              <ma14:wrappingTextBoxFlag xmlns:ma14="http://schemas.microsoft.com/office/mac/drawingml/2011/main" xmlns="" val="1"/>
+              <ma14:wrappingTextBoxFlag xmlns="" xmlns:ma14="http://schemas.microsoft.com/office/mac/drawingml/2011/main" val="1"/>
             </a:ext>
           </a:extLst>
         </p:spPr>
@@ -6515,7 +6291,7 @@
           </a:ln>
           <a:extLst>
             <a:ext uri="{C572A759-6A51-4108-AA02-DFA0A04FC94B}">
-              <ma14:wrappingTextBoxFlag xmlns:ma14="http://schemas.microsoft.com/office/mac/drawingml/2011/main" xmlns="" val="1"/>
+              <ma14:wrappingTextBoxFlag xmlns="" xmlns:ma14="http://schemas.microsoft.com/office/mac/drawingml/2011/main" val="1"/>
             </a:ext>
           </a:extLst>
         </p:spPr>
@@ -6565,7 +6341,7 @@
           </a:ln>
           <a:extLst>
             <a:ext uri="{C572A759-6A51-4108-AA02-DFA0A04FC94B}">
-              <ma14:wrappingTextBoxFlag xmlns:ma14="http://schemas.microsoft.com/office/mac/drawingml/2011/main" xmlns="" val="1"/>
+              <ma14:wrappingTextBoxFlag xmlns="" xmlns:ma14="http://schemas.microsoft.com/office/mac/drawingml/2011/main" val="1"/>
             </a:ext>
           </a:extLst>
         </p:spPr>
@@ -6858,7 +6634,7 @@
           </a:ln>
           <a:extLst>
             <a:ext uri="{C572A759-6A51-4108-AA02-DFA0A04FC94B}">
-              <ma14:wrappingTextBoxFlag xmlns:ma14="http://schemas.microsoft.com/office/mac/drawingml/2011/main" xmlns="" val="1"/>
+              <ma14:wrappingTextBoxFlag xmlns="" xmlns:ma14="http://schemas.microsoft.com/office/mac/drawingml/2011/main" val="1"/>
             </a:ext>
           </a:extLst>
         </p:spPr>
@@ -7562,7 +7338,7 @@
           </a:ln>
           <a:extLst>
             <a:ext uri="{C572A759-6A51-4108-AA02-DFA0A04FC94B}">
-              <ma14:wrappingTextBoxFlag xmlns:ma14="http://schemas.microsoft.com/office/mac/drawingml/2011/main" xmlns="" val="1"/>
+              <ma14:wrappingTextBoxFlag xmlns="" xmlns:ma14="http://schemas.microsoft.com/office/mac/drawingml/2011/main" val="1"/>
             </a:ext>
           </a:extLst>
         </p:spPr>
@@ -7616,7 +7392,7 @@
           </a:ln>
           <a:extLst>
             <a:ext uri="{C572A759-6A51-4108-AA02-DFA0A04FC94B}">
-              <ma14:wrappingTextBoxFlag xmlns:ma14="http://schemas.microsoft.com/office/mac/drawingml/2011/main" xmlns="" val="1"/>
+              <ma14:wrappingTextBoxFlag xmlns="" xmlns:ma14="http://schemas.microsoft.com/office/mac/drawingml/2011/main" val="1"/>
             </a:ext>
           </a:extLst>
         </p:spPr>
@@ -7774,7 +7550,7 @@
           </a:ln>
           <a:extLst>
             <a:ext uri="{C572A759-6A51-4108-AA02-DFA0A04FC94B}">
-              <ma14:wrappingTextBoxFlag xmlns:ma14="http://schemas.microsoft.com/office/mac/drawingml/2011/main" xmlns="" val="1"/>
+              <ma14:wrappingTextBoxFlag xmlns="" xmlns:ma14="http://schemas.microsoft.com/office/mac/drawingml/2011/main" val="1"/>
             </a:ext>
           </a:extLst>
         </p:spPr>
@@ -7828,7 +7604,7 @@
           </a:ln>
           <a:extLst>
             <a:ext uri="{C572A759-6A51-4108-AA02-DFA0A04FC94B}">
-              <ma14:wrappingTextBoxFlag xmlns:ma14="http://schemas.microsoft.com/office/mac/drawingml/2011/main" xmlns="" val="1"/>
+              <ma14:wrappingTextBoxFlag xmlns="" xmlns:ma14="http://schemas.microsoft.com/office/mac/drawingml/2011/main" val="1"/>
             </a:ext>
           </a:extLst>
         </p:spPr>
@@ -8236,7 +8012,7 @@
           </a:ln>
           <a:extLst>
             <a:ext uri="{C572A759-6A51-4108-AA02-DFA0A04FC94B}">
-              <ma14:wrappingTextBoxFlag xmlns:ma14="http://schemas.microsoft.com/office/mac/drawingml/2011/main" xmlns="" val="1"/>
+              <ma14:wrappingTextBoxFlag xmlns="" xmlns:ma14="http://schemas.microsoft.com/office/mac/drawingml/2011/main" val="1"/>
             </a:ext>
           </a:extLst>
         </p:spPr>
@@ -8384,7 +8160,7 @@
           </a:ln>
           <a:extLst>
             <a:ext uri="{C572A759-6A51-4108-AA02-DFA0A04FC94B}">
-              <ma14:wrappingTextBoxFlag xmlns:ma14="http://schemas.microsoft.com/office/mac/drawingml/2011/main" xmlns="" val="1"/>
+              <ma14:wrappingTextBoxFlag xmlns="" xmlns:ma14="http://schemas.microsoft.com/office/mac/drawingml/2011/main" val="1"/>
             </a:ext>
           </a:extLst>
         </p:spPr>
@@ -9219,7 +8995,7 @@
           </a:ln>
           <a:extLst>
             <a:ext uri="{C572A759-6A51-4108-AA02-DFA0A04FC94B}">
-              <ma14:wrappingTextBoxFlag xmlns:ma14="http://schemas.microsoft.com/office/mac/drawingml/2011/main" xmlns="" val="1"/>
+              <ma14:wrappingTextBoxFlag xmlns="" xmlns:ma14="http://schemas.microsoft.com/office/mac/drawingml/2011/main" val="1"/>
             </a:ext>
           </a:extLst>
         </p:spPr>
@@ -9264,7 +9040,7 @@
           </a:ln>
           <a:extLst>
             <a:ext uri="{C572A759-6A51-4108-AA02-DFA0A04FC94B}">
-              <ma14:wrappingTextBoxFlag xmlns:ma14="http://schemas.microsoft.com/office/mac/drawingml/2011/main" xmlns="" val="1"/>
+              <ma14:wrappingTextBoxFlag xmlns="" xmlns:ma14="http://schemas.microsoft.com/office/mac/drawingml/2011/main" val="1"/>
             </a:ext>
           </a:extLst>
         </p:spPr>
@@ -9352,7 +9128,7 @@
           </a:ln>
           <a:extLst>
             <a:ext uri="{C572A759-6A51-4108-AA02-DFA0A04FC94B}">
-              <ma14:wrappingTextBoxFlag xmlns:ma14="http://schemas.microsoft.com/office/mac/drawingml/2011/main" xmlns="" val="1"/>
+              <ma14:wrappingTextBoxFlag xmlns="" xmlns:ma14="http://schemas.microsoft.com/office/mac/drawingml/2011/main" val="1"/>
             </a:ext>
           </a:extLst>
         </p:spPr>
@@ -9422,7 +9198,7 @@
           </a:ln>
           <a:extLst>
             <a:ext uri="{C572A759-6A51-4108-AA02-DFA0A04FC94B}">
-              <ma14:wrappingTextBoxFlag xmlns:ma14="http://schemas.microsoft.com/office/mac/drawingml/2011/main" xmlns="" val="1"/>
+              <ma14:wrappingTextBoxFlag xmlns="" xmlns:ma14="http://schemas.microsoft.com/office/mac/drawingml/2011/main" val="1"/>
             </a:ext>
           </a:extLst>
         </p:spPr>
@@ -9546,7 +9322,7 @@
           </a:ln>
           <a:extLst>
             <a:ext uri="{C572A759-6A51-4108-AA02-DFA0A04FC94B}">
-              <ma14:wrappingTextBoxFlag xmlns:ma14="http://schemas.microsoft.com/office/mac/drawingml/2011/main" xmlns="" val="1"/>
+              <ma14:wrappingTextBoxFlag xmlns="" xmlns:ma14="http://schemas.microsoft.com/office/mac/drawingml/2011/main" val="1"/>
             </a:ext>
           </a:extLst>
         </p:spPr>
@@ -9596,7 +9372,7 @@
           </a:ln>
           <a:extLst>
             <a:ext uri="{C572A759-6A51-4108-AA02-DFA0A04FC94B}">
-              <ma14:wrappingTextBoxFlag xmlns:ma14="http://schemas.microsoft.com/office/mac/drawingml/2011/main" xmlns="" val="1"/>
+              <ma14:wrappingTextBoxFlag xmlns="" xmlns:ma14="http://schemas.microsoft.com/office/mac/drawingml/2011/main" val="1"/>
             </a:ext>
           </a:extLst>
         </p:spPr>
@@ -9721,7 +9497,7 @@
           </a:ln>
           <a:extLst>
             <a:ext uri="{C572A759-6A51-4108-AA02-DFA0A04FC94B}">
-              <ma14:wrappingTextBoxFlag xmlns:ma14="http://schemas.microsoft.com/office/mac/drawingml/2011/main" xmlns="" val="1"/>
+              <ma14:wrappingTextBoxFlag xmlns="" xmlns:ma14="http://schemas.microsoft.com/office/mac/drawingml/2011/main" val="1"/>
             </a:ext>
           </a:extLst>
         </p:spPr>
@@ -9810,7 +9586,7 @@
           </a:ln>
           <a:extLst>
             <a:ext uri="{C572A759-6A51-4108-AA02-DFA0A04FC94B}">
-              <ma14:wrappingTextBoxFlag xmlns:ma14="http://schemas.microsoft.com/office/mac/drawingml/2011/main" xmlns="" val="1"/>
+              <ma14:wrappingTextBoxFlag xmlns="" xmlns:ma14="http://schemas.microsoft.com/office/mac/drawingml/2011/main" val="1"/>
             </a:ext>
           </a:extLst>
         </p:spPr>
@@ -9899,7 +9675,7 @@
           </a:ln>
           <a:extLst>
             <a:ext uri="{C572A759-6A51-4108-AA02-DFA0A04FC94B}">
-              <ma14:wrappingTextBoxFlag xmlns:ma14="http://schemas.microsoft.com/office/mac/drawingml/2011/main" xmlns="" val="1"/>
+              <ma14:wrappingTextBoxFlag xmlns="" xmlns:ma14="http://schemas.microsoft.com/office/mac/drawingml/2011/main" val="1"/>
             </a:ext>
           </a:extLst>
         </p:spPr>
@@ -9983,7 +9759,7 @@
           </a:ln>
           <a:extLst>
             <a:ext uri="{C572A759-6A51-4108-AA02-DFA0A04FC94B}">
-              <ma14:wrappingTextBoxFlag xmlns:ma14="http://schemas.microsoft.com/office/mac/drawingml/2011/main" xmlns="" val="1"/>
+              <ma14:wrappingTextBoxFlag xmlns="" xmlns:ma14="http://schemas.microsoft.com/office/mac/drawingml/2011/main" val="1"/>
             </a:ext>
           </a:extLst>
         </p:spPr>
@@ -10042,7 +9818,7 @@
           </a:ln>
           <a:extLst>
             <a:ext uri="{C572A759-6A51-4108-AA02-DFA0A04FC94B}">
-              <ma14:wrappingTextBoxFlag xmlns:ma14="http://schemas.microsoft.com/office/mac/drawingml/2011/main" xmlns="" val="1"/>
+              <ma14:wrappingTextBoxFlag xmlns="" xmlns:ma14="http://schemas.microsoft.com/office/mac/drawingml/2011/main" val="1"/>
             </a:ext>
           </a:extLst>
         </p:spPr>
@@ -10101,7 +9877,7 @@
           </a:ln>
           <a:extLst>
             <a:ext uri="{C572A759-6A51-4108-AA02-DFA0A04FC94B}">
-              <ma14:wrappingTextBoxFlag xmlns:ma14="http://schemas.microsoft.com/office/mac/drawingml/2011/main" xmlns="" val="1"/>
+              <ma14:wrappingTextBoxFlag xmlns="" xmlns:ma14="http://schemas.microsoft.com/office/mac/drawingml/2011/main" val="1"/>
             </a:ext>
           </a:extLst>
         </p:spPr>
@@ -10241,7 +10017,7 @@
                 <a:gridCol w="181337">
                   <a:extLst>
                     <a:ext uri="{9D8B030D-6E8A-4147-A177-3AD203B41FA5}">
-                      <a16:colId xmlns:a16="http://schemas.microsoft.com/office/drawing/2014/main" xmlns="" val="20000"/>
+                      <a16:colId xmlns="" xmlns:a16="http://schemas.microsoft.com/office/drawing/2014/main" val="20000"/>
                     </a:ext>
                   </a:extLst>
                 </a:gridCol>
@@ -10267,7 +10043,7 @@
                 </a:tc>
                 <a:extLst>
                   <a:ext uri="{0D108BD9-81ED-4DB2-BD59-A6C34878D82A}">
-                    <a16:rowId xmlns:a16="http://schemas.microsoft.com/office/drawing/2014/main" xmlns="" val="10000"/>
+                    <a16:rowId xmlns="" xmlns:a16="http://schemas.microsoft.com/office/drawing/2014/main" val="10000"/>
                   </a:ext>
                 </a:extLst>
               </a:tr>
@@ -10292,7 +10068,7 @@
                 </a:tc>
                 <a:extLst>
                   <a:ext uri="{0D108BD9-81ED-4DB2-BD59-A6C34878D82A}">
-                    <a16:rowId xmlns:a16="http://schemas.microsoft.com/office/drawing/2014/main" xmlns="" val="10001"/>
+                    <a16:rowId xmlns="" xmlns:a16="http://schemas.microsoft.com/office/drawing/2014/main" val="10001"/>
                   </a:ext>
                 </a:extLst>
               </a:tr>
@@ -10317,7 +10093,7 @@
                 </a:tc>
                 <a:extLst>
                   <a:ext uri="{0D108BD9-81ED-4DB2-BD59-A6C34878D82A}">
-                    <a16:rowId xmlns:a16="http://schemas.microsoft.com/office/drawing/2014/main" xmlns="" val="10002"/>
+                    <a16:rowId xmlns="" xmlns:a16="http://schemas.microsoft.com/office/drawing/2014/main" val="10002"/>
                   </a:ext>
                 </a:extLst>
               </a:tr>
@@ -10342,7 +10118,7 @@
                 </a:tc>
                 <a:extLst>
                   <a:ext uri="{0D108BD9-81ED-4DB2-BD59-A6C34878D82A}">
-                    <a16:rowId xmlns:a16="http://schemas.microsoft.com/office/drawing/2014/main" xmlns="" val="10003"/>
+                    <a16:rowId xmlns="" xmlns:a16="http://schemas.microsoft.com/office/drawing/2014/main" val="10003"/>
                   </a:ext>
                 </a:extLst>
               </a:tr>
@@ -10367,7 +10143,7 @@
                 </a:tc>
                 <a:extLst>
                   <a:ext uri="{0D108BD9-81ED-4DB2-BD59-A6C34878D82A}">
-                    <a16:rowId xmlns:a16="http://schemas.microsoft.com/office/drawing/2014/main" xmlns="" val="10004"/>
+                    <a16:rowId xmlns="" xmlns:a16="http://schemas.microsoft.com/office/drawing/2014/main" val="10004"/>
                   </a:ext>
                 </a:extLst>
               </a:tr>
@@ -10395,7 +10171,7 @@
                 <a:gridCol w="181337">
                   <a:extLst>
                     <a:ext uri="{9D8B030D-6E8A-4147-A177-3AD203B41FA5}">
-                      <a16:colId xmlns:a16="http://schemas.microsoft.com/office/drawing/2014/main" xmlns="" val="20000"/>
+                      <a16:colId xmlns="" xmlns:a16="http://schemas.microsoft.com/office/drawing/2014/main" val="20000"/>
                     </a:ext>
                   </a:extLst>
                 </a:gridCol>
@@ -10425,7 +10201,7 @@
                 </a:tc>
                 <a:extLst>
                   <a:ext uri="{0D108BD9-81ED-4DB2-BD59-A6C34878D82A}">
-                    <a16:rowId xmlns:a16="http://schemas.microsoft.com/office/drawing/2014/main" xmlns="" val="10000"/>
+                    <a16:rowId xmlns="" xmlns:a16="http://schemas.microsoft.com/office/drawing/2014/main" val="10000"/>
                   </a:ext>
                 </a:extLst>
               </a:tr>
@@ -10540,7 +10316,7 @@
             <a:effectLst/>
             <a:extLst>
               <a:ext uri="{C572A759-6A51-4108-AA02-DFA0A04FC94B}">
-                <ma14:wrappingTextBoxFlag xmlns:ma14="http://schemas.microsoft.com/office/mac/drawingml/2011/main" xmlns="" val="1"/>
+                <ma14:wrappingTextBoxFlag xmlns="" xmlns:ma14="http://schemas.microsoft.com/office/mac/drawingml/2011/main" val="1"/>
               </a:ext>
             </a:extLst>
           </p:spPr>
@@ -10617,7 +10393,7 @@
           </a:ln>
           <a:extLst>
             <a:ext uri="{C572A759-6A51-4108-AA02-DFA0A04FC94B}">
-              <ma14:wrappingTextBoxFlag xmlns:ma14="http://schemas.microsoft.com/office/mac/drawingml/2011/main" xmlns="" val="1"/>
+              <ma14:wrappingTextBoxFlag xmlns="" xmlns:ma14="http://schemas.microsoft.com/office/mac/drawingml/2011/main" val="1"/>
             </a:ext>
           </a:extLst>
         </p:spPr>
@@ -10705,7 +10481,7 @@
           </a:ln>
           <a:extLst>
             <a:ext uri="{C572A759-6A51-4108-AA02-DFA0A04FC94B}">
-              <ma14:wrappingTextBoxFlag xmlns:ma14="http://schemas.microsoft.com/office/mac/drawingml/2011/main" xmlns="" val="1"/>
+              <ma14:wrappingTextBoxFlag xmlns="" xmlns:ma14="http://schemas.microsoft.com/office/mac/drawingml/2011/main" val="1"/>
             </a:ext>
           </a:extLst>
         </p:spPr>
@@ -13302,7 +13078,7 @@
           </a:ln>
           <a:extLst>
             <a:ext uri="{C572A759-6A51-4108-AA02-DFA0A04FC94B}">
-              <ma14:wrappingTextBoxFlag xmlns:ma14="http://schemas.microsoft.com/office/mac/drawingml/2011/main" xmlns="" val="1"/>
+              <ma14:wrappingTextBoxFlag xmlns="" xmlns:ma14="http://schemas.microsoft.com/office/mac/drawingml/2011/main" val="1"/>
             </a:ext>
           </a:extLst>
         </p:spPr>
@@ -13373,7 +13149,7 @@
           </a:ln>
           <a:extLst>
             <a:ext uri="{C572A759-6A51-4108-AA02-DFA0A04FC94B}">
-              <ma14:wrappingTextBoxFlag xmlns:ma14="http://schemas.microsoft.com/office/mac/drawingml/2011/main" xmlns="" val="1"/>
+              <ma14:wrappingTextBoxFlag xmlns="" xmlns:ma14="http://schemas.microsoft.com/office/mac/drawingml/2011/main" val="1"/>
             </a:ext>
           </a:extLst>
         </p:spPr>
@@ -13432,7 +13208,7 @@
           </a:ln>
           <a:extLst>
             <a:ext uri="{C572A759-6A51-4108-AA02-DFA0A04FC94B}">
-              <ma14:wrappingTextBoxFlag xmlns:ma14="http://schemas.microsoft.com/office/mac/drawingml/2011/main" xmlns="" val="1"/>
+              <ma14:wrappingTextBoxFlag xmlns="" xmlns:ma14="http://schemas.microsoft.com/office/mac/drawingml/2011/main" val="1"/>
             </a:ext>
           </a:extLst>
         </p:spPr>
@@ -13586,7 +13362,7 @@
           </a:ln>
           <a:extLst>
             <a:ext uri="{C572A759-6A51-4108-AA02-DFA0A04FC94B}">
-              <ma14:wrappingTextBoxFlag xmlns:ma14="http://schemas.microsoft.com/office/mac/drawingml/2011/main" xmlns="" val="1"/>
+              <ma14:wrappingTextBoxFlag xmlns="" xmlns:ma14="http://schemas.microsoft.com/office/mac/drawingml/2011/main" val="1"/>
             </a:ext>
           </a:extLst>
         </p:spPr>
@@ -13645,7 +13421,7 @@
           </a:ln>
           <a:extLst>
             <a:ext uri="{C572A759-6A51-4108-AA02-DFA0A04FC94B}">
-              <ma14:wrappingTextBoxFlag xmlns:ma14="http://schemas.microsoft.com/office/mac/drawingml/2011/main" xmlns="" val="1"/>
+              <ma14:wrappingTextBoxFlag xmlns="" xmlns:ma14="http://schemas.microsoft.com/office/mac/drawingml/2011/main" val="1"/>
             </a:ext>
           </a:extLst>
         </p:spPr>
@@ -13704,7 +13480,7 @@
           </a:ln>
           <a:extLst>
             <a:ext uri="{C572A759-6A51-4108-AA02-DFA0A04FC94B}">
-              <ma14:wrappingTextBoxFlag xmlns:ma14="http://schemas.microsoft.com/office/mac/drawingml/2011/main" xmlns="" val="1"/>
+              <ma14:wrappingTextBoxFlag xmlns="" xmlns:ma14="http://schemas.microsoft.com/office/mac/drawingml/2011/main" val="1"/>
             </a:ext>
           </a:extLst>
         </p:spPr>
@@ -13763,7 +13539,7 @@
           </a:ln>
           <a:extLst>
             <a:ext uri="{C572A759-6A51-4108-AA02-DFA0A04FC94B}">
-              <ma14:wrappingTextBoxFlag xmlns:ma14="http://schemas.microsoft.com/office/mac/drawingml/2011/main" xmlns="" val="1"/>
+              <ma14:wrappingTextBoxFlag xmlns="" xmlns:ma14="http://schemas.microsoft.com/office/mac/drawingml/2011/main" val="1"/>
             </a:ext>
           </a:extLst>
         </p:spPr>
@@ -13822,7 +13598,7 @@
           </a:ln>
           <a:extLst>
             <a:ext uri="{C572A759-6A51-4108-AA02-DFA0A04FC94B}">
-              <ma14:wrappingTextBoxFlag xmlns:ma14="http://schemas.microsoft.com/office/mac/drawingml/2011/main" xmlns="" val="1"/>
+              <ma14:wrappingTextBoxFlag xmlns="" xmlns:ma14="http://schemas.microsoft.com/office/mac/drawingml/2011/main" val="1"/>
             </a:ext>
           </a:extLst>
         </p:spPr>
@@ -13881,7 +13657,7 @@
           </a:ln>
           <a:extLst>
             <a:ext uri="{C572A759-6A51-4108-AA02-DFA0A04FC94B}">
-              <ma14:wrappingTextBoxFlag xmlns:ma14="http://schemas.microsoft.com/office/mac/drawingml/2011/main" xmlns="" val="1"/>
+              <ma14:wrappingTextBoxFlag xmlns="" xmlns:ma14="http://schemas.microsoft.com/office/mac/drawingml/2011/main" val="1"/>
             </a:ext>
           </a:extLst>
         </p:spPr>
@@ -14251,7 +14027,7 @@
           </a:ln>
           <a:extLst>
             <a:ext uri="{C572A759-6A51-4108-AA02-DFA0A04FC94B}">
-              <ma14:wrappingTextBoxFlag xmlns:ma14="http://schemas.microsoft.com/office/mac/drawingml/2011/main" xmlns="" val="1"/>
+              <ma14:wrappingTextBoxFlag xmlns="" xmlns:ma14="http://schemas.microsoft.com/office/mac/drawingml/2011/main" val="1"/>
             </a:ext>
           </a:extLst>
         </p:spPr>
@@ -14343,7 +14119,7 @@
           </a:ln>
           <a:extLst>
             <a:ext uri="{C572A759-6A51-4108-AA02-DFA0A04FC94B}">
-              <ma14:wrappingTextBoxFlag xmlns:ma14="http://schemas.microsoft.com/office/mac/drawingml/2011/main" xmlns="" val="1"/>
+              <ma14:wrappingTextBoxFlag xmlns="" xmlns:ma14="http://schemas.microsoft.com/office/mac/drawingml/2011/main" val="1"/>
             </a:ext>
           </a:extLst>
         </p:spPr>
@@ -14437,7 +14213,7 @@
           </a:ln>
           <a:extLst>
             <a:ext uri="{C572A759-6A51-4108-AA02-DFA0A04FC94B}">
-              <ma14:wrappingTextBoxFlag xmlns:ma14="http://schemas.microsoft.com/office/mac/drawingml/2011/main" xmlns="" val="1"/>
+              <ma14:wrappingTextBoxFlag xmlns="" xmlns:ma14="http://schemas.microsoft.com/office/mac/drawingml/2011/main" val="1"/>
             </a:ext>
           </a:extLst>
         </p:spPr>
@@ -14487,7 +14263,7 @@
           </a:ln>
           <a:extLst>
             <a:ext uri="{C572A759-6A51-4108-AA02-DFA0A04FC94B}">
-              <ma14:wrappingTextBoxFlag xmlns:ma14="http://schemas.microsoft.com/office/mac/drawingml/2011/main" xmlns="" val="1"/>
+              <ma14:wrappingTextBoxFlag xmlns="" xmlns:ma14="http://schemas.microsoft.com/office/mac/drawingml/2011/main" val="1"/>
             </a:ext>
           </a:extLst>
         </p:spPr>
@@ -14537,7 +14313,7 @@
           </a:ln>
           <a:extLst>
             <a:ext uri="{C572A759-6A51-4108-AA02-DFA0A04FC94B}">
-              <ma14:wrappingTextBoxFlag xmlns:ma14="http://schemas.microsoft.com/office/mac/drawingml/2011/main" xmlns="" val="1"/>
+              <ma14:wrappingTextBoxFlag xmlns="" xmlns:ma14="http://schemas.microsoft.com/office/mac/drawingml/2011/main" val="1"/>
             </a:ext>
           </a:extLst>
         </p:spPr>
@@ -14582,7 +14358,7 @@
           </a:ln>
           <a:extLst>
             <a:ext uri="{C572A759-6A51-4108-AA02-DFA0A04FC94B}">
-              <ma14:wrappingTextBoxFlag xmlns:ma14="http://schemas.microsoft.com/office/mac/drawingml/2011/main" xmlns="" val="1"/>
+              <ma14:wrappingTextBoxFlag xmlns="" xmlns:ma14="http://schemas.microsoft.com/office/mac/drawingml/2011/main" val="1"/>
             </a:ext>
           </a:extLst>
         </p:spPr>
@@ -14641,7 +14417,7 @@
           </a:ln>
           <a:extLst>
             <a:ext uri="{C572A759-6A51-4108-AA02-DFA0A04FC94B}">
-              <ma14:wrappingTextBoxFlag xmlns:ma14="http://schemas.microsoft.com/office/mac/drawingml/2011/main" xmlns="" val="1"/>
+              <ma14:wrappingTextBoxFlag xmlns="" xmlns:ma14="http://schemas.microsoft.com/office/mac/drawingml/2011/main" val="1"/>
             </a:ext>
           </a:extLst>
         </p:spPr>
@@ -14731,7 +14507,7 @@
           </a:ln>
           <a:extLst>
             <a:ext uri="{C572A759-6A51-4108-AA02-DFA0A04FC94B}">
-              <ma14:wrappingTextBoxFlag xmlns:ma14="http://schemas.microsoft.com/office/mac/drawingml/2011/main" xmlns="" val="1"/>
+              <ma14:wrappingTextBoxFlag xmlns="" xmlns:ma14="http://schemas.microsoft.com/office/mac/drawingml/2011/main" val="1"/>
             </a:ext>
           </a:extLst>
         </p:spPr>
@@ -14789,28 +14565,28 @@
                 <a:gridCol w="247032">
                   <a:extLst>
                     <a:ext uri="{9D8B030D-6E8A-4147-A177-3AD203B41FA5}">
-                      <a16:colId xmlns:a16="http://schemas.microsoft.com/office/drawing/2014/main" xmlns="" val="20000"/>
+                      <a16:colId xmlns="" xmlns:a16="http://schemas.microsoft.com/office/drawing/2014/main" val="20000"/>
                     </a:ext>
                   </a:extLst>
                 </a:gridCol>
                 <a:gridCol w="247032">
                   <a:extLst>
                     <a:ext uri="{9D8B030D-6E8A-4147-A177-3AD203B41FA5}">
-                      <a16:colId xmlns:a16="http://schemas.microsoft.com/office/drawing/2014/main" xmlns="" val="20001"/>
+                      <a16:colId xmlns="" xmlns:a16="http://schemas.microsoft.com/office/drawing/2014/main" val="20001"/>
                     </a:ext>
                   </a:extLst>
                 </a:gridCol>
                 <a:gridCol w="247032">
                   <a:extLst>
                     <a:ext uri="{9D8B030D-6E8A-4147-A177-3AD203B41FA5}">
-                      <a16:colId xmlns:a16="http://schemas.microsoft.com/office/drawing/2014/main" xmlns="" val="20002"/>
+                      <a16:colId xmlns="" xmlns:a16="http://schemas.microsoft.com/office/drawing/2014/main" val="20002"/>
                     </a:ext>
                   </a:extLst>
                 </a:gridCol>
                 <a:gridCol w="247032">
                   <a:extLst>
                     <a:ext uri="{9D8B030D-6E8A-4147-A177-3AD203B41FA5}">
-                      <a16:colId xmlns:a16="http://schemas.microsoft.com/office/drawing/2014/main" xmlns="" val="20003"/>
+                      <a16:colId xmlns="" xmlns:a16="http://schemas.microsoft.com/office/drawing/2014/main" val="20003"/>
                     </a:ext>
                   </a:extLst>
                 </a:gridCol>
@@ -14894,7 +14670,7 @@
                 </a:tc>
                 <a:extLst>
                   <a:ext uri="{0D108BD9-81ED-4DB2-BD59-A6C34878D82A}">
-                    <a16:rowId xmlns:a16="http://schemas.microsoft.com/office/drawing/2014/main" xmlns="" val="10000"/>
+                    <a16:rowId xmlns="" xmlns:a16="http://schemas.microsoft.com/office/drawing/2014/main" val="10000"/>
                   </a:ext>
                 </a:extLst>
               </a:tr>
@@ -14985,7 +14761,7 @@
                 </a:tc>
                 <a:extLst>
                   <a:ext uri="{0D108BD9-81ED-4DB2-BD59-A6C34878D82A}">
-                    <a16:rowId xmlns:a16="http://schemas.microsoft.com/office/drawing/2014/main" xmlns="" val="10001"/>
+                    <a16:rowId xmlns="" xmlns:a16="http://schemas.microsoft.com/office/drawing/2014/main" val="10001"/>
                   </a:ext>
                 </a:extLst>
               </a:tr>
@@ -15076,7 +14852,7 @@
                 </a:tc>
                 <a:extLst>
                   <a:ext uri="{0D108BD9-81ED-4DB2-BD59-A6C34878D82A}">
-                    <a16:rowId xmlns:a16="http://schemas.microsoft.com/office/drawing/2014/main" xmlns="" val="10002"/>
+                    <a16:rowId xmlns="" xmlns:a16="http://schemas.microsoft.com/office/drawing/2014/main" val="10002"/>
                   </a:ext>
                 </a:extLst>
               </a:tr>
@@ -15104,21 +14880,21 @@
                 <a:gridCol w="238519">
                   <a:extLst>
                     <a:ext uri="{9D8B030D-6E8A-4147-A177-3AD203B41FA5}">
-                      <a16:colId xmlns:a16="http://schemas.microsoft.com/office/drawing/2014/main" xmlns="" val="20000"/>
+                      <a16:colId xmlns="" xmlns:a16="http://schemas.microsoft.com/office/drawing/2014/main" val="20000"/>
                     </a:ext>
                   </a:extLst>
                 </a:gridCol>
                 <a:gridCol w="238519">
                   <a:extLst>
                     <a:ext uri="{9D8B030D-6E8A-4147-A177-3AD203B41FA5}">
-                      <a16:colId xmlns:a16="http://schemas.microsoft.com/office/drawing/2014/main" xmlns="" val="20001"/>
+                      <a16:colId xmlns="" xmlns:a16="http://schemas.microsoft.com/office/drawing/2014/main" val="20001"/>
                     </a:ext>
                   </a:extLst>
                 </a:gridCol>
                 <a:gridCol w="238519">
                   <a:extLst>
                     <a:ext uri="{9D8B030D-6E8A-4147-A177-3AD203B41FA5}">
-                      <a16:colId xmlns:a16="http://schemas.microsoft.com/office/drawing/2014/main" xmlns="" val="20002"/>
+                      <a16:colId xmlns="" xmlns:a16="http://schemas.microsoft.com/office/drawing/2014/main" val="20002"/>
                     </a:ext>
                   </a:extLst>
                 </a:gridCol>
@@ -15195,7 +14971,7 @@
                 </a:tc>
                 <a:extLst>
                   <a:ext uri="{0D108BD9-81ED-4DB2-BD59-A6C34878D82A}">
-                    <a16:rowId xmlns:a16="http://schemas.microsoft.com/office/drawing/2014/main" xmlns="" val="10000"/>
+                    <a16:rowId xmlns="" xmlns:a16="http://schemas.microsoft.com/office/drawing/2014/main" val="10000"/>
                   </a:ext>
                 </a:extLst>
               </a:tr>
@@ -15256,7 +15032,7 @@
                 </a:tc>
                 <a:extLst>
                   <a:ext uri="{0D108BD9-81ED-4DB2-BD59-A6C34878D82A}">
-                    <a16:rowId xmlns:a16="http://schemas.microsoft.com/office/drawing/2014/main" xmlns="" val="10001"/>
+                    <a16:rowId xmlns="" xmlns:a16="http://schemas.microsoft.com/office/drawing/2014/main" val="10001"/>
                   </a:ext>
                 </a:extLst>
               </a:tr>
@@ -15317,7 +15093,7 @@
                 </a:tc>
                 <a:extLst>
                   <a:ext uri="{0D108BD9-81ED-4DB2-BD59-A6C34878D82A}">
-                    <a16:rowId xmlns:a16="http://schemas.microsoft.com/office/drawing/2014/main" xmlns="" val="10002"/>
+                    <a16:rowId xmlns="" xmlns:a16="http://schemas.microsoft.com/office/drawing/2014/main" val="10002"/>
                   </a:ext>
                 </a:extLst>
               </a:tr>
@@ -15388,7 +15164,7 @@
                 </a:tc>
                 <a:extLst>
                   <a:ext uri="{0D108BD9-81ED-4DB2-BD59-A6C34878D82A}">
-                    <a16:rowId xmlns:a16="http://schemas.microsoft.com/office/drawing/2014/main" xmlns="" val="10003"/>
+                    <a16:rowId xmlns="" xmlns:a16="http://schemas.microsoft.com/office/drawing/2014/main" val="10003"/>
                   </a:ext>
                 </a:extLst>
               </a:tr>
@@ -15459,7 +15235,7 @@
                 </a:tc>
                 <a:extLst>
                   <a:ext uri="{0D108BD9-81ED-4DB2-BD59-A6C34878D82A}">
-                    <a16:rowId xmlns:a16="http://schemas.microsoft.com/office/drawing/2014/main" xmlns="" val="10004"/>
+                    <a16:rowId xmlns="" xmlns:a16="http://schemas.microsoft.com/office/drawing/2014/main" val="10004"/>
                   </a:ext>
                 </a:extLst>
               </a:tr>
@@ -15530,7 +15306,7 @@
                 </a:tc>
                 <a:extLst>
                   <a:ext uri="{0D108BD9-81ED-4DB2-BD59-A6C34878D82A}">
-                    <a16:rowId xmlns:a16="http://schemas.microsoft.com/office/drawing/2014/main" xmlns="" val="10005"/>
+                    <a16:rowId xmlns="" xmlns:a16="http://schemas.microsoft.com/office/drawing/2014/main" val="10005"/>
                   </a:ext>
                 </a:extLst>
               </a:tr>
@@ -15601,7 +15377,7 @@
                 </a:tc>
                 <a:extLst>
                   <a:ext uri="{0D108BD9-81ED-4DB2-BD59-A6C34878D82A}">
-                    <a16:rowId xmlns:a16="http://schemas.microsoft.com/office/drawing/2014/main" xmlns="" val="10006"/>
+                    <a16:rowId xmlns="" xmlns:a16="http://schemas.microsoft.com/office/drawing/2014/main" val="10006"/>
                   </a:ext>
                 </a:extLst>
               </a:tr>
@@ -15677,21 +15453,21 @@
                 <a:gridCol w="233402">
                   <a:extLst>
                     <a:ext uri="{9D8B030D-6E8A-4147-A177-3AD203B41FA5}">
-                      <a16:colId xmlns:a16="http://schemas.microsoft.com/office/drawing/2014/main" xmlns="" val="20000"/>
+                      <a16:colId xmlns="" xmlns:a16="http://schemas.microsoft.com/office/drawing/2014/main" val="20000"/>
                     </a:ext>
                   </a:extLst>
                 </a:gridCol>
                 <a:gridCol w="233402">
                   <a:extLst>
                     <a:ext uri="{9D8B030D-6E8A-4147-A177-3AD203B41FA5}">
-                      <a16:colId xmlns:a16="http://schemas.microsoft.com/office/drawing/2014/main" xmlns="" val="20001"/>
+                      <a16:colId xmlns="" xmlns:a16="http://schemas.microsoft.com/office/drawing/2014/main" val="20001"/>
                     </a:ext>
                   </a:extLst>
                 </a:gridCol>
                 <a:gridCol w="233402">
                   <a:extLst>
                     <a:ext uri="{9D8B030D-6E8A-4147-A177-3AD203B41FA5}">
-                      <a16:colId xmlns:a16="http://schemas.microsoft.com/office/drawing/2014/main" xmlns="" val="20002"/>
+                      <a16:colId xmlns="" xmlns:a16="http://schemas.microsoft.com/office/drawing/2014/main" val="20002"/>
                     </a:ext>
                   </a:extLst>
                 </a:gridCol>
@@ -15792,7 +15568,7 @@
                 </a:tc>
                 <a:extLst>
                   <a:ext uri="{0D108BD9-81ED-4DB2-BD59-A6C34878D82A}">
-                    <a16:rowId xmlns:a16="http://schemas.microsoft.com/office/drawing/2014/main" xmlns="" val="10000"/>
+                    <a16:rowId xmlns="" xmlns:a16="http://schemas.microsoft.com/office/drawing/2014/main" val="10000"/>
                   </a:ext>
                 </a:extLst>
               </a:tr>
@@ -15838,7 +15614,7 @@
                 </a:tc>
                 <a:extLst>
                   <a:ext uri="{0D108BD9-81ED-4DB2-BD59-A6C34878D82A}">
-                    <a16:rowId xmlns:a16="http://schemas.microsoft.com/office/drawing/2014/main" xmlns="" val="10001"/>
+                    <a16:rowId xmlns="" xmlns:a16="http://schemas.microsoft.com/office/drawing/2014/main" val="10001"/>
                   </a:ext>
                 </a:extLst>
               </a:tr>
@@ -15884,7 +15660,7 @@
                 </a:tc>
                 <a:extLst>
                   <a:ext uri="{0D108BD9-81ED-4DB2-BD59-A6C34878D82A}">
-                    <a16:rowId xmlns:a16="http://schemas.microsoft.com/office/drawing/2014/main" xmlns="" val="10002"/>
+                    <a16:rowId xmlns="" xmlns:a16="http://schemas.microsoft.com/office/drawing/2014/main" val="10002"/>
                   </a:ext>
                 </a:extLst>
               </a:tr>
@@ -15930,7 +15706,7 @@
                 </a:tc>
                 <a:extLst>
                   <a:ext uri="{0D108BD9-81ED-4DB2-BD59-A6C34878D82A}">
-                    <a16:rowId xmlns:a16="http://schemas.microsoft.com/office/drawing/2014/main" xmlns="" val="10003"/>
+                    <a16:rowId xmlns="" xmlns:a16="http://schemas.microsoft.com/office/drawing/2014/main" val="10003"/>
                   </a:ext>
                 </a:extLst>
               </a:tr>
@@ -20739,14 +20515,14 @@
                 <a:gridCol w="1144233">
                   <a:extLst>
                     <a:ext uri="{9D8B030D-6E8A-4147-A177-3AD203B41FA5}">
-                      <a16:colId xmlns:a16="http://schemas.microsoft.com/office/drawing/2014/main" xmlns="" val="20000"/>
+                      <a16:colId xmlns="" xmlns:a16="http://schemas.microsoft.com/office/drawing/2014/main" val="20000"/>
                     </a:ext>
                   </a:extLst>
                 </a:gridCol>
                 <a:gridCol w="1913985">
                   <a:extLst>
                     <a:ext uri="{9D8B030D-6E8A-4147-A177-3AD203B41FA5}">
-                      <a16:colId xmlns:a16="http://schemas.microsoft.com/office/drawing/2014/main" xmlns="" val="20001"/>
+                      <a16:colId xmlns="" xmlns:a16="http://schemas.microsoft.com/office/drawing/2014/main" val="20001"/>
                     </a:ext>
                   </a:extLst>
                 </a:gridCol>
@@ -20842,7 +20618,7 @@
                 </a:tc>
                 <a:extLst>
                   <a:ext uri="{0D108BD9-81ED-4DB2-BD59-A6C34878D82A}">
-                    <a16:rowId xmlns:a16="http://schemas.microsoft.com/office/drawing/2014/main" xmlns="" val="10000"/>
+                    <a16:rowId xmlns="" xmlns:a16="http://schemas.microsoft.com/office/drawing/2014/main" val="10000"/>
                   </a:ext>
                 </a:extLst>
               </a:tr>
@@ -20937,7 +20713,7 @@
                 </a:tc>
                 <a:extLst>
                   <a:ext uri="{0D108BD9-81ED-4DB2-BD59-A6C34878D82A}">
-                    <a16:rowId xmlns:a16="http://schemas.microsoft.com/office/drawing/2014/main" xmlns="" val="10001"/>
+                    <a16:rowId xmlns="" xmlns:a16="http://schemas.microsoft.com/office/drawing/2014/main" val="10001"/>
                   </a:ext>
                 </a:extLst>
               </a:tr>
@@ -21032,7 +20808,7 @@
                 </a:tc>
                 <a:extLst>
                   <a:ext uri="{0D108BD9-81ED-4DB2-BD59-A6C34878D82A}">
-                    <a16:rowId xmlns:a16="http://schemas.microsoft.com/office/drawing/2014/main" xmlns="" val="10002"/>
+                    <a16:rowId xmlns="" xmlns:a16="http://schemas.microsoft.com/office/drawing/2014/main" val="10002"/>
                   </a:ext>
                 </a:extLst>
               </a:tr>
@@ -21127,7 +20903,7 @@
                 </a:tc>
                 <a:extLst>
                   <a:ext uri="{0D108BD9-81ED-4DB2-BD59-A6C34878D82A}">
-                    <a16:rowId xmlns:a16="http://schemas.microsoft.com/office/drawing/2014/main" xmlns="" val="10003"/>
+                    <a16:rowId xmlns="" xmlns:a16="http://schemas.microsoft.com/office/drawing/2014/main" val="10003"/>
                   </a:ext>
                 </a:extLst>
               </a:tr>
@@ -21477,7 +21253,7 @@
           </a:ln>
           <a:extLst>
             <a:ext uri="{C572A759-6A51-4108-AA02-DFA0A04FC94B}">
-              <ma14:wrappingTextBoxFlag xmlns:ma14="http://schemas.microsoft.com/office/mac/drawingml/2011/main" xmlns="" val="1"/>
+              <ma14:wrappingTextBoxFlag xmlns="" xmlns:ma14="http://schemas.microsoft.com/office/mac/drawingml/2011/main" val="1"/>
             </a:ext>
           </a:extLst>
         </p:spPr>
@@ -21981,7 +21757,7 @@
           </a:ln>
           <a:extLst>
             <a:ext uri="{C572A759-6A51-4108-AA02-DFA0A04FC94B}">
-              <ma14:wrappingTextBoxFlag xmlns:ma14="http://schemas.microsoft.com/office/mac/drawingml/2011/main" xmlns="" val="1"/>
+              <ma14:wrappingTextBoxFlag xmlns="" xmlns:ma14="http://schemas.microsoft.com/office/mac/drawingml/2011/main" val="1"/>
             </a:ext>
           </a:extLst>
         </p:spPr>
@@ -22079,7 +21855,7 @@
             <a:effectLst/>
             <a:extLst>
               <a:ext uri="{C572A759-6A51-4108-AA02-DFA0A04FC94B}">
-                <ma14:wrappingTextBoxFlag xmlns:ma14="http://schemas.microsoft.com/office/mac/drawingml/2011/main" xmlns="" val="1"/>
+                <ma14:wrappingTextBoxFlag xmlns="" xmlns:ma14="http://schemas.microsoft.com/office/mac/drawingml/2011/main" val="1"/>
               </a:ext>
             </a:extLst>
           </p:spPr>
@@ -22144,7 +21920,7 @@
             <a:effectLst/>
             <a:extLst>
               <a:ext uri="{C572A759-6A51-4108-AA02-DFA0A04FC94B}">
-                <ma14:wrappingTextBoxFlag xmlns:ma14="http://schemas.microsoft.com/office/mac/drawingml/2011/main" xmlns="" val="1"/>
+                <ma14:wrappingTextBoxFlag xmlns="" xmlns:ma14="http://schemas.microsoft.com/office/mac/drawingml/2011/main" val="1"/>
               </a:ext>
             </a:extLst>
           </p:spPr>
@@ -22206,7 +21982,7 @@
             <a:effectLst/>
             <a:extLst>
               <a:ext uri="{C572A759-6A51-4108-AA02-DFA0A04FC94B}">
-                <ma14:wrappingTextBoxFlag xmlns:ma14="http://schemas.microsoft.com/office/mac/drawingml/2011/main" xmlns="" val="1"/>
+                <ma14:wrappingTextBoxFlag xmlns="" xmlns:ma14="http://schemas.microsoft.com/office/mac/drawingml/2011/main" val="1"/>
               </a:ext>
             </a:extLst>
           </p:spPr>
@@ -22268,7 +22044,7 @@
             <a:effectLst/>
             <a:extLst>
               <a:ext uri="{C572A759-6A51-4108-AA02-DFA0A04FC94B}">
-                <ma14:wrappingTextBoxFlag xmlns:ma14="http://schemas.microsoft.com/office/mac/drawingml/2011/main" xmlns="" val="1"/>
+                <ma14:wrappingTextBoxFlag xmlns="" xmlns:ma14="http://schemas.microsoft.com/office/mac/drawingml/2011/main" val="1"/>
               </a:ext>
             </a:extLst>
           </p:spPr>
@@ -22330,7 +22106,7 @@
             <a:effectLst/>
             <a:extLst>
               <a:ext uri="{C572A759-6A51-4108-AA02-DFA0A04FC94B}">
-                <ma14:wrappingTextBoxFlag xmlns:ma14="http://schemas.microsoft.com/office/mac/drawingml/2011/main" xmlns="" val="1"/>
+                <ma14:wrappingTextBoxFlag xmlns="" xmlns:ma14="http://schemas.microsoft.com/office/mac/drawingml/2011/main" val="1"/>
               </a:ext>
             </a:extLst>
           </p:spPr>
@@ -22390,7 +22166,7 @@
           </a:ln>
           <a:extLst>
             <a:ext uri="{C572A759-6A51-4108-AA02-DFA0A04FC94B}">
-              <ma14:wrappingTextBoxFlag xmlns:ma14="http://schemas.microsoft.com/office/mac/drawingml/2011/main" xmlns="" val="1"/>
+              <ma14:wrappingTextBoxFlag xmlns="" xmlns:ma14="http://schemas.microsoft.com/office/mac/drawingml/2011/main" val="1"/>
             </a:ext>
           </a:extLst>
         </p:spPr>
@@ -22954,7 +22730,7 @@
           </a:ln>
           <a:extLst>
             <a:ext uri="{C572A759-6A51-4108-AA02-DFA0A04FC94B}">
-              <ma14:wrappingTextBoxFlag xmlns:ma14="http://schemas.microsoft.com/office/mac/drawingml/2011/main" xmlns="" val="1"/>
+              <ma14:wrappingTextBoxFlag xmlns="" xmlns:ma14="http://schemas.microsoft.com/office/mac/drawingml/2011/main" val="1"/>
             </a:ext>
           </a:extLst>
         </p:spPr>
@@ -23019,7 +22795,7 @@
           </a:ln>
           <a:extLst>
             <a:ext uri="{C572A759-6A51-4108-AA02-DFA0A04FC94B}">
-              <ma14:wrappingTextBoxFlag xmlns:ma14="http://schemas.microsoft.com/office/mac/drawingml/2011/main" xmlns="" val="1"/>
+              <ma14:wrappingTextBoxFlag xmlns="" xmlns:ma14="http://schemas.microsoft.com/office/mac/drawingml/2011/main" val="1"/>
             </a:ext>
           </a:extLst>
         </p:spPr>
@@ -23220,7 +22996,7 @@
           </a:ln>
           <a:extLst>
             <a:ext uri="{C572A759-6A51-4108-AA02-DFA0A04FC94B}">
-              <ma14:wrappingTextBoxFlag xmlns:ma14="http://schemas.microsoft.com/office/mac/drawingml/2011/main" xmlns="" val="1"/>
+              <ma14:wrappingTextBoxFlag xmlns="" xmlns:ma14="http://schemas.microsoft.com/office/mac/drawingml/2011/main" val="1"/>
             </a:ext>
           </a:extLst>
         </p:spPr>
@@ -23355,7 +23131,7 @@
           </a:ln>
           <a:extLst>
             <a:ext uri="{C572A759-6A51-4108-AA02-DFA0A04FC94B}">
-              <ma14:wrappingTextBoxFlag xmlns:ma14="http://schemas.microsoft.com/office/mac/drawingml/2011/main" xmlns="" val="1"/>
+              <ma14:wrappingTextBoxFlag xmlns="" xmlns:ma14="http://schemas.microsoft.com/office/mac/drawingml/2011/main" val="1"/>
             </a:ext>
           </a:extLst>
         </p:spPr>
@@ -23501,7 +23277,7 @@
           </a:ln>
           <a:extLst>
             <a:ext uri="{C572A759-6A51-4108-AA02-DFA0A04FC94B}">
-              <ma14:wrappingTextBoxFlag xmlns:ma14="http://schemas.microsoft.com/office/mac/drawingml/2011/main" xmlns="" val="1"/>
+              <ma14:wrappingTextBoxFlag xmlns="" xmlns:ma14="http://schemas.microsoft.com/office/mac/drawingml/2011/main" val="1"/>
             </a:ext>
           </a:extLst>
         </p:spPr>
@@ -23567,7 +23343,7 @@
           </a:ln>
           <a:extLst>
             <a:ext uri="{C572A759-6A51-4108-AA02-DFA0A04FC94B}">
-              <ma14:wrappingTextBoxFlag xmlns:ma14="http://schemas.microsoft.com/office/mac/drawingml/2011/main" xmlns="" val="1"/>
+              <ma14:wrappingTextBoxFlag xmlns="" xmlns:ma14="http://schemas.microsoft.com/office/mac/drawingml/2011/main" val="1"/>
             </a:ext>
           </a:extLst>
         </p:spPr>
@@ -23715,7 +23491,7 @@
           </a:ln>
           <a:extLst>
             <a:ext uri="{C572A759-6A51-4108-AA02-DFA0A04FC94B}">
-              <ma14:wrappingTextBoxFlag xmlns:ma14="http://schemas.microsoft.com/office/mac/drawingml/2011/main" xmlns="" val="1"/>
+              <ma14:wrappingTextBoxFlag xmlns="" xmlns:ma14="http://schemas.microsoft.com/office/mac/drawingml/2011/main" val="1"/>
             </a:ext>
           </a:extLst>
         </p:spPr>
@@ -23858,7 +23634,7 @@
           </a:ln>
           <a:extLst>
             <a:ext uri="{C572A759-6A51-4108-AA02-DFA0A04FC94B}">
-              <ma14:wrappingTextBoxFlag xmlns:ma14="http://schemas.microsoft.com/office/mac/drawingml/2011/main" xmlns="" val="1"/>
+              <ma14:wrappingTextBoxFlag xmlns="" xmlns:ma14="http://schemas.microsoft.com/office/mac/drawingml/2011/main" val="1"/>
             </a:ext>
           </a:extLst>
         </p:spPr>
@@ -23938,7 +23714,7 @@
           </a:ln>
           <a:extLst>
             <a:ext uri="{C572A759-6A51-4108-AA02-DFA0A04FC94B}">
-              <ma14:wrappingTextBoxFlag xmlns:ma14="http://schemas.microsoft.com/office/mac/drawingml/2011/main" xmlns="" val="1"/>
+              <ma14:wrappingTextBoxFlag xmlns="" xmlns:ma14="http://schemas.microsoft.com/office/mac/drawingml/2011/main" val="1"/>
             </a:ext>
           </a:extLst>
         </p:spPr>
@@ -24026,7 +23802,7 @@
           </a:ln>
           <a:extLst>
             <a:ext uri="{C572A759-6A51-4108-AA02-DFA0A04FC94B}">
-              <ma14:wrappingTextBoxFlag xmlns:ma14="http://schemas.microsoft.com/office/mac/drawingml/2011/main" xmlns="" val="1"/>
+              <ma14:wrappingTextBoxFlag xmlns="" xmlns:ma14="http://schemas.microsoft.com/office/mac/drawingml/2011/main" val="1"/>
             </a:ext>
           </a:extLst>
         </p:spPr>
@@ -24137,7 +23913,7 @@
           </a:ln>
           <a:extLst>
             <a:ext uri="{C572A759-6A51-4108-AA02-DFA0A04FC94B}">
-              <ma14:wrappingTextBoxFlag xmlns:ma14="http://schemas.microsoft.com/office/mac/drawingml/2011/main" xmlns="" val="1"/>
+              <ma14:wrappingTextBoxFlag xmlns="" xmlns:ma14="http://schemas.microsoft.com/office/mac/drawingml/2011/main" val="1"/>
             </a:ext>
           </a:extLst>
         </p:spPr>
@@ -24187,7 +23963,7 @@
           </a:ln>
           <a:extLst>
             <a:ext uri="{C572A759-6A51-4108-AA02-DFA0A04FC94B}">
-              <ma14:wrappingTextBoxFlag xmlns:ma14="http://schemas.microsoft.com/office/mac/drawingml/2011/main" xmlns="" val="1"/>
+              <ma14:wrappingTextBoxFlag xmlns="" xmlns:ma14="http://schemas.microsoft.com/office/mac/drawingml/2011/main" val="1"/>
             </a:ext>
           </a:extLst>
         </p:spPr>
@@ -24237,7 +24013,7 @@
           </a:ln>
           <a:extLst>
             <a:ext uri="{C572A759-6A51-4108-AA02-DFA0A04FC94B}">
-              <ma14:wrappingTextBoxFlag xmlns:ma14="http://schemas.microsoft.com/office/mac/drawingml/2011/main" xmlns="" val="1"/>
+              <ma14:wrappingTextBoxFlag xmlns="" xmlns:ma14="http://schemas.microsoft.com/office/mac/drawingml/2011/main" val="1"/>
             </a:ext>
           </a:extLst>
         </p:spPr>
@@ -24287,7 +24063,7 @@
           </a:ln>
           <a:extLst>
             <a:ext uri="{C572A759-6A51-4108-AA02-DFA0A04FC94B}">
-              <ma14:wrappingTextBoxFlag xmlns:ma14="http://schemas.microsoft.com/office/mac/drawingml/2011/main" xmlns="" val="1"/>
+              <ma14:wrappingTextBoxFlag xmlns="" xmlns:ma14="http://schemas.microsoft.com/office/mac/drawingml/2011/main" val="1"/>
             </a:ext>
           </a:extLst>
         </p:spPr>
@@ -24332,7 +24108,7 @@
           </a:ln>
           <a:extLst>
             <a:ext uri="{C572A759-6A51-4108-AA02-DFA0A04FC94B}">
-              <ma14:wrappingTextBoxFlag xmlns:ma14="http://schemas.microsoft.com/office/mac/drawingml/2011/main" xmlns="" val="1"/>
+              <ma14:wrappingTextBoxFlag xmlns="" xmlns:ma14="http://schemas.microsoft.com/office/mac/drawingml/2011/main" val="1"/>
             </a:ext>
           </a:extLst>
         </p:spPr>
@@ -25027,7 +24803,7 @@
                 <a:gridCol w="181337">
                   <a:extLst>
                     <a:ext uri="{9D8B030D-6E8A-4147-A177-3AD203B41FA5}">
-                      <a16:colId xmlns:a16="http://schemas.microsoft.com/office/drawing/2014/main" xmlns="" val="20000"/>
+                      <a16:colId xmlns="" xmlns:a16="http://schemas.microsoft.com/office/drawing/2014/main" val="20000"/>
                     </a:ext>
                   </a:extLst>
                 </a:gridCol>
@@ -25066,7 +24842,7 @@
                 </a:tc>
                 <a:extLst>
                   <a:ext uri="{0D108BD9-81ED-4DB2-BD59-A6C34878D82A}">
-                    <a16:rowId xmlns:a16="http://schemas.microsoft.com/office/drawing/2014/main" xmlns="" val="10000"/>
+                    <a16:rowId xmlns="" xmlns:a16="http://schemas.microsoft.com/office/drawing/2014/main" val="10000"/>
                   </a:ext>
                 </a:extLst>
               </a:tr>
@@ -25104,7 +24880,7 @@
                 </a:tc>
                 <a:extLst>
                   <a:ext uri="{0D108BD9-81ED-4DB2-BD59-A6C34878D82A}">
-                    <a16:rowId xmlns:a16="http://schemas.microsoft.com/office/drawing/2014/main" xmlns="" val="10001"/>
+                    <a16:rowId xmlns="" xmlns:a16="http://schemas.microsoft.com/office/drawing/2014/main" val="10001"/>
                   </a:ext>
                 </a:extLst>
               </a:tr>
@@ -25142,7 +24918,7 @@
                 </a:tc>
                 <a:extLst>
                   <a:ext uri="{0D108BD9-81ED-4DB2-BD59-A6C34878D82A}">
-                    <a16:rowId xmlns:a16="http://schemas.microsoft.com/office/drawing/2014/main" xmlns="" val="10002"/>
+                    <a16:rowId xmlns="" xmlns:a16="http://schemas.microsoft.com/office/drawing/2014/main" val="10002"/>
                   </a:ext>
                 </a:extLst>
               </a:tr>
@@ -25180,7 +24956,7 @@
                 </a:tc>
                 <a:extLst>
                   <a:ext uri="{0D108BD9-81ED-4DB2-BD59-A6C34878D82A}">
-                    <a16:rowId xmlns:a16="http://schemas.microsoft.com/office/drawing/2014/main" xmlns="" val="10003"/>
+                    <a16:rowId xmlns="" xmlns:a16="http://schemas.microsoft.com/office/drawing/2014/main" val="10003"/>
                   </a:ext>
                 </a:extLst>
               </a:tr>
@@ -25218,7 +24994,7 @@
                 </a:tc>
                 <a:extLst>
                   <a:ext uri="{0D108BD9-81ED-4DB2-BD59-A6C34878D82A}">
-                    <a16:rowId xmlns:a16="http://schemas.microsoft.com/office/drawing/2014/main" xmlns="" val="10004"/>
+                    <a16:rowId xmlns="" xmlns:a16="http://schemas.microsoft.com/office/drawing/2014/main" val="10004"/>
                   </a:ext>
                 </a:extLst>
               </a:tr>
@@ -25246,7 +25022,7 @@
                 <a:gridCol w="181337">
                   <a:extLst>
                     <a:ext uri="{9D8B030D-6E8A-4147-A177-3AD203B41FA5}">
-                      <a16:colId xmlns:a16="http://schemas.microsoft.com/office/drawing/2014/main" xmlns="" val="20000"/>
+                      <a16:colId xmlns="" xmlns:a16="http://schemas.microsoft.com/office/drawing/2014/main" val="20000"/>
                     </a:ext>
                   </a:extLst>
                 </a:gridCol>
@@ -25288,7 +25064,7 @@
                 </a:tc>
                 <a:extLst>
                   <a:ext uri="{0D108BD9-81ED-4DB2-BD59-A6C34878D82A}">
-                    <a16:rowId xmlns:a16="http://schemas.microsoft.com/office/drawing/2014/main" xmlns="" val="10000"/>
+                    <a16:rowId xmlns="" xmlns:a16="http://schemas.microsoft.com/office/drawing/2014/main" val="10000"/>
                   </a:ext>
                 </a:extLst>
               </a:tr>
@@ -25403,7 +25179,7 @@
             <a:effectLst/>
             <a:extLst>
               <a:ext uri="{C572A759-6A51-4108-AA02-DFA0A04FC94B}">
-                <ma14:wrappingTextBoxFlag xmlns:ma14="http://schemas.microsoft.com/office/mac/drawingml/2011/main" xmlns="" val="1"/>
+                <ma14:wrappingTextBoxFlag xmlns="" xmlns:ma14="http://schemas.microsoft.com/office/mac/drawingml/2011/main" val="1"/>
               </a:ext>
             </a:extLst>
           </p:spPr>
@@ -25480,7 +25256,7 @@
           </a:ln>
           <a:extLst>
             <a:ext uri="{C572A759-6A51-4108-AA02-DFA0A04FC94B}">
-              <ma14:wrappingTextBoxFlag xmlns:ma14="http://schemas.microsoft.com/office/mac/drawingml/2011/main" xmlns="" val="1"/>
+              <ma14:wrappingTextBoxFlag xmlns="" xmlns:ma14="http://schemas.microsoft.com/office/mac/drawingml/2011/main" val="1"/>
             </a:ext>
           </a:extLst>
         </p:spPr>
@@ -25568,7 +25344,7 @@
           </a:ln>
           <a:extLst>
             <a:ext uri="{C572A759-6A51-4108-AA02-DFA0A04FC94B}">
-              <ma14:wrappingTextBoxFlag xmlns:ma14="http://schemas.microsoft.com/office/mac/drawingml/2011/main" xmlns="" val="1"/>
+              <ma14:wrappingTextBoxFlag xmlns="" xmlns:ma14="http://schemas.microsoft.com/office/mac/drawingml/2011/main" val="1"/>
             </a:ext>
           </a:extLst>
         </p:spPr>
@@ -28165,7 +27941,7 @@
           </a:ln>
           <a:extLst>
             <a:ext uri="{C572A759-6A51-4108-AA02-DFA0A04FC94B}">
-              <ma14:wrappingTextBoxFlag xmlns:ma14="http://schemas.microsoft.com/office/mac/drawingml/2011/main" xmlns="" val="1"/>
+              <ma14:wrappingTextBoxFlag xmlns="" xmlns:ma14="http://schemas.microsoft.com/office/mac/drawingml/2011/main" val="1"/>
             </a:ext>
           </a:extLst>
         </p:spPr>
@@ -28319,7 +28095,7 @@
           </a:ln>
           <a:extLst>
             <a:ext uri="{C572A759-6A51-4108-AA02-DFA0A04FC94B}">
-              <ma14:wrappingTextBoxFlag xmlns:ma14="http://schemas.microsoft.com/office/mac/drawingml/2011/main" xmlns="" val="1"/>
+              <ma14:wrappingTextBoxFlag xmlns="" xmlns:ma14="http://schemas.microsoft.com/office/mac/drawingml/2011/main" val="1"/>
             </a:ext>
           </a:extLst>
         </p:spPr>
@@ -28414,7 +28190,7 @@
           </a:ln>
           <a:extLst>
             <a:ext uri="{C572A759-6A51-4108-AA02-DFA0A04FC94B}">
-              <ma14:wrappingTextBoxFlag xmlns:ma14="http://schemas.microsoft.com/office/mac/drawingml/2011/main" xmlns="" val="1"/>
+              <ma14:wrappingTextBoxFlag xmlns="" xmlns:ma14="http://schemas.microsoft.com/office/mac/drawingml/2011/main" val="1"/>
             </a:ext>
           </a:extLst>
         </p:spPr>
@@ -28521,7 +28297,7 @@
           </a:ln>
           <a:extLst>
             <a:ext uri="{C572A759-6A51-4108-AA02-DFA0A04FC94B}">
-              <ma14:wrappingTextBoxFlag xmlns:ma14="http://schemas.microsoft.com/office/mac/drawingml/2011/main" xmlns="" val="1"/>
+              <ma14:wrappingTextBoxFlag xmlns="" xmlns:ma14="http://schemas.microsoft.com/office/mac/drawingml/2011/main" val="1"/>
             </a:ext>
           </a:extLst>
         </p:spPr>
@@ -28592,7 +28368,7 @@
           </a:ln>
           <a:extLst>
             <a:ext uri="{C572A759-6A51-4108-AA02-DFA0A04FC94B}">
-              <ma14:wrappingTextBoxFlag xmlns:ma14="http://schemas.microsoft.com/office/mac/drawingml/2011/main" xmlns="" val="1"/>
+              <ma14:wrappingTextBoxFlag xmlns="" xmlns:ma14="http://schemas.microsoft.com/office/mac/drawingml/2011/main" val="1"/>
             </a:ext>
           </a:extLst>
         </p:spPr>
@@ -28654,7 +28430,7 @@
           </a:ln>
           <a:extLst>
             <a:ext uri="{C572A759-6A51-4108-AA02-DFA0A04FC94B}">
-              <ma14:wrappingTextBoxFlag xmlns:ma14="http://schemas.microsoft.com/office/mac/drawingml/2011/main" xmlns="" val="1"/>
+              <ma14:wrappingTextBoxFlag xmlns="" xmlns:ma14="http://schemas.microsoft.com/office/mac/drawingml/2011/main" val="1"/>
             </a:ext>
           </a:extLst>
         </p:spPr>
@@ -28782,7 +28558,7 @@
           </a:ln>
           <a:extLst>
             <a:ext uri="{C572A759-6A51-4108-AA02-DFA0A04FC94B}">
-              <ma14:wrappingTextBoxFlag xmlns:ma14="http://schemas.microsoft.com/office/mac/drawingml/2011/main" xmlns="" val="1"/>
+              <ma14:wrappingTextBoxFlag xmlns="" xmlns:ma14="http://schemas.microsoft.com/office/mac/drawingml/2011/main" val="1"/>
             </a:ext>
           </a:extLst>
         </p:spPr>
@@ -28874,7 +28650,7 @@
           </a:ln>
           <a:extLst>
             <a:ext uri="{C572A759-6A51-4108-AA02-DFA0A04FC94B}">
-              <ma14:wrappingTextBoxFlag xmlns:ma14="http://schemas.microsoft.com/office/mac/drawingml/2011/main" xmlns="" val="1"/>
+              <ma14:wrappingTextBoxFlag xmlns="" xmlns:ma14="http://schemas.microsoft.com/office/mac/drawingml/2011/main" val="1"/>
             </a:ext>
           </a:extLst>
         </p:spPr>
@@ -28968,7 +28744,7 @@
           </a:ln>
           <a:extLst>
             <a:ext uri="{C572A759-6A51-4108-AA02-DFA0A04FC94B}">
-              <ma14:wrappingTextBoxFlag xmlns:ma14="http://schemas.microsoft.com/office/mac/drawingml/2011/main" xmlns="" val="1"/>
+              <ma14:wrappingTextBoxFlag xmlns="" xmlns:ma14="http://schemas.microsoft.com/office/mac/drawingml/2011/main" val="1"/>
             </a:ext>
           </a:extLst>
         </p:spPr>
@@ -29018,7 +28794,7 @@
           </a:ln>
           <a:extLst>
             <a:ext uri="{C572A759-6A51-4108-AA02-DFA0A04FC94B}">
-              <ma14:wrappingTextBoxFlag xmlns:ma14="http://schemas.microsoft.com/office/mac/drawingml/2011/main" xmlns="" val="1"/>
+              <ma14:wrappingTextBoxFlag xmlns="" xmlns:ma14="http://schemas.microsoft.com/office/mac/drawingml/2011/main" val="1"/>
             </a:ext>
           </a:extLst>
         </p:spPr>
@@ -29068,7 +28844,7 @@
           </a:ln>
           <a:extLst>
             <a:ext uri="{C572A759-6A51-4108-AA02-DFA0A04FC94B}">
-              <ma14:wrappingTextBoxFlag xmlns:ma14="http://schemas.microsoft.com/office/mac/drawingml/2011/main" xmlns="" val="1"/>
+              <ma14:wrappingTextBoxFlag xmlns="" xmlns:ma14="http://schemas.microsoft.com/office/mac/drawingml/2011/main" val="1"/>
             </a:ext>
           </a:extLst>
         </p:spPr>
@@ -29113,7 +28889,7 @@
           </a:ln>
           <a:extLst>
             <a:ext uri="{C572A759-6A51-4108-AA02-DFA0A04FC94B}">
-              <ma14:wrappingTextBoxFlag xmlns:ma14="http://schemas.microsoft.com/office/mac/drawingml/2011/main" xmlns="" val="1"/>
+              <ma14:wrappingTextBoxFlag xmlns="" xmlns:ma14="http://schemas.microsoft.com/office/mac/drawingml/2011/main" val="1"/>
             </a:ext>
           </a:extLst>
         </p:spPr>
@@ -29172,7 +28948,7 @@
           </a:ln>
           <a:extLst>
             <a:ext uri="{C572A759-6A51-4108-AA02-DFA0A04FC94B}">
-              <ma14:wrappingTextBoxFlag xmlns:ma14="http://schemas.microsoft.com/office/mac/drawingml/2011/main" xmlns="" val="1"/>
+              <ma14:wrappingTextBoxFlag xmlns="" xmlns:ma14="http://schemas.microsoft.com/office/mac/drawingml/2011/main" val="1"/>
             </a:ext>
           </a:extLst>
         </p:spPr>
@@ -29231,7 +29007,7 @@
           </a:ln>
           <a:extLst>
             <a:ext uri="{C572A759-6A51-4108-AA02-DFA0A04FC94B}">
-              <ma14:wrappingTextBoxFlag xmlns:ma14="http://schemas.microsoft.com/office/mac/drawingml/2011/main" xmlns="" val="1"/>
+              <ma14:wrappingTextBoxFlag xmlns="" xmlns:ma14="http://schemas.microsoft.com/office/mac/drawingml/2011/main" val="1"/>
             </a:ext>
           </a:extLst>
         </p:spPr>
@@ -29412,7 +29188,7 @@
           </a:ln>
           <a:extLst>
             <a:ext uri="{C572A759-6A51-4108-AA02-DFA0A04FC94B}">
-              <ma14:wrappingTextBoxFlag xmlns:ma14="http://schemas.microsoft.com/office/mac/drawingml/2011/main" xmlns="" val="1"/>
+              <ma14:wrappingTextBoxFlag xmlns="" xmlns:ma14="http://schemas.microsoft.com/office/mac/drawingml/2011/main" val="1"/>
             </a:ext>
           </a:extLst>
         </p:spPr>
@@ -29483,7 +29259,7 @@
           </a:ln>
           <a:extLst>
             <a:ext uri="{C572A759-6A51-4108-AA02-DFA0A04FC94B}">
-              <ma14:wrappingTextBoxFlag xmlns:ma14="http://schemas.microsoft.com/office/mac/drawingml/2011/main" xmlns="" val="1"/>
+              <ma14:wrappingTextBoxFlag xmlns="" xmlns:ma14="http://schemas.microsoft.com/office/mac/drawingml/2011/main" val="1"/>
             </a:ext>
           </a:extLst>
         </p:spPr>
@@ -29542,7 +29318,7 @@
           </a:ln>
           <a:extLst>
             <a:ext uri="{C572A759-6A51-4108-AA02-DFA0A04FC94B}">
-              <ma14:wrappingTextBoxFlag xmlns:ma14="http://schemas.microsoft.com/office/mac/drawingml/2011/main" xmlns="" val="1"/>
+              <ma14:wrappingTextBoxFlag xmlns="" xmlns:ma14="http://schemas.microsoft.com/office/mac/drawingml/2011/main" val="1"/>
             </a:ext>
           </a:extLst>
         </p:spPr>
@@ -29601,7 +29377,7 @@
           </a:ln>
           <a:extLst>
             <a:ext uri="{C572A759-6A51-4108-AA02-DFA0A04FC94B}">
-              <ma14:wrappingTextBoxFlag xmlns:ma14="http://schemas.microsoft.com/office/mac/drawingml/2011/main" xmlns="" val="1"/>
+              <ma14:wrappingTextBoxFlag xmlns="" xmlns:ma14="http://schemas.microsoft.com/office/mac/drawingml/2011/main" val="1"/>
             </a:ext>
           </a:extLst>
         </p:spPr>
@@ -29660,7 +29436,7 @@
           </a:ln>
           <a:extLst>
             <a:ext uri="{C572A759-6A51-4108-AA02-DFA0A04FC94B}">
-              <ma14:wrappingTextBoxFlag xmlns:ma14="http://schemas.microsoft.com/office/mac/drawingml/2011/main" xmlns="" val="1"/>
+              <ma14:wrappingTextBoxFlag xmlns="" xmlns:ma14="http://schemas.microsoft.com/office/mac/drawingml/2011/main" val="1"/>
             </a:ext>
           </a:extLst>
         </p:spPr>
@@ -29719,7 +29495,7 @@
           </a:ln>
           <a:extLst>
             <a:ext uri="{C572A759-6A51-4108-AA02-DFA0A04FC94B}">
-              <ma14:wrappingTextBoxFlag xmlns:ma14="http://schemas.microsoft.com/office/mac/drawingml/2011/main" xmlns="" val="1"/>
+              <ma14:wrappingTextBoxFlag xmlns="" xmlns:ma14="http://schemas.microsoft.com/office/mac/drawingml/2011/main" val="1"/>
             </a:ext>
           </a:extLst>
         </p:spPr>
@@ -29778,7 +29554,7 @@
           </a:ln>
           <a:extLst>
             <a:ext uri="{C572A759-6A51-4108-AA02-DFA0A04FC94B}">
-              <ma14:wrappingTextBoxFlag xmlns:ma14="http://schemas.microsoft.com/office/mac/drawingml/2011/main" xmlns="" val="1"/>
+              <ma14:wrappingTextBoxFlag xmlns="" xmlns:ma14="http://schemas.microsoft.com/office/mac/drawingml/2011/main" val="1"/>
             </a:ext>
           </a:extLst>
         </p:spPr>
@@ -29837,7 +29613,7 @@
           </a:ln>
           <a:extLst>
             <a:ext uri="{C572A759-6A51-4108-AA02-DFA0A04FC94B}">
-              <ma14:wrappingTextBoxFlag xmlns:ma14="http://schemas.microsoft.com/office/mac/drawingml/2011/main" xmlns="" val="1"/>
+              <ma14:wrappingTextBoxFlag xmlns="" xmlns:ma14="http://schemas.microsoft.com/office/mac/drawingml/2011/main" val="1"/>
             </a:ext>
           </a:extLst>
         </p:spPr>
@@ -29896,7 +29672,7 @@
           </a:ln>
           <a:extLst>
             <a:ext uri="{C572A759-6A51-4108-AA02-DFA0A04FC94B}">
-              <ma14:wrappingTextBoxFlag xmlns:ma14="http://schemas.microsoft.com/office/mac/drawingml/2011/main" xmlns="" val="1"/>
+              <ma14:wrappingTextBoxFlag xmlns="" xmlns:ma14="http://schemas.microsoft.com/office/mac/drawingml/2011/main" val="1"/>
             </a:ext>
           </a:extLst>
         </p:spPr>
@@ -29954,28 +29730,28 @@
                 <a:gridCol w="247032">
                   <a:extLst>
                     <a:ext uri="{9D8B030D-6E8A-4147-A177-3AD203B41FA5}">
-                      <a16:colId xmlns:a16="http://schemas.microsoft.com/office/drawing/2014/main" xmlns="" val="20000"/>
+                      <a16:colId xmlns="" xmlns:a16="http://schemas.microsoft.com/office/drawing/2014/main" val="20000"/>
                     </a:ext>
                   </a:extLst>
                 </a:gridCol>
                 <a:gridCol w="247032">
                   <a:extLst>
                     <a:ext uri="{9D8B030D-6E8A-4147-A177-3AD203B41FA5}">
-                      <a16:colId xmlns:a16="http://schemas.microsoft.com/office/drawing/2014/main" xmlns="" val="20001"/>
+                      <a16:colId xmlns="" xmlns:a16="http://schemas.microsoft.com/office/drawing/2014/main" val="20001"/>
                     </a:ext>
                   </a:extLst>
                 </a:gridCol>
                 <a:gridCol w="247032">
                   <a:extLst>
                     <a:ext uri="{9D8B030D-6E8A-4147-A177-3AD203B41FA5}">
-                      <a16:colId xmlns:a16="http://schemas.microsoft.com/office/drawing/2014/main" xmlns="" val="20002"/>
+                      <a16:colId xmlns="" xmlns:a16="http://schemas.microsoft.com/office/drawing/2014/main" val="20002"/>
                     </a:ext>
                   </a:extLst>
                 </a:gridCol>
                 <a:gridCol w="247032">
                   <a:extLst>
                     <a:ext uri="{9D8B030D-6E8A-4147-A177-3AD203B41FA5}">
-                      <a16:colId xmlns:a16="http://schemas.microsoft.com/office/drawing/2014/main" xmlns="" val="20003"/>
+                      <a16:colId xmlns="" xmlns:a16="http://schemas.microsoft.com/office/drawing/2014/main" val="20003"/>
                     </a:ext>
                   </a:extLst>
                 </a:gridCol>
@@ -30107,7 +29883,7 @@
                 </a:tc>
                 <a:extLst>
                   <a:ext uri="{0D108BD9-81ED-4DB2-BD59-A6C34878D82A}">
-                    <a16:rowId xmlns:a16="http://schemas.microsoft.com/office/drawing/2014/main" xmlns="" val="10000"/>
+                    <a16:rowId xmlns="" xmlns:a16="http://schemas.microsoft.com/office/drawing/2014/main" val="10000"/>
                   </a:ext>
                 </a:extLst>
               </a:tr>
@@ -30247,7 +30023,7 @@
                 </a:tc>
                 <a:extLst>
                   <a:ext uri="{0D108BD9-81ED-4DB2-BD59-A6C34878D82A}">
-                    <a16:rowId xmlns:a16="http://schemas.microsoft.com/office/drawing/2014/main" xmlns="" val="10001"/>
+                    <a16:rowId xmlns="" xmlns:a16="http://schemas.microsoft.com/office/drawing/2014/main" val="10001"/>
                   </a:ext>
                 </a:extLst>
               </a:tr>
@@ -30387,7 +30163,7 @@
                 </a:tc>
                 <a:extLst>
                   <a:ext uri="{0D108BD9-81ED-4DB2-BD59-A6C34878D82A}">
-                    <a16:rowId xmlns:a16="http://schemas.microsoft.com/office/drawing/2014/main" xmlns="" val="10002"/>
+                    <a16:rowId xmlns="" xmlns:a16="http://schemas.microsoft.com/office/drawing/2014/main" val="10002"/>
                   </a:ext>
                 </a:extLst>
               </a:tr>
@@ -30415,21 +30191,21 @@
                 <a:gridCol w="238519">
                   <a:extLst>
                     <a:ext uri="{9D8B030D-6E8A-4147-A177-3AD203B41FA5}">
-                      <a16:colId xmlns:a16="http://schemas.microsoft.com/office/drawing/2014/main" xmlns="" val="20000"/>
+                      <a16:colId xmlns="" xmlns:a16="http://schemas.microsoft.com/office/drawing/2014/main" val="20000"/>
                     </a:ext>
                   </a:extLst>
                 </a:gridCol>
                 <a:gridCol w="238519">
                   <a:extLst>
                     <a:ext uri="{9D8B030D-6E8A-4147-A177-3AD203B41FA5}">
-                      <a16:colId xmlns:a16="http://schemas.microsoft.com/office/drawing/2014/main" xmlns="" val="20001"/>
+                      <a16:colId xmlns="" xmlns:a16="http://schemas.microsoft.com/office/drawing/2014/main" val="20001"/>
                     </a:ext>
                   </a:extLst>
                 </a:gridCol>
                 <a:gridCol w="238519">
                   <a:extLst>
                     <a:ext uri="{9D8B030D-6E8A-4147-A177-3AD203B41FA5}">
-                      <a16:colId xmlns:a16="http://schemas.microsoft.com/office/drawing/2014/main" xmlns="" val="20002"/>
+                      <a16:colId xmlns="" xmlns:a16="http://schemas.microsoft.com/office/drawing/2014/main" val="20002"/>
                     </a:ext>
                   </a:extLst>
                 </a:gridCol>
@@ -30544,7 +30320,7 @@
                 </a:tc>
                 <a:extLst>
                   <a:ext uri="{0D108BD9-81ED-4DB2-BD59-A6C34878D82A}">
-                    <a16:rowId xmlns:a16="http://schemas.microsoft.com/office/drawing/2014/main" xmlns="" val="10000"/>
+                    <a16:rowId xmlns="" xmlns:a16="http://schemas.microsoft.com/office/drawing/2014/main" val="10000"/>
                   </a:ext>
                 </a:extLst>
               </a:tr>
@@ -30642,7 +30418,7 @@
                 </a:tc>
                 <a:extLst>
                   <a:ext uri="{0D108BD9-81ED-4DB2-BD59-A6C34878D82A}">
-                    <a16:rowId xmlns:a16="http://schemas.microsoft.com/office/drawing/2014/main" xmlns="" val="10001"/>
+                    <a16:rowId xmlns="" xmlns:a16="http://schemas.microsoft.com/office/drawing/2014/main" val="10001"/>
                   </a:ext>
                 </a:extLst>
               </a:tr>
@@ -30740,7 +30516,7 @@
                 </a:tc>
                 <a:extLst>
                   <a:ext uri="{0D108BD9-81ED-4DB2-BD59-A6C34878D82A}">
-                    <a16:rowId xmlns:a16="http://schemas.microsoft.com/office/drawing/2014/main" xmlns="" val="10002"/>
+                    <a16:rowId xmlns="" xmlns:a16="http://schemas.microsoft.com/office/drawing/2014/main" val="10002"/>
                   </a:ext>
                 </a:extLst>
               </a:tr>
@@ -30848,7 +30624,7 @@
                 </a:tc>
                 <a:extLst>
                   <a:ext uri="{0D108BD9-81ED-4DB2-BD59-A6C34878D82A}">
-                    <a16:rowId xmlns:a16="http://schemas.microsoft.com/office/drawing/2014/main" xmlns="" val="10003"/>
+                    <a16:rowId xmlns="" xmlns:a16="http://schemas.microsoft.com/office/drawing/2014/main" val="10003"/>
                   </a:ext>
                 </a:extLst>
               </a:tr>
@@ -30956,7 +30732,7 @@
                 </a:tc>
                 <a:extLst>
                   <a:ext uri="{0D108BD9-81ED-4DB2-BD59-A6C34878D82A}">
-                    <a16:rowId xmlns:a16="http://schemas.microsoft.com/office/drawing/2014/main" xmlns="" val="10004"/>
+                    <a16:rowId xmlns="" xmlns:a16="http://schemas.microsoft.com/office/drawing/2014/main" val="10004"/>
                   </a:ext>
                 </a:extLst>
               </a:tr>
@@ -31064,7 +30840,7 @@
                 </a:tc>
                 <a:extLst>
                   <a:ext uri="{0D108BD9-81ED-4DB2-BD59-A6C34878D82A}">
-                    <a16:rowId xmlns:a16="http://schemas.microsoft.com/office/drawing/2014/main" xmlns="" val="10005"/>
+                    <a16:rowId xmlns="" xmlns:a16="http://schemas.microsoft.com/office/drawing/2014/main" val="10005"/>
                   </a:ext>
                 </a:extLst>
               </a:tr>
@@ -31172,7 +30948,7 @@
                 </a:tc>
                 <a:extLst>
                   <a:ext uri="{0D108BD9-81ED-4DB2-BD59-A6C34878D82A}">
-                    <a16:rowId xmlns:a16="http://schemas.microsoft.com/office/drawing/2014/main" xmlns="" val="10006"/>
+                    <a16:rowId xmlns="" xmlns:a16="http://schemas.microsoft.com/office/drawing/2014/main" val="10006"/>
                   </a:ext>
                 </a:extLst>
               </a:tr>
@@ -31248,21 +31024,21 @@
                 <a:gridCol w="233402">
                   <a:extLst>
                     <a:ext uri="{9D8B030D-6E8A-4147-A177-3AD203B41FA5}">
-                      <a16:colId xmlns:a16="http://schemas.microsoft.com/office/drawing/2014/main" xmlns="" val="20000"/>
+                      <a16:colId xmlns="" xmlns:a16="http://schemas.microsoft.com/office/drawing/2014/main" val="20000"/>
                     </a:ext>
                   </a:extLst>
                 </a:gridCol>
                 <a:gridCol w="233402">
                   <a:extLst>
                     <a:ext uri="{9D8B030D-6E8A-4147-A177-3AD203B41FA5}">
-                      <a16:colId xmlns:a16="http://schemas.microsoft.com/office/drawing/2014/main" xmlns="" val="20001"/>
+                      <a16:colId xmlns="" xmlns:a16="http://schemas.microsoft.com/office/drawing/2014/main" val="20001"/>
                     </a:ext>
                   </a:extLst>
                 </a:gridCol>
                 <a:gridCol w="233402">
                   <a:extLst>
                     <a:ext uri="{9D8B030D-6E8A-4147-A177-3AD203B41FA5}">
-                      <a16:colId xmlns:a16="http://schemas.microsoft.com/office/drawing/2014/main" xmlns="" val="20002"/>
+                      <a16:colId xmlns="" xmlns:a16="http://schemas.microsoft.com/office/drawing/2014/main" val="20002"/>
                     </a:ext>
                   </a:extLst>
                 </a:gridCol>
@@ -31402,7 +31178,7 @@
                 </a:tc>
                 <a:extLst>
                   <a:ext uri="{0D108BD9-81ED-4DB2-BD59-A6C34878D82A}">
-                    <a16:rowId xmlns:a16="http://schemas.microsoft.com/office/drawing/2014/main" xmlns="" val="10000"/>
+                    <a16:rowId xmlns="" xmlns:a16="http://schemas.microsoft.com/office/drawing/2014/main" val="10000"/>
                   </a:ext>
                 </a:extLst>
               </a:tr>
@@ -31487,7 +31263,7 @@
                 </a:tc>
                 <a:extLst>
                   <a:ext uri="{0D108BD9-81ED-4DB2-BD59-A6C34878D82A}">
-                    <a16:rowId xmlns:a16="http://schemas.microsoft.com/office/drawing/2014/main" xmlns="" val="10001"/>
+                    <a16:rowId xmlns="" xmlns:a16="http://schemas.microsoft.com/office/drawing/2014/main" val="10001"/>
                   </a:ext>
                 </a:extLst>
               </a:tr>
@@ -31572,7 +31348,7 @@
                 </a:tc>
                 <a:extLst>
                   <a:ext uri="{0D108BD9-81ED-4DB2-BD59-A6C34878D82A}">
-                    <a16:rowId xmlns:a16="http://schemas.microsoft.com/office/drawing/2014/main" xmlns="" val="10002"/>
+                    <a16:rowId xmlns="" xmlns:a16="http://schemas.microsoft.com/office/drawing/2014/main" val="10002"/>
                   </a:ext>
                 </a:extLst>
               </a:tr>
@@ -31657,7 +31433,7 @@
                 </a:tc>
                 <a:extLst>
                   <a:ext uri="{0D108BD9-81ED-4DB2-BD59-A6C34878D82A}">
-                    <a16:rowId xmlns:a16="http://schemas.microsoft.com/office/drawing/2014/main" xmlns="" val="10003"/>
+                    <a16:rowId xmlns="" xmlns:a16="http://schemas.microsoft.com/office/drawing/2014/main" val="10003"/>
                   </a:ext>
                 </a:extLst>
               </a:tr>
@@ -36466,14 +36242,14 @@
                 <a:gridCol w="1144233">
                   <a:extLst>
                     <a:ext uri="{9D8B030D-6E8A-4147-A177-3AD203B41FA5}">
-                      <a16:colId xmlns:a16="http://schemas.microsoft.com/office/drawing/2014/main" xmlns="" val="20000"/>
+                      <a16:colId xmlns="" xmlns:a16="http://schemas.microsoft.com/office/drawing/2014/main" val="20000"/>
                     </a:ext>
                   </a:extLst>
                 </a:gridCol>
                 <a:gridCol w="1913985">
                   <a:extLst>
                     <a:ext uri="{9D8B030D-6E8A-4147-A177-3AD203B41FA5}">
-                      <a16:colId xmlns:a16="http://schemas.microsoft.com/office/drawing/2014/main" xmlns="" val="20001"/>
+                      <a16:colId xmlns="" xmlns:a16="http://schemas.microsoft.com/office/drawing/2014/main" val="20001"/>
                     </a:ext>
                   </a:extLst>
                 </a:gridCol>
@@ -36569,7 +36345,7 @@
                 </a:tc>
                 <a:extLst>
                   <a:ext uri="{0D108BD9-81ED-4DB2-BD59-A6C34878D82A}">
-                    <a16:rowId xmlns:a16="http://schemas.microsoft.com/office/drawing/2014/main" xmlns="" val="10000"/>
+                    <a16:rowId xmlns="" xmlns:a16="http://schemas.microsoft.com/office/drawing/2014/main" val="10000"/>
                   </a:ext>
                 </a:extLst>
               </a:tr>
@@ -36664,7 +36440,7 @@
                 </a:tc>
                 <a:extLst>
                   <a:ext uri="{0D108BD9-81ED-4DB2-BD59-A6C34878D82A}">
-                    <a16:rowId xmlns:a16="http://schemas.microsoft.com/office/drawing/2014/main" xmlns="" val="10001"/>
+                    <a16:rowId xmlns="" xmlns:a16="http://schemas.microsoft.com/office/drawing/2014/main" val="10001"/>
                   </a:ext>
                 </a:extLst>
               </a:tr>
@@ -36759,7 +36535,7 @@
                 </a:tc>
                 <a:extLst>
                   <a:ext uri="{0D108BD9-81ED-4DB2-BD59-A6C34878D82A}">
-                    <a16:rowId xmlns:a16="http://schemas.microsoft.com/office/drawing/2014/main" xmlns="" val="10002"/>
+                    <a16:rowId xmlns="" xmlns:a16="http://schemas.microsoft.com/office/drawing/2014/main" val="10002"/>
                   </a:ext>
                 </a:extLst>
               </a:tr>
@@ -36854,7 +36630,7 @@
                 </a:tc>
                 <a:extLst>
                   <a:ext uri="{0D108BD9-81ED-4DB2-BD59-A6C34878D82A}">
-                    <a16:rowId xmlns:a16="http://schemas.microsoft.com/office/drawing/2014/main" xmlns="" val="10003"/>
+                    <a16:rowId xmlns="" xmlns:a16="http://schemas.microsoft.com/office/drawing/2014/main" val="10003"/>
                   </a:ext>
                 </a:extLst>
               </a:tr>
@@ -36881,7 +36657,7 @@
           </a:ln>
           <a:extLst>
             <a:ext uri="{C572A759-6A51-4108-AA02-DFA0A04FC94B}">
-              <ma14:wrappingTextBoxFlag xmlns:ma14="http://schemas.microsoft.com/office/mac/drawingml/2011/main" xmlns="" val="1"/>
+              <ma14:wrappingTextBoxFlag xmlns="" xmlns:ma14="http://schemas.microsoft.com/office/mac/drawingml/2011/main" val="1"/>
             </a:ext>
           </a:extLst>
         </p:spPr>
@@ -36940,7 +36716,7 @@
           </a:ln>
           <a:extLst>
             <a:ext uri="{C572A759-6A51-4108-AA02-DFA0A04FC94B}">
-              <ma14:wrappingTextBoxFlag xmlns:ma14="http://schemas.microsoft.com/office/mac/drawingml/2011/main" xmlns="" val="1"/>
+              <ma14:wrappingTextBoxFlag xmlns="" xmlns:ma14="http://schemas.microsoft.com/office/mac/drawingml/2011/main" val="1"/>
             </a:ext>
           </a:extLst>
         </p:spPr>
@@ -37092,7 +36868,7 @@
           </a:ln>
           <a:extLst>
             <a:ext uri="{C572A759-6A51-4108-AA02-DFA0A04FC94B}">
-              <ma14:wrappingTextBoxFlag xmlns:ma14="http://schemas.microsoft.com/office/mac/drawingml/2011/main" xmlns="" val="1"/>
+              <ma14:wrappingTextBoxFlag xmlns="" xmlns:ma14="http://schemas.microsoft.com/office/mac/drawingml/2011/main" val="1"/>
             </a:ext>
           </a:extLst>
         </p:spPr>
@@ -37275,7 +37051,7 @@
           </a:ln>
           <a:extLst>
             <a:ext uri="{C572A759-6A51-4108-AA02-DFA0A04FC94B}">
-              <ma14:wrappingTextBoxFlag xmlns:ma14="http://schemas.microsoft.com/office/mac/drawingml/2011/main" xmlns="" val="1"/>
+              <ma14:wrappingTextBoxFlag xmlns="" xmlns:ma14="http://schemas.microsoft.com/office/mac/drawingml/2011/main" val="1"/>
             </a:ext>
           </a:extLst>
         </p:spPr>
@@ -37410,7 +37186,7 @@
           </a:ln>
           <a:extLst>
             <a:ext uri="{C572A759-6A51-4108-AA02-DFA0A04FC94B}">
-              <ma14:wrappingTextBoxFlag xmlns:ma14="http://schemas.microsoft.com/office/mac/drawingml/2011/main" xmlns="" val="1"/>
+              <ma14:wrappingTextBoxFlag xmlns="" xmlns:ma14="http://schemas.microsoft.com/office/mac/drawingml/2011/main" val="1"/>
             </a:ext>
           </a:extLst>
         </p:spPr>
@@ -37553,7 +37329,7 @@
           </a:ln>
           <a:extLst>
             <a:ext uri="{C572A759-6A51-4108-AA02-DFA0A04FC94B}">
-              <ma14:wrappingTextBoxFlag xmlns:ma14="http://schemas.microsoft.com/office/mac/drawingml/2011/main" xmlns="" val="1"/>
+              <ma14:wrappingTextBoxFlag xmlns="" xmlns:ma14="http://schemas.microsoft.com/office/mac/drawingml/2011/main" val="1"/>
             </a:ext>
           </a:extLst>
         </p:spPr>
@@ -37619,7 +37395,7 @@
           </a:ln>
           <a:extLst>
             <a:ext uri="{C572A759-6A51-4108-AA02-DFA0A04FC94B}">
-              <ma14:wrappingTextBoxFlag xmlns:ma14="http://schemas.microsoft.com/office/mac/drawingml/2011/main" xmlns="" val="1"/>
+              <ma14:wrappingTextBoxFlag xmlns="" xmlns:ma14="http://schemas.microsoft.com/office/mac/drawingml/2011/main" val="1"/>
             </a:ext>
           </a:extLst>
         </p:spPr>
@@ -37690,7 +37466,7 @@
           </a:ln>
           <a:extLst>
             <a:ext uri="{C572A759-6A51-4108-AA02-DFA0A04FC94B}">
-              <ma14:wrappingTextBoxFlag xmlns:ma14="http://schemas.microsoft.com/office/mac/drawingml/2011/main" xmlns="" val="1"/>
+              <ma14:wrappingTextBoxFlag xmlns="" xmlns:ma14="http://schemas.microsoft.com/office/mac/drawingml/2011/main" val="1"/>
             </a:ext>
           </a:extLst>
         </p:spPr>
@@ -38029,7 +37805,7 @@
           </a:ln>
           <a:extLst>
             <a:ext uri="{C572A759-6A51-4108-AA02-DFA0A04FC94B}">
-              <ma14:wrappingTextBoxFlag xmlns:ma14="http://schemas.microsoft.com/office/mac/drawingml/2011/main" xmlns="" val="1"/>
+              <ma14:wrappingTextBoxFlag xmlns="" xmlns:ma14="http://schemas.microsoft.com/office/mac/drawingml/2011/main" val="1"/>
             </a:ext>
           </a:extLst>
         </p:spPr>
@@ -38110,7 +37886,7 @@
           </a:ln>
           <a:extLst>
             <a:ext uri="{C572A759-6A51-4108-AA02-DFA0A04FC94B}">
-              <ma14:wrappingTextBoxFlag xmlns:ma14="http://schemas.microsoft.com/office/mac/drawingml/2011/main" xmlns="" val="1"/>
+              <ma14:wrappingTextBoxFlag xmlns="" xmlns:ma14="http://schemas.microsoft.com/office/mac/drawingml/2011/main" val="1"/>
             </a:ext>
           </a:extLst>
         </p:spPr>
@@ -38172,7 +37948,7 @@
           </a:ln>
           <a:extLst>
             <a:ext uri="{C572A759-6A51-4108-AA02-DFA0A04FC94B}">
-              <ma14:wrappingTextBoxFlag xmlns:ma14="http://schemas.microsoft.com/office/mac/drawingml/2011/main" xmlns="" val="1"/>
+              <ma14:wrappingTextBoxFlag xmlns="" xmlns:ma14="http://schemas.microsoft.com/office/mac/drawingml/2011/main" val="1"/>
             </a:ext>
           </a:extLst>
         </p:spPr>
@@ -38231,7 +38007,7 @@
           </a:ln>
           <a:extLst>
             <a:ext uri="{C572A759-6A51-4108-AA02-DFA0A04FC94B}">
-              <ma14:wrappingTextBoxFlag xmlns:ma14="http://schemas.microsoft.com/office/mac/drawingml/2011/main" xmlns="" val="1"/>
+              <ma14:wrappingTextBoxFlag xmlns="" xmlns:ma14="http://schemas.microsoft.com/office/mac/drawingml/2011/main" val="1"/>
             </a:ext>
           </a:extLst>
         </p:spPr>
@@ -38290,7 +38066,7 @@
           </a:ln>
           <a:extLst>
             <a:ext uri="{C572A759-6A51-4108-AA02-DFA0A04FC94B}">
-              <ma14:wrappingTextBoxFlag xmlns:ma14="http://schemas.microsoft.com/office/mac/drawingml/2011/main" xmlns="" val="1"/>
+              <ma14:wrappingTextBoxFlag xmlns="" xmlns:ma14="http://schemas.microsoft.com/office/mac/drawingml/2011/main" val="1"/>
             </a:ext>
           </a:extLst>
         </p:spPr>
@@ -38349,7 +38125,7 @@
           </a:ln>
           <a:extLst>
             <a:ext uri="{C572A759-6A51-4108-AA02-DFA0A04FC94B}">
-              <ma14:wrappingTextBoxFlag xmlns:ma14="http://schemas.microsoft.com/office/mac/drawingml/2011/main" xmlns="" val="1"/>
+              <ma14:wrappingTextBoxFlag xmlns="" xmlns:ma14="http://schemas.microsoft.com/office/mac/drawingml/2011/main" val="1"/>
             </a:ext>
           </a:extLst>
         </p:spPr>
@@ -38480,7 +38256,7 @@
           </a:ln>
           <a:extLst>
             <a:ext uri="{C572A759-6A51-4108-AA02-DFA0A04FC94B}">
-              <ma14:wrappingTextBoxFlag xmlns:ma14="http://schemas.microsoft.com/office/mac/drawingml/2011/main" xmlns="" val="1"/>
+              <ma14:wrappingTextBoxFlag xmlns="" xmlns:ma14="http://schemas.microsoft.com/office/mac/drawingml/2011/main" val="1"/>
             </a:ext>
           </a:extLst>
         </p:spPr>
@@ -38623,7 +38399,7 @@
           </a:ln>
           <a:extLst>
             <a:ext uri="{C572A759-6A51-4108-AA02-DFA0A04FC94B}">
-              <ma14:wrappingTextBoxFlag xmlns:ma14="http://schemas.microsoft.com/office/mac/drawingml/2011/main" xmlns="" val="1"/>
+              <ma14:wrappingTextBoxFlag xmlns="" xmlns:ma14="http://schemas.microsoft.com/office/mac/drawingml/2011/main" val="1"/>
             </a:ext>
           </a:extLst>
         </p:spPr>
@@ -38703,7 +38479,7 @@
           </a:ln>
           <a:extLst>
             <a:ext uri="{C572A759-6A51-4108-AA02-DFA0A04FC94B}">
-              <ma14:wrappingTextBoxFlag xmlns:ma14="http://schemas.microsoft.com/office/mac/drawingml/2011/main" xmlns="" val="1"/>
+              <ma14:wrappingTextBoxFlag xmlns="" xmlns:ma14="http://schemas.microsoft.com/office/mac/drawingml/2011/main" val="1"/>
             </a:ext>
           </a:extLst>
         </p:spPr>
@@ -38791,7 +38567,7 @@
           </a:ln>
           <a:extLst>
             <a:ext uri="{C572A759-6A51-4108-AA02-DFA0A04FC94B}">
-              <ma14:wrappingTextBoxFlag xmlns:ma14="http://schemas.microsoft.com/office/mac/drawingml/2011/main" xmlns="" val="1"/>
+              <ma14:wrappingTextBoxFlag xmlns="" xmlns:ma14="http://schemas.microsoft.com/office/mac/drawingml/2011/main" val="1"/>
             </a:ext>
           </a:extLst>
         </p:spPr>
@@ -38902,7 +38678,7 @@
           </a:ln>
           <a:extLst>
             <a:ext uri="{C572A759-6A51-4108-AA02-DFA0A04FC94B}">
-              <ma14:wrappingTextBoxFlag xmlns:ma14="http://schemas.microsoft.com/office/mac/drawingml/2011/main" xmlns="" val="1"/>
+              <ma14:wrappingTextBoxFlag xmlns="" xmlns:ma14="http://schemas.microsoft.com/office/mac/drawingml/2011/main" val="1"/>
             </a:ext>
           </a:extLst>
         </p:spPr>
@@ -38952,7 +38728,7 @@
           </a:ln>
           <a:extLst>
             <a:ext uri="{C572A759-6A51-4108-AA02-DFA0A04FC94B}">
-              <ma14:wrappingTextBoxFlag xmlns:ma14="http://schemas.microsoft.com/office/mac/drawingml/2011/main" xmlns="" val="1"/>
+              <ma14:wrappingTextBoxFlag xmlns="" xmlns:ma14="http://schemas.microsoft.com/office/mac/drawingml/2011/main" val="1"/>
             </a:ext>
           </a:extLst>
         </p:spPr>
@@ -39002,7 +38778,7 @@
           </a:ln>
           <a:extLst>
             <a:ext uri="{C572A759-6A51-4108-AA02-DFA0A04FC94B}">
-              <ma14:wrappingTextBoxFlag xmlns:ma14="http://schemas.microsoft.com/office/mac/drawingml/2011/main" xmlns="" val="1"/>
+              <ma14:wrappingTextBoxFlag xmlns="" xmlns:ma14="http://schemas.microsoft.com/office/mac/drawingml/2011/main" val="1"/>
             </a:ext>
           </a:extLst>
         </p:spPr>
@@ -39052,7 +38828,7 @@
           </a:ln>
           <a:extLst>
             <a:ext uri="{C572A759-6A51-4108-AA02-DFA0A04FC94B}">
-              <ma14:wrappingTextBoxFlag xmlns:ma14="http://schemas.microsoft.com/office/mac/drawingml/2011/main" xmlns="" val="1"/>
+              <ma14:wrappingTextBoxFlag xmlns="" xmlns:ma14="http://schemas.microsoft.com/office/mac/drawingml/2011/main" val="1"/>
             </a:ext>
           </a:extLst>
         </p:spPr>
@@ -39097,7 +38873,7 @@
           </a:ln>
           <a:extLst>
             <a:ext uri="{C572A759-6A51-4108-AA02-DFA0A04FC94B}">
-              <ma14:wrappingTextBoxFlag xmlns:ma14="http://schemas.microsoft.com/office/mac/drawingml/2011/main" xmlns="" val="1"/>
+              <ma14:wrappingTextBoxFlag xmlns="" xmlns:ma14="http://schemas.microsoft.com/office/mac/drawingml/2011/main" val="1"/>
             </a:ext>
           </a:extLst>
         </p:spPr>
@@ -39792,7 +39568,7 @@
                 <a:gridCol w="181337">
                   <a:extLst>
                     <a:ext uri="{9D8B030D-6E8A-4147-A177-3AD203B41FA5}">
-                      <a16:colId xmlns:a16="http://schemas.microsoft.com/office/drawing/2014/main" xmlns="" val="20000"/>
+                      <a16:colId xmlns="" xmlns:a16="http://schemas.microsoft.com/office/drawing/2014/main" val="20000"/>
                     </a:ext>
                   </a:extLst>
                 </a:gridCol>
@@ -39831,7 +39607,7 @@
                 </a:tc>
                 <a:extLst>
                   <a:ext uri="{0D108BD9-81ED-4DB2-BD59-A6C34878D82A}">
-                    <a16:rowId xmlns:a16="http://schemas.microsoft.com/office/drawing/2014/main" xmlns="" val="10000"/>
+                    <a16:rowId xmlns="" xmlns:a16="http://schemas.microsoft.com/office/drawing/2014/main" val="10000"/>
                   </a:ext>
                 </a:extLst>
               </a:tr>
@@ -39869,7 +39645,7 @@
                 </a:tc>
                 <a:extLst>
                   <a:ext uri="{0D108BD9-81ED-4DB2-BD59-A6C34878D82A}">
-                    <a16:rowId xmlns:a16="http://schemas.microsoft.com/office/drawing/2014/main" xmlns="" val="10001"/>
+                    <a16:rowId xmlns="" xmlns:a16="http://schemas.microsoft.com/office/drawing/2014/main" val="10001"/>
                   </a:ext>
                 </a:extLst>
               </a:tr>
@@ -39907,7 +39683,7 @@
                 </a:tc>
                 <a:extLst>
                   <a:ext uri="{0D108BD9-81ED-4DB2-BD59-A6C34878D82A}">
-                    <a16:rowId xmlns:a16="http://schemas.microsoft.com/office/drawing/2014/main" xmlns="" val="10002"/>
+                    <a16:rowId xmlns="" xmlns:a16="http://schemas.microsoft.com/office/drawing/2014/main" val="10002"/>
                   </a:ext>
                 </a:extLst>
               </a:tr>
@@ -39945,7 +39721,7 @@
                 </a:tc>
                 <a:extLst>
                   <a:ext uri="{0D108BD9-81ED-4DB2-BD59-A6C34878D82A}">
-                    <a16:rowId xmlns:a16="http://schemas.microsoft.com/office/drawing/2014/main" xmlns="" val="10003"/>
+                    <a16:rowId xmlns="" xmlns:a16="http://schemas.microsoft.com/office/drawing/2014/main" val="10003"/>
                   </a:ext>
                 </a:extLst>
               </a:tr>
@@ -39983,7 +39759,7 @@
                 </a:tc>
                 <a:extLst>
                   <a:ext uri="{0D108BD9-81ED-4DB2-BD59-A6C34878D82A}">
-                    <a16:rowId xmlns:a16="http://schemas.microsoft.com/office/drawing/2014/main" xmlns="" val="10004"/>
+                    <a16:rowId xmlns="" xmlns:a16="http://schemas.microsoft.com/office/drawing/2014/main" val="10004"/>
                   </a:ext>
                 </a:extLst>
               </a:tr>
@@ -40011,7 +39787,7 @@
                 <a:gridCol w="181337">
                   <a:extLst>
                     <a:ext uri="{9D8B030D-6E8A-4147-A177-3AD203B41FA5}">
-                      <a16:colId xmlns:a16="http://schemas.microsoft.com/office/drawing/2014/main" xmlns="" val="20000"/>
+                      <a16:colId xmlns="" xmlns:a16="http://schemas.microsoft.com/office/drawing/2014/main" val="20000"/>
                     </a:ext>
                   </a:extLst>
                 </a:gridCol>
@@ -40053,7 +39829,7 @@
                 </a:tc>
                 <a:extLst>
                   <a:ext uri="{0D108BD9-81ED-4DB2-BD59-A6C34878D82A}">
-                    <a16:rowId xmlns:a16="http://schemas.microsoft.com/office/drawing/2014/main" xmlns="" val="10000"/>
+                    <a16:rowId xmlns="" xmlns:a16="http://schemas.microsoft.com/office/drawing/2014/main" val="10000"/>
                   </a:ext>
                 </a:extLst>
               </a:tr>
@@ -40168,7 +39944,7 @@
             <a:effectLst/>
             <a:extLst>
               <a:ext uri="{C572A759-6A51-4108-AA02-DFA0A04FC94B}">
-                <ma14:wrappingTextBoxFlag xmlns:ma14="http://schemas.microsoft.com/office/mac/drawingml/2011/main" xmlns="" val="1"/>
+                <ma14:wrappingTextBoxFlag xmlns="" xmlns:ma14="http://schemas.microsoft.com/office/mac/drawingml/2011/main" val="1"/>
               </a:ext>
             </a:extLst>
           </p:spPr>
@@ -40245,7 +40021,7 @@
           </a:ln>
           <a:extLst>
             <a:ext uri="{C572A759-6A51-4108-AA02-DFA0A04FC94B}">
-              <ma14:wrappingTextBoxFlag xmlns:ma14="http://schemas.microsoft.com/office/mac/drawingml/2011/main" xmlns="" val="1"/>
+              <ma14:wrappingTextBoxFlag xmlns="" xmlns:ma14="http://schemas.microsoft.com/office/mac/drawingml/2011/main" val="1"/>
             </a:ext>
           </a:extLst>
         </p:spPr>
@@ -40333,7 +40109,7 @@
           </a:ln>
           <a:extLst>
             <a:ext uri="{C572A759-6A51-4108-AA02-DFA0A04FC94B}">
-              <ma14:wrappingTextBoxFlag xmlns:ma14="http://schemas.microsoft.com/office/mac/drawingml/2011/main" xmlns="" val="1"/>
+              <ma14:wrappingTextBoxFlag xmlns="" xmlns:ma14="http://schemas.microsoft.com/office/mac/drawingml/2011/main" val="1"/>
             </a:ext>
           </a:extLst>
         </p:spPr>
@@ -42930,7 +42706,7 @@
           </a:ln>
           <a:extLst>
             <a:ext uri="{C572A759-6A51-4108-AA02-DFA0A04FC94B}">
-              <ma14:wrappingTextBoxFlag xmlns:ma14="http://schemas.microsoft.com/office/mac/drawingml/2011/main" xmlns="" val="1"/>
+              <ma14:wrappingTextBoxFlag xmlns="" xmlns:ma14="http://schemas.microsoft.com/office/mac/drawingml/2011/main" val="1"/>
             </a:ext>
           </a:extLst>
         </p:spPr>
@@ -43084,7 +42860,7 @@
           </a:ln>
           <a:extLst>
             <a:ext uri="{C572A759-6A51-4108-AA02-DFA0A04FC94B}">
-              <ma14:wrappingTextBoxFlag xmlns:ma14="http://schemas.microsoft.com/office/mac/drawingml/2011/main" xmlns="" val="1"/>
+              <ma14:wrappingTextBoxFlag xmlns="" xmlns:ma14="http://schemas.microsoft.com/office/mac/drawingml/2011/main" val="1"/>
             </a:ext>
           </a:extLst>
         </p:spPr>
@@ -43179,7 +42955,7 @@
           </a:ln>
           <a:extLst>
             <a:ext uri="{C572A759-6A51-4108-AA02-DFA0A04FC94B}">
-              <ma14:wrappingTextBoxFlag xmlns:ma14="http://schemas.microsoft.com/office/mac/drawingml/2011/main" xmlns="" val="1"/>
+              <ma14:wrappingTextBoxFlag xmlns="" xmlns:ma14="http://schemas.microsoft.com/office/mac/drawingml/2011/main" val="1"/>
             </a:ext>
           </a:extLst>
         </p:spPr>
@@ -43286,7 +43062,7 @@
           </a:ln>
           <a:extLst>
             <a:ext uri="{C572A759-6A51-4108-AA02-DFA0A04FC94B}">
-              <ma14:wrappingTextBoxFlag xmlns:ma14="http://schemas.microsoft.com/office/mac/drawingml/2011/main" xmlns="" val="1"/>
+              <ma14:wrappingTextBoxFlag xmlns="" xmlns:ma14="http://schemas.microsoft.com/office/mac/drawingml/2011/main" val="1"/>
             </a:ext>
           </a:extLst>
         </p:spPr>
@@ -43357,7 +43133,7 @@
           </a:ln>
           <a:extLst>
             <a:ext uri="{C572A759-6A51-4108-AA02-DFA0A04FC94B}">
-              <ma14:wrappingTextBoxFlag xmlns:ma14="http://schemas.microsoft.com/office/mac/drawingml/2011/main" xmlns="" val="1"/>
+              <ma14:wrappingTextBoxFlag xmlns="" xmlns:ma14="http://schemas.microsoft.com/office/mac/drawingml/2011/main" val="1"/>
             </a:ext>
           </a:extLst>
         </p:spPr>
@@ -43419,7 +43195,7 @@
           </a:ln>
           <a:extLst>
             <a:ext uri="{C572A759-6A51-4108-AA02-DFA0A04FC94B}">
-              <ma14:wrappingTextBoxFlag xmlns:ma14="http://schemas.microsoft.com/office/mac/drawingml/2011/main" xmlns="" val="1"/>
+              <ma14:wrappingTextBoxFlag xmlns="" xmlns:ma14="http://schemas.microsoft.com/office/mac/drawingml/2011/main" val="1"/>
             </a:ext>
           </a:extLst>
         </p:spPr>
@@ -43547,7 +43323,7 @@
           </a:ln>
           <a:extLst>
             <a:ext uri="{C572A759-6A51-4108-AA02-DFA0A04FC94B}">
-              <ma14:wrappingTextBoxFlag xmlns:ma14="http://schemas.microsoft.com/office/mac/drawingml/2011/main" xmlns="" val="1"/>
+              <ma14:wrappingTextBoxFlag xmlns="" xmlns:ma14="http://schemas.microsoft.com/office/mac/drawingml/2011/main" val="1"/>
             </a:ext>
           </a:extLst>
         </p:spPr>
@@ -43639,7 +43415,7 @@
           </a:ln>
           <a:extLst>
             <a:ext uri="{C572A759-6A51-4108-AA02-DFA0A04FC94B}">
-              <ma14:wrappingTextBoxFlag xmlns:ma14="http://schemas.microsoft.com/office/mac/drawingml/2011/main" xmlns="" val="1"/>
+              <ma14:wrappingTextBoxFlag xmlns="" xmlns:ma14="http://schemas.microsoft.com/office/mac/drawingml/2011/main" val="1"/>
             </a:ext>
           </a:extLst>
         </p:spPr>
@@ -43733,7 +43509,7 @@
           </a:ln>
           <a:extLst>
             <a:ext uri="{C572A759-6A51-4108-AA02-DFA0A04FC94B}">
-              <ma14:wrappingTextBoxFlag xmlns:ma14="http://schemas.microsoft.com/office/mac/drawingml/2011/main" xmlns="" val="1"/>
+              <ma14:wrappingTextBoxFlag xmlns="" xmlns:ma14="http://schemas.microsoft.com/office/mac/drawingml/2011/main" val="1"/>
             </a:ext>
           </a:extLst>
         </p:spPr>
@@ -43783,7 +43559,7 @@
           </a:ln>
           <a:extLst>
             <a:ext uri="{C572A759-6A51-4108-AA02-DFA0A04FC94B}">
-              <ma14:wrappingTextBoxFlag xmlns:ma14="http://schemas.microsoft.com/office/mac/drawingml/2011/main" xmlns="" val="1"/>
+              <ma14:wrappingTextBoxFlag xmlns="" xmlns:ma14="http://schemas.microsoft.com/office/mac/drawingml/2011/main" val="1"/>
             </a:ext>
           </a:extLst>
         </p:spPr>
@@ -43833,7 +43609,7 @@
           </a:ln>
           <a:extLst>
             <a:ext uri="{C572A759-6A51-4108-AA02-DFA0A04FC94B}">
-              <ma14:wrappingTextBoxFlag xmlns:ma14="http://schemas.microsoft.com/office/mac/drawingml/2011/main" xmlns="" val="1"/>
+              <ma14:wrappingTextBoxFlag xmlns="" xmlns:ma14="http://schemas.microsoft.com/office/mac/drawingml/2011/main" val="1"/>
             </a:ext>
           </a:extLst>
         </p:spPr>
@@ -43878,7 +43654,7 @@
           </a:ln>
           <a:extLst>
             <a:ext uri="{C572A759-6A51-4108-AA02-DFA0A04FC94B}">
-              <ma14:wrappingTextBoxFlag xmlns:ma14="http://schemas.microsoft.com/office/mac/drawingml/2011/main" xmlns="" val="1"/>
+              <ma14:wrappingTextBoxFlag xmlns="" xmlns:ma14="http://schemas.microsoft.com/office/mac/drawingml/2011/main" val="1"/>
             </a:ext>
           </a:extLst>
         </p:spPr>
@@ -43937,7 +43713,7 @@
           </a:ln>
           <a:extLst>
             <a:ext uri="{C572A759-6A51-4108-AA02-DFA0A04FC94B}">
-              <ma14:wrappingTextBoxFlag xmlns:ma14="http://schemas.microsoft.com/office/mac/drawingml/2011/main" xmlns="" val="1"/>
+              <ma14:wrappingTextBoxFlag xmlns="" xmlns:ma14="http://schemas.microsoft.com/office/mac/drawingml/2011/main" val="1"/>
             </a:ext>
           </a:extLst>
         </p:spPr>
@@ -43996,7 +43772,7 @@
           </a:ln>
           <a:extLst>
             <a:ext uri="{C572A759-6A51-4108-AA02-DFA0A04FC94B}">
-              <ma14:wrappingTextBoxFlag xmlns:ma14="http://schemas.microsoft.com/office/mac/drawingml/2011/main" xmlns="" val="1"/>
+              <ma14:wrappingTextBoxFlag xmlns="" xmlns:ma14="http://schemas.microsoft.com/office/mac/drawingml/2011/main" val="1"/>
             </a:ext>
           </a:extLst>
         </p:spPr>
@@ -44177,7 +43953,7 @@
           </a:ln>
           <a:extLst>
             <a:ext uri="{C572A759-6A51-4108-AA02-DFA0A04FC94B}">
-              <ma14:wrappingTextBoxFlag xmlns:ma14="http://schemas.microsoft.com/office/mac/drawingml/2011/main" xmlns="" val="1"/>
+              <ma14:wrappingTextBoxFlag xmlns="" xmlns:ma14="http://schemas.microsoft.com/office/mac/drawingml/2011/main" val="1"/>
             </a:ext>
           </a:extLst>
         </p:spPr>
@@ -44248,7 +44024,7 @@
           </a:ln>
           <a:extLst>
             <a:ext uri="{C572A759-6A51-4108-AA02-DFA0A04FC94B}">
-              <ma14:wrappingTextBoxFlag xmlns:ma14="http://schemas.microsoft.com/office/mac/drawingml/2011/main" xmlns="" val="1"/>
+              <ma14:wrappingTextBoxFlag xmlns="" xmlns:ma14="http://schemas.microsoft.com/office/mac/drawingml/2011/main" val="1"/>
             </a:ext>
           </a:extLst>
         </p:spPr>
@@ -44307,7 +44083,7 @@
           </a:ln>
           <a:extLst>
             <a:ext uri="{C572A759-6A51-4108-AA02-DFA0A04FC94B}">
-              <ma14:wrappingTextBoxFlag xmlns:ma14="http://schemas.microsoft.com/office/mac/drawingml/2011/main" xmlns="" val="1"/>
+              <ma14:wrappingTextBoxFlag xmlns="" xmlns:ma14="http://schemas.microsoft.com/office/mac/drawingml/2011/main" val="1"/>
             </a:ext>
           </a:extLst>
         </p:spPr>
@@ -44366,7 +44142,7 @@
           </a:ln>
           <a:extLst>
             <a:ext uri="{C572A759-6A51-4108-AA02-DFA0A04FC94B}">
-              <ma14:wrappingTextBoxFlag xmlns:ma14="http://schemas.microsoft.com/office/mac/drawingml/2011/main" xmlns="" val="1"/>
+              <ma14:wrappingTextBoxFlag xmlns="" xmlns:ma14="http://schemas.microsoft.com/office/mac/drawingml/2011/main" val="1"/>
             </a:ext>
           </a:extLst>
         </p:spPr>
@@ -44425,7 +44201,7 @@
           </a:ln>
           <a:extLst>
             <a:ext uri="{C572A759-6A51-4108-AA02-DFA0A04FC94B}">
-              <ma14:wrappingTextBoxFlag xmlns:ma14="http://schemas.microsoft.com/office/mac/drawingml/2011/main" xmlns="" val="1"/>
+              <ma14:wrappingTextBoxFlag xmlns="" xmlns:ma14="http://schemas.microsoft.com/office/mac/drawingml/2011/main" val="1"/>
             </a:ext>
           </a:extLst>
         </p:spPr>
@@ -44484,7 +44260,7 @@
           </a:ln>
           <a:extLst>
             <a:ext uri="{C572A759-6A51-4108-AA02-DFA0A04FC94B}">
-              <ma14:wrappingTextBoxFlag xmlns:ma14="http://schemas.microsoft.com/office/mac/drawingml/2011/main" xmlns="" val="1"/>
+              <ma14:wrappingTextBoxFlag xmlns="" xmlns:ma14="http://schemas.microsoft.com/office/mac/drawingml/2011/main" val="1"/>
             </a:ext>
           </a:extLst>
         </p:spPr>
@@ -44543,7 +44319,7 @@
           </a:ln>
           <a:extLst>
             <a:ext uri="{C572A759-6A51-4108-AA02-DFA0A04FC94B}">
-              <ma14:wrappingTextBoxFlag xmlns:ma14="http://schemas.microsoft.com/office/mac/drawingml/2011/main" xmlns="" val="1"/>
+              <ma14:wrappingTextBoxFlag xmlns="" xmlns:ma14="http://schemas.microsoft.com/office/mac/drawingml/2011/main" val="1"/>
             </a:ext>
           </a:extLst>
         </p:spPr>
@@ -44602,7 +44378,7 @@
           </a:ln>
           <a:extLst>
             <a:ext uri="{C572A759-6A51-4108-AA02-DFA0A04FC94B}">
-              <ma14:wrappingTextBoxFlag xmlns:ma14="http://schemas.microsoft.com/office/mac/drawingml/2011/main" xmlns="" val="1"/>
+              <ma14:wrappingTextBoxFlag xmlns="" xmlns:ma14="http://schemas.microsoft.com/office/mac/drawingml/2011/main" val="1"/>
             </a:ext>
           </a:extLst>
         </p:spPr>
@@ -44661,7 +44437,7 @@
           </a:ln>
           <a:extLst>
             <a:ext uri="{C572A759-6A51-4108-AA02-DFA0A04FC94B}">
-              <ma14:wrappingTextBoxFlag xmlns:ma14="http://schemas.microsoft.com/office/mac/drawingml/2011/main" xmlns="" val="1"/>
+              <ma14:wrappingTextBoxFlag xmlns="" xmlns:ma14="http://schemas.microsoft.com/office/mac/drawingml/2011/main" val="1"/>
             </a:ext>
           </a:extLst>
         </p:spPr>
@@ -44719,28 +44495,28 @@
                 <a:gridCol w="247032">
                   <a:extLst>
                     <a:ext uri="{9D8B030D-6E8A-4147-A177-3AD203B41FA5}">
-                      <a16:colId xmlns:a16="http://schemas.microsoft.com/office/drawing/2014/main" xmlns="" val="20000"/>
+                      <a16:colId xmlns="" xmlns:a16="http://schemas.microsoft.com/office/drawing/2014/main" val="20000"/>
                     </a:ext>
                   </a:extLst>
                 </a:gridCol>
                 <a:gridCol w="247032">
                   <a:extLst>
                     <a:ext uri="{9D8B030D-6E8A-4147-A177-3AD203B41FA5}">
-                      <a16:colId xmlns:a16="http://schemas.microsoft.com/office/drawing/2014/main" xmlns="" val="20001"/>
+                      <a16:colId xmlns="" xmlns:a16="http://schemas.microsoft.com/office/drawing/2014/main" val="20001"/>
                     </a:ext>
                   </a:extLst>
                 </a:gridCol>
                 <a:gridCol w="247032">
                   <a:extLst>
                     <a:ext uri="{9D8B030D-6E8A-4147-A177-3AD203B41FA5}">
-                      <a16:colId xmlns:a16="http://schemas.microsoft.com/office/drawing/2014/main" xmlns="" val="20002"/>
+                      <a16:colId xmlns="" xmlns:a16="http://schemas.microsoft.com/office/drawing/2014/main" val="20002"/>
                     </a:ext>
                   </a:extLst>
                 </a:gridCol>
                 <a:gridCol w="247032">
                   <a:extLst>
                     <a:ext uri="{9D8B030D-6E8A-4147-A177-3AD203B41FA5}">
-                      <a16:colId xmlns:a16="http://schemas.microsoft.com/office/drawing/2014/main" xmlns="" val="20003"/>
+                      <a16:colId xmlns="" xmlns:a16="http://schemas.microsoft.com/office/drawing/2014/main" val="20003"/>
                     </a:ext>
                   </a:extLst>
                 </a:gridCol>
@@ -44872,7 +44648,7 @@
                 </a:tc>
                 <a:extLst>
                   <a:ext uri="{0D108BD9-81ED-4DB2-BD59-A6C34878D82A}">
-                    <a16:rowId xmlns:a16="http://schemas.microsoft.com/office/drawing/2014/main" xmlns="" val="10000"/>
+                    <a16:rowId xmlns="" xmlns:a16="http://schemas.microsoft.com/office/drawing/2014/main" val="10000"/>
                   </a:ext>
                 </a:extLst>
               </a:tr>
@@ -45012,7 +44788,7 @@
                 </a:tc>
                 <a:extLst>
                   <a:ext uri="{0D108BD9-81ED-4DB2-BD59-A6C34878D82A}">
-                    <a16:rowId xmlns:a16="http://schemas.microsoft.com/office/drawing/2014/main" xmlns="" val="10001"/>
+                    <a16:rowId xmlns="" xmlns:a16="http://schemas.microsoft.com/office/drawing/2014/main" val="10001"/>
                   </a:ext>
                 </a:extLst>
               </a:tr>
@@ -45152,7 +44928,7 @@
                 </a:tc>
                 <a:extLst>
                   <a:ext uri="{0D108BD9-81ED-4DB2-BD59-A6C34878D82A}">
-                    <a16:rowId xmlns:a16="http://schemas.microsoft.com/office/drawing/2014/main" xmlns="" val="10002"/>
+                    <a16:rowId xmlns="" xmlns:a16="http://schemas.microsoft.com/office/drawing/2014/main" val="10002"/>
                   </a:ext>
                 </a:extLst>
               </a:tr>
@@ -45180,21 +44956,21 @@
                 <a:gridCol w="238519">
                   <a:extLst>
                     <a:ext uri="{9D8B030D-6E8A-4147-A177-3AD203B41FA5}">
-                      <a16:colId xmlns:a16="http://schemas.microsoft.com/office/drawing/2014/main" xmlns="" val="20000"/>
+                      <a16:colId xmlns="" xmlns:a16="http://schemas.microsoft.com/office/drawing/2014/main" val="20000"/>
                     </a:ext>
                   </a:extLst>
                 </a:gridCol>
                 <a:gridCol w="238519">
                   <a:extLst>
                     <a:ext uri="{9D8B030D-6E8A-4147-A177-3AD203B41FA5}">
-                      <a16:colId xmlns:a16="http://schemas.microsoft.com/office/drawing/2014/main" xmlns="" val="20001"/>
+                      <a16:colId xmlns="" xmlns:a16="http://schemas.microsoft.com/office/drawing/2014/main" val="20001"/>
                     </a:ext>
                   </a:extLst>
                 </a:gridCol>
                 <a:gridCol w="238519">
                   <a:extLst>
                     <a:ext uri="{9D8B030D-6E8A-4147-A177-3AD203B41FA5}">
-                      <a16:colId xmlns:a16="http://schemas.microsoft.com/office/drawing/2014/main" xmlns="" val="20002"/>
+                      <a16:colId xmlns="" xmlns:a16="http://schemas.microsoft.com/office/drawing/2014/main" val="20002"/>
                     </a:ext>
                   </a:extLst>
                 </a:gridCol>
@@ -45309,7 +45085,7 @@
                 </a:tc>
                 <a:extLst>
                   <a:ext uri="{0D108BD9-81ED-4DB2-BD59-A6C34878D82A}">
-                    <a16:rowId xmlns:a16="http://schemas.microsoft.com/office/drawing/2014/main" xmlns="" val="10000"/>
+                    <a16:rowId xmlns="" xmlns:a16="http://schemas.microsoft.com/office/drawing/2014/main" val="10000"/>
                   </a:ext>
                 </a:extLst>
               </a:tr>
@@ -45407,7 +45183,7 @@
                 </a:tc>
                 <a:extLst>
                   <a:ext uri="{0D108BD9-81ED-4DB2-BD59-A6C34878D82A}">
-                    <a16:rowId xmlns:a16="http://schemas.microsoft.com/office/drawing/2014/main" xmlns="" val="10001"/>
+                    <a16:rowId xmlns="" xmlns:a16="http://schemas.microsoft.com/office/drawing/2014/main" val="10001"/>
                   </a:ext>
                 </a:extLst>
               </a:tr>
@@ -45505,7 +45281,7 @@
                 </a:tc>
                 <a:extLst>
                   <a:ext uri="{0D108BD9-81ED-4DB2-BD59-A6C34878D82A}">
-                    <a16:rowId xmlns:a16="http://schemas.microsoft.com/office/drawing/2014/main" xmlns="" val="10002"/>
+                    <a16:rowId xmlns="" xmlns:a16="http://schemas.microsoft.com/office/drawing/2014/main" val="10002"/>
                   </a:ext>
                 </a:extLst>
               </a:tr>
@@ -45613,7 +45389,7 @@
                 </a:tc>
                 <a:extLst>
                   <a:ext uri="{0D108BD9-81ED-4DB2-BD59-A6C34878D82A}">
-                    <a16:rowId xmlns:a16="http://schemas.microsoft.com/office/drawing/2014/main" xmlns="" val="10003"/>
+                    <a16:rowId xmlns="" xmlns:a16="http://schemas.microsoft.com/office/drawing/2014/main" val="10003"/>
                   </a:ext>
                 </a:extLst>
               </a:tr>
@@ -45721,7 +45497,7 @@
                 </a:tc>
                 <a:extLst>
                   <a:ext uri="{0D108BD9-81ED-4DB2-BD59-A6C34878D82A}">
-                    <a16:rowId xmlns:a16="http://schemas.microsoft.com/office/drawing/2014/main" xmlns="" val="10004"/>
+                    <a16:rowId xmlns="" xmlns:a16="http://schemas.microsoft.com/office/drawing/2014/main" val="10004"/>
                   </a:ext>
                 </a:extLst>
               </a:tr>
@@ -45829,7 +45605,7 @@
                 </a:tc>
                 <a:extLst>
                   <a:ext uri="{0D108BD9-81ED-4DB2-BD59-A6C34878D82A}">
-                    <a16:rowId xmlns:a16="http://schemas.microsoft.com/office/drawing/2014/main" xmlns="" val="10005"/>
+                    <a16:rowId xmlns="" xmlns:a16="http://schemas.microsoft.com/office/drawing/2014/main" val="10005"/>
                   </a:ext>
                 </a:extLst>
               </a:tr>
@@ -45937,7 +45713,7 @@
                 </a:tc>
                 <a:extLst>
                   <a:ext uri="{0D108BD9-81ED-4DB2-BD59-A6C34878D82A}">
-                    <a16:rowId xmlns:a16="http://schemas.microsoft.com/office/drawing/2014/main" xmlns="" val="10006"/>
+                    <a16:rowId xmlns="" xmlns:a16="http://schemas.microsoft.com/office/drawing/2014/main" val="10006"/>
                   </a:ext>
                 </a:extLst>
               </a:tr>
@@ -46013,21 +45789,21 @@
                 <a:gridCol w="233402">
                   <a:extLst>
                     <a:ext uri="{9D8B030D-6E8A-4147-A177-3AD203B41FA5}">
-                      <a16:colId xmlns:a16="http://schemas.microsoft.com/office/drawing/2014/main" xmlns="" val="20000"/>
+                      <a16:colId xmlns="" xmlns:a16="http://schemas.microsoft.com/office/drawing/2014/main" val="20000"/>
                     </a:ext>
                   </a:extLst>
                 </a:gridCol>
                 <a:gridCol w="233402">
                   <a:extLst>
                     <a:ext uri="{9D8B030D-6E8A-4147-A177-3AD203B41FA5}">
-                      <a16:colId xmlns:a16="http://schemas.microsoft.com/office/drawing/2014/main" xmlns="" val="20001"/>
+                      <a16:colId xmlns="" xmlns:a16="http://schemas.microsoft.com/office/drawing/2014/main" val="20001"/>
                     </a:ext>
                   </a:extLst>
                 </a:gridCol>
                 <a:gridCol w="233402">
                   <a:extLst>
                     <a:ext uri="{9D8B030D-6E8A-4147-A177-3AD203B41FA5}">
-                      <a16:colId xmlns:a16="http://schemas.microsoft.com/office/drawing/2014/main" xmlns="" val="20002"/>
+                      <a16:colId xmlns="" xmlns:a16="http://schemas.microsoft.com/office/drawing/2014/main" val="20002"/>
                     </a:ext>
                   </a:extLst>
                 </a:gridCol>
@@ -46167,7 +45943,7 @@
                 </a:tc>
                 <a:extLst>
                   <a:ext uri="{0D108BD9-81ED-4DB2-BD59-A6C34878D82A}">
-                    <a16:rowId xmlns:a16="http://schemas.microsoft.com/office/drawing/2014/main" xmlns="" val="10000"/>
+                    <a16:rowId xmlns="" xmlns:a16="http://schemas.microsoft.com/office/drawing/2014/main" val="10000"/>
                   </a:ext>
                 </a:extLst>
               </a:tr>
@@ -46252,7 +46028,7 @@
                 </a:tc>
                 <a:extLst>
                   <a:ext uri="{0D108BD9-81ED-4DB2-BD59-A6C34878D82A}">
-                    <a16:rowId xmlns:a16="http://schemas.microsoft.com/office/drawing/2014/main" xmlns="" val="10001"/>
+                    <a16:rowId xmlns="" xmlns:a16="http://schemas.microsoft.com/office/drawing/2014/main" val="10001"/>
                   </a:ext>
                 </a:extLst>
               </a:tr>
@@ -46337,7 +46113,7 @@
                 </a:tc>
                 <a:extLst>
                   <a:ext uri="{0D108BD9-81ED-4DB2-BD59-A6C34878D82A}">
-                    <a16:rowId xmlns:a16="http://schemas.microsoft.com/office/drawing/2014/main" xmlns="" val="10002"/>
+                    <a16:rowId xmlns="" xmlns:a16="http://schemas.microsoft.com/office/drawing/2014/main" val="10002"/>
                   </a:ext>
                 </a:extLst>
               </a:tr>
@@ -46422,7 +46198,7 @@
                 </a:tc>
                 <a:extLst>
                   <a:ext uri="{0D108BD9-81ED-4DB2-BD59-A6C34878D82A}">
-                    <a16:rowId xmlns:a16="http://schemas.microsoft.com/office/drawing/2014/main" xmlns="" val="10003"/>
+                    <a16:rowId xmlns="" xmlns:a16="http://schemas.microsoft.com/office/drawing/2014/main" val="10003"/>
                   </a:ext>
                 </a:extLst>
               </a:tr>
@@ -51231,14 +51007,14 @@
                 <a:gridCol w="1144233">
                   <a:extLst>
                     <a:ext uri="{9D8B030D-6E8A-4147-A177-3AD203B41FA5}">
-                      <a16:colId xmlns:a16="http://schemas.microsoft.com/office/drawing/2014/main" xmlns="" val="20000"/>
+                      <a16:colId xmlns="" xmlns:a16="http://schemas.microsoft.com/office/drawing/2014/main" val="20000"/>
                     </a:ext>
                   </a:extLst>
                 </a:gridCol>
                 <a:gridCol w="1913985">
                   <a:extLst>
                     <a:ext uri="{9D8B030D-6E8A-4147-A177-3AD203B41FA5}">
-                      <a16:colId xmlns:a16="http://schemas.microsoft.com/office/drawing/2014/main" xmlns="" val="20001"/>
+                      <a16:colId xmlns="" xmlns:a16="http://schemas.microsoft.com/office/drawing/2014/main" val="20001"/>
                     </a:ext>
                   </a:extLst>
                 </a:gridCol>
@@ -51334,7 +51110,7 @@
                 </a:tc>
                 <a:extLst>
                   <a:ext uri="{0D108BD9-81ED-4DB2-BD59-A6C34878D82A}">
-                    <a16:rowId xmlns:a16="http://schemas.microsoft.com/office/drawing/2014/main" xmlns="" val="10000"/>
+                    <a16:rowId xmlns="" xmlns:a16="http://schemas.microsoft.com/office/drawing/2014/main" val="10000"/>
                   </a:ext>
                 </a:extLst>
               </a:tr>
@@ -51429,7 +51205,7 @@
                 </a:tc>
                 <a:extLst>
                   <a:ext uri="{0D108BD9-81ED-4DB2-BD59-A6C34878D82A}">
-                    <a16:rowId xmlns:a16="http://schemas.microsoft.com/office/drawing/2014/main" xmlns="" val="10001"/>
+                    <a16:rowId xmlns="" xmlns:a16="http://schemas.microsoft.com/office/drawing/2014/main" val="10001"/>
                   </a:ext>
                 </a:extLst>
               </a:tr>
@@ -51524,7 +51300,7 @@
                 </a:tc>
                 <a:extLst>
                   <a:ext uri="{0D108BD9-81ED-4DB2-BD59-A6C34878D82A}">
-                    <a16:rowId xmlns:a16="http://schemas.microsoft.com/office/drawing/2014/main" xmlns="" val="10002"/>
+                    <a16:rowId xmlns="" xmlns:a16="http://schemas.microsoft.com/office/drawing/2014/main" val="10002"/>
                   </a:ext>
                 </a:extLst>
               </a:tr>
@@ -51619,7 +51395,7 @@
                 </a:tc>
                 <a:extLst>
                   <a:ext uri="{0D108BD9-81ED-4DB2-BD59-A6C34878D82A}">
-                    <a16:rowId xmlns:a16="http://schemas.microsoft.com/office/drawing/2014/main" xmlns="" val="10003"/>
+                    <a16:rowId xmlns="" xmlns:a16="http://schemas.microsoft.com/office/drawing/2014/main" val="10003"/>
                   </a:ext>
                 </a:extLst>
               </a:tr>
@@ -51646,7 +51422,7 @@
           </a:ln>
           <a:extLst>
             <a:ext uri="{C572A759-6A51-4108-AA02-DFA0A04FC94B}">
-              <ma14:wrappingTextBoxFlag xmlns:ma14="http://schemas.microsoft.com/office/mac/drawingml/2011/main" xmlns="" val="1"/>
+              <ma14:wrappingTextBoxFlag xmlns="" xmlns:ma14="http://schemas.microsoft.com/office/mac/drawingml/2011/main" val="1"/>
             </a:ext>
           </a:extLst>
         </p:spPr>
@@ -51705,7 +51481,7 @@
           </a:ln>
           <a:extLst>
             <a:ext uri="{C572A759-6A51-4108-AA02-DFA0A04FC94B}">
-              <ma14:wrappingTextBoxFlag xmlns:ma14="http://schemas.microsoft.com/office/mac/drawingml/2011/main" xmlns="" val="1"/>
+              <ma14:wrappingTextBoxFlag xmlns="" xmlns:ma14="http://schemas.microsoft.com/office/mac/drawingml/2011/main" val="1"/>
             </a:ext>
           </a:extLst>
         </p:spPr>
@@ -51857,7 +51633,7 @@
           </a:ln>
           <a:extLst>
             <a:ext uri="{C572A759-6A51-4108-AA02-DFA0A04FC94B}">
-              <ma14:wrappingTextBoxFlag xmlns:ma14="http://schemas.microsoft.com/office/mac/drawingml/2011/main" xmlns="" val="1"/>
+              <ma14:wrappingTextBoxFlag xmlns="" xmlns:ma14="http://schemas.microsoft.com/office/mac/drawingml/2011/main" val="1"/>
             </a:ext>
           </a:extLst>
         </p:spPr>
@@ -52040,7 +51816,7 @@
           </a:ln>
           <a:extLst>
             <a:ext uri="{C572A759-6A51-4108-AA02-DFA0A04FC94B}">
-              <ma14:wrappingTextBoxFlag xmlns:ma14="http://schemas.microsoft.com/office/mac/drawingml/2011/main" xmlns="" val="1"/>
+              <ma14:wrappingTextBoxFlag xmlns="" xmlns:ma14="http://schemas.microsoft.com/office/mac/drawingml/2011/main" val="1"/>
             </a:ext>
           </a:extLst>
         </p:spPr>
@@ -52175,7 +51951,7 @@
           </a:ln>
           <a:extLst>
             <a:ext uri="{C572A759-6A51-4108-AA02-DFA0A04FC94B}">
-              <ma14:wrappingTextBoxFlag xmlns:ma14="http://schemas.microsoft.com/office/mac/drawingml/2011/main" xmlns="" val="1"/>
+              <ma14:wrappingTextBoxFlag xmlns="" xmlns:ma14="http://schemas.microsoft.com/office/mac/drawingml/2011/main" val="1"/>
             </a:ext>
           </a:extLst>
         </p:spPr>
@@ -52318,7 +52094,7 @@
           </a:ln>
           <a:extLst>
             <a:ext uri="{C572A759-6A51-4108-AA02-DFA0A04FC94B}">
-              <ma14:wrappingTextBoxFlag xmlns:ma14="http://schemas.microsoft.com/office/mac/drawingml/2011/main" xmlns="" val="1"/>
+              <ma14:wrappingTextBoxFlag xmlns="" xmlns:ma14="http://schemas.microsoft.com/office/mac/drawingml/2011/main" val="1"/>
             </a:ext>
           </a:extLst>
         </p:spPr>
@@ -52384,7 +52160,7 @@
           </a:ln>
           <a:extLst>
             <a:ext uri="{C572A759-6A51-4108-AA02-DFA0A04FC94B}">
-              <ma14:wrappingTextBoxFlag xmlns:ma14="http://schemas.microsoft.com/office/mac/drawingml/2011/main" xmlns="" val="1"/>
+              <ma14:wrappingTextBoxFlag xmlns="" xmlns:ma14="http://schemas.microsoft.com/office/mac/drawingml/2011/main" val="1"/>
             </a:ext>
           </a:extLst>
         </p:spPr>
@@ -52455,7 +52231,7 @@
           </a:ln>
           <a:extLst>
             <a:ext uri="{C572A759-6A51-4108-AA02-DFA0A04FC94B}">
-              <ma14:wrappingTextBoxFlag xmlns:ma14="http://schemas.microsoft.com/office/mac/drawingml/2011/main" xmlns="" val="1"/>
+              <ma14:wrappingTextBoxFlag xmlns="" xmlns:ma14="http://schemas.microsoft.com/office/mac/drawingml/2011/main" val="1"/>
             </a:ext>
           </a:extLst>
         </p:spPr>
@@ -52794,7 +52570,7 @@
           </a:ln>
           <a:extLst>
             <a:ext uri="{C572A759-6A51-4108-AA02-DFA0A04FC94B}">
-              <ma14:wrappingTextBoxFlag xmlns:ma14="http://schemas.microsoft.com/office/mac/drawingml/2011/main" xmlns="" val="1"/>
+              <ma14:wrappingTextBoxFlag xmlns="" xmlns:ma14="http://schemas.microsoft.com/office/mac/drawingml/2011/main" val="1"/>
             </a:ext>
           </a:extLst>
         </p:spPr>
@@ -52875,7 +52651,7 @@
           </a:ln>
           <a:extLst>
             <a:ext uri="{C572A759-6A51-4108-AA02-DFA0A04FC94B}">
-              <ma14:wrappingTextBoxFlag xmlns:ma14="http://schemas.microsoft.com/office/mac/drawingml/2011/main" xmlns="" val="1"/>
+              <ma14:wrappingTextBoxFlag xmlns="" xmlns:ma14="http://schemas.microsoft.com/office/mac/drawingml/2011/main" val="1"/>
             </a:ext>
           </a:extLst>
         </p:spPr>
@@ -52937,7 +52713,7 @@
           </a:ln>
           <a:extLst>
             <a:ext uri="{C572A759-6A51-4108-AA02-DFA0A04FC94B}">
-              <ma14:wrappingTextBoxFlag xmlns:ma14="http://schemas.microsoft.com/office/mac/drawingml/2011/main" xmlns="" val="1"/>
+              <ma14:wrappingTextBoxFlag xmlns="" xmlns:ma14="http://schemas.microsoft.com/office/mac/drawingml/2011/main" val="1"/>
             </a:ext>
           </a:extLst>
         </p:spPr>
@@ -52996,7 +52772,7 @@
           </a:ln>
           <a:extLst>
             <a:ext uri="{C572A759-6A51-4108-AA02-DFA0A04FC94B}">
-              <ma14:wrappingTextBoxFlag xmlns:ma14="http://schemas.microsoft.com/office/mac/drawingml/2011/main" xmlns="" val="1"/>
+              <ma14:wrappingTextBoxFlag xmlns="" xmlns:ma14="http://schemas.microsoft.com/office/mac/drawingml/2011/main" val="1"/>
             </a:ext>
           </a:extLst>
         </p:spPr>
@@ -53055,7 +52831,7 @@
           </a:ln>
           <a:extLst>
             <a:ext uri="{C572A759-6A51-4108-AA02-DFA0A04FC94B}">
-              <ma14:wrappingTextBoxFlag xmlns:ma14="http://schemas.microsoft.com/office/mac/drawingml/2011/main" xmlns="" val="1"/>
+              <ma14:wrappingTextBoxFlag xmlns="" xmlns:ma14="http://schemas.microsoft.com/office/mac/drawingml/2011/main" val="1"/>
             </a:ext>
           </a:extLst>
         </p:spPr>
@@ -53114,7 +52890,7 @@
           </a:ln>
           <a:extLst>
             <a:ext uri="{C572A759-6A51-4108-AA02-DFA0A04FC94B}">
-              <ma14:wrappingTextBoxFlag xmlns:ma14="http://schemas.microsoft.com/office/mac/drawingml/2011/main" xmlns="" val="1"/>
+              <ma14:wrappingTextBoxFlag xmlns="" xmlns:ma14="http://schemas.microsoft.com/office/mac/drawingml/2011/main" val="1"/>
             </a:ext>
           </a:extLst>
         </p:spPr>

--- a/how-big-is-my-graph.pptx
+++ b/how-big-is-my-graph.pptx
@@ -2428,6 +2428,30 @@
               <a:defRPr sz="1800"/>
             </a:pPr>
             <a:r>
+              <a:rPr lang="en-US" sz="1968" dirty="0" smtClean="0">
+                <a:solidFill>
+                  <a:srgbClr val="6B8E23"/>
+                </a:solidFill>
+                <a:latin typeface="Source Sans Pro Light"/>
+                <a:ea typeface="Source Sans Pro Light"/>
+                <a:cs typeface="Source Sans Pro Light"/>
+                <a:sym typeface="Source Sans Pro Light"/>
+              </a:rPr>
+              <a:t>An R </a:t>
+            </a:r>
+            <a:r>
+              <a:rPr sz="1968" dirty="0" smtClean="0">
+                <a:solidFill>
+                  <a:srgbClr val="6B8E23"/>
+                </a:solidFill>
+                <a:latin typeface="Source Sans Pro Light"/>
+                <a:ea typeface="Source Sans Pro Light"/>
+                <a:cs typeface="Source Sans Pro Light"/>
+                <a:sym typeface="Source Sans Pro Light"/>
+              </a:rPr>
+              <a:t>Cheat </a:t>
+            </a:r>
+            <a:r>
               <a:rPr sz="1968" dirty="0">
                 <a:solidFill>
                   <a:srgbClr val="6B8E23"/>
@@ -2437,7 +2461,7 @@
                 <a:cs typeface="Source Sans Pro Light"/>
                 <a:sym typeface="Source Sans Pro Light"/>
               </a:rPr>
-              <a:t>Cheat Sheet</a:t>
+              <a:t>Sheet</a:t>
             </a:r>
           </a:p>
         </p:txBody>
@@ -2501,7 +2525,7 @@
         <p:spPr>
           <a:xfrm>
             <a:off x="232450" y="10347903"/>
-            <a:ext cx="7299838" cy="234855"/>
+            <a:ext cx="6503849" cy="234855"/>
           </a:xfrm>
           <a:prstGeom prst="rect">
             <a:avLst/>
@@ -2604,7 +2628,7 @@
               <a:t>•  </a:t>
             </a:r>
             <a:r>
-              <a:rPr lang="en-US" sz="900" dirty="0">
+              <a:rPr lang="en-US" sz="900" dirty="0" smtClean="0">
                 <a:latin typeface="Source Sans Pro Light"/>
                 <a:ea typeface="Source Sans Pro Light"/>
                 <a:cs typeface="Source Sans Pro Light"/>
@@ -2612,34 +2636,12 @@
               </a:rPr>
               <a:t>mail@pmean.com</a:t>
             </a:r>
-            <a:r>
-              <a:rPr sz="900" dirty="0">
-                <a:latin typeface="Source Sans Pro Light"/>
-                <a:ea typeface="Source Sans Pro Light"/>
-                <a:cs typeface="Source Sans Pro Light"/>
-                <a:sym typeface="Source Sans Pro Light"/>
-              </a:rPr>
-              <a:t>  •  844-448-1212 • </a:t>
-            </a:r>
-            <a:r>
-              <a:rPr sz="900" u="sng" dirty="0">
-                <a:latin typeface="Source Sans Pro Light"/>
-                <a:ea typeface="Source Sans Pro Light"/>
-                <a:cs typeface="Source Sans Pro Light"/>
-                <a:sym typeface="Source Sans Pro Light"/>
-                <a:hlinkClick r:id="rId3"/>
-              </a:rPr>
-              <a:t>rstudio.com</a:t>
-            </a:r>
-            <a:r>
-              <a:rPr sz="900" dirty="0">
-                <a:latin typeface="Source Sans Pro Light"/>
-                <a:ea typeface="Source Sans Pro Light"/>
-                <a:cs typeface="Source Sans Pro Light"/>
-                <a:sym typeface="Source Sans Pro Light"/>
-              </a:rPr>
-              <a:t> </a:t>
-            </a:r>
+            <a:endParaRPr sz="900" dirty="0">
+              <a:latin typeface="Source Sans Pro Light"/>
+              <a:ea typeface="Source Sans Pro Light"/>
+              <a:cs typeface="Source Sans Pro Light"/>
+              <a:sym typeface="Source Sans Pro Light"/>
+            </a:endParaRPr>
           </a:p>
         </p:txBody>
       </p:sp>
@@ -2688,13 +2690,31 @@
               <a:t>Learn more at </a:t>
             </a:r>
             <a:r>
-              <a:rPr sz="900" dirty="0">
-                <a:latin typeface="Source Sans Pro"/>
-                <a:ea typeface="Source Sans Pro"/>
-                <a:cs typeface="Source Sans Pro"/>
-                <a:sym typeface="Source Sans Pro"/>
-              </a:rPr>
-              <a:t>web page or vignette  </a:t>
+              <a:rPr lang="en-US" sz="900" dirty="0" smtClean="0">
+                <a:latin typeface="Source Sans Pro Light"/>
+                <a:ea typeface="Source Sans Pro Light"/>
+                <a:cs typeface="Source Sans Pro Light"/>
+                <a:sym typeface="Source Sans Pro Light"/>
+              </a:rPr>
+              <a:t>blog.pmean.com/</a:t>
+            </a:r>
+            <a:r>
+              <a:rPr lang="en-US" sz="900" smtClean="0">
+                <a:latin typeface="Source Sans Pro Light"/>
+                <a:ea typeface="Source Sans Pro Light"/>
+                <a:cs typeface="Source Sans Pro Light"/>
+                <a:sym typeface="Source Sans Pro Light"/>
+              </a:rPr>
+              <a:t>cheatsheets</a:t>
+            </a:r>
+            <a:r>
+              <a:rPr sz="900" smtClean="0">
+                <a:latin typeface="Source Sans Pro Light"/>
+                <a:ea typeface="Source Sans Pro Light"/>
+                <a:cs typeface="Source Sans Pro Light"/>
+                <a:sym typeface="Source Sans Pro Light"/>
+              </a:rPr>
+              <a:t> </a:t>
             </a:r>
             <a:r>
               <a:rPr sz="900" dirty="0">
@@ -2703,7 +2723,7 @@
                 <a:cs typeface="Source Sans Pro Light"/>
                 <a:sym typeface="Source Sans Pro Light"/>
               </a:rPr>
-              <a:t>•  package  version  •  Updated: </a:t>
+              <a:t>•  Updated: </a:t>
             </a:r>
             <a:r>
               <a:rPr lang="en-US" sz="900" dirty="0">
@@ -4921,7 +4941,7 @@
           <p:nvPr/>
         </p:nvPicPr>
         <p:blipFill>
-          <a:blip r:embed="rId4">
+          <a:blip r:embed="rId3">
             <a:extLst>
               <a:ext uri="{28A0092B-C50C-407E-A947-70E740481C1C}">
                 <a14:useLocalDpi xmlns:a14="http://schemas.microsoft.com/office/drawing/2010/main" val="0"/>
